--- a/tmp/Figures in report_20221023.pptx
+++ b/tmp/Figures in report_20221023.pptx
@@ -8,6 +8,10 @@
     <p:sldId id="256" r:id="rId2"/>
     <p:sldId id="257" r:id="rId3"/>
     <p:sldId id="258" r:id="rId4"/>
+    <p:sldId id="262" r:id="rId5"/>
+    <p:sldId id="263" r:id="rId6"/>
+    <p:sldId id="260" r:id="rId7"/>
+    <p:sldId id="261" r:id="rId8"/>
   </p:sldIdLst>
   <p:sldSz cx="12192000" cy="6858000"/>
   <p:notesSz cx="6858000" cy="9144000"/>
@@ -261,7 +265,7 @@
           <a:p>
             <a:fld id="{ED263EF7-CA97-4F95-9C1E-8A5FA0797FEE}" type="datetimeFigureOut">
               <a:rPr lang="zh-CN" altLang="en-US" smtClean="0"/>
-              <a:t>2022/10/23</a:t>
+              <a:t>2022/10/24</a:t>
             </a:fld>
             <a:endParaRPr lang="zh-CN" altLang="en-US"/>
           </a:p>
@@ -459,7 +463,7 @@
           <a:p>
             <a:fld id="{ED263EF7-CA97-4F95-9C1E-8A5FA0797FEE}" type="datetimeFigureOut">
               <a:rPr lang="zh-CN" altLang="en-US" smtClean="0"/>
-              <a:t>2022/10/23</a:t>
+              <a:t>2022/10/24</a:t>
             </a:fld>
             <a:endParaRPr lang="zh-CN" altLang="en-US"/>
           </a:p>
@@ -667,7 +671,7 @@
           <a:p>
             <a:fld id="{ED263EF7-CA97-4F95-9C1E-8A5FA0797FEE}" type="datetimeFigureOut">
               <a:rPr lang="zh-CN" altLang="en-US" smtClean="0"/>
-              <a:t>2022/10/23</a:t>
+              <a:t>2022/10/24</a:t>
             </a:fld>
             <a:endParaRPr lang="zh-CN" altLang="en-US"/>
           </a:p>
@@ -865,7 +869,7 @@
           <a:p>
             <a:fld id="{ED263EF7-CA97-4F95-9C1E-8A5FA0797FEE}" type="datetimeFigureOut">
               <a:rPr lang="zh-CN" altLang="en-US" smtClean="0"/>
-              <a:t>2022/10/23</a:t>
+              <a:t>2022/10/24</a:t>
             </a:fld>
             <a:endParaRPr lang="zh-CN" altLang="en-US"/>
           </a:p>
@@ -1140,7 +1144,7 @@
           <a:p>
             <a:fld id="{ED263EF7-CA97-4F95-9C1E-8A5FA0797FEE}" type="datetimeFigureOut">
               <a:rPr lang="zh-CN" altLang="en-US" smtClean="0"/>
-              <a:t>2022/10/23</a:t>
+              <a:t>2022/10/24</a:t>
             </a:fld>
             <a:endParaRPr lang="zh-CN" altLang="en-US"/>
           </a:p>
@@ -1405,7 +1409,7 @@
           <a:p>
             <a:fld id="{ED263EF7-CA97-4F95-9C1E-8A5FA0797FEE}" type="datetimeFigureOut">
               <a:rPr lang="zh-CN" altLang="en-US" smtClean="0"/>
-              <a:t>2022/10/23</a:t>
+              <a:t>2022/10/24</a:t>
             </a:fld>
             <a:endParaRPr lang="zh-CN" altLang="en-US"/>
           </a:p>
@@ -1817,7 +1821,7 @@
           <a:p>
             <a:fld id="{ED263EF7-CA97-4F95-9C1E-8A5FA0797FEE}" type="datetimeFigureOut">
               <a:rPr lang="zh-CN" altLang="en-US" smtClean="0"/>
-              <a:t>2022/10/23</a:t>
+              <a:t>2022/10/24</a:t>
             </a:fld>
             <a:endParaRPr lang="zh-CN" altLang="en-US"/>
           </a:p>
@@ -1958,7 +1962,7 @@
           <a:p>
             <a:fld id="{ED263EF7-CA97-4F95-9C1E-8A5FA0797FEE}" type="datetimeFigureOut">
               <a:rPr lang="zh-CN" altLang="en-US" smtClean="0"/>
-              <a:t>2022/10/23</a:t>
+              <a:t>2022/10/24</a:t>
             </a:fld>
             <a:endParaRPr lang="zh-CN" altLang="en-US"/>
           </a:p>
@@ -2071,7 +2075,7 @@
           <a:p>
             <a:fld id="{ED263EF7-CA97-4F95-9C1E-8A5FA0797FEE}" type="datetimeFigureOut">
               <a:rPr lang="zh-CN" altLang="en-US" smtClean="0"/>
-              <a:t>2022/10/23</a:t>
+              <a:t>2022/10/24</a:t>
             </a:fld>
             <a:endParaRPr lang="zh-CN" altLang="en-US"/>
           </a:p>
@@ -2382,7 +2386,7 @@
           <a:p>
             <a:fld id="{ED263EF7-CA97-4F95-9C1E-8A5FA0797FEE}" type="datetimeFigureOut">
               <a:rPr lang="zh-CN" altLang="en-US" smtClean="0"/>
-              <a:t>2022/10/23</a:t>
+              <a:t>2022/10/24</a:t>
             </a:fld>
             <a:endParaRPr lang="zh-CN" altLang="en-US"/>
           </a:p>
@@ -2670,7 +2674,7 @@
           <a:p>
             <a:fld id="{ED263EF7-CA97-4F95-9C1E-8A5FA0797FEE}" type="datetimeFigureOut">
               <a:rPr lang="zh-CN" altLang="en-US" smtClean="0"/>
-              <a:t>2022/10/23</a:t>
+              <a:t>2022/10/24</a:t>
             </a:fld>
             <a:endParaRPr lang="zh-CN" altLang="en-US"/>
           </a:p>
@@ -2911,7 +2915,7 @@
           <a:p>
             <a:fld id="{ED263EF7-CA97-4F95-9C1E-8A5FA0797FEE}" type="datetimeFigureOut">
               <a:rPr lang="zh-CN" altLang="en-US" smtClean="0"/>
-              <a:t>2022/10/23</a:t>
+              <a:t>2022/10/24</a:t>
             </a:fld>
             <a:endParaRPr lang="zh-CN" altLang="en-US"/>
           </a:p>
@@ -4679,6 +4683,6069 @@
 </p:sld>
 </file>
 
+<file path=ppt/slides/slide4.xml><?xml version="1.0" encoding="utf-8"?>
+<p:sld xmlns:a="http://schemas.openxmlformats.org/drawingml/2006/main" xmlns:r="http://schemas.openxmlformats.org/officeDocument/2006/relationships" xmlns:p="http://schemas.openxmlformats.org/presentationml/2006/main">
+  <p:cSld>
+    <p:spTree>
+      <p:nvGrpSpPr>
+        <p:cNvPr id="1" name=""/>
+        <p:cNvGrpSpPr/>
+        <p:nvPr/>
+      </p:nvGrpSpPr>
+      <p:grpSpPr>
+        <a:xfrm>
+          <a:off x="0" y="0"/>
+          <a:ext cx="0" cy="0"/>
+          <a:chOff x="0" y="0"/>
+          <a:chExt cx="0" cy="0"/>
+        </a:xfrm>
+      </p:grpSpPr>
+      <p:sp>
+        <p:nvSpPr>
+          <p:cNvPr id="4" name="Cube 3">
+            <a:extLst>
+              <a:ext uri="{FF2B5EF4-FFF2-40B4-BE49-F238E27FC236}">
+                <a16:creationId xmlns:a16="http://schemas.microsoft.com/office/drawing/2014/main" id="{003AFD37-9FD5-4663-0309-0370B0D3CA9F}"/>
+              </a:ext>
+            </a:extLst>
+          </p:cNvPr>
+          <p:cNvSpPr/>
+          <p:nvPr/>
+        </p:nvSpPr>
+        <p:spPr>
+          <a:xfrm>
+            <a:off x="331760" y="1109640"/>
+            <a:ext cx="1354238" cy="369331"/>
+          </a:xfrm>
+          <a:prstGeom prst="cube">
+            <a:avLst/>
+          </a:prstGeom>
+          <a:noFill/>
+          <a:ln>
+            <a:solidFill>
+              <a:schemeClr val="tx1"/>
+            </a:solidFill>
+          </a:ln>
+        </p:spPr>
+        <p:style>
+          <a:lnRef idx="2">
+            <a:schemeClr val="accent1">
+              <a:shade val="50000"/>
+            </a:schemeClr>
+          </a:lnRef>
+          <a:fillRef idx="1">
+            <a:schemeClr val="accent1"/>
+          </a:fillRef>
+          <a:effectRef idx="0">
+            <a:schemeClr val="accent1"/>
+          </a:effectRef>
+          <a:fontRef idx="minor">
+            <a:schemeClr val="lt1"/>
+          </a:fontRef>
+        </p:style>
+        <p:txBody>
+          <a:bodyPr rtlCol="0" anchor="ctr"/>
+          <a:lstStyle/>
+          <a:p>
+            <a:pPr algn="ctr"/>
+            <a:endParaRPr lang="en-CN"/>
+          </a:p>
+        </p:txBody>
+      </p:sp>
+      <p:sp>
+        <p:nvSpPr>
+          <p:cNvPr id="5" name="TextBox 4">
+            <a:extLst>
+              <a:ext uri="{FF2B5EF4-FFF2-40B4-BE49-F238E27FC236}">
+                <a16:creationId xmlns:a16="http://schemas.microsoft.com/office/drawing/2014/main" id="{3DB23CEF-A950-7034-ACE3-7646D0D61881}"/>
+              </a:ext>
+            </a:extLst>
+          </p:cNvPr>
+          <p:cNvSpPr txBox="1"/>
+          <p:nvPr/>
+        </p:nvSpPr>
+        <p:spPr>
+          <a:xfrm>
+            <a:off x="331760" y="1165530"/>
+            <a:ext cx="1141877" cy="338554"/>
+          </a:xfrm>
+          <a:prstGeom prst="rect">
+            <a:avLst/>
+          </a:prstGeom>
+          <a:noFill/>
+        </p:spPr>
+        <p:txBody>
+          <a:bodyPr wrap="square" rtlCol="0">
+            <a:spAutoFit/>
+          </a:bodyPr>
+          <a:lstStyle/>
+          <a:p>
+            <a:r>
+              <a:rPr lang="en-CN" sz="1600" dirty="0"/>
+              <a:t>Test Text a</a:t>
+            </a:r>
+          </a:p>
+        </p:txBody>
+      </p:sp>
+      <p:sp>
+        <p:nvSpPr>
+          <p:cNvPr id="7" name="Rectangle 6">
+            <a:extLst>
+              <a:ext uri="{FF2B5EF4-FFF2-40B4-BE49-F238E27FC236}">
+                <a16:creationId xmlns:a16="http://schemas.microsoft.com/office/drawing/2014/main" id="{D38CF9D6-8C8C-ECA9-05D5-467604465DFD}"/>
+              </a:ext>
+            </a:extLst>
+          </p:cNvPr>
+          <p:cNvSpPr/>
+          <p:nvPr/>
+        </p:nvSpPr>
+        <p:spPr>
+          <a:xfrm>
+            <a:off x="864194" y="796199"/>
+            <a:ext cx="289367" cy="313441"/>
+          </a:xfrm>
+          <a:prstGeom prst="rect">
+            <a:avLst/>
+          </a:prstGeom>
+          <a:noFill/>
+          <a:ln>
+            <a:solidFill>
+              <a:schemeClr val="tx1"/>
+            </a:solidFill>
+          </a:ln>
+        </p:spPr>
+        <p:style>
+          <a:lnRef idx="2">
+            <a:schemeClr val="accent1">
+              <a:shade val="50000"/>
+            </a:schemeClr>
+          </a:lnRef>
+          <a:fillRef idx="1">
+            <a:schemeClr val="accent1"/>
+          </a:fillRef>
+          <a:effectRef idx="0">
+            <a:schemeClr val="accent1"/>
+          </a:effectRef>
+          <a:fontRef idx="minor">
+            <a:schemeClr val="lt1"/>
+          </a:fontRef>
+        </p:style>
+        <p:txBody>
+          <a:bodyPr rtlCol="0" anchor="ctr"/>
+          <a:lstStyle/>
+          <a:p>
+            <a:pPr algn="ctr"/>
+            <a:r>
+              <a:rPr lang="en-CN" sz="1400" b="1" dirty="0">
+                <a:ln>
+                  <a:solidFill>
+                    <a:schemeClr val="tx1"/>
+                  </a:solidFill>
+                </a:ln>
+                <a:solidFill>
+                  <a:sysClr val="windowText" lastClr="000000"/>
+                </a:solidFill>
+              </a:rPr>
+              <a:t>0</a:t>
+            </a:r>
+          </a:p>
+        </p:txBody>
+      </p:sp>
+      <p:pic>
+        <p:nvPicPr>
+          <p:cNvPr id="8" name="图片 6">
+            <a:extLst>
+              <a:ext uri="{FF2B5EF4-FFF2-40B4-BE49-F238E27FC236}">
+                <a16:creationId xmlns:a16="http://schemas.microsoft.com/office/drawing/2014/main" id="{12F6B374-C122-B233-0840-CBB41024E834}"/>
+              </a:ext>
+            </a:extLst>
+          </p:cNvPr>
+          <p:cNvPicPr>
+            <a:picLocks noChangeAspect="1"/>
+          </p:cNvPicPr>
+          <p:nvPr/>
+        </p:nvPicPr>
+        <p:blipFill>
+          <a:blip r:embed="rId2">
+            <a:extLst>
+              <a:ext uri="{BEBA8EAE-BF5A-486C-A8C5-ECC9F3942E4B}">
+                <a14:imgProps xmlns:a14="http://schemas.microsoft.com/office/drawing/2010/main">
+                  <a14:imgLayer r:embed="rId3">
+                    <a14:imgEffect>
+                      <a14:saturation sat="0"/>
+                    </a14:imgEffect>
+                  </a14:imgLayer>
+                </a14:imgProps>
+              </a:ext>
+            </a:extLst>
+          </a:blip>
+          <a:stretch>
+            <a:fillRect/>
+          </a:stretch>
+        </p:blipFill>
+        <p:spPr>
+          <a:xfrm>
+            <a:off x="2554099" y="426015"/>
+            <a:ext cx="1059947" cy="1496747"/>
+          </a:xfrm>
+          <a:prstGeom prst="rect">
+            <a:avLst/>
+          </a:prstGeom>
+        </p:spPr>
+      </p:pic>
+      <p:cxnSp>
+        <p:nvCxnSpPr>
+          <p:cNvPr id="10" name="Straight Arrow Connector 9">
+            <a:extLst>
+              <a:ext uri="{FF2B5EF4-FFF2-40B4-BE49-F238E27FC236}">
+                <a16:creationId xmlns:a16="http://schemas.microsoft.com/office/drawing/2014/main" id="{418470D8-849A-8F13-A905-F69750181B3D}"/>
+              </a:ext>
+            </a:extLst>
+          </p:cNvPr>
+          <p:cNvCxnSpPr>
+            <a:cxnSpLocks/>
+          </p:cNvCxnSpPr>
+          <p:nvPr/>
+        </p:nvCxnSpPr>
+        <p:spPr>
+          <a:xfrm>
+            <a:off x="1801745" y="1258127"/>
+            <a:ext cx="636607" cy="0"/>
+          </a:xfrm>
+          <a:prstGeom prst="straightConnector1">
+            <a:avLst/>
+          </a:prstGeom>
+          <a:ln>
+            <a:solidFill>
+              <a:schemeClr val="tx1"/>
+            </a:solidFill>
+            <a:tailEnd type="triangle"/>
+          </a:ln>
+        </p:spPr>
+        <p:style>
+          <a:lnRef idx="1">
+            <a:schemeClr val="accent1"/>
+          </a:lnRef>
+          <a:fillRef idx="0">
+            <a:schemeClr val="accent1"/>
+          </a:fillRef>
+          <a:effectRef idx="0">
+            <a:schemeClr val="accent1"/>
+          </a:effectRef>
+          <a:fontRef idx="minor">
+            <a:schemeClr val="tx1"/>
+          </a:fontRef>
+        </p:style>
+      </p:cxnSp>
+      <p:sp>
+        <p:nvSpPr>
+          <p:cNvPr id="12" name="Rectangle 11">
+            <a:extLst>
+              <a:ext uri="{FF2B5EF4-FFF2-40B4-BE49-F238E27FC236}">
+                <a16:creationId xmlns:a16="http://schemas.microsoft.com/office/drawing/2014/main" id="{ABF67571-1935-C34C-60A0-B3EEC261B156}"/>
+              </a:ext>
+            </a:extLst>
+          </p:cNvPr>
+          <p:cNvSpPr/>
+          <p:nvPr/>
+        </p:nvSpPr>
+        <p:spPr>
+          <a:xfrm>
+            <a:off x="4501516" y="1101406"/>
+            <a:ext cx="289367" cy="313441"/>
+          </a:xfrm>
+          <a:prstGeom prst="rect">
+            <a:avLst/>
+          </a:prstGeom>
+          <a:solidFill>
+            <a:srgbClr val="00B050"/>
+          </a:solidFill>
+          <a:ln>
+            <a:solidFill>
+              <a:schemeClr val="tx1"/>
+            </a:solidFill>
+          </a:ln>
+        </p:spPr>
+        <p:style>
+          <a:lnRef idx="2">
+            <a:schemeClr val="accent1">
+              <a:shade val="50000"/>
+            </a:schemeClr>
+          </a:lnRef>
+          <a:fillRef idx="1">
+            <a:schemeClr val="accent1"/>
+          </a:fillRef>
+          <a:effectRef idx="0">
+            <a:schemeClr val="accent1"/>
+          </a:effectRef>
+          <a:fontRef idx="minor">
+            <a:schemeClr val="lt1"/>
+          </a:fontRef>
+        </p:style>
+        <p:txBody>
+          <a:bodyPr rtlCol="0" anchor="ctr"/>
+          <a:lstStyle/>
+          <a:p>
+            <a:pPr algn="ctr"/>
+            <a:r>
+              <a:rPr lang="en-CN" sz="1400" b="1" dirty="0">
+                <a:solidFill>
+                  <a:schemeClr val="bg1"/>
+                </a:solidFill>
+              </a:rPr>
+              <a:t>0</a:t>
+            </a:r>
+          </a:p>
+        </p:txBody>
+      </p:sp>
+      <p:cxnSp>
+        <p:nvCxnSpPr>
+          <p:cNvPr id="13" name="Straight Arrow Connector 12">
+            <a:extLst>
+              <a:ext uri="{FF2B5EF4-FFF2-40B4-BE49-F238E27FC236}">
+                <a16:creationId xmlns:a16="http://schemas.microsoft.com/office/drawing/2014/main" id="{013F52F6-6E07-9C6A-2ECD-76F986A75D35}"/>
+              </a:ext>
+            </a:extLst>
+          </p:cNvPr>
+          <p:cNvCxnSpPr>
+            <a:cxnSpLocks/>
+          </p:cNvCxnSpPr>
+          <p:nvPr/>
+        </p:nvCxnSpPr>
+        <p:spPr>
+          <a:xfrm>
+            <a:off x="3713497" y="1294305"/>
+            <a:ext cx="636607" cy="0"/>
+          </a:xfrm>
+          <a:prstGeom prst="straightConnector1">
+            <a:avLst/>
+          </a:prstGeom>
+          <a:ln>
+            <a:solidFill>
+              <a:schemeClr val="tx1"/>
+            </a:solidFill>
+            <a:tailEnd type="triangle"/>
+          </a:ln>
+        </p:spPr>
+        <p:style>
+          <a:lnRef idx="1">
+            <a:schemeClr val="accent1"/>
+          </a:lnRef>
+          <a:fillRef idx="0">
+            <a:schemeClr val="accent1"/>
+          </a:fillRef>
+          <a:effectRef idx="0">
+            <a:schemeClr val="accent1"/>
+          </a:effectRef>
+          <a:fontRef idx="minor">
+            <a:schemeClr val="tx1"/>
+          </a:fontRef>
+        </p:style>
+      </p:cxnSp>
+      <p:sp>
+        <p:nvSpPr>
+          <p:cNvPr id="14" name="Cube 13">
+            <a:extLst>
+              <a:ext uri="{FF2B5EF4-FFF2-40B4-BE49-F238E27FC236}">
+                <a16:creationId xmlns:a16="http://schemas.microsoft.com/office/drawing/2014/main" id="{985C488F-D7B4-57F7-48BF-6180F624D217}"/>
+              </a:ext>
+            </a:extLst>
+          </p:cNvPr>
+          <p:cNvSpPr/>
+          <p:nvPr/>
+        </p:nvSpPr>
+        <p:spPr>
+          <a:xfrm>
+            <a:off x="266243" y="3207557"/>
+            <a:ext cx="1354238" cy="369331"/>
+          </a:xfrm>
+          <a:prstGeom prst="cube">
+            <a:avLst/>
+          </a:prstGeom>
+          <a:noFill/>
+          <a:ln>
+            <a:solidFill>
+              <a:schemeClr val="tx1"/>
+            </a:solidFill>
+          </a:ln>
+        </p:spPr>
+        <p:style>
+          <a:lnRef idx="2">
+            <a:schemeClr val="accent1">
+              <a:shade val="50000"/>
+            </a:schemeClr>
+          </a:lnRef>
+          <a:fillRef idx="1">
+            <a:schemeClr val="accent1"/>
+          </a:fillRef>
+          <a:effectRef idx="0">
+            <a:schemeClr val="accent1"/>
+          </a:effectRef>
+          <a:fontRef idx="minor">
+            <a:schemeClr val="lt1"/>
+          </a:fontRef>
+        </p:style>
+        <p:txBody>
+          <a:bodyPr rtlCol="0" anchor="ctr"/>
+          <a:lstStyle/>
+          <a:p>
+            <a:pPr algn="ctr"/>
+            <a:endParaRPr lang="en-CN"/>
+          </a:p>
+        </p:txBody>
+      </p:sp>
+      <p:sp>
+        <p:nvSpPr>
+          <p:cNvPr id="15" name="TextBox 14">
+            <a:extLst>
+              <a:ext uri="{FF2B5EF4-FFF2-40B4-BE49-F238E27FC236}">
+                <a16:creationId xmlns:a16="http://schemas.microsoft.com/office/drawing/2014/main" id="{54405624-C349-C08A-701E-9C245988BCCF}"/>
+              </a:ext>
+            </a:extLst>
+          </p:cNvPr>
+          <p:cNvSpPr txBox="1"/>
+          <p:nvPr/>
+        </p:nvSpPr>
+        <p:spPr>
+          <a:xfrm>
+            <a:off x="266243" y="3263447"/>
+            <a:ext cx="1319278" cy="338554"/>
+          </a:xfrm>
+          <a:prstGeom prst="rect">
+            <a:avLst/>
+          </a:prstGeom>
+          <a:noFill/>
+        </p:spPr>
+        <p:txBody>
+          <a:bodyPr wrap="square" rtlCol="0">
+            <a:spAutoFit/>
+          </a:bodyPr>
+          <a:lstStyle/>
+          <a:p>
+            <a:r>
+              <a:rPr lang="en-CN" sz="1600" dirty="0"/>
+              <a:t>Train Text b</a:t>
+            </a:r>
+          </a:p>
+        </p:txBody>
+      </p:sp>
+      <p:sp>
+        <p:nvSpPr>
+          <p:cNvPr id="16" name="Rectangle 15">
+            <a:extLst>
+              <a:ext uri="{FF2B5EF4-FFF2-40B4-BE49-F238E27FC236}">
+                <a16:creationId xmlns:a16="http://schemas.microsoft.com/office/drawing/2014/main" id="{9C9476D3-FD96-2F12-4AD2-2DEB2A1F9555}"/>
+              </a:ext>
+            </a:extLst>
+          </p:cNvPr>
+          <p:cNvSpPr/>
+          <p:nvPr/>
+        </p:nvSpPr>
+        <p:spPr>
+          <a:xfrm>
+            <a:off x="798677" y="2894116"/>
+            <a:ext cx="289367" cy="313441"/>
+          </a:xfrm>
+          <a:prstGeom prst="rect">
+            <a:avLst/>
+          </a:prstGeom>
+          <a:noFill/>
+          <a:ln>
+            <a:solidFill>
+              <a:schemeClr val="tx1"/>
+            </a:solidFill>
+          </a:ln>
+        </p:spPr>
+        <p:style>
+          <a:lnRef idx="2">
+            <a:schemeClr val="accent1">
+              <a:shade val="50000"/>
+            </a:schemeClr>
+          </a:lnRef>
+          <a:fillRef idx="1">
+            <a:schemeClr val="accent1"/>
+          </a:fillRef>
+          <a:effectRef idx="0">
+            <a:schemeClr val="accent1"/>
+          </a:effectRef>
+          <a:fontRef idx="minor">
+            <a:schemeClr val="lt1"/>
+          </a:fontRef>
+        </p:style>
+        <p:txBody>
+          <a:bodyPr rtlCol="0" anchor="ctr"/>
+          <a:lstStyle/>
+          <a:p>
+            <a:pPr algn="ctr"/>
+            <a:r>
+              <a:rPr lang="en-CN" sz="1400" b="1" dirty="0">
+                <a:ln>
+                  <a:solidFill>
+                    <a:schemeClr val="tx1"/>
+                  </a:solidFill>
+                </a:ln>
+                <a:solidFill>
+                  <a:sysClr val="windowText" lastClr="000000"/>
+                </a:solidFill>
+              </a:rPr>
+              <a:t>0</a:t>
+            </a:r>
+          </a:p>
+        </p:txBody>
+      </p:sp>
+      <p:sp>
+        <p:nvSpPr>
+          <p:cNvPr id="17" name="Cube 16">
+            <a:extLst>
+              <a:ext uri="{FF2B5EF4-FFF2-40B4-BE49-F238E27FC236}">
+                <a16:creationId xmlns:a16="http://schemas.microsoft.com/office/drawing/2014/main" id="{DA8199F8-9E85-22A3-AAF7-F7CAEB299D89}"/>
+              </a:ext>
+            </a:extLst>
+          </p:cNvPr>
+          <p:cNvSpPr/>
+          <p:nvPr/>
+        </p:nvSpPr>
+        <p:spPr>
+          <a:xfrm>
+            <a:off x="278485" y="4418886"/>
+            <a:ext cx="1354238" cy="369331"/>
+          </a:xfrm>
+          <a:prstGeom prst="cube">
+            <a:avLst/>
+          </a:prstGeom>
+          <a:noFill/>
+          <a:ln>
+            <a:solidFill>
+              <a:schemeClr val="tx1"/>
+            </a:solidFill>
+          </a:ln>
+        </p:spPr>
+        <p:style>
+          <a:lnRef idx="2">
+            <a:schemeClr val="accent1">
+              <a:shade val="50000"/>
+            </a:schemeClr>
+          </a:lnRef>
+          <a:fillRef idx="1">
+            <a:schemeClr val="accent1"/>
+          </a:fillRef>
+          <a:effectRef idx="0">
+            <a:schemeClr val="accent1"/>
+          </a:effectRef>
+          <a:fontRef idx="minor">
+            <a:schemeClr val="lt1"/>
+          </a:fontRef>
+        </p:style>
+        <p:txBody>
+          <a:bodyPr rtlCol="0" anchor="ctr"/>
+          <a:lstStyle/>
+          <a:p>
+            <a:pPr algn="ctr"/>
+            <a:endParaRPr lang="en-CN"/>
+          </a:p>
+        </p:txBody>
+      </p:sp>
+      <p:sp>
+        <p:nvSpPr>
+          <p:cNvPr id="18" name="TextBox 17">
+            <a:extLst>
+              <a:ext uri="{FF2B5EF4-FFF2-40B4-BE49-F238E27FC236}">
+                <a16:creationId xmlns:a16="http://schemas.microsoft.com/office/drawing/2014/main" id="{9FCBC2F1-F8AB-01B4-D174-4EACCBB2895A}"/>
+              </a:ext>
+            </a:extLst>
+          </p:cNvPr>
+          <p:cNvSpPr txBox="1"/>
+          <p:nvPr/>
+        </p:nvSpPr>
+        <p:spPr>
+          <a:xfrm>
+            <a:off x="278485" y="4474776"/>
+            <a:ext cx="1223844" cy="338554"/>
+          </a:xfrm>
+          <a:prstGeom prst="rect">
+            <a:avLst/>
+          </a:prstGeom>
+          <a:noFill/>
+        </p:spPr>
+        <p:txBody>
+          <a:bodyPr wrap="square" rtlCol="0">
+            <a:spAutoFit/>
+          </a:bodyPr>
+          <a:lstStyle/>
+          <a:p>
+            <a:r>
+              <a:rPr lang="en-CN" sz="1600" dirty="0"/>
+              <a:t>Train Text c</a:t>
+            </a:r>
+          </a:p>
+        </p:txBody>
+      </p:sp>
+      <p:sp>
+        <p:nvSpPr>
+          <p:cNvPr id="19" name="Rectangle 18">
+            <a:extLst>
+              <a:ext uri="{FF2B5EF4-FFF2-40B4-BE49-F238E27FC236}">
+                <a16:creationId xmlns:a16="http://schemas.microsoft.com/office/drawing/2014/main" id="{EDB38A8F-2800-63D2-90B8-A2CA76A72544}"/>
+              </a:ext>
+            </a:extLst>
+          </p:cNvPr>
+          <p:cNvSpPr/>
+          <p:nvPr/>
+        </p:nvSpPr>
+        <p:spPr>
+          <a:xfrm>
+            <a:off x="810919" y="4105445"/>
+            <a:ext cx="289367" cy="313441"/>
+          </a:xfrm>
+          <a:prstGeom prst="rect">
+            <a:avLst/>
+          </a:prstGeom>
+          <a:noFill/>
+          <a:ln>
+            <a:solidFill>
+              <a:schemeClr val="tx1"/>
+            </a:solidFill>
+          </a:ln>
+        </p:spPr>
+        <p:style>
+          <a:lnRef idx="2">
+            <a:schemeClr val="accent1">
+              <a:shade val="50000"/>
+            </a:schemeClr>
+          </a:lnRef>
+          <a:fillRef idx="1">
+            <a:schemeClr val="accent1"/>
+          </a:fillRef>
+          <a:effectRef idx="0">
+            <a:schemeClr val="accent1"/>
+          </a:effectRef>
+          <a:fontRef idx="minor">
+            <a:schemeClr val="lt1"/>
+          </a:fontRef>
+        </p:style>
+        <p:txBody>
+          <a:bodyPr rtlCol="0" anchor="ctr"/>
+          <a:lstStyle/>
+          <a:p>
+            <a:pPr algn="ctr"/>
+            <a:r>
+              <a:rPr lang="en-CN" sz="1400" b="1" dirty="0">
+                <a:ln>
+                  <a:solidFill>
+                    <a:schemeClr val="tx1"/>
+                  </a:solidFill>
+                </a:ln>
+                <a:solidFill>
+                  <a:sysClr val="windowText" lastClr="000000"/>
+                </a:solidFill>
+              </a:rPr>
+              <a:t>1</a:t>
+            </a:r>
+          </a:p>
+        </p:txBody>
+      </p:sp>
+      <p:pic>
+        <p:nvPicPr>
+          <p:cNvPr id="20" name="图片 6">
+            <a:extLst>
+              <a:ext uri="{FF2B5EF4-FFF2-40B4-BE49-F238E27FC236}">
+                <a16:creationId xmlns:a16="http://schemas.microsoft.com/office/drawing/2014/main" id="{AFF8FB12-B114-FA7F-B1BD-DB1E178CAD90}"/>
+              </a:ext>
+            </a:extLst>
+          </p:cNvPr>
+          <p:cNvPicPr>
+            <a:picLocks noChangeAspect="1"/>
+          </p:cNvPicPr>
+          <p:nvPr/>
+        </p:nvPicPr>
+        <p:blipFill>
+          <a:blip r:embed="rId4"/>
+          <a:stretch>
+            <a:fillRect/>
+          </a:stretch>
+        </p:blipFill>
+        <p:spPr>
+          <a:xfrm>
+            <a:off x="4406338" y="3753410"/>
+            <a:ext cx="1059947" cy="1496747"/>
+          </a:xfrm>
+          <a:prstGeom prst="rect">
+            <a:avLst/>
+          </a:prstGeom>
+        </p:spPr>
+      </p:pic>
+      <p:cxnSp>
+        <p:nvCxnSpPr>
+          <p:cNvPr id="21" name="Straight Arrow Connector 20">
+            <a:extLst>
+              <a:ext uri="{FF2B5EF4-FFF2-40B4-BE49-F238E27FC236}">
+                <a16:creationId xmlns:a16="http://schemas.microsoft.com/office/drawing/2014/main" id="{5A2A38F2-5023-FDA6-DCF1-6F34AA28A542}"/>
+              </a:ext>
+            </a:extLst>
+          </p:cNvPr>
+          <p:cNvCxnSpPr>
+            <a:cxnSpLocks/>
+          </p:cNvCxnSpPr>
+          <p:nvPr/>
+        </p:nvCxnSpPr>
+        <p:spPr>
+          <a:xfrm>
+            <a:off x="1772290" y="3578342"/>
+            <a:ext cx="664480" cy="405220"/>
+          </a:xfrm>
+          <a:prstGeom prst="straightConnector1">
+            <a:avLst/>
+          </a:prstGeom>
+          <a:ln>
+            <a:solidFill>
+              <a:schemeClr val="tx1"/>
+            </a:solidFill>
+            <a:tailEnd type="triangle"/>
+          </a:ln>
+        </p:spPr>
+        <p:style>
+          <a:lnRef idx="1">
+            <a:schemeClr val="accent1"/>
+          </a:lnRef>
+          <a:fillRef idx="0">
+            <a:schemeClr val="accent1"/>
+          </a:fillRef>
+          <a:effectRef idx="0">
+            <a:schemeClr val="accent1"/>
+          </a:effectRef>
+          <a:fontRef idx="minor">
+            <a:schemeClr val="tx1"/>
+          </a:fontRef>
+        </p:style>
+      </p:cxnSp>
+      <p:cxnSp>
+        <p:nvCxnSpPr>
+          <p:cNvPr id="23" name="Straight Arrow Connector 22">
+            <a:extLst>
+              <a:ext uri="{FF2B5EF4-FFF2-40B4-BE49-F238E27FC236}">
+                <a16:creationId xmlns:a16="http://schemas.microsoft.com/office/drawing/2014/main" id="{CAFAF05D-0979-BE9A-CAF3-1194B527A3C5}"/>
+              </a:ext>
+            </a:extLst>
+          </p:cNvPr>
+          <p:cNvCxnSpPr>
+            <a:cxnSpLocks/>
+          </p:cNvCxnSpPr>
+          <p:nvPr/>
+        </p:nvCxnSpPr>
+        <p:spPr>
+          <a:xfrm>
+            <a:off x="1720559" y="4572664"/>
+            <a:ext cx="716211" cy="27945"/>
+          </a:xfrm>
+          <a:prstGeom prst="straightConnector1">
+            <a:avLst/>
+          </a:prstGeom>
+          <a:ln>
+            <a:solidFill>
+              <a:schemeClr val="tx1"/>
+            </a:solidFill>
+            <a:tailEnd type="triangle"/>
+          </a:ln>
+        </p:spPr>
+        <p:style>
+          <a:lnRef idx="1">
+            <a:schemeClr val="accent1"/>
+          </a:lnRef>
+          <a:fillRef idx="0">
+            <a:schemeClr val="accent1"/>
+          </a:fillRef>
+          <a:effectRef idx="0">
+            <a:schemeClr val="accent1"/>
+          </a:effectRef>
+          <a:fontRef idx="minor">
+            <a:schemeClr val="tx1"/>
+          </a:fontRef>
+        </p:style>
+      </p:cxnSp>
+      <p:pic>
+        <p:nvPicPr>
+          <p:cNvPr id="26" name="图片 6">
+            <a:extLst>
+              <a:ext uri="{FF2B5EF4-FFF2-40B4-BE49-F238E27FC236}">
+                <a16:creationId xmlns:a16="http://schemas.microsoft.com/office/drawing/2014/main" id="{1823D685-F117-1B83-BFDA-676DB2C70015}"/>
+              </a:ext>
+            </a:extLst>
+          </p:cNvPr>
+          <p:cNvPicPr>
+            <a:picLocks noChangeAspect="1"/>
+          </p:cNvPicPr>
+          <p:nvPr/>
+        </p:nvPicPr>
+        <p:blipFill>
+          <a:blip r:embed="rId2">
+            <a:extLst>
+              <a:ext uri="{BEBA8EAE-BF5A-486C-A8C5-ECC9F3942E4B}">
+                <a14:imgProps xmlns:a14="http://schemas.microsoft.com/office/drawing/2010/main">
+                  <a14:imgLayer r:embed="rId5">
+                    <a14:imgEffect>
+                      <a14:saturation sat="0"/>
+                    </a14:imgEffect>
+                  </a14:imgLayer>
+                </a14:imgProps>
+              </a:ext>
+            </a:extLst>
+          </a:blip>
+          <a:stretch>
+            <a:fillRect/>
+          </a:stretch>
+        </p:blipFill>
+        <p:spPr>
+          <a:xfrm>
+            <a:off x="2554099" y="3770798"/>
+            <a:ext cx="1059947" cy="1496747"/>
+          </a:xfrm>
+          <a:prstGeom prst="rect">
+            <a:avLst/>
+          </a:prstGeom>
+        </p:spPr>
+      </p:pic>
+      <p:cxnSp>
+        <p:nvCxnSpPr>
+          <p:cNvPr id="27" name="Straight Arrow Connector 26">
+            <a:extLst>
+              <a:ext uri="{FF2B5EF4-FFF2-40B4-BE49-F238E27FC236}">
+                <a16:creationId xmlns:a16="http://schemas.microsoft.com/office/drawing/2014/main" id="{7A5DEBF8-C0CF-C99C-D442-D17DD96E11C1}"/>
+              </a:ext>
+            </a:extLst>
+          </p:cNvPr>
+          <p:cNvCxnSpPr>
+            <a:cxnSpLocks/>
+          </p:cNvCxnSpPr>
+          <p:nvPr/>
+        </p:nvCxnSpPr>
+        <p:spPr>
+          <a:xfrm>
+            <a:off x="3723430" y="4491607"/>
+            <a:ext cx="636607" cy="0"/>
+          </a:xfrm>
+          <a:prstGeom prst="straightConnector1">
+            <a:avLst/>
+          </a:prstGeom>
+          <a:ln>
+            <a:solidFill>
+              <a:schemeClr val="tx1"/>
+            </a:solidFill>
+            <a:tailEnd type="triangle"/>
+          </a:ln>
+        </p:spPr>
+        <p:style>
+          <a:lnRef idx="1">
+            <a:schemeClr val="accent1"/>
+          </a:lnRef>
+          <a:fillRef idx="0">
+            <a:schemeClr val="accent1"/>
+          </a:fillRef>
+          <a:effectRef idx="0">
+            <a:schemeClr val="accent1"/>
+          </a:effectRef>
+          <a:fontRef idx="minor">
+            <a:schemeClr val="tx1"/>
+          </a:fontRef>
+        </p:style>
+      </p:cxnSp>
+      <p:sp>
+        <p:nvSpPr>
+          <p:cNvPr id="29" name="Cube 28">
+            <a:extLst>
+              <a:ext uri="{FF2B5EF4-FFF2-40B4-BE49-F238E27FC236}">
+                <a16:creationId xmlns:a16="http://schemas.microsoft.com/office/drawing/2014/main" id="{4D06E518-385D-74E2-43F2-968CC681098C}"/>
+              </a:ext>
+            </a:extLst>
+          </p:cNvPr>
+          <p:cNvSpPr/>
+          <p:nvPr/>
+        </p:nvSpPr>
+        <p:spPr>
+          <a:xfrm>
+            <a:off x="4238126" y="2943392"/>
+            <a:ext cx="1354238" cy="369331"/>
+          </a:xfrm>
+          <a:prstGeom prst="cube">
+            <a:avLst/>
+          </a:prstGeom>
+          <a:noFill/>
+          <a:ln>
+            <a:solidFill>
+              <a:schemeClr val="tx1"/>
+            </a:solidFill>
+          </a:ln>
+        </p:spPr>
+        <p:style>
+          <a:lnRef idx="2">
+            <a:schemeClr val="accent1">
+              <a:shade val="50000"/>
+            </a:schemeClr>
+          </a:lnRef>
+          <a:fillRef idx="1">
+            <a:schemeClr val="accent1"/>
+          </a:fillRef>
+          <a:effectRef idx="0">
+            <a:schemeClr val="accent1"/>
+          </a:effectRef>
+          <a:fontRef idx="minor">
+            <a:schemeClr val="lt1"/>
+          </a:fontRef>
+        </p:style>
+        <p:txBody>
+          <a:bodyPr rtlCol="0" anchor="ctr"/>
+          <a:lstStyle/>
+          <a:p>
+            <a:pPr algn="ctr"/>
+            <a:endParaRPr lang="en-CN"/>
+          </a:p>
+        </p:txBody>
+      </p:sp>
+      <p:sp>
+        <p:nvSpPr>
+          <p:cNvPr id="30" name="TextBox 29">
+            <a:extLst>
+              <a:ext uri="{FF2B5EF4-FFF2-40B4-BE49-F238E27FC236}">
+                <a16:creationId xmlns:a16="http://schemas.microsoft.com/office/drawing/2014/main" id="{57D3E3FF-0211-BD05-9247-232BA93E2865}"/>
+              </a:ext>
+            </a:extLst>
+          </p:cNvPr>
+          <p:cNvSpPr txBox="1"/>
+          <p:nvPr/>
+        </p:nvSpPr>
+        <p:spPr>
+          <a:xfrm>
+            <a:off x="4238126" y="2999282"/>
+            <a:ext cx="1141877" cy="338554"/>
+          </a:xfrm>
+          <a:prstGeom prst="rect">
+            <a:avLst/>
+          </a:prstGeom>
+          <a:noFill/>
+        </p:spPr>
+        <p:txBody>
+          <a:bodyPr wrap="square" rtlCol="0">
+            <a:spAutoFit/>
+          </a:bodyPr>
+          <a:lstStyle/>
+          <a:p>
+            <a:r>
+              <a:rPr lang="en-CN" sz="1600" dirty="0"/>
+              <a:t>Test Text a</a:t>
+            </a:r>
+          </a:p>
+        </p:txBody>
+      </p:sp>
+      <p:sp>
+        <p:nvSpPr>
+          <p:cNvPr id="31" name="Rectangle 30">
+            <a:extLst>
+              <a:ext uri="{FF2B5EF4-FFF2-40B4-BE49-F238E27FC236}">
+                <a16:creationId xmlns:a16="http://schemas.microsoft.com/office/drawing/2014/main" id="{BF45AFA3-BC26-B6FF-EE40-DA509750131C}"/>
+              </a:ext>
+            </a:extLst>
+          </p:cNvPr>
+          <p:cNvSpPr/>
+          <p:nvPr/>
+        </p:nvSpPr>
+        <p:spPr>
+          <a:xfrm>
+            <a:off x="4770560" y="2629951"/>
+            <a:ext cx="289367" cy="313441"/>
+          </a:xfrm>
+          <a:prstGeom prst="rect">
+            <a:avLst/>
+          </a:prstGeom>
+          <a:noFill/>
+          <a:ln>
+            <a:solidFill>
+              <a:schemeClr val="tx1"/>
+            </a:solidFill>
+          </a:ln>
+        </p:spPr>
+        <p:style>
+          <a:lnRef idx="2">
+            <a:schemeClr val="accent1">
+              <a:shade val="50000"/>
+            </a:schemeClr>
+          </a:lnRef>
+          <a:fillRef idx="1">
+            <a:schemeClr val="accent1"/>
+          </a:fillRef>
+          <a:effectRef idx="0">
+            <a:schemeClr val="accent1"/>
+          </a:effectRef>
+          <a:fontRef idx="minor">
+            <a:schemeClr val="lt1"/>
+          </a:fontRef>
+        </p:style>
+        <p:txBody>
+          <a:bodyPr rtlCol="0" anchor="ctr"/>
+          <a:lstStyle/>
+          <a:p>
+            <a:pPr algn="ctr"/>
+            <a:r>
+              <a:rPr lang="en-CN" sz="1400" b="1" dirty="0">
+                <a:ln>
+                  <a:solidFill>
+                    <a:schemeClr val="tx1"/>
+                  </a:solidFill>
+                </a:ln>
+                <a:solidFill>
+                  <a:sysClr val="windowText" lastClr="000000"/>
+                </a:solidFill>
+              </a:rPr>
+              <a:t>0</a:t>
+            </a:r>
+          </a:p>
+        </p:txBody>
+      </p:sp>
+      <p:sp>
+        <p:nvSpPr>
+          <p:cNvPr id="34" name="Rectangle 33">
+            <a:extLst>
+              <a:ext uri="{FF2B5EF4-FFF2-40B4-BE49-F238E27FC236}">
+                <a16:creationId xmlns:a16="http://schemas.microsoft.com/office/drawing/2014/main" id="{2F53BCBE-122C-EC57-A6AF-6C566B8CE509}"/>
+              </a:ext>
+            </a:extLst>
+          </p:cNvPr>
+          <p:cNvSpPr/>
+          <p:nvPr/>
+        </p:nvSpPr>
+        <p:spPr>
+          <a:xfrm>
+            <a:off x="4751190" y="5716526"/>
+            <a:ext cx="289367" cy="313441"/>
+          </a:xfrm>
+          <a:prstGeom prst="rect">
+            <a:avLst/>
+          </a:prstGeom>
+          <a:solidFill>
+            <a:srgbClr val="FFC000"/>
+          </a:solidFill>
+          <a:ln>
+            <a:solidFill>
+              <a:schemeClr val="tx1"/>
+            </a:solidFill>
+          </a:ln>
+        </p:spPr>
+        <p:style>
+          <a:lnRef idx="2">
+            <a:schemeClr val="accent1">
+              <a:shade val="50000"/>
+            </a:schemeClr>
+          </a:lnRef>
+          <a:fillRef idx="1">
+            <a:schemeClr val="accent1"/>
+          </a:fillRef>
+          <a:effectRef idx="0">
+            <a:schemeClr val="accent1"/>
+          </a:effectRef>
+          <a:fontRef idx="minor">
+            <a:schemeClr val="lt1"/>
+          </a:fontRef>
+        </p:style>
+        <p:txBody>
+          <a:bodyPr rtlCol="0" anchor="ctr"/>
+          <a:lstStyle/>
+          <a:p>
+            <a:pPr algn="ctr"/>
+            <a:r>
+              <a:rPr lang="en-CN" sz="1400" b="1" dirty="0">
+                <a:ln>
+                  <a:solidFill>
+                    <a:schemeClr val="tx1"/>
+                  </a:solidFill>
+                </a:ln>
+                <a:solidFill>
+                  <a:sysClr val="windowText" lastClr="000000"/>
+                </a:solidFill>
+              </a:rPr>
+              <a:t>1</a:t>
+            </a:r>
+          </a:p>
+        </p:txBody>
+      </p:sp>
+      <p:cxnSp>
+        <p:nvCxnSpPr>
+          <p:cNvPr id="37" name="Straight Arrow Connector 36">
+            <a:extLst>
+              <a:ext uri="{FF2B5EF4-FFF2-40B4-BE49-F238E27FC236}">
+                <a16:creationId xmlns:a16="http://schemas.microsoft.com/office/drawing/2014/main" id="{C6736D0D-6D58-6A6F-C928-8B7EF2DB12BC}"/>
+              </a:ext>
+            </a:extLst>
+          </p:cNvPr>
+          <p:cNvCxnSpPr>
+            <a:cxnSpLocks/>
+          </p:cNvCxnSpPr>
+          <p:nvPr/>
+        </p:nvCxnSpPr>
+        <p:spPr>
+          <a:xfrm>
+            <a:off x="4919181" y="3393464"/>
+            <a:ext cx="0" cy="357090"/>
+          </a:xfrm>
+          <a:prstGeom prst="straightConnector1">
+            <a:avLst/>
+          </a:prstGeom>
+          <a:ln>
+            <a:solidFill>
+              <a:schemeClr val="tx1"/>
+            </a:solidFill>
+            <a:tailEnd type="triangle"/>
+          </a:ln>
+        </p:spPr>
+        <p:style>
+          <a:lnRef idx="1">
+            <a:schemeClr val="accent1"/>
+          </a:lnRef>
+          <a:fillRef idx="0">
+            <a:schemeClr val="accent1"/>
+          </a:fillRef>
+          <a:effectRef idx="0">
+            <a:schemeClr val="accent1"/>
+          </a:effectRef>
+          <a:fontRef idx="minor">
+            <a:schemeClr val="tx1"/>
+          </a:fontRef>
+        </p:style>
+      </p:cxnSp>
+      <p:cxnSp>
+        <p:nvCxnSpPr>
+          <p:cNvPr id="39" name="Straight Arrow Connector 38">
+            <a:extLst>
+              <a:ext uri="{FF2B5EF4-FFF2-40B4-BE49-F238E27FC236}">
+                <a16:creationId xmlns:a16="http://schemas.microsoft.com/office/drawing/2014/main" id="{21800371-5157-8613-27E0-837A69490787}"/>
+              </a:ext>
+            </a:extLst>
+          </p:cNvPr>
+          <p:cNvCxnSpPr>
+            <a:cxnSpLocks/>
+          </p:cNvCxnSpPr>
+          <p:nvPr/>
+        </p:nvCxnSpPr>
+        <p:spPr>
+          <a:xfrm>
+            <a:off x="4895874" y="5250157"/>
+            <a:ext cx="0" cy="357090"/>
+          </a:xfrm>
+          <a:prstGeom prst="straightConnector1">
+            <a:avLst/>
+          </a:prstGeom>
+          <a:ln>
+            <a:solidFill>
+              <a:schemeClr val="tx1"/>
+            </a:solidFill>
+            <a:tailEnd type="triangle"/>
+          </a:ln>
+        </p:spPr>
+        <p:style>
+          <a:lnRef idx="1">
+            <a:schemeClr val="accent1"/>
+          </a:lnRef>
+          <a:fillRef idx="0">
+            <a:schemeClr val="accent1"/>
+          </a:fillRef>
+          <a:effectRef idx="0">
+            <a:schemeClr val="accent1"/>
+          </a:effectRef>
+          <a:fontRef idx="minor">
+            <a:schemeClr val="tx1"/>
+          </a:fontRef>
+        </p:style>
+      </p:cxnSp>
+      <p:sp>
+        <p:nvSpPr>
+          <p:cNvPr id="40" name="TextBox 39">
+            <a:extLst>
+              <a:ext uri="{FF2B5EF4-FFF2-40B4-BE49-F238E27FC236}">
+                <a16:creationId xmlns:a16="http://schemas.microsoft.com/office/drawing/2014/main" id="{430A1FDC-57D2-BEBE-7539-44C6A7A7A4B9}"/>
+              </a:ext>
+            </a:extLst>
+          </p:cNvPr>
+          <p:cNvSpPr txBox="1"/>
+          <p:nvPr/>
+        </p:nvSpPr>
+        <p:spPr>
+          <a:xfrm>
+            <a:off x="221732" y="3550546"/>
+            <a:ext cx="1652034" cy="276999"/>
+          </a:xfrm>
+          <a:prstGeom prst="rect">
+            <a:avLst/>
+          </a:prstGeom>
+          <a:noFill/>
+        </p:spPr>
+        <p:txBody>
+          <a:bodyPr wrap="square" rtlCol="0">
+            <a:spAutoFit/>
+          </a:bodyPr>
+          <a:lstStyle/>
+          <a:p>
+            <a:r>
+              <a:rPr lang="en-CN" sz="1200" dirty="0"/>
+              <a:t>Similar sentence</a:t>
+            </a:r>
+          </a:p>
+        </p:txBody>
+      </p:sp>
+      <p:sp>
+        <p:nvSpPr>
+          <p:cNvPr id="41" name="TextBox 40">
+            <a:extLst>
+              <a:ext uri="{FF2B5EF4-FFF2-40B4-BE49-F238E27FC236}">
+                <a16:creationId xmlns:a16="http://schemas.microsoft.com/office/drawing/2014/main" id="{D8F63027-9022-F2E4-927A-69A92831D106}"/>
+              </a:ext>
+            </a:extLst>
+          </p:cNvPr>
+          <p:cNvSpPr txBox="1"/>
+          <p:nvPr/>
+        </p:nvSpPr>
+        <p:spPr>
+          <a:xfrm>
+            <a:off x="317026" y="4761191"/>
+            <a:ext cx="1652034" cy="276999"/>
+          </a:xfrm>
+          <a:prstGeom prst="rect">
+            <a:avLst/>
+          </a:prstGeom>
+          <a:noFill/>
+        </p:spPr>
+        <p:txBody>
+          <a:bodyPr wrap="square" rtlCol="0">
+            <a:spAutoFit/>
+          </a:bodyPr>
+          <a:lstStyle/>
+          <a:p>
+            <a:r>
+              <a:rPr lang="en-CN" sz="1200" dirty="0"/>
+              <a:t>Similar sentence</a:t>
+            </a:r>
+          </a:p>
+        </p:txBody>
+      </p:sp>
+      <p:sp>
+        <p:nvSpPr>
+          <p:cNvPr id="42" name="Cube 41">
+            <a:extLst>
+              <a:ext uri="{FF2B5EF4-FFF2-40B4-BE49-F238E27FC236}">
+                <a16:creationId xmlns:a16="http://schemas.microsoft.com/office/drawing/2014/main" id="{279CF3FE-D61C-2E90-BEEC-EBC226B35934}"/>
+              </a:ext>
+            </a:extLst>
+          </p:cNvPr>
+          <p:cNvSpPr/>
+          <p:nvPr/>
+        </p:nvSpPr>
+        <p:spPr>
+          <a:xfrm>
+            <a:off x="266243" y="5577392"/>
+            <a:ext cx="1354238" cy="369331"/>
+          </a:xfrm>
+          <a:prstGeom prst="cube">
+            <a:avLst/>
+          </a:prstGeom>
+          <a:noFill/>
+          <a:ln>
+            <a:solidFill>
+              <a:schemeClr val="tx1"/>
+            </a:solidFill>
+          </a:ln>
+        </p:spPr>
+        <p:style>
+          <a:lnRef idx="2">
+            <a:schemeClr val="accent1">
+              <a:shade val="50000"/>
+            </a:schemeClr>
+          </a:lnRef>
+          <a:fillRef idx="1">
+            <a:schemeClr val="accent1"/>
+          </a:fillRef>
+          <a:effectRef idx="0">
+            <a:schemeClr val="accent1"/>
+          </a:effectRef>
+          <a:fontRef idx="minor">
+            <a:schemeClr val="lt1"/>
+          </a:fontRef>
+        </p:style>
+        <p:txBody>
+          <a:bodyPr rtlCol="0" anchor="ctr"/>
+          <a:lstStyle/>
+          <a:p>
+            <a:pPr algn="ctr"/>
+            <a:endParaRPr lang="en-CN"/>
+          </a:p>
+        </p:txBody>
+      </p:sp>
+      <p:sp>
+        <p:nvSpPr>
+          <p:cNvPr id="43" name="TextBox 42">
+            <a:extLst>
+              <a:ext uri="{FF2B5EF4-FFF2-40B4-BE49-F238E27FC236}">
+                <a16:creationId xmlns:a16="http://schemas.microsoft.com/office/drawing/2014/main" id="{3C97CC9F-4FEF-794E-DEED-E34CB0AF18CF}"/>
+              </a:ext>
+            </a:extLst>
+          </p:cNvPr>
+          <p:cNvSpPr txBox="1"/>
+          <p:nvPr/>
+        </p:nvSpPr>
+        <p:spPr>
+          <a:xfrm>
+            <a:off x="266243" y="5633282"/>
+            <a:ext cx="1223844" cy="338554"/>
+          </a:xfrm>
+          <a:prstGeom prst="rect">
+            <a:avLst/>
+          </a:prstGeom>
+          <a:noFill/>
+        </p:spPr>
+        <p:txBody>
+          <a:bodyPr wrap="square" rtlCol="0">
+            <a:spAutoFit/>
+          </a:bodyPr>
+          <a:lstStyle/>
+          <a:p>
+            <a:r>
+              <a:rPr lang="en-CN" sz="1600" dirty="0"/>
+              <a:t>Train Text d</a:t>
+            </a:r>
+          </a:p>
+        </p:txBody>
+      </p:sp>
+      <p:sp>
+        <p:nvSpPr>
+          <p:cNvPr id="44" name="Rectangle 43">
+            <a:extLst>
+              <a:ext uri="{FF2B5EF4-FFF2-40B4-BE49-F238E27FC236}">
+                <a16:creationId xmlns:a16="http://schemas.microsoft.com/office/drawing/2014/main" id="{15901660-6607-8BD5-4FBA-5DAF281FC805}"/>
+              </a:ext>
+            </a:extLst>
+          </p:cNvPr>
+          <p:cNvSpPr/>
+          <p:nvPr/>
+        </p:nvSpPr>
+        <p:spPr>
+          <a:xfrm>
+            <a:off x="798677" y="5263951"/>
+            <a:ext cx="289367" cy="313441"/>
+          </a:xfrm>
+          <a:prstGeom prst="rect">
+            <a:avLst/>
+          </a:prstGeom>
+          <a:noFill/>
+          <a:ln>
+            <a:solidFill>
+              <a:schemeClr val="tx1"/>
+            </a:solidFill>
+          </a:ln>
+        </p:spPr>
+        <p:style>
+          <a:lnRef idx="2">
+            <a:schemeClr val="accent1">
+              <a:shade val="50000"/>
+            </a:schemeClr>
+          </a:lnRef>
+          <a:fillRef idx="1">
+            <a:schemeClr val="accent1"/>
+          </a:fillRef>
+          <a:effectRef idx="0">
+            <a:schemeClr val="accent1"/>
+          </a:effectRef>
+          <a:fontRef idx="minor">
+            <a:schemeClr val="lt1"/>
+          </a:fontRef>
+        </p:style>
+        <p:txBody>
+          <a:bodyPr rtlCol="0" anchor="ctr"/>
+          <a:lstStyle/>
+          <a:p>
+            <a:pPr algn="ctr"/>
+            <a:r>
+              <a:rPr lang="en-CN" sz="1400" b="1" dirty="0">
+                <a:ln>
+                  <a:solidFill>
+                    <a:schemeClr val="tx1"/>
+                  </a:solidFill>
+                </a:ln>
+                <a:solidFill>
+                  <a:sysClr val="windowText" lastClr="000000"/>
+                </a:solidFill>
+              </a:rPr>
+              <a:t>1</a:t>
+            </a:r>
+          </a:p>
+        </p:txBody>
+      </p:sp>
+      <p:sp>
+        <p:nvSpPr>
+          <p:cNvPr id="45" name="TextBox 44">
+            <a:extLst>
+              <a:ext uri="{FF2B5EF4-FFF2-40B4-BE49-F238E27FC236}">
+                <a16:creationId xmlns:a16="http://schemas.microsoft.com/office/drawing/2014/main" id="{B11E6CD0-E1AC-1640-F7E4-CCFF09E7023E}"/>
+              </a:ext>
+            </a:extLst>
+          </p:cNvPr>
+          <p:cNvSpPr txBox="1"/>
+          <p:nvPr/>
+        </p:nvSpPr>
+        <p:spPr>
+          <a:xfrm>
+            <a:off x="304784" y="5919697"/>
+            <a:ext cx="1652034" cy="276999"/>
+          </a:xfrm>
+          <a:prstGeom prst="rect">
+            <a:avLst/>
+          </a:prstGeom>
+          <a:noFill/>
+        </p:spPr>
+        <p:txBody>
+          <a:bodyPr wrap="square" rtlCol="0">
+            <a:spAutoFit/>
+          </a:bodyPr>
+          <a:lstStyle/>
+          <a:p>
+            <a:r>
+              <a:rPr lang="en-CN" sz="1200" dirty="0"/>
+              <a:t>Similar sentence</a:t>
+            </a:r>
+          </a:p>
+        </p:txBody>
+      </p:sp>
+      <p:cxnSp>
+        <p:nvCxnSpPr>
+          <p:cNvPr id="48" name="Straight Arrow Connector 47">
+            <a:extLst>
+              <a:ext uri="{FF2B5EF4-FFF2-40B4-BE49-F238E27FC236}">
+                <a16:creationId xmlns:a16="http://schemas.microsoft.com/office/drawing/2014/main" id="{80C173D6-8B87-9E5C-6758-1AFC4859F70D}"/>
+              </a:ext>
+            </a:extLst>
+          </p:cNvPr>
+          <p:cNvCxnSpPr>
+            <a:cxnSpLocks/>
+          </p:cNvCxnSpPr>
+          <p:nvPr/>
+        </p:nvCxnSpPr>
+        <p:spPr>
+          <a:xfrm flipV="1">
+            <a:off x="1772290" y="5187515"/>
+            <a:ext cx="664480" cy="498053"/>
+          </a:xfrm>
+          <a:prstGeom prst="straightConnector1">
+            <a:avLst/>
+          </a:prstGeom>
+          <a:ln>
+            <a:solidFill>
+              <a:schemeClr val="tx1"/>
+            </a:solidFill>
+            <a:tailEnd type="triangle"/>
+          </a:ln>
+        </p:spPr>
+        <p:style>
+          <a:lnRef idx="1">
+            <a:schemeClr val="accent1"/>
+          </a:lnRef>
+          <a:fillRef idx="0">
+            <a:schemeClr val="accent1"/>
+          </a:fillRef>
+          <a:effectRef idx="0">
+            <a:schemeClr val="accent1"/>
+          </a:effectRef>
+          <a:fontRef idx="minor">
+            <a:schemeClr val="tx1"/>
+          </a:fontRef>
+        </p:style>
+      </p:cxnSp>
+      <p:sp>
+        <p:nvSpPr>
+          <p:cNvPr id="52" name="TextBox 51">
+            <a:extLst>
+              <a:ext uri="{FF2B5EF4-FFF2-40B4-BE49-F238E27FC236}">
+                <a16:creationId xmlns:a16="http://schemas.microsoft.com/office/drawing/2014/main" id="{8CCCBF69-F107-0B96-7827-5F151DB7F48F}"/>
+              </a:ext>
+            </a:extLst>
+          </p:cNvPr>
+          <p:cNvSpPr txBox="1"/>
+          <p:nvPr/>
+        </p:nvSpPr>
+        <p:spPr>
+          <a:xfrm>
+            <a:off x="4440049" y="3904518"/>
+            <a:ext cx="1652034" cy="261610"/>
+          </a:xfrm>
+          <a:prstGeom prst="rect">
+            <a:avLst/>
+          </a:prstGeom>
+          <a:noFill/>
+        </p:spPr>
+        <p:txBody>
+          <a:bodyPr wrap="square" rtlCol="0">
+            <a:spAutoFit/>
+          </a:bodyPr>
+          <a:lstStyle/>
+          <a:p>
+            <a:r>
+              <a:rPr lang="en-CN" sz="1100" b="1" dirty="0"/>
+              <a:t>Trained BERT</a:t>
+            </a:r>
+          </a:p>
+        </p:txBody>
+      </p:sp>
+      <p:sp>
+        <p:nvSpPr>
+          <p:cNvPr id="53" name="TextBox 52">
+            <a:extLst>
+              <a:ext uri="{FF2B5EF4-FFF2-40B4-BE49-F238E27FC236}">
+                <a16:creationId xmlns:a16="http://schemas.microsoft.com/office/drawing/2014/main" id="{697C3808-F9C1-B0C9-12D5-2B074EB3345C}"/>
+              </a:ext>
+            </a:extLst>
+          </p:cNvPr>
+          <p:cNvSpPr txBox="1"/>
+          <p:nvPr/>
+        </p:nvSpPr>
+        <p:spPr>
+          <a:xfrm>
+            <a:off x="2329713" y="5852816"/>
+            <a:ext cx="2483834" cy="369332"/>
+          </a:xfrm>
+          <a:prstGeom prst="rect">
+            <a:avLst/>
+          </a:prstGeom>
+          <a:noFill/>
+        </p:spPr>
+        <p:txBody>
+          <a:bodyPr wrap="square" rtlCol="0">
+            <a:spAutoFit/>
+          </a:bodyPr>
+          <a:lstStyle/>
+          <a:p>
+            <a:r>
+              <a:rPr lang="en-CN" dirty="0">
+                <a:solidFill>
+                  <a:srgbClr val="FF0000"/>
+                </a:solidFill>
+              </a:rPr>
+              <a:t>2      &gt;      1</a:t>
+            </a:r>
+          </a:p>
+        </p:txBody>
+      </p:sp>
+      <p:sp>
+        <p:nvSpPr>
+          <p:cNvPr id="54" name="TextBox 53">
+            <a:extLst>
+              <a:ext uri="{FF2B5EF4-FFF2-40B4-BE49-F238E27FC236}">
+                <a16:creationId xmlns:a16="http://schemas.microsoft.com/office/drawing/2014/main" id="{A2CDB8D0-9463-A06B-A430-D1DD1E2B96D2}"/>
+              </a:ext>
+            </a:extLst>
+          </p:cNvPr>
+          <p:cNvSpPr txBox="1"/>
+          <p:nvPr/>
+        </p:nvSpPr>
+        <p:spPr>
+          <a:xfrm>
+            <a:off x="2203023" y="5661775"/>
+            <a:ext cx="1892661" cy="276999"/>
+          </a:xfrm>
+          <a:prstGeom prst="rect">
+            <a:avLst/>
+          </a:prstGeom>
+          <a:noFill/>
+        </p:spPr>
+        <p:txBody>
+          <a:bodyPr wrap="square" rtlCol="0">
+            <a:spAutoFit/>
+          </a:bodyPr>
+          <a:lstStyle/>
+          <a:p>
+            <a:r>
+              <a:rPr lang="en-US" sz="1200" dirty="0"/>
+              <a:t>L</a:t>
+            </a:r>
+            <a:r>
+              <a:rPr lang="en-CN" sz="1200" dirty="0"/>
+              <a:t>abel 1              label 0</a:t>
+            </a:r>
+          </a:p>
+        </p:txBody>
+      </p:sp>
+      <p:sp>
+        <p:nvSpPr>
+          <p:cNvPr id="55" name="TextBox 54">
+            <a:extLst>
+              <a:ext uri="{FF2B5EF4-FFF2-40B4-BE49-F238E27FC236}">
+                <a16:creationId xmlns:a16="http://schemas.microsoft.com/office/drawing/2014/main" id="{C8B0C253-4CDB-4B0D-9F11-2747C9CBB1F7}"/>
+              </a:ext>
+            </a:extLst>
+          </p:cNvPr>
+          <p:cNvSpPr txBox="1"/>
+          <p:nvPr/>
+        </p:nvSpPr>
+        <p:spPr>
+          <a:xfrm>
+            <a:off x="2554099" y="3886644"/>
+            <a:ext cx="1652034" cy="261610"/>
+          </a:xfrm>
+          <a:prstGeom prst="rect">
+            <a:avLst/>
+          </a:prstGeom>
+          <a:noFill/>
+        </p:spPr>
+        <p:txBody>
+          <a:bodyPr wrap="square" rtlCol="0">
+            <a:spAutoFit/>
+          </a:bodyPr>
+          <a:lstStyle/>
+          <a:p>
+            <a:r>
+              <a:rPr lang="en-CN" sz="1100" b="1" dirty="0"/>
+              <a:t>Pretrain BERT</a:t>
+            </a:r>
+          </a:p>
+        </p:txBody>
+      </p:sp>
+      <p:sp>
+        <p:nvSpPr>
+          <p:cNvPr id="57" name="Triangle 56">
+            <a:extLst>
+              <a:ext uri="{FF2B5EF4-FFF2-40B4-BE49-F238E27FC236}">
+                <a16:creationId xmlns:a16="http://schemas.microsoft.com/office/drawing/2014/main" id="{6854B092-298E-FF8F-D82F-5F0F1B0724CE}"/>
+              </a:ext>
+            </a:extLst>
+          </p:cNvPr>
+          <p:cNvSpPr/>
+          <p:nvPr/>
+        </p:nvSpPr>
+        <p:spPr>
+          <a:xfrm rot="5400000">
+            <a:off x="4709131" y="4511704"/>
+            <a:ext cx="2791937" cy="313441"/>
+          </a:xfrm>
+          <a:prstGeom prst="triangle">
+            <a:avLst/>
+          </a:prstGeom>
+        </p:spPr>
+        <p:style>
+          <a:lnRef idx="2">
+            <a:schemeClr val="accent1">
+              <a:shade val="50000"/>
+            </a:schemeClr>
+          </a:lnRef>
+          <a:fillRef idx="1">
+            <a:schemeClr val="accent1"/>
+          </a:fillRef>
+          <a:effectRef idx="0">
+            <a:schemeClr val="accent1"/>
+          </a:effectRef>
+          <a:fontRef idx="minor">
+            <a:schemeClr val="lt1"/>
+          </a:fontRef>
+        </p:style>
+        <p:txBody>
+          <a:bodyPr rtlCol="0" anchor="ctr"/>
+          <a:lstStyle/>
+          <a:p>
+            <a:pPr algn="ctr"/>
+            <a:endParaRPr lang="en-CN"/>
+          </a:p>
+        </p:txBody>
+      </p:sp>
+      <p:sp>
+        <p:nvSpPr>
+          <p:cNvPr id="65" name="Cube 64">
+            <a:extLst>
+              <a:ext uri="{FF2B5EF4-FFF2-40B4-BE49-F238E27FC236}">
+                <a16:creationId xmlns:a16="http://schemas.microsoft.com/office/drawing/2014/main" id="{20212843-8D3C-C1E9-5246-63E3633610A9}"/>
+              </a:ext>
+            </a:extLst>
+          </p:cNvPr>
+          <p:cNvSpPr/>
+          <p:nvPr/>
+        </p:nvSpPr>
+        <p:spPr>
+          <a:xfrm>
+            <a:off x="6624727" y="3075254"/>
+            <a:ext cx="1354238" cy="369331"/>
+          </a:xfrm>
+          <a:prstGeom prst="cube">
+            <a:avLst/>
+          </a:prstGeom>
+          <a:noFill/>
+          <a:ln>
+            <a:solidFill>
+              <a:schemeClr val="tx1"/>
+            </a:solidFill>
+          </a:ln>
+        </p:spPr>
+        <p:style>
+          <a:lnRef idx="2">
+            <a:schemeClr val="accent1">
+              <a:shade val="50000"/>
+            </a:schemeClr>
+          </a:lnRef>
+          <a:fillRef idx="1">
+            <a:schemeClr val="accent1"/>
+          </a:fillRef>
+          <a:effectRef idx="0">
+            <a:schemeClr val="accent1"/>
+          </a:effectRef>
+          <a:fontRef idx="minor">
+            <a:schemeClr val="lt1"/>
+          </a:fontRef>
+        </p:style>
+        <p:txBody>
+          <a:bodyPr rtlCol="0" anchor="ctr"/>
+          <a:lstStyle/>
+          <a:p>
+            <a:pPr algn="ctr"/>
+            <a:endParaRPr lang="en-CN"/>
+          </a:p>
+        </p:txBody>
+      </p:sp>
+      <p:sp>
+        <p:nvSpPr>
+          <p:cNvPr id="66" name="TextBox 65">
+            <a:extLst>
+              <a:ext uri="{FF2B5EF4-FFF2-40B4-BE49-F238E27FC236}">
+                <a16:creationId xmlns:a16="http://schemas.microsoft.com/office/drawing/2014/main" id="{AF0609C8-6750-1AA3-B4F5-873AC271B3EC}"/>
+              </a:ext>
+            </a:extLst>
+          </p:cNvPr>
+          <p:cNvSpPr txBox="1"/>
+          <p:nvPr/>
+        </p:nvSpPr>
+        <p:spPr>
+          <a:xfrm>
+            <a:off x="6624727" y="3131144"/>
+            <a:ext cx="1319278" cy="338554"/>
+          </a:xfrm>
+          <a:prstGeom prst="rect">
+            <a:avLst/>
+          </a:prstGeom>
+          <a:noFill/>
+        </p:spPr>
+        <p:txBody>
+          <a:bodyPr wrap="square" rtlCol="0">
+            <a:spAutoFit/>
+          </a:bodyPr>
+          <a:lstStyle/>
+          <a:p>
+            <a:r>
+              <a:rPr lang="en-CN" sz="1600" dirty="0"/>
+              <a:t>Train Text b</a:t>
+            </a:r>
+          </a:p>
+        </p:txBody>
+      </p:sp>
+      <p:sp>
+        <p:nvSpPr>
+          <p:cNvPr id="67" name="Rectangle 66">
+            <a:extLst>
+              <a:ext uri="{FF2B5EF4-FFF2-40B4-BE49-F238E27FC236}">
+                <a16:creationId xmlns:a16="http://schemas.microsoft.com/office/drawing/2014/main" id="{EE5162EA-09B0-E790-4331-51F4FD8C71F7}"/>
+              </a:ext>
+            </a:extLst>
+          </p:cNvPr>
+          <p:cNvSpPr/>
+          <p:nvPr/>
+        </p:nvSpPr>
+        <p:spPr>
+          <a:xfrm>
+            <a:off x="7157161" y="2761813"/>
+            <a:ext cx="289367" cy="313441"/>
+          </a:xfrm>
+          <a:prstGeom prst="rect">
+            <a:avLst/>
+          </a:prstGeom>
+          <a:noFill/>
+          <a:ln>
+            <a:solidFill>
+              <a:schemeClr val="tx1"/>
+            </a:solidFill>
+          </a:ln>
+        </p:spPr>
+        <p:style>
+          <a:lnRef idx="2">
+            <a:schemeClr val="accent1">
+              <a:shade val="50000"/>
+            </a:schemeClr>
+          </a:lnRef>
+          <a:fillRef idx="1">
+            <a:schemeClr val="accent1"/>
+          </a:fillRef>
+          <a:effectRef idx="0">
+            <a:schemeClr val="accent1"/>
+          </a:effectRef>
+          <a:fontRef idx="minor">
+            <a:schemeClr val="lt1"/>
+          </a:fontRef>
+        </p:style>
+        <p:txBody>
+          <a:bodyPr rtlCol="0" anchor="ctr"/>
+          <a:lstStyle/>
+          <a:p>
+            <a:pPr algn="ctr"/>
+            <a:r>
+              <a:rPr lang="en-CN" sz="1400" b="1" dirty="0">
+                <a:ln>
+                  <a:solidFill>
+                    <a:schemeClr val="tx1"/>
+                  </a:solidFill>
+                </a:ln>
+                <a:solidFill>
+                  <a:sysClr val="windowText" lastClr="000000"/>
+                </a:solidFill>
+              </a:rPr>
+              <a:t>0</a:t>
+            </a:r>
+          </a:p>
+        </p:txBody>
+      </p:sp>
+      <p:sp>
+        <p:nvSpPr>
+          <p:cNvPr id="68" name="Cube 67">
+            <a:extLst>
+              <a:ext uri="{FF2B5EF4-FFF2-40B4-BE49-F238E27FC236}">
+                <a16:creationId xmlns:a16="http://schemas.microsoft.com/office/drawing/2014/main" id="{96AD57F1-D947-2D12-0291-30F5C2ACB0CE}"/>
+              </a:ext>
+            </a:extLst>
+          </p:cNvPr>
+          <p:cNvSpPr/>
+          <p:nvPr/>
+        </p:nvSpPr>
+        <p:spPr>
+          <a:xfrm>
+            <a:off x="6636969" y="4286583"/>
+            <a:ext cx="1354238" cy="369331"/>
+          </a:xfrm>
+          <a:prstGeom prst="cube">
+            <a:avLst/>
+          </a:prstGeom>
+          <a:noFill/>
+          <a:ln>
+            <a:solidFill>
+              <a:schemeClr val="tx1"/>
+            </a:solidFill>
+          </a:ln>
+        </p:spPr>
+        <p:style>
+          <a:lnRef idx="2">
+            <a:schemeClr val="accent1">
+              <a:shade val="50000"/>
+            </a:schemeClr>
+          </a:lnRef>
+          <a:fillRef idx="1">
+            <a:schemeClr val="accent1"/>
+          </a:fillRef>
+          <a:effectRef idx="0">
+            <a:schemeClr val="accent1"/>
+          </a:effectRef>
+          <a:fontRef idx="minor">
+            <a:schemeClr val="lt1"/>
+          </a:fontRef>
+        </p:style>
+        <p:txBody>
+          <a:bodyPr rtlCol="0" anchor="ctr"/>
+          <a:lstStyle/>
+          <a:p>
+            <a:pPr algn="ctr"/>
+            <a:endParaRPr lang="en-CN"/>
+          </a:p>
+        </p:txBody>
+      </p:sp>
+      <p:sp>
+        <p:nvSpPr>
+          <p:cNvPr id="69" name="TextBox 68">
+            <a:extLst>
+              <a:ext uri="{FF2B5EF4-FFF2-40B4-BE49-F238E27FC236}">
+                <a16:creationId xmlns:a16="http://schemas.microsoft.com/office/drawing/2014/main" id="{4CAFBEC5-6E6B-9A39-D28C-97CFCBDA66B9}"/>
+              </a:ext>
+            </a:extLst>
+          </p:cNvPr>
+          <p:cNvSpPr txBox="1"/>
+          <p:nvPr/>
+        </p:nvSpPr>
+        <p:spPr>
+          <a:xfrm>
+            <a:off x="6636969" y="4342473"/>
+            <a:ext cx="1223844" cy="338554"/>
+          </a:xfrm>
+          <a:prstGeom prst="rect">
+            <a:avLst/>
+          </a:prstGeom>
+          <a:noFill/>
+        </p:spPr>
+        <p:txBody>
+          <a:bodyPr wrap="square" rtlCol="0">
+            <a:spAutoFit/>
+          </a:bodyPr>
+          <a:lstStyle/>
+          <a:p>
+            <a:r>
+              <a:rPr lang="en-CN" sz="1600" dirty="0"/>
+              <a:t>Train Text c</a:t>
+            </a:r>
+          </a:p>
+        </p:txBody>
+      </p:sp>
+      <p:sp>
+        <p:nvSpPr>
+          <p:cNvPr id="70" name="Rectangle 69">
+            <a:extLst>
+              <a:ext uri="{FF2B5EF4-FFF2-40B4-BE49-F238E27FC236}">
+                <a16:creationId xmlns:a16="http://schemas.microsoft.com/office/drawing/2014/main" id="{0D0A7F9F-D8F2-68EF-33D6-549AEF2968C2}"/>
+              </a:ext>
+            </a:extLst>
+          </p:cNvPr>
+          <p:cNvSpPr/>
+          <p:nvPr/>
+        </p:nvSpPr>
+        <p:spPr>
+          <a:xfrm>
+            <a:off x="7169403" y="3973142"/>
+            <a:ext cx="289367" cy="313441"/>
+          </a:xfrm>
+          <a:prstGeom prst="rect">
+            <a:avLst/>
+          </a:prstGeom>
+          <a:noFill/>
+          <a:ln>
+            <a:solidFill>
+              <a:schemeClr val="tx1"/>
+            </a:solidFill>
+          </a:ln>
+        </p:spPr>
+        <p:style>
+          <a:lnRef idx="2">
+            <a:schemeClr val="accent1">
+              <a:shade val="50000"/>
+            </a:schemeClr>
+          </a:lnRef>
+          <a:fillRef idx="1">
+            <a:schemeClr val="accent1"/>
+          </a:fillRef>
+          <a:effectRef idx="0">
+            <a:schemeClr val="accent1"/>
+          </a:effectRef>
+          <a:fontRef idx="minor">
+            <a:schemeClr val="lt1"/>
+          </a:fontRef>
+        </p:style>
+        <p:txBody>
+          <a:bodyPr rtlCol="0" anchor="ctr"/>
+          <a:lstStyle/>
+          <a:p>
+            <a:pPr algn="ctr"/>
+            <a:r>
+              <a:rPr lang="en-CN" sz="1400" b="1" dirty="0">
+                <a:ln>
+                  <a:solidFill>
+                    <a:schemeClr val="tx1"/>
+                  </a:solidFill>
+                </a:ln>
+                <a:solidFill>
+                  <a:sysClr val="windowText" lastClr="000000"/>
+                </a:solidFill>
+              </a:rPr>
+              <a:t>1</a:t>
+            </a:r>
+          </a:p>
+        </p:txBody>
+      </p:sp>
+      <p:pic>
+        <p:nvPicPr>
+          <p:cNvPr id="71" name="图片 6">
+            <a:extLst>
+              <a:ext uri="{FF2B5EF4-FFF2-40B4-BE49-F238E27FC236}">
+                <a16:creationId xmlns:a16="http://schemas.microsoft.com/office/drawing/2014/main" id="{F3B4D7FB-FDB9-0EB6-A2B3-E3A4CCDF0540}"/>
+              </a:ext>
+            </a:extLst>
+          </p:cNvPr>
+          <p:cNvPicPr>
+            <a:picLocks noChangeAspect="1"/>
+          </p:cNvPicPr>
+          <p:nvPr/>
+        </p:nvPicPr>
+        <p:blipFill>
+          <a:blip r:embed="rId4"/>
+          <a:stretch>
+            <a:fillRect/>
+          </a:stretch>
+        </p:blipFill>
+        <p:spPr>
+          <a:xfrm>
+            <a:off x="10764822" y="3621107"/>
+            <a:ext cx="1059947" cy="1496747"/>
+          </a:xfrm>
+          <a:prstGeom prst="rect">
+            <a:avLst/>
+          </a:prstGeom>
+        </p:spPr>
+      </p:pic>
+      <p:cxnSp>
+        <p:nvCxnSpPr>
+          <p:cNvPr id="72" name="Straight Arrow Connector 71">
+            <a:extLst>
+              <a:ext uri="{FF2B5EF4-FFF2-40B4-BE49-F238E27FC236}">
+                <a16:creationId xmlns:a16="http://schemas.microsoft.com/office/drawing/2014/main" id="{7D86E36C-C381-2AC6-3988-9031E69F0BC4}"/>
+              </a:ext>
+            </a:extLst>
+          </p:cNvPr>
+          <p:cNvCxnSpPr>
+            <a:cxnSpLocks/>
+          </p:cNvCxnSpPr>
+          <p:nvPr/>
+        </p:nvCxnSpPr>
+        <p:spPr>
+          <a:xfrm>
+            <a:off x="8130774" y="3446039"/>
+            <a:ext cx="664480" cy="405220"/>
+          </a:xfrm>
+          <a:prstGeom prst="straightConnector1">
+            <a:avLst/>
+          </a:prstGeom>
+          <a:ln>
+            <a:solidFill>
+              <a:schemeClr val="tx1"/>
+            </a:solidFill>
+            <a:tailEnd type="triangle"/>
+          </a:ln>
+        </p:spPr>
+        <p:style>
+          <a:lnRef idx="1">
+            <a:schemeClr val="accent1"/>
+          </a:lnRef>
+          <a:fillRef idx="0">
+            <a:schemeClr val="accent1"/>
+          </a:fillRef>
+          <a:effectRef idx="0">
+            <a:schemeClr val="accent1"/>
+          </a:effectRef>
+          <a:fontRef idx="minor">
+            <a:schemeClr val="tx1"/>
+          </a:fontRef>
+        </p:style>
+      </p:cxnSp>
+      <p:cxnSp>
+        <p:nvCxnSpPr>
+          <p:cNvPr id="73" name="Straight Arrow Connector 72">
+            <a:extLst>
+              <a:ext uri="{FF2B5EF4-FFF2-40B4-BE49-F238E27FC236}">
+                <a16:creationId xmlns:a16="http://schemas.microsoft.com/office/drawing/2014/main" id="{CB83E0DE-1938-C07B-87A6-C8288498293D}"/>
+              </a:ext>
+            </a:extLst>
+          </p:cNvPr>
+          <p:cNvCxnSpPr>
+            <a:cxnSpLocks/>
+          </p:cNvCxnSpPr>
+          <p:nvPr/>
+        </p:nvCxnSpPr>
+        <p:spPr>
+          <a:xfrm>
+            <a:off x="8079043" y="4440361"/>
+            <a:ext cx="716211" cy="27945"/>
+          </a:xfrm>
+          <a:prstGeom prst="straightConnector1">
+            <a:avLst/>
+          </a:prstGeom>
+          <a:ln>
+            <a:solidFill>
+              <a:schemeClr val="tx1"/>
+            </a:solidFill>
+            <a:tailEnd type="triangle"/>
+          </a:ln>
+        </p:spPr>
+        <p:style>
+          <a:lnRef idx="1">
+            <a:schemeClr val="accent1"/>
+          </a:lnRef>
+          <a:fillRef idx="0">
+            <a:schemeClr val="accent1"/>
+          </a:fillRef>
+          <a:effectRef idx="0">
+            <a:schemeClr val="accent1"/>
+          </a:effectRef>
+          <a:fontRef idx="minor">
+            <a:schemeClr val="tx1"/>
+          </a:fontRef>
+        </p:style>
+      </p:cxnSp>
+      <p:pic>
+        <p:nvPicPr>
+          <p:cNvPr id="74" name="图片 6">
+            <a:extLst>
+              <a:ext uri="{FF2B5EF4-FFF2-40B4-BE49-F238E27FC236}">
+                <a16:creationId xmlns:a16="http://schemas.microsoft.com/office/drawing/2014/main" id="{8E5F7C52-A904-7605-D8CD-D6908E7DE448}"/>
+              </a:ext>
+            </a:extLst>
+          </p:cNvPr>
+          <p:cNvPicPr>
+            <a:picLocks noChangeAspect="1"/>
+          </p:cNvPicPr>
+          <p:nvPr/>
+        </p:nvPicPr>
+        <p:blipFill>
+          <a:blip r:embed="rId2">
+            <a:extLst>
+              <a:ext uri="{BEBA8EAE-BF5A-486C-A8C5-ECC9F3942E4B}">
+                <a14:imgProps xmlns:a14="http://schemas.microsoft.com/office/drawing/2010/main">
+                  <a14:imgLayer r:embed="rId6">
+                    <a14:imgEffect>
+                      <a14:saturation sat="0"/>
+                    </a14:imgEffect>
+                  </a14:imgLayer>
+                </a14:imgProps>
+              </a:ext>
+            </a:extLst>
+          </a:blip>
+          <a:stretch>
+            <a:fillRect/>
+          </a:stretch>
+        </p:blipFill>
+        <p:spPr>
+          <a:xfrm>
+            <a:off x="8912583" y="3638495"/>
+            <a:ext cx="1059947" cy="1496747"/>
+          </a:xfrm>
+          <a:prstGeom prst="rect">
+            <a:avLst/>
+          </a:prstGeom>
+        </p:spPr>
+      </p:pic>
+      <p:cxnSp>
+        <p:nvCxnSpPr>
+          <p:cNvPr id="75" name="Straight Arrow Connector 74">
+            <a:extLst>
+              <a:ext uri="{FF2B5EF4-FFF2-40B4-BE49-F238E27FC236}">
+                <a16:creationId xmlns:a16="http://schemas.microsoft.com/office/drawing/2014/main" id="{FB5709FB-2878-D3F9-7241-84DB0C52C690}"/>
+              </a:ext>
+            </a:extLst>
+          </p:cNvPr>
+          <p:cNvCxnSpPr>
+            <a:cxnSpLocks/>
+          </p:cNvCxnSpPr>
+          <p:nvPr/>
+        </p:nvCxnSpPr>
+        <p:spPr>
+          <a:xfrm>
+            <a:off x="10081914" y="4359304"/>
+            <a:ext cx="636607" cy="0"/>
+          </a:xfrm>
+          <a:prstGeom prst="straightConnector1">
+            <a:avLst/>
+          </a:prstGeom>
+          <a:ln>
+            <a:solidFill>
+              <a:schemeClr val="tx1"/>
+            </a:solidFill>
+            <a:tailEnd type="triangle"/>
+          </a:ln>
+        </p:spPr>
+        <p:style>
+          <a:lnRef idx="1">
+            <a:schemeClr val="accent1"/>
+          </a:lnRef>
+          <a:fillRef idx="0">
+            <a:schemeClr val="accent1"/>
+          </a:fillRef>
+          <a:effectRef idx="0">
+            <a:schemeClr val="accent1"/>
+          </a:effectRef>
+          <a:fontRef idx="minor">
+            <a:schemeClr val="tx1"/>
+          </a:fontRef>
+        </p:style>
+      </p:cxnSp>
+      <p:sp>
+        <p:nvSpPr>
+          <p:cNvPr id="76" name="Cube 75">
+            <a:extLst>
+              <a:ext uri="{FF2B5EF4-FFF2-40B4-BE49-F238E27FC236}">
+                <a16:creationId xmlns:a16="http://schemas.microsoft.com/office/drawing/2014/main" id="{829D2AB9-AD82-5B0A-565F-FF62339263E3}"/>
+              </a:ext>
+            </a:extLst>
+          </p:cNvPr>
+          <p:cNvSpPr/>
+          <p:nvPr/>
+        </p:nvSpPr>
+        <p:spPr>
+          <a:xfrm>
+            <a:off x="10596610" y="2811089"/>
+            <a:ext cx="1354238" cy="369331"/>
+          </a:xfrm>
+          <a:prstGeom prst="cube">
+            <a:avLst/>
+          </a:prstGeom>
+          <a:noFill/>
+          <a:ln>
+            <a:solidFill>
+              <a:schemeClr val="tx1"/>
+            </a:solidFill>
+          </a:ln>
+        </p:spPr>
+        <p:style>
+          <a:lnRef idx="2">
+            <a:schemeClr val="accent1">
+              <a:shade val="50000"/>
+            </a:schemeClr>
+          </a:lnRef>
+          <a:fillRef idx="1">
+            <a:schemeClr val="accent1"/>
+          </a:fillRef>
+          <a:effectRef idx="0">
+            <a:schemeClr val="accent1"/>
+          </a:effectRef>
+          <a:fontRef idx="minor">
+            <a:schemeClr val="lt1"/>
+          </a:fontRef>
+        </p:style>
+        <p:txBody>
+          <a:bodyPr rtlCol="0" anchor="ctr"/>
+          <a:lstStyle/>
+          <a:p>
+            <a:pPr algn="ctr"/>
+            <a:endParaRPr lang="en-CN"/>
+          </a:p>
+        </p:txBody>
+      </p:sp>
+      <p:sp>
+        <p:nvSpPr>
+          <p:cNvPr id="77" name="TextBox 76">
+            <a:extLst>
+              <a:ext uri="{FF2B5EF4-FFF2-40B4-BE49-F238E27FC236}">
+                <a16:creationId xmlns:a16="http://schemas.microsoft.com/office/drawing/2014/main" id="{4EBE0A7C-6DF2-3240-B735-6E04826B822A}"/>
+              </a:ext>
+            </a:extLst>
+          </p:cNvPr>
+          <p:cNvSpPr txBox="1"/>
+          <p:nvPr/>
+        </p:nvSpPr>
+        <p:spPr>
+          <a:xfrm>
+            <a:off x="10596610" y="2866979"/>
+            <a:ext cx="1141877" cy="338554"/>
+          </a:xfrm>
+          <a:prstGeom prst="rect">
+            <a:avLst/>
+          </a:prstGeom>
+          <a:noFill/>
+        </p:spPr>
+        <p:txBody>
+          <a:bodyPr wrap="square" rtlCol="0">
+            <a:spAutoFit/>
+          </a:bodyPr>
+          <a:lstStyle/>
+          <a:p>
+            <a:r>
+              <a:rPr lang="en-CN" sz="1600" dirty="0"/>
+              <a:t>Test Text a</a:t>
+            </a:r>
+          </a:p>
+        </p:txBody>
+      </p:sp>
+      <p:sp>
+        <p:nvSpPr>
+          <p:cNvPr id="78" name="Rectangle 77">
+            <a:extLst>
+              <a:ext uri="{FF2B5EF4-FFF2-40B4-BE49-F238E27FC236}">
+                <a16:creationId xmlns:a16="http://schemas.microsoft.com/office/drawing/2014/main" id="{290DDFC7-5153-3D2C-9743-73D6E498B1D6}"/>
+              </a:ext>
+            </a:extLst>
+          </p:cNvPr>
+          <p:cNvSpPr/>
+          <p:nvPr/>
+        </p:nvSpPr>
+        <p:spPr>
+          <a:xfrm>
+            <a:off x="11129044" y="2497648"/>
+            <a:ext cx="289367" cy="313441"/>
+          </a:xfrm>
+          <a:prstGeom prst="rect">
+            <a:avLst/>
+          </a:prstGeom>
+          <a:noFill/>
+          <a:ln>
+            <a:solidFill>
+              <a:schemeClr val="tx1"/>
+            </a:solidFill>
+          </a:ln>
+        </p:spPr>
+        <p:style>
+          <a:lnRef idx="2">
+            <a:schemeClr val="accent1">
+              <a:shade val="50000"/>
+            </a:schemeClr>
+          </a:lnRef>
+          <a:fillRef idx="1">
+            <a:schemeClr val="accent1"/>
+          </a:fillRef>
+          <a:effectRef idx="0">
+            <a:schemeClr val="accent1"/>
+          </a:effectRef>
+          <a:fontRef idx="minor">
+            <a:schemeClr val="lt1"/>
+          </a:fontRef>
+        </p:style>
+        <p:txBody>
+          <a:bodyPr rtlCol="0" anchor="ctr"/>
+          <a:lstStyle/>
+          <a:p>
+            <a:pPr algn="ctr"/>
+            <a:r>
+              <a:rPr lang="en-CN" sz="1400" b="1" dirty="0">
+                <a:ln>
+                  <a:solidFill>
+                    <a:schemeClr val="tx1"/>
+                  </a:solidFill>
+                </a:ln>
+                <a:solidFill>
+                  <a:sysClr val="windowText" lastClr="000000"/>
+                </a:solidFill>
+              </a:rPr>
+              <a:t>0</a:t>
+            </a:r>
+          </a:p>
+        </p:txBody>
+      </p:sp>
+      <p:sp>
+        <p:nvSpPr>
+          <p:cNvPr id="79" name="Rectangle 78">
+            <a:extLst>
+              <a:ext uri="{FF2B5EF4-FFF2-40B4-BE49-F238E27FC236}">
+                <a16:creationId xmlns:a16="http://schemas.microsoft.com/office/drawing/2014/main" id="{3B65E0D8-E89D-1CC1-4F9C-5A23D21D332A}"/>
+              </a:ext>
+            </a:extLst>
+          </p:cNvPr>
+          <p:cNvSpPr/>
+          <p:nvPr/>
+        </p:nvSpPr>
+        <p:spPr>
+          <a:xfrm>
+            <a:off x="11109674" y="5584223"/>
+            <a:ext cx="289367" cy="313441"/>
+          </a:xfrm>
+          <a:prstGeom prst="rect">
+            <a:avLst/>
+          </a:prstGeom>
+          <a:solidFill>
+            <a:srgbClr val="FFC000"/>
+          </a:solidFill>
+          <a:ln>
+            <a:solidFill>
+              <a:schemeClr val="tx1"/>
+            </a:solidFill>
+          </a:ln>
+        </p:spPr>
+        <p:style>
+          <a:lnRef idx="2">
+            <a:schemeClr val="accent1">
+              <a:shade val="50000"/>
+            </a:schemeClr>
+          </a:lnRef>
+          <a:fillRef idx="1">
+            <a:schemeClr val="accent1"/>
+          </a:fillRef>
+          <a:effectRef idx="0">
+            <a:schemeClr val="accent1"/>
+          </a:effectRef>
+          <a:fontRef idx="minor">
+            <a:schemeClr val="lt1"/>
+          </a:fontRef>
+        </p:style>
+        <p:txBody>
+          <a:bodyPr rtlCol="0" anchor="ctr"/>
+          <a:lstStyle/>
+          <a:p>
+            <a:pPr algn="ctr"/>
+            <a:r>
+              <a:rPr lang="en-CN" sz="1400" b="1" dirty="0">
+                <a:ln>
+                  <a:solidFill>
+                    <a:schemeClr val="tx1"/>
+                  </a:solidFill>
+                </a:ln>
+                <a:solidFill>
+                  <a:sysClr val="windowText" lastClr="000000"/>
+                </a:solidFill>
+              </a:rPr>
+              <a:t>0</a:t>
+            </a:r>
+          </a:p>
+        </p:txBody>
+      </p:sp>
+      <p:cxnSp>
+        <p:nvCxnSpPr>
+          <p:cNvPr id="80" name="Straight Arrow Connector 79">
+            <a:extLst>
+              <a:ext uri="{FF2B5EF4-FFF2-40B4-BE49-F238E27FC236}">
+                <a16:creationId xmlns:a16="http://schemas.microsoft.com/office/drawing/2014/main" id="{3798AFCF-E123-B6BD-6FB1-CBB115F4C1FC}"/>
+              </a:ext>
+            </a:extLst>
+          </p:cNvPr>
+          <p:cNvCxnSpPr>
+            <a:cxnSpLocks/>
+          </p:cNvCxnSpPr>
+          <p:nvPr/>
+        </p:nvCxnSpPr>
+        <p:spPr>
+          <a:xfrm>
+            <a:off x="11277665" y="3261161"/>
+            <a:ext cx="0" cy="357090"/>
+          </a:xfrm>
+          <a:prstGeom prst="straightConnector1">
+            <a:avLst/>
+          </a:prstGeom>
+          <a:ln>
+            <a:solidFill>
+              <a:schemeClr val="tx1"/>
+            </a:solidFill>
+            <a:tailEnd type="triangle"/>
+          </a:ln>
+        </p:spPr>
+        <p:style>
+          <a:lnRef idx="1">
+            <a:schemeClr val="accent1"/>
+          </a:lnRef>
+          <a:fillRef idx="0">
+            <a:schemeClr val="accent1"/>
+          </a:fillRef>
+          <a:effectRef idx="0">
+            <a:schemeClr val="accent1"/>
+          </a:effectRef>
+          <a:fontRef idx="minor">
+            <a:schemeClr val="tx1"/>
+          </a:fontRef>
+        </p:style>
+      </p:cxnSp>
+      <p:cxnSp>
+        <p:nvCxnSpPr>
+          <p:cNvPr id="81" name="Straight Arrow Connector 80">
+            <a:extLst>
+              <a:ext uri="{FF2B5EF4-FFF2-40B4-BE49-F238E27FC236}">
+                <a16:creationId xmlns:a16="http://schemas.microsoft.com/office/drawing/2014/main" id="{EB444452-5A3D-691C-AF30-6CCB858C4E23}"/>
+              </a:ext>
+            </a:extLst>
+          </p:cNvPr>
+          <p:cNvCxnSpPr>
+            <a:cxnSpLocks/>
+          </p:cNvCxnSpPr>
+          <p:nvPr/>
+        </p:nvCxnSpPr>
+        <p:spPr>
+          <a:xfrm>
+            <a:off x="11254358" y="5117854"/>
+            <a:ext cx="0" cy="357090"/>
+          </a:xfrm>
+          <a:prstGeom prst="straightConnector1">
+            <a:avLst/>
+          </a:prstGeom>
+          <a:ln>
+            <a:solidFill>
+              <a:schemeClr val="tx1"/>
+            </a:solidFill>
+            <a:tailEnd type="triangle"/>
+          </a:ln>
+        </p:spPr>
+        <p:style>
+          <a:lnRef idx="1">
+            <a:schemeClr val="accent1"/>
+          </a:lnRef>
+          <a:fillRef idx="0">
+            <a:schemeClr val="accent1"/>
+          </a:fillRef>
+          <a:effectRef idx="0">
+            <a:schemeClr val="accent1"/>
+          </a:effectRef>
+          <a:fontRef idx="minor">
+            <a:schemeClr val="tx1"/>
+          </a:fontRef>
+        </p:style>
+      </p:cxnSp>
+      <p:sp>
+        <p:nvSpPr>
+          <p:cNvPr id="82" name="TextBox 81">
+            <a:extLst>
+              <a:ext uri="{FF2B5EF4-FFF2-40B4-BE49-F238E27FC236}">
+                <a16:creationId xmlns:a16="http://schemas.microsoft.com/office/drawing/2014/main" id="{8A5823A9-38F5-556A-1AC1-1CED71D84A70}"/>
+              </a:ext>
+            </a:extLst>
+          </p:cNvPr>
+          <p:cNvSpPr txBox="1"/>
+          <p:nvPr/>
+        </p:nvSpPr>
+        <p:spPr>
+          <a:xfrm>
+            <a:off x="6580216" y="3418243"/>
+            <a:ext cx="1652034" cy="276999"/>
+          </a:xfrm>
+          <a:prstGeom prst="rect">
+            <a:avLst/>
+          </a:prstGeom>
+          <a:noFill/>
+        </p:spPr>
+        <p:txBody>
+          <a:bodyPr wrap="square" rtlCol="0">
+            <a:spAutoFit/>
+          </a:bodyPr>
+          <a:lstStyle/>
+          <a:p>
+            <a:r>
+              <a:rPr lang="en-CN" sz="1200" dirty="0"/>
+              <a:t>Similar sentence</a:t>
+            </a:r>
+          </a:p>
+        </p:txBody>
+      </p:sp>
+      <p:sp>
+        <p:nvSpPr>
+          <p:cNvPr id="83" name="TextBox 82">
+            <a:extLst>
+              <a:ext uri="{FF2B5EF4-FFF2-40B4-BE49-F238E27FC236}">
+                <a16:creationId xmlns:a16="http://schemas.microsoft.com/office/drawing/2014/main" id="{E46E9AF3-75BE-93CC-0E7D-119732AB7C62}"/>
+              </a:ext>
+            </a:extLst>
+          </p:cNvPr>
+          <p:cNvSpPr txBox="1"/>
+          <p:nvPr/>
+        </p:nvSpPr>
+        <p:spPr>
+          <a:xfrm>
+            <a:off x="6675510" y="4628888"/>
+            <a:ext cx="1652034" cy="276999"/>
+          </a:xfrm>
+          <a:prstGeom prst="rect">
+            <a:avLst/>
+          </a:prstGeom>
+          <a:noFill/>
+        </p:spPr>
+        <p:txBody>
+          <a:bodyPr wrap="square" rtlCol="0">
+            <a:spAutoFit/>
+          </a:bodyPr>
+          <a:lstStyle/>
+          <a:p>
+            <a:r>
+              <a:rPr lang="en-CN" sz="1200" dirty="0"/>
+              <a:t>Similar sentence</a:t>
+            </a:r>
+          </a:p>
+        </p:txBody>
+      </p:sp>
+      <p:sp>
+        <p:nvSpPr>
+          <p:cNvPr id="84" name="Cube 83">
+            <a:extLst>
+              <a:ext uri="{FF2B5EF4-FFF2-40B4-BE49-F238E27FC236}">
+                <a16:creationId xmlns:a16="http://schemas.microsoft.com/office/drawing/2014/main" id="{BB31D25B-546F-76E9-FEFD-11616AA4FEB8}"/>
+              </a:ext>
+            </a:extLst>
+          </p:cNvPr>
+          <p:cNvSpPr/>
+          <p:nvPr/>
+        </p:nvSpPr>
+        <p:spPr>
+          <a:xfrm>
+            <a:off x="6624727" y="5445089"/>
+            <a:ext cx="1354238" cy="369331"/>
+          </a:xfrm>
+          <a:prstGeom prst="cube">
+            <a:avLst/>
+          </a:prstGeom>
+          <a:noFill/>
+          <a:ln>
+            <a:solidFill>
+              <a:schemeClr val="tx1"/>
+            </a:solidFill>
+          </a:ln>
+        </p:spPr>
+        <p:style>
+          <a:lnRef idx="2">
+            <a:schemeClr val="accent1">
+              <a:shade val="50000"/>
+            </a:schemeClr>
+          </a:lnRef>
+          <a:fillRef idx="1">
+            <a:schemeClr val="accent1"/>
+          </a:fillRef>
+          <a:effectRef idx="0">
+            <a:schemeClr val="accent1"/>
+          </a:effectRef>
+          <a:fontRef idx="minor">
+            <a:schemeClr val="lt1"/>
+          </a:fontRef>
+        </p:style>
+        <p:txBody>
+          <a:bodyPr rtlCol="0" anchor="ctr"/>
+          <a:lstStyle/>
+          <a:p>
+            <a:pPr algn="ctr"/>
+            <a:endParaRPr lang="en-CN"/>
+          </a:p>
+        </p:txBody>
+      </p:sp>
+      <p:sp>
+        <p:nvSpPr>
+          <p:cNvPr id="85" name="TextBox 84">
+            <a:extLst>
+              <a:ext uri="{FF2B5EF4-FFF2-40B4-BE49-F238E27FC236}">
+                <a16:creationId xmlns:a16="http://schemas.microsoft.com/office/drawing/2014/main" id="{5B60B428-9C5A-1286-62FE-AB89C5E6D591}"/>
+              </a:ext>
+            </a:extLst>
+          </p:cNvPr>
+          <p:cNvSpPr txBox="1"/>
+          <p:nvPr/>
+        </p:nvSpPr>
+        <p:spPr>
+          <a:xfrm>
+            <a:off x="6624727" y="5500979"/>
+            <a:ext cx="1223844" cy="338554"/>
+          </a:xfrm>
+          <a:prstGeom prst="rect">
+            <a:avLst/>
+          </a:prstGeom>
+          <a:noFill/>
+        </p:spPr>
+        <p:txBody>
+          <a:bodyPr wrap="square" rtlCol="0">
+            <a:spAutoFit/>
+          </a:bodyPr>
+          <a:lstStyle/>
+          <a:p>
+            <a:r>
+              <a:rPr lang="en-CN" sz="1600" dirty="0"/>
+              <a:t>Train Text d</a:t>
+            </a:r>
+          </a:p>
+        </p:txBody>
+      </p:sp>
+      <p:sp>
+        <p:nvSpPr>
+          <p:cNvPr id="86" name="Rectangle 85">
+            <a:extLst>
+              <a:ext uri="{FF2B5EF4-FFF2-40B4-BE49-F238E27FC236}">
+                <a16:creationId xmlns:a16="http://schemas.microsoft.com/office/drawing/2014/main" id="{66C07D14-6775-769B-E8C9-1518E599694C}"/>
+              </a:ext>
+            </a:extLst>
+          </p:cNvPr>
+          <p:cNvSpPr/>
+          <p:nvPr/>
+        </p:nvSpPr>
+        <p:spPr>
+          <a:xfrm>
+            <a:off x="7157161" y="5131648"/>
+            <a:ext cx="289367" cy="313441"/>
+          </a:xfrm>
+          <a:prstGeom prst="rect">
+            <a:avLst/>
+          </a:prstGeom>
+          <a:noFill/>
+          <a:ln>
+            <a:solidFill>
+              <a:schemeClr val="tx1"/>
+            </a:solidFill>
+          </a:ln>
+        </p:spPr>
+        <p:style>
+          <a:lnRef idx="2">
+            <a:schemeClr val="accent1">
+              <a:shade val="50000"/>
+            </a:schemeClr>
+          </a:lnRef>
+          <a:fillRef idx="1">
+            <a:schemeClr val="accent1"/>
+          </a:fillRef>
+          <a:effectRef idx="0">
+            <a:schemeClr val="accent1"/>
+          </a:effectRef>
+          <a:fontRef idx="minor">
+            <a:schemeClr val="lt1"/>
+          </a:fontRef>
+        </p:style>
+        <p:txBody>
+          <a:bodyPr rtlCol="0" anchor="ctr"/>
+          <a:lstStyle/>
+          <a:p>
+            <a:pPr algn="ctr"/>
+            <a:r>
+              <a:rPr lang="en-CN" sz="1400" b="1" dirty="0">
+                <a:ln>
+                  <a:solidFill>
+                    <a:schemeClr val="tx1"/>
+                  </a:solidFill>
+                </a:ln>
+                <a:solidFill>
+                  <a:sysClr val="windowText" lastClr="000000"/>
+                </a:solidFill>
+              </a:rPr>
+              <a:t>1</a:t>
+            </a:r>
+          </a:p>
+        </p:txBody>
+      </p:sp>
+      <p:sp>
+        <p:nvSpPr>
+          <p:cNvPr id="87" name="TextBox 86">
+            <a:extLst>
+              <a:ext uri="{FF2B5EF4-FFF2-40B4-BE49-F238E27FC236}">
+                <a16:creationId xmlns:a16="http://schemas.microsoft.com/office/drawing/2014/main" id="{F93ED393-67E5-BFEA-93E0-ED542B5C6238}"/>
+              </a:ext>
+            </a:extLst>
+          </p:cNvPr>
+          <p:cNvSpPr txBox="1"/>
+          <p:nvPr/>
+        </p:nvSpPr>
+        <p:spPr>
+          <a:xfrm>
+            <a:off x="6663268" y="5787394"/>
+            <a:ext cx="1652034" cy="276999"/>
+          </a:xfrm>
+          <a:prstGeom prst="rect">
+            <a:avLst/>
+          </a:prstGeom>
+          <a:noFill/>
+        </p:spPr>
+        <p:txBody>
+          <a:bodyPr wrap="square" rtlCol="0">
+            <a:spAutoFit/>
+          </a:bodyPr>
+          <a:lstStyle/>
+          <a:p>
+            <a:r>
+              <a:rPr lang="en-CN" sz="1200" dirty="0"/>
+              <a:t>Similar sentence</a:t>
+            </a:r>
+          </a:p>
+        </p:txBody>
+      </p:sp>
+      <p:cxnSp>
+        <p:nvCxnSpPr>
+          <p:cNvPr id="88" name="Straight Arrow Connector 87">
+            <a:extLst>
+              <a:ext uri="{FF2B5EF4-FFF2-40B4-BE49-F238E27FC236}">
+                <a16:creationId xmlns:a16="http://schemas.microsoft.com/office/drawing/2014/main" id="{B79BA281-404B-724A-7B6F-21BDCD8BC318}"/>
+              </a:ext>
+            </a:extLst>
+          </p:cNvPr>
+          <p:cNvCxnSpPr>
+            <a:cxnSpLocks/>
+          </p:cNvCxnSpPr>
+          <p:nvPr/>
+        </p:nvCxnSpPr>
+        <p:spPr>
+          <a:xfrm flipV="1">
+            <a:off x="8130774" y="5055212"/>
+            <a:ext cx="664480" cy="498053"/>
+          </a:xfrm>
+          <a:prstGeom prst="straightConnector1">
+            <a:avLst/>
+          </a:prstGeom>
+          <a:ln>
+            <a:solidFill>
+              <a:schemeClr val="tx1"/>
+            </a:solidFill>
+            <a:tailEnd type="triangle"/>
+          </a:ln>
+        </p:spPr>
+        <p:style>
+          <a:lnRef idx="1">
+            <a:schemeClr val="accent1"/>
+          </a:lnRef>
+          <a:fillRef idx="0">
+            <a:schemeClr val="accent1"/>
+          </a:fillRef>
+          <a:effectRef idx="0">
+            <a:schemeClr val="accent1"/>
+          </a:effectRef>
+          <a:fontRef idx="minor">
+            <a:schemeClr val="tx1"/>
+          </a:fontRef>
+        </p:style>
+      </p:cxnSp>
+      <p:sp>
+        <p:nvSpPr>
+          <p:cNvPr id="90" name="TextBox 89">
+            <a:extLst>
+              <a:ext uri="{FF2B5EF4-FFF2-40B4-BE49-F238E27FC236}">
+                <a16:creationId xmlns:a16="http://schemas.microsoft.com/office/drawing/2014/main" id="{118C5724-2674-4544-B1EF-A1229076AE1F}"/>
+              </a:ext>
+            </a:extLst>
+          </p:cNvPr>
+          <p:cNvSpPr txBox="1"/>
+          <p:nvPr/>
+        </p:nvSpPr>
+        <p:spPr>
+          <a:xfrm>
+            <a:off x="8789470" y="5943404"/>
+            <a:ext cx="2483834" cy="369332"/>
+          </a:xfrm>
+          <a:prstGeom prst="rect">
+            <a:avLst/>
+          </a:prstGeom>
+          <a:noFill/>
+        </p:spPr>
+        <p:txBody>
+          <a:bodyPr wrap="square" rtlCol="0">
+            <a:spAutoFit/>
+          </a:bodyPr>
+          <a:lstStyle/>
+          <a:p>
+            <a:r>
+              <a:rPr lang="en-CN" dirty="0">
+                <a:solidFill>
+                  <a:srgbClr val="FF0000"/>
+                </a:solidFill>
+              </a:rPr>
+              <a:t>1      =      1</a:t>
+            </a:r>
+          </a:p>
+        </p:txBody>
+      </p:sp>
+      <p:sp>
+        <p:nvSpPr>
+          <p:cNvPr id="91" name="TextBox 90">
+            <a:extLst>
+              <a:ext uri="{FF2B5EF4-FFF2-40B4-BE49-F238E27FC236}">
+                <a16:creationId xmlns:a16="http://schemas.microsoft.com/office/drawing/2014/main" id="{4D58799A-366A-9344-3306-1D60FE1EB2EE}"/>
+              </a:ext>
+            </a:extLst>
+          </p:cNvPr>
+          <p:cNvSpPr txBox="1"/>
+          <p:nvPr/>
+        </p:nvSpPr>
+        <p:spPr>
+          <a:xfrm>
+            <a:off x="8643144" y="5740943"/>
+            <a:ext cx="1892661" cy="276999"/>
+          </a:xfrm>
+          <a:prstGeom prst="rect">
+            <a:avLst/>
+          </a:prstGeom>
+          <a:noFill/>
+        </p:spPr>
+        <p:txBody>
+          <a:bodyPr wrap="square" rtlCol="0">
+            <a:spAutoFit/>
+          </a:bodyPr>
+          <a:lstStyle/>
+          <a:p>
+            <a:r>
+              <a:rPr lang="en-US" sz="1200" dirty="0"/>
+              <a:t>L</a:t>
+            </a:r>
+            <a:r>
+              <a:rPr lang="en-CN" sz="1200" dirty="0"/>
+              <a:t>abel 1              label 0</a:t>
+            </a:r>
+          </a:p>
+        </p:txBody>
+      </p:sp>
+      <p:sp>
+        <p:nvSpPr>
+          <p:cNvPr id="94" name="Rounded Rectangle 93">
+            <a:extLst>
+              <a:ext uri="{FF2B5EF4-FFF2-40B4-BE49-F238E27FC236}">
+                <a16:creationId xmlns:a16="http://schemas.microsoft.com/office/drawing/2014/main" id="{AF8288FF-431E-81F1-872C-6CC8F83514E9}"/>
+              </a:ext>
+            </a:extLst>
+          </p:cNvPr>
+          <p:cNvSpPr/>
+          <p:nvPr/>
+        </p:nvSpPr>
+        <p:spPr>
+          <a:xfrm>
+            <a:off x="180290" y="2355472"/>
+            <a:ext cx="5521485" cy="4281567"/>
+          </a:xfrm>
+          <a:prstGeom prst="roundRect">
+            <a:avLst/>
+          </a:prstGeom>
+          <a:noFill/>
+          <a:ln>
+            <a:solidFill>
+              <a:schemeClr val="tx1"/>
+            </a:solidFill>
+          </a:ln>
+        </p:spPr>
+        <p:style>
+          <a:lnRef idx="2">
+            <a:schemeClr val="accent6"/>
+          </a:lnRef>
+          <a:fillRef idx="1">
+            <a:schemeClr val="lt1"/>
+          </a:fillRef>
+          <a:effectRef idx="0">
+            <a:schemeClr val="accent6"/>
+          </a:effectRef>
+          <a:fontRef idx="minor">
+            <a:schemeClr val="dk1"/>
+          </a:fontRef>
+        </p:style>
+        <p:txBody>
+          <a:bodyPr rtlCol="0" anchor="ctr"/>
+          <a:lstStyle/>
+          <a:p>
+            <a:pPr algn="ctr"/>
+            <a:endParaRPr lang="en-CN"/>
+          </a:p>
+        </p:txBody>
+      </p:sp>
+      <p:sp>
+        <p:nvSpPr>
+          <p:cNvPr id="95" name="TextBox 94">
+            <a:extLst>
+              <a:ext uri="{FF2B5EF4-FFF2-40B4-BE49-F238E27FC236}">
+                <a16:creationId xmlns:a16="http://schemas.microsoft.com/office/drawing/2014/main" id="{57A40B2C-058F-50F6-9172-DD5812E3A1FB}"/>
+              </a:ext>
+            </a:extLst>
+          </p:cNvPr>
+          <p:cNvSpPr txBox="1"/>
+          <p:nvPr/>
+        </p:nvSpPr>
+        <p:spPr>
+          <a:xfrm>
+            <a:off x="2576425" y="561495"/>
+            <a:ext cx="1652034" cy="261610"/>
+          </a:xfrm>
+          <a:prstGeom prst="rect">
+            <a:avLst/>
+          </a:prstGeom>
+          <a:noFill/>
+        </p:spPr>
+        <p:txBody>
+          <a:bodyPr wrap="square" rtlCol="0">
+            <a:spAutoFit/>
+          </a:bodyPr>
+          <a:lstStyle/>
+          <a:p>
+            <a:r>
+              <a:rPr lang="en-CN" sz="1100" b="1" dirty="0"/>
+              <a:t>Pretrain BERT</a:t>
+            </a:r>
+          </a:p>
+        </p:txBody>
+      </p:sp>
+      <p:sp>
+        <p:nvSpPr>
+          <p:cNvPr id="96" name="TextBox 95">
+            <a:extLst>
+              <a:ext uri="{FF2B5EF4-FFF2-40B4-BE49-F238E27FC236}">
+                <a16:creationId xmlns:a16="http://schemas.microsoft.com/office/drawing/2014/main" id="{BFC58FD9-A893-3A23-D624-26E6BD92291B}"/>
+              </a:ext>
+            </a:extLst>
+          </p:cNvPr>
+          <p:cNvSpPr txBox="1"/>
+          <p:nvPr/>
+        </p:nvSpPr>
+        <p:spPr>
+          <a:xfrm>
+            <a:off x="8944576" y="3767469"/>
+            <a:ext cx="1652034" cy="261610"/>
+          </a:xfrm>
+          <a:prstGeom prst="rect">
+            <a:avLst/>
+          </a:prstGeom>
+          <a:noFill/>
+        </p:spPr>
+        <p:txBody>
+          <a:bodyPr wrap="square" rtlCol="0">
+            <a:spAutoFit/>
+          </a:bodyPr>
+          <a:lstStyle/>
+          <a:p>
+            <a:r>
+              <a:rPr lang="en-CN" sz="1100" b="1" dirty="0"/>
+              <a:t>Pretrain BERT</a:t>
+            </a:r>
+          </a:p>
+        </p:txBody>
+      </p:sp>
+      <p:sp>
+        <p:nvSpPr>
+          <p:cNvPr id="97" name="TextBox 96">
+            <a:extLst>
+              <a:ext uri="{FF2B5EF4-FFF2-40B4-BE49-F238E27FC236}">
+                <a16:creationId xmlns:a16="http://schemas.microsoft.com/office/drawing/2014/main" id="{617E5227-1B8F-AC67-4D8C-D2BBB32B3488}"/>
+              </a:ext>
+            </a:extLst>
+          </p:cNvPr>
+          <p:cNvSpPr txBox="1"/>
+          <p:nvPr/>
+        </p:nvSpPr>
+        <p:spPr>
+          <a:xfrm>
+            <a:off x="10793467" y="3787168"/>
+            <a:ext cx="1652034" cy="261610"/>
+          </a:xfrm>
+          <a:prstGeom prst="rect">
+            <a:avLst/>
+          </a:prstGeom>
+          <a:noFill/>
+        </p:spPr>
+        <p:txBody>
+          <a:bodyPr wrap="square" rtlCol="0">
+            <a:spAutoFit/>
+          </a:bodyPr>
+          <a:lstStyle/>
+          <a:p>
+            <a:r>
+              <a:rPr lang="en-CN" sz="1100" b="1" dirty="0"/>
+              <a:t>Trained BERT</a:t>
+            </a:r>
+          </a:p>
+        </p:txBody>
+      </p:sp>
+      <p:sp>
+        <p:nvSpPr>
+          <p:cNvPr id="98" name="Multiply 97">
+            <a:extLst>
+              <a:ext uri="{FF2B5EF4-FFF2-40B4-BE49-F238E27FC236}">
+                <a16:creationId xmlns:a16="http://schemas.microsoft.com/office/drawing/2014/main" id="{5FBA5143-7B5C-29C9-3ABA-574CC0044BD7}"/>
+              </a:ext>
+            </a:extLst>
+          </p:cNvPr>
+          <p:cNvSpPr/>
+          <p:nvPr/>
+        </p:nvSpPr>
+        <p:spPr>
+          <a:xfrm>
+            <a:off x="6701497" y="5186418"/>
+            <a:ext cx="1223844" cy="1028116"/>
+          </a:xfrm>
+          <a:prstGeom prst="mathMultiply">
+            <a:avLst/>
+          </a:prstGeom>
+          <a:solidFill>
+            <a:srgbClr val="4472C4">
+              <a:alpha val="43137"/>
+            </a:srgbClr>
+          </a:solidFill>
+        </p:spPr>
+        <p:style>
+          <a:lnRef idx="2">
+            <a:schemeClr val="accent1">
+              <a:shade val="50000"/>
+            </a:schemeClr>
+          </a:lnRef>
+          <a:fillRef idx="1">
+            <a:schemeClr val="accent1"/>
+          </a:fillRef>
+          <a:effectRef idx="0">
+            <a:schemeClr val="accent1"/>
+          </a:effectRef>
+          <a:fontRef idx="minor">
+            <a:schemeClr val="lt1"/>
+          </a:fontRef>
+        </p:style>
+        <p:txBody>
+          <a:bodyPr rtlCol="0" anchor="ctr"/>
+          <a:lstStyle/>
+          <a:p>
+            <a:pPr algn="ctr"/>
+            <a:endParaRPr lang="en-CN" dirty="0"/>
+          </a:p>
+        </p:txBody>
+      </p:sp>
+      <p:sp>
+        <p:nvSpPr>
+          <p:cNvPr id="99" name="TextBox 98">
+            <a:extLst>
+              <a:ext uri="{FF2B5EF4-FFF2-40B4-BE49-F238E27FC236}">
+                <a16:creationId xmlns:a16="http://schemas.microsoft.com/office/drawing/2014/main" id="{C30CE75A-25DB-126C-BBAA-53981DBBC7A4}"/>
+              </a:ext>
+            </a:extLst>
+          </p:cNvPr>
+          <p:cNvSpPr txBox="1"/>
+          <p:nvPr/>
+        </p:nvSpPr>
+        <p:spPr>
+          <a:xfrm>
+            <a:off x="126478" y="110168"/>
+            <a:ext cx="4855241" cy="307777"/>
+          </a:xfrm>
+          <a:prstGeom prst="rect">
+            <a:avLst/>
+          </a:prstGeom>
+          <a:noFill/>
+        </p:spPr>
+        <p:txBody>
+          <a:bodyPr wrap="square" rtlCol="0">
+            <a:spAutoFit/>
+          </a:bodyPr>
+          <a:lstStyle/>
+          <a:p>
+            <a:r>
+              <a:rPr lang="en-CN" sz="1400" b="1" u="sng" dirty="0"/>
+              <a:t>Situation 1:  Correct classification on Pretrain BERT</a:t>
+            </a:r>
+          </a:p>
+        </p:txBody>
+      </p:sp>
+      <p:sp>
+        <p:nvSpPr>
+          <p:cNvPr id="100" name="TextBox 99">
+            <a:extLst>
+              <a:ext uri="{FF2B5EF4-FFF2-40B4-BE49-F238E27FC236}">
+                <a16:creationId xmlns:a16="http://schemas.microsoft.com/office/drawing/2014/main" id="{586CBF07-8A73-761A-6D38-2135FF6A9C1E}"/>
+              </a:ext>
+            </a:extLst>
+          </p:cNvPr>
+          <p:cNvSpPr txBox="1"/>
+          <p:nvPr/>
+        </p:nvSpPr>
+        <p:spPr>
+          <a:xfrm>
+            <a:off x="1846150" y="2169447"/>
+            <a:ext cx="2165702" cy="307777"/>
+          </a:xfrm>
+          <a:prstGeom prst="rect">
+            <a:avLst/>
+          </a:prstGeom>
+          <a:solidFill>
+            <a:schemeClr val="bg1"/>
+          </a:solidFill>
+        </p:spPr>
+        <p:txBody>
+          <a:bodyPr wrap="square" rtlCol="0">
+            <a:spAutoFit/>
+          </a:bodyPr>
+          <a:lstStyle/>
+          <a:p>
+            <a:r>
+              <a:rPr lang="en-CN" sz="1400" b="1" dirty="0"/>
+              <a:t>Train, then evaluation</a:t>
+            </a:r>
+          </a:p>
+        </p:txBody>
+      </p:sp>
+      <p:sp>
+        <p:nvSpPr>
+          <p:cNvPr id="101" name="Rounded Rectangle 100">
+            <a:extLst>
+              <a:ext uri="{FF2B5EF4-FFF2-40B4-BE49-F238E27FC236}">
+                <a16:creationId xmlns:a16="http://schemas.microsoft.com/office/drawing/2014/main" id="{A7F272A7-6D1E-A713-7064-1C0071C21280}"/>
+              </a:ext>
+            </a:extLst>
+          </p:cNvPr>
+          <p:cNvSpPr/>
+          <p:nvPr/>
+        </p:nvSpPr>
+        <p:spPr>
+          <a:xfrm>
+            <a:off x="6450312" y="2295421"/>
+            <a:ext cx="5656437" cy="4341623"/>
+          </a:xfrm>
+          <a:prstGeom prst="roundRect">
+            <a:avLst/>
+          </a:prstGeom>
+          <a:noFill/>
+          <a:ln>
+            <a:solidFill>
+              <a:schemeClr val="tx1"/>
+            </a:solidFill>
+          </a:ln>
+        </p:spPr>
+        <p:style>
+          <a:lnRef idx="2">
+            <a:schemeClr val="accent6"/>
+          </a:lnRef>
+          <a:fillRef idx="1">
+            <a:schemeClr val="lt1"/>
+          </a:fillRef>
+          <a:effectRef idx="0">
+            <a:schemeClr val="accent6"/>
+          </a:effectRef>
+          <a:fontRef idx="minor">
+            <a:schemeClr val="dk1"/>
+          </a:fontRef>
+        </p:style>
+        <p:txBody>
+          <a:bodyPr rtlCol="0" anchor="ctr"/>
+          <a:lstStyle/>
+          <a:p>
+            <a:pPr algn="ctr"/>
+            <a:endParaRPr lang="en-CN"/>
+          </a:p>
+        </p:txBody>
+      </p:sp>
+      <p:sp>
+        <p:nvSpPr>
+          <p:cNvPr id="102" name="TextBox 101">
+            <a:extLst>
+              <a:ext uri="{FF2B5EF4-FFF2-40B4-BE49-F238E27FC236}">
+                <a16:creationId xmlns:a16="http://schemas.microsoft.com/office/drawing/2014/main" id="{1BD9F5F7-676B-8873-55A7-8B54E4DC0180}"/>
+              </a:ext>
+            </a:extLst>
+          </p:cNvPr>
+          <p:cNvSpPr txBox="1"/>
+          <p:nvPr/>
+        </p:nvSpPr>
+        <p:spPr>
+          <a:xfrm>
+            <a:off x="7575201" y="2099231"/>
+            <a:ext cx="3843210" cy="307777"/>
+          </a:xfrm>
+          <a:prstGeom prst="rect">
+            <a:avLst/>
+          </a:prstGeom>
+          <a:solidFill>
+            <a:schemeClr val="bg1"/>
+          </a:solidFill>
+        </p:spPr>
+        <p:txBody>
+          <a:bodyPr wrap="square" rtlCol="0">
+            <a:spAutoFit/>
+          </a:bodyPr>
+          <a:lstStyle/>
+          <a:p>
+            <a:r>
+              <a:rPr lang="en-CN" sz="1400" b="1" dirty="0"/>
+              <a:t>Remove one record, train, then evaluation</a:t>
+            </a:r>
+          </a:p>
+        </p:txBody>
+      </p:sp>
+    </p:spTree>
+    <p:extLst>
+      <p:ext uri="{BB962C8B-B14F-4D97-AF65-F5344CB8AC3E}">
+        <p14:creationId xmlns:p14="http://schemas.microsoft.com/office/powerpoint/2010/main" val="2594234266"/>
+      </p:ext>
+    </p:extLst>
+  </p:cSld>
+  <p:clrMapOvr>
+    <a:masterClrMapping/>
+  </p:clrMapOvr>
+</p:sld>
+</file>
+
+<file path=ppt/slides/slide5.xml><?xml version="1.0" encoding="utf-8"?>
+<p:sld xmlns:a="http://schemas.openxmlformats.org/drawingml/2006/main" xmlns:r="http://schemas.openxmlformats.org/officeDocument/2006/relationships" xmlns:p="http://schemas.openxmlformats.org/presentationml/2006/main">
+  <p:cSld>
+    <p:spTree>
+      <p:nvGrpSpPr>
+        <p:cNvPr id="1" name=""/>
+        <p:cNvGrpSpPr/>
+        <p:nvPr/>
+      </p:nvGrpSpPr>
+      <p:grpSpPr>
+        <a:xfrm>
+          <a:off x="0" y="0"/>
+          <a:ext cx="0" cy="0"/>
+          <a:chOff x="0" y="0"/>
+          <a:chExt cx="0" cy="0"/>
+        </a:xfrm>
+      </p:grpSpPr>
+      <p:sp>
+        <p:nvSpPr>
+          <p:cNvPr id="4" name="Cube 3">
+            <a:extLst>
+              <a:ext uri="{FF2B5EF4-FFF2-40B4-BE49-F238E27FC236}">
+                <a16:creationId xmlns:a16="http://schemas.microsoft.com/office/drawing/2014/main" id="{003AFD37-9FD5-4663-0309-0370B0D3CA9F}"/>
+              </a:ext>
+            </a:extLst>
+          </p:cNvPr>
+          <p:cNvSpPr/>
+          <p:nvPr/>
+        </p:nvSpPr>
+        <p:spPr>
+          <a:xfrm>
+            <a:off x="331760" y="1109640"/>
+            <a:ext cx="1354238" cy="369331"/>
+          </a:xfrm>
+          <a:prstGeom prst="cube">
+            <a:avLst/>
+          </a:prstGeom>
+          <a:noFill/>
+          <a:ln>
+            <a:solidFill>
+              <a:schemeClr val="tx1"/>
+            </a:solidFill>
+          </a:ln>
+        </p:spPr>
+        <p:style>
+          <a:lnRef idx="2">
+            <a:schemeClr val="accent1">
+              <a:shade val="50000"/>
+            </a:schemeClr>
+          </a:lnRef>
+          <a:fillRef idx="1">
+            <a:schemeClr val="accent1"/>
+          </a:fillRef>
+          <a:effectRef idx="0">
+            <a:schemeClr val="accent1"/>
+          </a:effectRef>
+          <a:fontRef idx="minor">
+            <a:schemeClr val="lt1"/>
+          </a:fontRef>
+        </p:style>
+        <p:txBody>
+          <a:bodyPr rtlCol="0" anchor="ctr"/>
+          <a:lstStyle/>
+          <a:p>
+            <a:pPr algn="ctr"/>
+            <a:endParaRPr lang="en-CN"/>
+          </a:p>
+        </p:txBody>
+      </p:sp>
+      <p:sp>
+        <p:nvSpPr>
+          <p:cNvPr id="5" name="TextBox 4">
+            <a:extLst>
+              <a:ext uri="{FF2B5EF4-FFF2-40B4-BE49-F238E27FC236}">
+                <a16:creationId xmlns:a16="http://schemas.microsoft.com/office/drawing/2014/main" id="{3DB23CEF-A950-7034-ACE3-7646D0D61881}"/>
+              </a:ext>
+            </a:extLst>
+          </p:cNvPr>
+          <p:cNvSpPr txBox="1"/>
+          <p:nvPr/>
+        </p:nvSpPr>
+        <p:spPr>
+          <a:xfrm>
+            <a:off x="331760" y="1165530"/>
+            <a:ext cx="1141877" cy="338554"/>
+          </a:xfrm>
+          <a:prstGeom prst="rect">
+            <a:avLst/>
+          </a:prstGeom>
+          <a:noFill/>
+        </p:spPr>
+        <p:txBody>
+          <a:bodyPr wrap="square" rtlCol="0">
+            <a:spAutoFit/>
+          </a:bodyPr>
+          <a:lstStyle/>
+          <a:p>
+            <a:r>
+              <a:rPr lang="en-CN" sz="1600" dirty="0"/>
+              <a:t>Test Text e</a:t>
+            </a:r>
+          </a:p>
+        </p:txBody>
+      </p:sp>
+      <p:sp>
+        <p:nvSpPr>
+          <p:cNvPr id="7" name="Rectangle 6">
+            <a:extLst>
+              <a:ext uri="{FF2B5EF4-FFF2-40B4-BE49-F238E27FC236}">
+                <a16:creationId xmlns:a16="http://schemas.microsoft.com/office/drawing/2014/main" id="{D38CF9D6-8C8C-ECA9-05D5-467604465DFD}"/>
+              </a:ext>
+            </a:extLst>
+          </p:cNvPr>
+          <p:cNvSpPr/>
+          <p:nvPr/>
+        </p:nvSpPr>
+        <p:spPr>
+          <a:xfrm>
+            <a:off x="864194" y="796199"/>
+            <a:ext cx="289367" cy="313441"/>
+          </a:xfrm>
+          <a:prstGeom prst="rect">
+            <a:avLst/>
+          </a:prstGeom>
+          <a:noFill/>
+          <a:ln>
+            <a:solidFill>
+              <a:schemeClr val="tx1"/>
+            </a:solidFill>
+          </a:ln>
+        </p:spPr>
+        <p:style>
+          <a:lnRef idx="2">
+            <a:schemeClr val="accent1">
+              <a:shade val="50000"/>
+            </a:schemeClr>
+          </a:lnRef>
+          <a:fillRef idx="1">
+            <a:schemeClr val="accent1"/>
+          </a:fillRef>
+          <a:effectRef idx="0">
+            <a:schemeClr val="accent1"/>
+          </a:effectRef>
+          <a:fontRef idx="minor">
+            <a:schemeClr val="lt1"/>
+          </a:fontRef>
+        </p:style>
+        <p:txBody>
+          <a:bodyPr rtlCol="0" anchor="ctr"/>
+          <a:lstStyle/>
+          <a:p>
+            <a:pPr algn="ctr"/>
+            <a:r>
+              <a:rPr lang="en-CN" sz="1400" b="1" dirty="0">
+                <a:ln>
+                  <a:solidFill>
+                    <a:schemeClr val="tx1"/>
+                  </a:solidFill>
+                </a:ln>
+                <a:solidFill>
+                  <a:sysClr val="windowText" lastClr="000000"/>
+                </a:solidFill>
+              </a:rPr>
+              <a:t>0</a:t>
+            </a:r>
+          </a:p>
+        </p:txBody>
+      </p:sp>
+      <p:pic>
+        <p:nvPicPr>
+          <p:cNvPr id="8" name="图片 6">
+            <a:extLst>
+              <a:ext uri="{FF2B5EF4-FFF2-40B4-BE49-F238E27FC236}">
+                <a16:creationId xmlns:a16="http://schemas.microsoft.com/office/drawing/2014/main" id="{12F6B374-C122-B233-0840-CBB41024E834}"/>
+              </a:ext>
+            </a:extLst>
+          </p:cNvPr>
+          <p:cNvPicPr>
+            <a:picLocks noChangeAspect="1"/>
+          </p:cNvPicPr>
+          <p:nvPr/>
+        </p:nvPicPr>
+        <p:blipFill>
+          <a:blip r:embed="rId2">
+            <a:extLst>
+              <a:ext uri="{BEBA8EAE-BF5A-486C-A8C5-ECC9F3942E4B}">
+                <a14:imgProps xmlns:a14="http://schemas.microsoft.com/office/drawing/2010/main">
+                  <a14:imgLayer r:embed="rId3">
+                    <a14:imgEffect>
+                      <a14:saturation sat="0"/>
+                    </a14:imgEffect>
+                  </a14:imgLayer>
+                </a14:imgProps>
+              </a:ext>
+            </a:extLst>
+          </a:blip>
+          <a:stretch>
+            <a:fillRect/>
+          </a:stretch>
+        </p:blipFill>
+        <p:spPr>
+          <a:xfrm>
+            <a:off x="2554099" y="426015"/>
+            <a:ext cx="1059947" cy="1496747"/>
+          </a:xfrm>
+          <a:prstGeom prst="rect">
+            <a:avLst/>
+          </a:prstGeom>
+        </p:spPr>
+      </p:pic>
+      <p:cxnSp>
+        <p:nvCxnSpPr>
+          <p:cNvPr id="10" name="Straight Arrow Connector 9">
+            <a:extLst>
+              <a:ext uri="{FF2B5EF4-FFF2-40B4-BE49-F238E27FC236}">
+                <a16:creationId xmlns:a16="http://schemas.microsoft.com/office/drawing/2014/main" id="{418470D8-849A-8F13-A905-F69750181B3D}"/>
+              </a:ext>
+            </a:extLst>
+          </p:cNvPr>
+          <p:cNvCxnSpPr>
+            <a:cxnSpLocks/>
+          </p:cNvCxnSpPr>
+          <p:nvPr/>
+        </p:nvCxnSpPr>
+        <p:spPr>
+          <a:xfrm>
+            <a:off x="1801745" y="1258127"/>
+            <a:ext cx="636607" cy="0"/>
+          </a:xfrm>
+          <a:prstGeom prst="straightConnector1">
+            <a:avLst/>
+          </a:prstGeom>
+          <a:ln>
+            <a:solidFill>
+              <a:schemeClr val="tx1"/>
+            </a:solidFill>
+            <a:tailEnd type="triangle"/>
+          </a:ln>
+        </p:spPr>
+        <p:style>
+          <a:lnRef idx="1">
+            <a:schemeClr val="accent1"/>
+          </a:lnRef>
+          <a:fillRef idx="0">
+            <a:schemeClr val="accent1"/>
+          </a:fillRef>
+          <a:effectRef idx="0">
+            <a:schemeClr val="accent1"/>
+          </a:effectRef>
+          <a:fontRef idx="minor">
+            <a:schemeClr val="tx1"/>
+          </a:fontRef>
+        </p:style>
+      </p:cxnSp>
+      <p:sp>
+        <p:nvSpPr>
+          <p:cNvPr id="12" name="Rectangle 11">
+            <a:extLst>
+              <a:ext uri="{FF2B5EF4-FFF2-40B4-BE49-F238E27FC236}">
+                <a16:creationId xmlns:a16="http://schemas.microsoft.com/office/drawing/2014/main" id="{ABF67571-1935-C34C-60A0-B3EEC261B156}"/>
+              </a:ext>
+            </a:extLst>
+          </p:cNvPr>
+          <p:cNvSpPr/>
+          <p:nvPr/>
+        </p:nvSpPr>
+        <p:spPr>
+          <a:xfrm>
+            <a:off x="4444741" y="1112612"/>
+            <a:ext cx="289367" cy="313441"/>
+          </a:xfrm>
+          <a:prstGeom prst="rect">
+            <a:avLst/>
+          </a:prstGeom>
+          <a:solidFill>
+            <a:srgbClr val="FF0000"/>
+          </a:solidFill>
+          <a:ln>
+            <a:solidFill>
+              <a:schemeClr val="tx1"/>
+            </a:solidFill>
+          </a:ln>
+        </p:spPr>
+        <p:style>
+          <a:lnRef idx="2">
+            <a:schemeClr val="accent1">
+              <a:shade val="50000"/>
+            </a:schemeClr>
+          </a:lnRef>
+          <a:fillRef idx="1">
+            <a:schemeClr val="accent1"/>
+          </a:fillRef>
+          <a:effectRef idx="0">
+            <a:schemeClr val="accent1"/>
+          </a:effectRef>
+          <a:fontRef idx="minor">
+            <a:schemeClr val="lt1"/>
+          </a:fontRef>
+        </p:style>
+        <p:txBody>
+          <a:bodyPr rtlCol="0" anchor="ctr"/>
+          <a:lstStyle/>
+          <a:p>
+            <a:pPr algn="ctr"/>
+            <a:r>
+              <a:rPr lang="en-CN" sz="1400" b="1" dirty="0">
+                <a:solidFill>
+                  <a:schemeClr val="bg1"/>
+                </a:solidFill>
+              </a:rPr>
+              <a:t>1</a:t>
+            </a:r>
+          </a:p>
+        </p:txBody>
+      </p:sp>
+      <p:cxnSp>
+        <p:nvCxnSpPr>
+          <p:cNvPr id="13" name="Straight Arrow Connector 12">
+            <a:extLst>
+              <a:ext uri="{FF2B5EF4-FFF2-40B4-BE49-F238E27FC236}">
+                <a16:creationId xmlns:a16="http://schemas.microsoft.com/office/drawing/2014/main" id="{013F52F6-6E07-9C6A-2ECD-76F986A75D35}"/>
+              </a:ext>
+            </a:extLst>
+          </p:cNvPr>
+          <p:cNvCxnSpPr>
+            <a:cxnSpLocks/>
+          </p:cNvCxnSpPr>
+          <p:nvPr/>
+        </p:nvCxnSpPr>
+        <p:spPr>
+          <a:xfrm>
+            <a:off x="3713497" y="1294305"/>
+            <a:ext cx="636607" cy="0"/>
+          </a:xfrm>
+          <a:prstGeom prst="straightConnector1">
+            <a:avLst/>
+          </a:prstGeom>
+          <a:ln>
+            <a:solidFill>
+              <a:schemeClr val="tx1"/>
+            </a:solidFill>
+            <a:tailEnd type="triangle"/>
+          </a:ln>
+        </p:spPr>
+        <p:style>
+          <a:lnRef idx="1">
+            <a:schemeClr val="accent1"/>
+          </a:lnRef>
+          <a:fillRef idx="0">
+            <a:schemeClr val="accent1"/>
+          </a:fillRef>
+          <a:effectRef idx="0">
+            <a:schemeClr val="accent1"/>
+          </a:effectRef>
+          <a:fontRef idx="minor">
+            <a:schemeClr val="tx1"/>
+          </a:fontRef>
+        </p:style>
+      </p:cxnSp>
+      <p:sp>
+        <p:nvSpPr>
+          <p:cNvPr id="14" name="Cube 13">
+            <a:extLst>
+              <a:ext uri="{FF2B5EF4-FFF2-40B4-BE49-F238E27FC236}">
+                <a16:creationId xmlns:a16="http://schemas.microsoft.com/office/drawing/2014/main" id="{985C488F-D7B4-57F7-48BF-6180F624D217}"/>
+              </a:ext>
+            </a:extLst>
+          </p:cNvPr>
+          <p:cNvSpPr/>
+          <p:nvPr/>
+        </p:nvSpPr>
+        <p:spPr>
+          <a:xfrm>
+            <a:off x="266243" y="3207557"/>
+            <a:ext cx="1354238" cy="369331"/>
+          </a:xfrm>
+          <a:prstGeom prst="cube">
+            <a:avLst/>
+          </a:prstGeom>
+          <a:noFill/>
+          <a:ln>
+            <a:solidFill>
+              <a:schemeClr val="tx1"/>
+            </a:solidFill>
+          </a:ln>
+        </p:spPr>
+        <p:style>
+          <a:lnRef idx="2">
+            <a:schemeClr val="accent1">
+              <a:shade val="50000"/>
+            </a:schemeClr>
+          </a:lnRef>
+          <a:fillRef idx="1">
+            <a:schemeClr val="accent1"/>
+          </a:fillRef>
+          <a:effectRef idx="0">
+            <a:schemeClr val="accent1"/>
+          </a:effectRef>
+          <a:fontRef idx="minor">
+            <a:schemeClr val="lt1"/>
+          </a:fontRef>
+        </p:style>
+        <p:txBody>
+          <a:bodyPr rtlCol="0" anchor="ctr"/>
+          <a:lstStyle/>
+          <a:p>
+            <a:pPr algn="ctr"/>
+            <a:endParaRPr lang="en-CN"/>
+          </a:p>
+        </p:txBody>
+      </p:sp>
+      <p:sp>
+        <p:nvSpPr>
+          <p:cNvPr id="15" name="TextBox 14">
+            <a:extLst>
+              <a:ext uri="{FF2B5EF4-FFF2-40B4-BE49-F238E27FC236}">
+                <a16:creationId xmlns:a16="http://schemas.microsoft.com/office/drawing/2014/main" id="{54405624-C349-C08A-701E-9C245988BCCF}"/>
+              </a:ext>
+            </a:extLst>
+          </p:cNvPr>
+          <p:cNvSpPr txBox="1"/>
+          <p:nvPr/>
+        </p:nvSpPr>
+        <p:spPr>
+          <a:xfrm>
+            <a:off x="266243" y="3263447"/>
+            <a:ext cx="1319278" cy="338554"/>
+          </a:xfrm>
+          <a:prstGeom prst="rect">
+            <a:avLst/>
+          </a:prstGeom>
+          <a:noFill/>
+        </p:spPr>
+        <p:txBody>
+          <a:bodyPr wrap="square" rtlCol="0">
+            <a:spAutoFit/>
+          </a:bodyPr>
+          <a:lstStyle/>
+          <a:p>
+            <a:r>
+              <a:rPr lang="en-CN" sz="1600" dirty="0"/>
+              <a:t>Train Text f</a:t>
+            </a:r>
+          </a:p>
+        </p:txBody>
+      </p:sp>
+      <p:sp>
+        <p:nvSpPr>
+          <p:cNvPr id="16" name="Rectangle 15">
+            <a:extLst>
+              <a:ext uri="{FF2B5EF4-FFF2-40B4-BE49-F238E27FC236}">
+                <a16:creationId xmlns:a16="http://schemas.microsoft.com/office/drawing/2014/main" id="{9C9476D3-FD96-2F12-4AD2-2DEB2A1F9555}"/>
+              </a:ext>
+            </a:extLst>
+          </p:cNvPr>
+          <p:cNvSpPr/>
+          <p:nvPr/>
+        </p:nvSpPr>
+        <p:spPr>
+          <a:xfrm>
+            <a:off x="798677" y="2894116"/>
+            <a:ext cx="289367" cy="313441"/>
+          </a:xfrm>
+          <a:prstGeom prst="rect">
+            <a:avLst/>
+          </a:prstGeom>
+          <a:noFill/>
+          <a:ln>
+            <a:solidFill>
+              <a:schemeClr val="tx1"/>
+            </a:solidFill>
+          </a:ln>
+        </p:spPr>
+        <p:style>
+          <a:lnRef idx="2">
+            <a:schemeClr val="accent1">
+              <a:shade val="50000"/>
+            </a:schemeClr>
+          </a:lnRef>
+          <a:fillRef idx="1">
+            <a:schemeClr val="accent1"/>
+          </a:fillRef>
+          <a:effectRef idx="0">
+            <a:schemeClr val="accent1"/>
+          </a:effectRef>
+          <a:fontRef idx="minor">
+            <a:schemeClr val="lt1"/>
+          </a:fontRef>
+        </p:style>
+        <p:txBody>
+          <a:bodyPr rtlCol="0" anchor="ctr"/>
+          <a:lstStyle/>
+          <a:p>
+            <a:pPr algn="ctr"/>
+            <a:r>
+              <a:rPr lang="en-CN" sz="1400" b="1" dirty="0">
+                <a:ln>
+                  <a:solidFill>
+                    <a:schemeClr val="tx1"/>
+                  </a:solidFill>
+                </a:ln>
+                <a:solidFill>
+                  <a:sysClr val="windowText" lastClr="000000"/>
+                </a:solidFill>
+              </a:rPr>
+              <a:t>0</a:t>
+            </a:r>
+          </a:p>
+        </p:txBody>
+      </p:sp>
+      <p:sp>
+        <p:nvSpPr>
+          <p:cNvPr id="17" name="Cube 16">
+            <a:extLst>
+              <a:ext uri="{FF2B5EF4-FFF2-40B4-BE49-F238E27FC236}">
+                <a16:creationId xmlns:a16="http://schemas.microsoft.com/office/drawing/2014/main" id="{DA8199F8-9E85-22A3-AAF7-F7CAEB299D89}"/>
+              </a:ext>
+            </a:extLst>
+          </p:cNvPr>
+          <p:cNvSpPr/>
+          <p:nvPr/>
+        </p:nvSpPr>
+        <p:spPr>
+          <a:xfrm>
+            <a:off x="278485" y="4418886"/>
+            <a:ext cx="1354238" cy="369331"/>
+          </a:xfrm>
+          <a:prstGeom prst="cube">
+            <a:avLst/>
+          </a:prstGeom>
+          <a:noFill/>
+          <a:ln>
+            <a:solidFill>
+              <a:schemeClr val="tx1"/>
+            </a:solidFill>
+          </a:ln>
+        </p:spPr>
+        <p:style>
+          <a:lnRef idx="2">
+            <a:schemeClr val="accent1">
+              <a:shade val="50000"/>
+            </a:schemeClr>
+          </a:lnRef>
+          <a:fillRef idx="1">
+            <a:schemeClr val="accent1"/>
+          </a:fillRef>
+          <a:effectRef idx="0">
+            <a:schemeClr val="accent1"/>
+          </a:effectRef>
+          <a:fontRef idx="minor">
+            <a:schemeClr val="lt1"/>
+          </a:fontRef>
+        </p:style>
+        <p:txBody>
+          <a:bodyPr rtlCol="0" anchor="ctr"/>
+          <a:lstStyle/>
+          <a:p>
+            <a:pPr algn="ctr"/>
+            <a:endParaRPr lang="en-CN"/>
+          </a:p>
+        </p:txBody>
+      </p:sp>
+      <p:sp>
+        <p:nvSpPr>
+          <p:cNvPr id="18" name="TextBox 17">
+            <a:extLst>
+              <a:ext uri="{FF2B5EF4-FFF2-40B4-BE49-F238E27FC236}">
+                <a16:creationId xmlns:a16="http://schemas.microsoft.com/office/drawing/2014/main" id="{9FCBC2F1-F8AB-01B4-D174-4EACCBB2895A}"/>
+              </a:ext>
+            </a:extLst>
+          </p:cNvPr>
+          <p:cNvSpPr txBox="1"/>
+          <p:nvPr/>
+        </p:nvSpPr>
+        <p:spPr>
+          <a:xfrm>
+            <a:off x="278485" y="4474776"/>
+            <a:ext cx="1223844" cy="338554"/>
+          </a:xfrm>
+          <a:prstGeom prst="rect">
+            <a:avLst/>
+          </a:prstGeom>
+          <a:noFill/>
+        </p:spPr>
+        <p:txBody>
+          <a:bodyPr wrap="square" rtlCol="0">
+            <a:spAutoFit/>
+          </a:bodyPr>
+          <a:lstStyle/>
+          <a:p>
+            <a:r>
+              <a:rPr lang="en-CN" sz="1600" dirty="0"/>
+              <a:t>Train Text g</a:t>
+            </a:r>
+          </a:p>
+        </p:txBody>
+      </p:sp>
+      <p:sp>
+        <p:nvSpPr>
+          <p:cNvPr id="19" name="Rectangle 18">
+            <a:extLst>
+              <a:ext uri="{FF2B5EF4-FFF2-40B4-BE49-F238E27FC236}">
+                <a16:creationId xmlns:a16="http://schemas.microsoft.com/office/drawing/2014/main" id="{EDB38A8F-2800-63D2-90B8-A2CA76A72544}"/>
+              </a:ext>
+            </a:extLst>
+          </p:cNvPr>
+          <p:cNvSpPr/>
+          <p:nvPr/>
+        </p:nvSpPr>
+        <p:spPr>
+          <a:xfrm>
+            <a:off x="810919" y="4105445"/>
+            <a:ext cx="289367" cy="313441"/>
+          </a:xfrm>
+          <a:prstGeom prst="rect">
+            <a:avLst/>
+          </a:prstGeom>
+          <a:noFill/>
+          <a:ln>
+            <a:solidFill>
+              <a:schemeClr val="tx1"/>
+            </a:solidFill>
+          </a:ln>
+        </p:spPr>
+        <p:style>
+          <a:lnRef idx="2">
+            <a:schemeClr val="accent1">
+              <a:shade val="50000"/>
+            </a:schemeClr>
+          </a:lnRef>
+          <a:fillRef idx="1">
+            <a:schemeClr val="accent1"/>
+          </a:fillRef>
+          <a:effectRef idx="0">
+            <a:schemeClr val="accent1"/>
+          </a:effectRef>
+          <a:fontRef idx="minor">
+            <a:schemeClr val="lt1"/>
+          </a:fontRef>
+        </p:style>
+        <p:txBody>
+          <a:bodyPr rtlCol="0" anchor="ctr"/>
+          <a:lstStyle/>
+          <a:p>
+            <a:pPr algn="ctr"/>
+            <a:r>
+              <a:rPr lang="en-CN" sz="1400" b="1" dirty="0">
+                <a:ln>
+                  <a:solidFill>
+                    <a:schemeClr val="tx1"/>
+                  </a:solidFill>
+                </a:ln>
+                <a:solidFill>
+                  <a:sysClr val="windowText" lastClr="000000"/>
+                </a:solidFill>
+              </a:rPr>
+              <a:t>1</a:t>
+            </a:r>
+          </a:p>
+        </p:txBody>
+      </p:sp>
+      <p:pic>
+        <p:nvPicPr>
+          <p:cNvPr id="20" name="图片 6">
+            <a:extLst>
+              <a:ext uri="{FF2B5EF4-FFF2-40B4-BE49-F238E27FC236}">
+                <a16:creationId xmlns:a16="http://schemas.microsoft.com/office/drawing/2014/main" id="{AFF8FB12-B114-FA7F-B1BD-DB1E178CAD90}"/>
+              </a:ext>
+            </a:extLst>
+          </p:cNvPr>
+          <p:cNvPicPr>
+            <a:picLocks noChangeAspect="1"/>
+          </p:cNvPicPr>
+          <p:nvPr/>
+        </p:nvPicPr>
+        <p:blipFill>
+          <a:blip r:embed="rId4"/>
+          <a:stretch>
+            <a:fillRect/>
+          </a:stretch>
+        </p:blipFill>
+        <p:spPr>
+          <a:xfrm>
+            <a:off x="4406338" y="3753410"/>
+            <a:ext cx="1059947" cy="1496747"/>
+          </a:xfrm>
+          <a:prstGeom prst="rect">
+            <a:avLst/>
+          </a:prstGeom>
+        </p:spPr>
+      </p:pic>
+      <p:cxnSp>
+        <p:nvCxnSpPr>
+          <p:cNvPr id="21" name="Straight Arrow Connector 20">
+            <a:extLst>
+              <a:ext uri="{FF2B5EF4-FFF2-40B4-BE49-F238E27FC236}">
+                <a16:creationId xmlns:a16="http://schemas.microsoft.com/office/drawing/2014/main" id="{5A2A38F2-5023-FDA6-DCF1-6F34AA28A542}"/>
+              </a:ext>
+            </a:extLst>
+          </p:cNvPr>
+          <p:cNvCxnSpPr>
+            <a:cxnSpLocks/>
+          </p:cNvCxnSpPr>
+          <p:nvPr/>
+        </p:nvCxnSpPr>
+        <p:spPr>
+          <a:xfrm>
+            <a:off x="1772290" y="3578342"/>
+            <a:ext cx="664480" cy="405220"/>
+          </a:xfrm>
+          <a:prstGeom prst="straightConnector1">
+            <a:avLst/>
+          </a:prstGeom>
+          <a:ln>
+            <a:solidFill>
+              <a:schemeClr val="tx1"/>
+            </a:solidFill>
+            <a:tailEnd type="triangle"/>
+          </a:ln>
+        </p:spPr>
+        <p:style>
+          <a:lnRef idx="1">
+            <a:schemeClr val="accent1"/>
+          </a:lnRef>
+          <a:fillRef idx="0">
+            <a:schemeClr val="accent1"/>
+          </a:fillRef>
+          <a:effectRef idx="0">
+            <a:schemeClr val="accent1"/>
+          </a:effectRef>
+          <a:fontRef idx="minor">
+            <a:schemeClr val="tx1"/>
+          </a:fontRef>
+        </p:style>
+      </p:cxnSp>
+      <p:cxnSp>
+        <p:nvCxnSpPr>
+          <p:cNvPr id="23" name="Straight Arrow Connector 22">
+            <a:extLst>
+              <a:ext uri="{FF2B5EF4-FFF2-40B4-BE49-F238E27FC236}">
+                <a16:creationId xmlns:a16="http://schemas.microsoft.com/office/drawing/2014/main" id="{CAFAF05D-0979-BE9A-CAF3-1194B527A3C5}"/>
+              </a:ext>
+            </a:extLst>
+          </p:cNvPr>
+          <p:cNvCxnSpPr>
+            <a:cxnSpLocks/>
+          </p:cNvCxnSpPr>
+          <p:nvPr/>
+        </p:nvCxnSpPr>
+        <p:spPr>
+          <a:xfrm>
+            <a:off x="1720559" y="4572664"/>
+            <a:ext cx="716211" cy="27945"/>
+          </a:xfrm>
+          <a:prstGeom prst="straightConnector1">
+            <a:avLst/>
+          </a:prstGeom>
+          <a:ln>
+            <a:solidFill>
+              <a:schemeClr val="tx1"/>
+            </a:solidFill>
+            <a:tailEnd type="triangle"/>
+          </a:ln>
+        </p:spPr>
+        <p:style>
+          <a:lnRef idx="1">
+            <a:schemeClr val="accent1"/>
+          </a:lnRef>
+          <a:fillRef idx="0">
+            <a:schemeClr val="accent1"/>
+          </a:fillRef>
+          <a:effectRef idx="0">
+            <a:schemeClr val="accent1"/>
+          </a:effectRef>
+          <a:fontRef idx="minor">
+            <a:schemeClr val="tx1"/>
+          </a:fontRef>
+        </p:style>
+      </p:cxnSp>
+      <p:pic>
+        <p:nvPicPr>
+          <p:cNvPr id="26" name="图片 6">
+            <a:extLst>
+              <a:ext uri="{FF2B5EF4-FFF2-40B4-BE49-F238E27FC236}">
+                <a16:creationId xmlns:a16="http://schemas.microsoft.com/office/drawing/2014/main" id="{1823D685-F117-1B83-BFDA-676DB2C70015}"/>
+              </a:ext>
+            </a:extLst>
+          </p:cNvPr>
+          <p:cNvPicPr>
+            <a:picLocks noChangeAspect="1"/>
+          </p:cNvPicPr>
+          <p:nvPr/>
+        </p:nvPicPr>
+        <p:blipFill>
+          <a:blip r:embed="rId2">
+            <a:extLst>
+              <a:ext uri="{BEBA8EAE-BF5A-486C-A8C5-ECC9F3942E4B}">
+                <a14:imgProps xmlns:a14="http://schemas.microsoft.com/office/drawing/2010/main">
+                  <a14:imgLayer r:embed="rId5">
+                    <a14:imgEffect>
+                      <a14:saturation sat="0"/>
+                    </a14:imgEffect>
+                  </a14:imgLayer>
+                </a14:imgProps>
+              </a:ext>
+            </a:extLst>
+          </a:blip>
+          <a:stretch>
+            <a:fillRect/>
+          </a:stretch>
+        </p:blipFill>
+        <p:spPr>
+          <a:xfrm>
+            <a:off x="2554099" y="3770798"/>
+            <a:ext cx="1059947" cy="1496747"/>
+          </a:xfrm>
+          <a:prstGeom prst="rect">
+            <a:avLst/>
+          </a:prstGeom>
+        </p:spPr>
+      </p:pic>
+      <p:cxnSp>
+        <p:nvCxnSpPr>
+          <p:cNvPr id="27" name="Straight Arrow Connector 26">
+            <a:extLst>
+              <a:ext uri="{FF2B5EF4-FFF2-40B4-BE49-F238E27FC236}">
+                <a16:creationId xmlns:a16="http://schemas.microsoft.com/office/drawing/2014/main" id="{7A5DEBF8-C0CF-C99C-D442-D17DD96E11C1}"/>
+              </a:ext>
+            </a:extLst>
+          </p:cNvPr>
+          <p:cNvCxnSpPr>
+            <a:cxnSpLocks/>
+          </p:cNvCxnSpPr>
+          <p:nvPr/>
+        </p:nvCxnSpPr>
+        <p:spPr>
+          <a:xfrm>
+            <a:off x="3723430" y="4491607"/>
+            <a:ext cx="636607" cy="0"/>
+          </a:xfrm>
+          <a:prstGeom prst="straightConnector1">
+            <a:avLst/>
+          </a:prstGeom>
+          <a:ln>
+            <a:solidFill>
+              <a:schemeClr val="tx1"/>
+            </a:solidFill>
+            <a:tailEnd type="triangle"/>
+          </a:ln>
+        </p:spPr>
+        <p:style>
+          <a:lnRef idx="1">
+            <a:schemeClr val="accent1"/>
+          </a:lnRef>
+          <a:fillRef idx="0">
+            <a:schemeClr val="accent1"/>
+          </a:fillRef>
+          <a:effectRef idx="0">
+            <a:schemeClr val="accent1"/>
+          </a:effectRef>
+          <a:fontRef idx="minor">
+            <a:schemeClr val="tx1"/>
+          </a:fontRef>
+        </p:style>
+      </p:cxnSp>
+      <p:sp>
+        <p:nvSpPr>
+          <p:cNvPr id="29" name="Cube 28">
+            <a:extLst>
+              <a:ext uri="{FF2B5EF4-FFF2-40B4-BE49-F238E27FC236}">
+                <a16:creationId xmlns:a16="http://schemas.microsoft.com/office/drawing/2014/main" id="{4D06E518-385D-74E2-43F2-968CC681098C}"/>
+              </a:ext>
+            </a:extLst>
+          </p:cNvPr>
+          <p:cNvSpPr/>
+          <p:nvPr/>
+        </p:nvSpPr>
+        <p:spPr>
+          <a:xfrm>
+            <a:off x="4238126" y="2943392"/>
+            <a:ext cx="1354238" cy="369331"/>
+          </a:xfrm>
+          <a:prstGeom prst="cube">
+            <a:avLst/>
+          </a:prstGeom>
+          <a:noFill/>
+          <a:ln>
+            <a:solidFill>
+              <a:schemeClr val="tx1"/>
+            </a:solidFill>
+          </a:ln>
+        </p:spPr>
+        <p:style>
+          <a:lnRef idx="2">
+            <a:schemeClr val="accent1">
+              <a:shade val="50000"/>
+            </a:schemeClr>
+          </a:lnRef>
+          <a:fillRef idx="1">
+            <a:schemeClr val="accent1"/>
+          </a:fillRef>
+          <a:effectRef idx="0">
+            <a:schemeClr val="accent1"/>
+          </a:effectRef>
+          <a:fontRef idx="minor">
+            <a:schemeClr val="lt1"/>
+          </a:fontRef>
+        </p:style>
+        <p:txBody>
+          <a:bodyPr rtlCol="0" anchor="ctr"/>
+          <a:lstStyle/>
+          <a:p>
+            <a:pPr algn="ctr"/>
+            <a:endParaRPr lang="en-CN"/>
+          </a:p>
+        </p:txBody>
+      </p:sp>
+      <p:sp>
+        <p:nvSpPr>
+          <p:cNvPr id="30" name="TextBox 29">
+            <a:extLst>
+              <a:ext uri="{FF2B5EF4-FFF2-40B4-BE49-F238E27FC236}">
+                <a16:creationId xmlns:a16="http://schemas.microsoft.com/office/drawing/2014/main" id="{57D3E3FF-0211-BD05-9247-232BA93E2865}"/>
+              </a:ext>
+            </a:extLst>
+          </p:cNvPr>
+          <p:cNvSpPr txBox="1"/>
+          <p:nvPr/>
+        </p:nvSpPr>
+        <p:spPr>
+          <a:xfrm>
+            <a:off x="4238126" y="2999282"/>
+            <a:ext cx="1141877" cy="338554"/>
+          </a:xfrm>
+          <a:prstGeom prst="rect">
+            <a:avLst/>
+          </a:prstGeom>
+          <a:noFill/>
+        </p:spPr>
+        <p:txBody>
+          <a:bodyPr wrap="square" rtlCol="0">
+            <a:spAutoFit/>
+          </a:bodyPr>
+          <a:lstStyle/>
+          <a:p>
+            <a:r>
+              <a:rPr lang="en-CN" sz="1600" dirty="0"/>
+              <a:t>Test Text e</a:t>
+            </a:r>
+          </a:p>
+        </p:txBody>
+      </p:sp>
+      <p:sp>
+        <p:nvSpPr>
+          <p:cNvPr id="31" name="Rectangle 30">
+            <a:extLst>
+              <a:ext uri="{FF2B5EF4-FFF2-40B4-BE49-F238E27FC236}">
+                <a16:creationId xmlns:a16="http://schemas.microsoft.com/office/drawing/2014/main" id="{BF45AFA3-BC26-B6FF-EE40-DA509750131C}"/>
+              </a:ext>
+            </a:extLst>
+          </p:cNvPr>
+          <p:cNvSpPr/>
+          <p:nvPr/>
+        </p:nvSpPr>
+        <p:spPr>
+          <a:xfrm>
+            <a:off x="4770560" y="2629951"/>
+            <a:ext cx="289367" cy="313441"/>
+          </a:xfrm>
+          <a:prstGeom prst="rect">
+            <a:avLst/>
+          </a:prstGeom>
+          <a:noFill/>
+          <a:ln>
+            <a:solidFill>
+              <a:schemeClr val="tx1"/>
+            </a:solidFill>
+          </a:ln>
+        </p:spPr>
+        <p:style>
+          <a:lnRef idx="2">
+            <a:schemeClr val="accent1">
+              <a:shade val="50000"/>
+            </a:schemeClr>
+          </a:lnRef>
+          <a:fillRef idx="1">
+            <a:schemeClr val="accent1"/>
+          </a:fillRef>
+          <a:effectRef idx="0">
+            <a:schemeClr val="accent1"/>
+          </a:effectRef>
+          <a:fontRef idx="minor">
+            <a:schemeClr val="lt1"/>
+          </a:fontRef>
+        </p:style>
+        <p:txBody>
+          <a:bodyPr rtlCol="0" anchor="ctr"/>
+          <a:lstStyle/>
+          <a:p>
+            <a:pPr algn="ctr"/>
+            <a:r>
+              <a:rPr lang="en-CN" sz="1400" b="1" dirty="0">
+                <a:ln>
+                  <a:solidFill>
+                    <a:schemeClr val="tx1"/>
+                  </a:solidFill>
+                </a:ln>
+                <a:solidFill>
+                  <a:sysClr val="windowText" lastClr="000000"/>
+                </a:solidFill>
+              </a:rPr>
+              <a:t>0</a:t>
+            </a:r>
+          </a:p>
+        </p:txBody>
+      </p:sp>
+      <p:sp>
+        <p:nvSpPr>
+          <p:cNvPr id="34" name="Rectangle 33">
+            <a:extLst>
+              <a:ext uri="{FF2B5EF4-FFF2-40B4-BE49-F238E27FC236}">
+                <a16:creationId xmlns:a16="http://schemas.microsoft.com/office/drawing/2014/main" id="{2F53BCBE-122C-EC57-A6AF-6C566B8CE509}"/>
+              </a:ext>
+            </a:extLst>
+          </p:cNvPr>
+          <p:cNvSpPr/>
+          <p:nvPr/>
+        </p:nvSpPr>
+        <p:spPr>
+          <a:xfrm>
+            <a:off x="4751190" y="5716526"/>
+            <a:ext cx="289367" cy="313441"/>
+          </a:xfrm>
+          <a:prstGeom prst="rect">
+            <a:avLst/>
+          </a:prstGeom>
+          <a:solidFill>
+            <a:srgbClr val="FFC000"/>
+          </a:solidFill>
+          <a:ln>
+            <a:solidFill>
+              <a:schemeClr val="tx1"/>
+            </a:solidFill>
+          </a:ln>
+        </p:spPr>
+        <p:style>
+          <a:lnRef idx="2">
+            <a:schemeClr val="accent1">
+              <a:shade val="50000"/>
+            </a:schemeClr>
+          </a:lnRef>
+          <a:fillRef idx="1">
+            <a:schemeClr val="accent1"/>
+          </a:fillRef>
+          <a:effectRef idx="0">
+            <a:schemeClr val="accent1"/>
+          </a:effectRef>
+          <a:fontRef idx="minor">
+            <a:schemeClr val="lt1"/>
+          </a:fontRef>
+        </p:style>
+        <p:txBody>
+          <a:bodyPr rtlCol="0" anchor="ctr"/>
+          <a:lstStyle/>
+          <a:p>
+            <a:pPr algn="ctr"/>
+            <a:r>
+              <a:rPr lang="en-CN" sz="1400" b="1" dirty="0">
+                <a:ln>
+                  <a:solidFill>
+                    <a:schemeClr val="tx1"/>
+                  </a:solidFill>
+                </a:ln>
+                <a:solidFill>
+                  <a:sysClr val="windowText" lastClr="000000"/>
+                </a:solidFill>
+              </a:rPr>
+              <a:t>1</a:t>
+            </a:r>
+          </a:p>
+        </p:txBody>
+      </p:sp>
+      <p:cxnSp>
+        <p:nvCxnSpPr>
+          <p:cNvPr id="37" name="Straight Arrow Connector 36">
+            <a:extLst>
+              <a:ext uri="{FF2B5EF4-FFF2-40B4-BE49-F238E27FC236}">
+                <a16:creationId xmlns:a16="http://schemas.microsoft.com/office/drawing/2014/main" id="{C6736D0D-6D58-6A6F-C928-8B7EF2DB12BC}"/>
+              </a:ext>
+            </a:extLst>
+          </p:cNvPr>
+          <p:cNvCxnSpPr>
+            <a:cxnSpLocks/>
+          </p:cNvCxnSpPr>
+          <p:nvPr/>
+        </p:nvCxnSpPr>
+        <p:spPr>
+          <a:xfrm>
+            <a:off x="4919181" y="3393464"/>
+            <a:ext cx="0" cy="357090"/>
+          </a:xfrm>
+          <a:prstGeom prst="straightConnector1">
+            <a:avLst/>
+          </a:prstGeom>
+          <a:ln>
+            <a:solidFill>
+              <a:schemeClr val="tx1"/>
+            </a:solidFill>
+            <a:tailEnd type="triangle"/>
+          </a:ln>
+        </p:spPr>
+        <p:style>
+          <a:lnRef idx="1">
+            <a:schemeClr val="accent1"/>
+          </a:lnRef>
+          <a:fillRef idx="0">
+            <a:schemeClr val="accent1"/>
+          </a:fillRef>
+          <a:effectRef idx="0">
+            <a:schemeClr val="accent1"/>
+          </a:effectRef>
+          <a:fontRef idx="minor">
+            <a:schemeClr val="tx1"/>
+          </a:fontRef>
+        </p:style>
+      </p:cxnSp>
+      <p:cxnSp>
+        <p:nvCxnSpPr>
+          <p:cNvPr id="39" name="Straight Arrow Connector 38">
+            <a:extLst>
+              <a:ext uri="{FF2B5EF4-FFF2-40B4-BE49-F238E27FC236}">
+                <a16:creationId xmlns:a16="http://schemas.microsoft.com/office/drawing/2014/main" id="{21800371-5157-8613-27E0-837A69490787}"/>
+              </a:ext>
+            </a:extLst>
+          </p:cNvPr>
+          <p:cNvCxnSpPr>
+            <a:cxnSpLocks/>
+          </p:cNvCxnSpPr>
+          <p:nvPr/>
+        </p:nvCxnSpPr>
+        <p:spPr>
+          <a:xfrm>
+            <a:off x="4895874" y="5250157"/>
+            <a:ext cx="0" cy="357090"/>
+          </a:xfrm>
+          <a:prstGeom prst="straightConnector1">
+            <a:avLst/>
+          </a:prstGeom>
+          <a:ln>
+            <a:solidFill>
+              <a:schemeClr val="tx1"/>
+            </a:solidFill>
+            <a:tailEnd type="triangle"/>
+          </a:ln>
+        </p:spPr>
+        <p:style>
+          <a:lnRef idx="1">
+            <a:schemeClr val="accent1"/>
+          </a:lnRef>
+          <a:fillRef idx="0">
+            <a:schemeClr val="accent1"/>
+          </a:fillRef>
+          <a:effectRef idx="0">
+            <a:schemeClr val="accent1"/>
+          </a:effectRef>
+          <a:fontRef idx="minor">
+            <a:schemeClr val="tx1"/>
+          </a:fontRef>
+        </p:style>
+      </p:cxnSp>
+      <p:sp>
+        <p:nvSpPr>
+          <p:cNvPr id="40" name="TextBox 39">
+            <a:extLst>
+              <a:ext uri="{FF2B5EF4-FFF2-40B4-BE49-F238E27FC236}">
+                <a16:creationId xmlns:a16="http://schemas.microsoft.com/office/drawing/2014/main" id="{430A1FDC-57D2-BEBE-7539-44C6A7A7A4B9}"/>
+              </a:ext>
+            </a:extLst>
+          </p:cNvPr>
+          <p:cNvSpPr txBox="1"/>
+          <p:nvPr/>
+        </p:nvSpPr>
+        <p:spPr>
+          <a:xfrm>
+            <a:off x="221732" y="3550546"/>
+            <a:ext cx="1652034" cy="276999"/>
+          </a:xfrm>
+          <a:prstGeom prst="rect">
+            <a:avLst/>
+          </a:prstGeom>
+          <a:noFill/>
+        </p:spPr>
+        <p:txBody>
+          <a:bodyPr wrap="square" rtlCol="0">
+            <a:spAutoFit/>
+          </a:bodyPr>
+          <a:lstStyle/>
+          <a:p>
+            <a:r>
+              <a:rPr lang="en-CN" sz="1200" dirty="0"/>
+              <a:t>Similar sentence</a:t>
+            </a:r>
+          </a:p>
+        </p:txBody>
+      </p:sp>
+      <p:sp>
+        <p:nvSpPr>
+          <p:cNvPr id="41" name="TextBox 40">
+            <a:extLst>
+              <a:ext uri="{FF2B5EF4-FFF2-40B4-BE49-F238E27FC236}">
+                <a16:creationId xmlns:a16="http://schemas.microsoft.com/office/drawing/2014/main" id="{D8F63027-9022-F2E4-927A-69A92831D106}"/>
+              </a:ext>
+            </a:extLst>
+          </p:cNvPr>
+          <p:cNvSpPr txBox="1"/>
+          <p:nvPr/>
+        </p:nvSpPr>
+        <p:spPr>
+          <a:xfrm>
+            <a:off x="317026" y="4761191"/>
+            <a:ext cx="1652034" cy="276999"/>
+          </a:xfrm>
+          <a:prstGeom prst="rect">
+            <a:avLst/>
+          </a:prstGeom>
+          <a:noFill/>
+        </p:spPr>
+        <p:txBody>
+          <a:bodyPr wrap="square" rtlCol="0">
+            <a:spAutoFit/>
+          </a:bodyPr>
+          <a:lstStyle/>
+          <a:p>
+            <a:r>
+              <a:rPr lang="en-CN" sz="1200" dirty="0"/>
+              <a:t>Similar sentence</a:t>
+            </a:r>
+          </a:p>
+        </p:txBody>
+      </p:sp>
+      <p:sp>
+        <p:nvSpPr>
+          <p:cNvPr id="52" name="TextBox 51">
+            <a:extLst>
+              <a:ext uri="{FF2B5EF4-FFF2-40B4-BE49-F238E27FC236}">
+                <a16:creationId xmlns:a16="http://schemas.microsoft.com/office/drawing/2014/main" id="{8CCCBF69-F107-0B96-7827-5F151DB7F48F}"/>
+              </a:ext>
+            </a:extLst>
+          </p:cNvPr>
+          <p:cNvSpPr txBox="1"/>
+          <p:nvPr/>
+        </p:nvSpPr>
+        <p:spPr>
+          <a:xfrm>
+            <a:off x="4440049" y="3904518"/>
+            <a:ext cx="1652034" cy="261610"/>
+          </a:xfrm>
+          <a:prstGeom prst="rect">
+            <a:avLst/>
+          </a:prstGeom>
+          <a:noFill/>
+        </p:spPr>
+        <p:txBody>
+          <a:bodyPr wrap="square" rtlCol="0">
+            <a:spAutoFit/>
+          </a:bodyPr>
+          <a:lstStyle/>
+          <a:p>
+            <a:r>
+              <a:rPr lang="en-CN" sz="1100" b="1" dirty="0"/>
+              <a:t>Trained BERT</a:t>
+            </a:r>
+          </a:p>
+        </p:txBody>
+      </p:sp>
+      <p:sp>
+        <p:nvSpPr>
+          <p:cNvPr id="53" name="TextBox 52">
+            <a:extLst>
+              <a:ext uri="{FF2B5EF4-FFF2-40B4-BE49-F238E27FC236}">
+                <a16:creationId xmlns:a16="http://schemas.microsoft.com/office/drawing/2014/main" id="{697C3808-F9C1-B0C9-12D5-2B074EB3345C}"/>
+              </a:ext>
+            </a:extLst>
+          </p:cNvPr>
+          <p:cNvSpPr txBox="1"/>
+          <p:nvPr/>
+        </p:nvSpPr>
+        <p:spPr>
+          <a:xfrm>
+            <a:off x="2329713" y="5852816"/>
+            <a:ext cx="2483834" cy="369332"/>
+          </a:xfrm>
+          <a:prstGeom prst="rect">
+            <a:avLst/>
+          </a:prstGeom>
+          <a:noFill/>
+        </p:spPr>
+        <p:txBody>
+          <a:bodyPr wrap="square" rtlCol="0">
+            <a:spAutoFit/>
+          </a:bodyPr>
+          <a:lstStyle/>
+          <a:p>
+            <a:r>
+              <a:rPr lang="en-CN" dirty="0">
+                <a:solidFill>
+                  <a:srgbClr val="FF0000"/>
+                </a:solidFill>
+              </a:rPr>
+              <a:t>1      =      1</a:t>
+            </a:r>
+          </a:p>
+        </p:txBody>
+      </p:sp>
+      <p:sp>
+        <p:nvSpPr>
+          <p:cNvPr id="54" name="TextBox 53">
+            <a:extLst>
+              <a:ext uri="{FF2B5EF4-FFF2-40B4-BE49-F238E27FC236}">
+                <a16:creationId xmlns:a16="http://schemas.microsoft.com/office/drawing/2014/main" id="{A2CDB8D0-9463-A06B-A430-D1DD1E2B96D2}"/>
+              </a:ext>
+            </a:extLst>
+          </p:cNvPr>
+          <p:cNvSpPr txBox="1"/>
+          <p:nvPr/>
+        </p:nvSpPr>
+        <p:spPr>
+          <a:xfrm>
+            <a:off x="2170544" y="5649295"/>
+            <a:ext cx="1892661" cy="276999"/>
+          </a:xfrm>
+          <a:prstGeom prst="rect">
+            <a:avLst/>
+          </a:prstGeom>
+          <a:noFill/>
+        </p:spPr>
+        <p:txBody>
+          <a:bodyPr wrap="square" rtlCol="0">
+            <a:spAutoFit/>
+          </a:bodyPr>
+          <a:lstStyle/>
+          <a:p>
+            <a:r>
+              <a:rPr lang="en-US" sz="1200" dirty="0"/>
+              <a:t>L</a:t>
+            </a:r>
+            <a:r>
+              <a:rPr lang="en-CN" sz="1200" dirty="0"/>
+              <a:t>abel 1              label 0</a:t>
+            </a:r>
+          </a:p>
+        </p:txBody>
+      </p:sp>
+      <p:sp>
+        <p:nvSpPr>
+          <p:cNvPr id="55" name="TextBox 54">
+            <a:extLst>
+              <a:ext uri="{FF2B5EF4-FFF2-40B4-BE49-F238E27FC236}">
+                <a16:creationId xmlns:a16="http://schemas.microsoft.com/office/drawing/2014/main" id="{C8B0C253-4CDB-4B0D-9F11-2747C9CBB1F7}"/>
+              </a:ext>
+            </a:extLst>
+          </p:cNvPr>
+          <p:cNvSpPr txBox="1"/>
+          <p:nvPr/>
+        </p:nvSpPr>
+        <p:spPr>
+          <a:xfrm>
+            <a:off x="2554099" y="3886644"/>
+            <a:ext cx="1652034" cy="261610"/>
+          </a:xfrm>
+          <a:prstGeom prst="rect">
+            <a:avLst/>
+          </a:prstGeom>
+          <a:noFill/>
+        </p:spPr>
+        <p:txBody>
+          <a:bodyPr wrap="square" rtlCol="0">
+            <a:spAutoFit/>
+          </a:bodyPr>
+          <a:lstStyle/>
+          <a:p>
+            <a:r>
+              <a:rPr lang="en-CN" sz="1100" b="1" dirty="0"/>
+              <a:t>Pretrain BERT</a:t>
+            </a:r>
+          </a:p>
+        </p:txBody>
+      </p:sp>
+      <p:sp>
+        <p:nvSpPr>
+          <p:cNvPr id="57" name="Triangle 56">
+            <a:extLst>
+              <a:ext uri="{FF2B5EF4-FFF2-40B4-BE49-F238E27FC236}">
+                <a16:creationId xmlns:a16="http://schemas.microsoft.com/office/drawing/2014/main" id="{6854B092-298E-FF8F-D82F-5F0F1B0724CE}"/>
+              </a:ext>
+            </a:extLst>
+          </p:cNvPr>
+          <p:cNvSpPr/>
+          <p:nvPr/>
+        </p:nvSpPr>
+        <p:spPr>
+          <a:xfrm rot="5400000">
+            <a:off x="4709131" y="4511704"/>
+            <a:ext cx="2791937" cy="313441"/>
+          </a:xfrm>
+          <a:prstGeom prst="triangle">
+            <a:avLst/>
+          </a:prstGeom>
+        </p:spPr>
+        <p:style>
+          <a:lnRef idx="2">
+            <a:schemeClr val="accent1">
+              <a:shade val="50000"/>
+            </a:schemeClr>
+          </a:lnRef>
+          <a:fillRef idx="1">
+            <a:schemeClr val="accent1"/>
+          </a:fillRef>
+          <a:effectRef idx="0">
+            <a:schemeClr val="accent1"/>
+          </a:effectRef>
+          <a:fontRef idx="minor">
+            <a:schemeClr val="lt1"/>
+          </a:fontRef>
+        </p:style>
+        <p:txBody>
+          <a:bodyPr rtlCol="0" anchor="ctr"/>
+          <a:lstStyle/>
+          <a:p>
+            <a:pPr algn="ctr"/>
+            <a:endParaRPr lang="en-CN"/>
+          </a:p>
+        </p:txBody>
+      </p:sp>
+      <p:sp>
+        <p:nvSpPr>
+          <p:cNvPr id="65" name="Cube 64">
+            <a:extLst>
+              <a:ext uri="{FF2B5EF4-FFF2-40B4-BE49-F238E27FC236}">
+                <a16:creationId xmlns:a16="http://schemas.microsoft.com/office/drawing/2014/main" id="{20212843-8D3C-C1E9-5246-63E3633610A9}"/>
+              </a:ext>
+            </a:extLst>
+          </p:cNvPr>
+          <p:cNvSpPr/>
+          <p:nvPr/>
+        </p:nvSpPr>
+        <p:spPr>
+          <a:xfrm>
+            <a:off x="6624727" y="3075254"/>
+            <a:ext cx="1354238" cy="369331"/>
+          </a:xfrm>
+          <a:prstGeom prst="cube">
+            <a:avLst/>
+          </a:prstGeom>
+          <a:noFill/>
+          <a:ln>
+            <a:solidFill>
+              <a:schemeClr val="tx1"/>
+            </a:solidFill>
+          </a:ln>
+        </p:spPr>
+        <p:style>
+          <a:lnRef idx="2">
+            <a:schemeClr val="accent1">
+              <a:shade val="50000"/>
+            </a:schemeClr>
+          </a:lnRef>
+          <a:fillRef idx="1">
+            <a:schemeClr val="accent1"/>
+          </a:fillRef>
+          <a:effectRef idx="0">
+            <a:schemeClr val="accent1"/>
+          </a:effectRef>
+          <a:fontRef idx="minor">
+            <a:schemeClr val="lt1"/>
+          </a:fontRef>
+        </p:style>
+        <p:txBody>
+          <a:bodyPr rtlCol="0" anchor="ctr"/>
+          <a:lstStyle/>
+          <a:p>
+            <a:pPr algn="ctr"/>
+            <a:endParaRPr lang="en-CN"/>
+          </a:p>
+        </p:txBody>
+      </p:sp>
+      <p:sp>
+        <p:nvSpPr>
+          <p:cNvPr id="66" name="TextBox 65">
+            <a:extLst>
+              <a:ext uri="{FF2B5EF4-FFF2-40B4-BE49-F238E27FC236}">
+                <a16:creationId xmlns:a16="http://schemas.microsoft.com/office/drawing/2014/main" id="{AF0609C8-6750-1AA3-B4F5-873AC271B3EC}"/>
+              </a:ext>
+            </a:extLst>
+          </p:cNvPr>
+          <p:cNvSpPr txBox="1"/>
+          <p:nvPr/>
+        </p:nvSpPr>
+        <p:spPr>
+          <a:xfrm>
+            <a:off x="6624727" y="3131144"/>
+            <a:ext cx="1319278" cy="338554"/>
+          </a:xfrm>
+          <a:prstGeom prst="rect">
+            <a:avLst/>
+          </a:prstGeom>
+          <a:noFill/>
+        </p:spPr>
+        <p:txBody>
+          <a:bodyPr wrap="square" rtlCol="0">
+            <a:spAutoFit/>
+          </a:bodyPr>
+          <a:lstStyle/>
+          <a:p>
+            <a:r>
+              <a:rPr lang="en-CN" sz="1600" dirty="0"/>
+              <a:t>Train Text f</a:t>
+            </a:r>
+          </a:p>
+        </p:txBody>
+      </p:sp>
+      <p:sp>
+        <p:nvSpPr>
+          <p:cNvPr id="67" name="Rectangle 66">
+            <a:extLst>
+              <a:ext uri="{FF2B5EF4-FFF2-40B4-BE49-F238E27FC236}">
+                <a16:creationId xmlns:a16="http://schemas.microsoft.com/office/drawing/2014/main" id="{EE5162EA-09B0-E790-4331-51F4FD8C71F7}"/>
+              </a:ext>
+            </a:extLst>
+          </p:cNvPr>
+          <p:cNvSpPr/>
+          <p:nvPr/>
+        </p:nvSpPr>
+        <p:spPr>
+          <a:xfrm>
+            <a:off x="7157161" y="2761813"/>
+            <a:ext cx="289367" cy="313441"/>
+          </a:xfrm>
+          <a:prstGeom prst="rect">
+            <a:avLst/>
+          </a:prstGeom>
+          <a:noFill/>
+          <a:ln>
+            <a:solidFill>
+              <a:schemeClr val="tx1"/>
+            </a:solidFill>
+          </a:ln>
+        </p:spPr>
+        <p:style>
+          <a:lnRef idx="2">
+            <a:schemeClr val="accent1">
+              <a:shade val="50000"/>
+            </a:schemeClr>
+          </a:lnRef>
+          <a:fillRef idx="1">
+            <a:schemeClr val="accent1"/>
+          </a:fillRef>
+          <a:effectRef idx="0">
+            <a:schemeClr val="accent1"/>
+          </a:effectRef>
+          <a:fontRef idx="minor">
+            <a:schemeClr val="lt1"/>
+          </a:fontRef>
+        </p:style>
+        <p:txBody>
+          <a:bodyPr rtlCol="0" anchor="ctr"/>
+          <a:lstStyle/>
+          <a:p>
+            <a:pPr algn="ctr"/>
+            <a:r>
+              <a:rPr lang="en-CN" sz="1400" b="1" dirty="0">
+                <a:ln>
+                  <a:solidFill>
+                    <a:schemeClr val="tx1"/>
+                  </a:solidFill>
+                </a:ln>
+                <a:solidFill>
+                  <a:sysClr val="windowText" lastClr="000000"/>
+                </a:solidFill>
+              </a:rPr>
+              <a:t>0</a:t>
+            </a:r>
+          </a:p>
+        </p:txBody>
+      </p:sp>
+      <p:sp>
+        <p:nvSpPr>
+          <p:cNvPr id="68" name="Cube 67">
+            <a:extLst>
+              <a:ext uri="{FF2B5EF4-FFF2-40B4-BE49-F238E27FC236}">
+                <a16:creationId xmlns:a16="http://schemas.microsoft.com/office/drawing/2014/main" id="{96AD57F1-D947-2D12-0291-30F5C2ACB0CE}"/>
+              </a:ext>
+            </a:extLst>
+          </p:cNvPr>
+          <p:cNvSpPr/>
+          <p:nvPr/>
+        </p:nvSpPr>
+        <p:spPr>
+          <a:xfrm>
+            <a:off x="6636969" y="4286583"/>
+            <a:ext cx="1354238" cy="369331"/>
+          </a:xfrm>
+          <a:prstGeom prst="cube">
+            <a:avLst/>
+          </a:prstGeom>
+          <a:noFill/>
+          <a:ln>
+            <a:solidFill>
+              <a:schemeClr val="tx1"/>
+            </a:solidFill>
+          </a:ln>
+        </p:spPr>
+        <p:style>
+          <a:lnRef idx="2">
+            <a:schemeClr val="accent1">
+              <a:shade val="50000"/>
+            </a:schemeClr>
+          </a:lnRef>
+          <a:fillRef idx="1">
+            <a:schemeClr val="accent1"/>
+          </a:fillRef>
+          <a:effectRef idx="0">
+            <a:schemeClr val="accent1"/>
+          </a:effectRef>
+          <a:fontRef idx="minor">
+            <a:schemeClr val="lt1"/>
+          </a:fontRef>
+        </p:style>
+        <p:txBody>
+          <a:bodyPr rtlCol="0" anchor="ctr"/>
+          <a:lstStyle/>
+          <a:p>
+            <a:pPr algn="ctr"/>
+            <a:endParaRPr lang="en-CN"/>
+          </a:p>
+        </p:txBody>
+      </p:sp>
+      <p:sp>
+        <p:nvSpPr>
+          <p:cNvPr id="69" name="TextBox 68">
+            <a:extLst>
+              <a:ext uri="{FF2B5EF4-FFF2-40B4-BE49-F238E27FC236}">
+                <a16:creationId xmlns:a16="http://schemas.microsoft.com/office/drawing/2014/main" id="{4CAFBEC5-6E6B-9A39-D28C-97CFCBDA66B9}"/>
+              </a:ext>
+            </a:extLst>
+          </p:cNvPr>
+          <p:cNvSpPr txBox="1"/>
+          <p:nvPr/>
+        </p:nvSpPr>
+        <p:spPr>
+          <a:xfrm>
+            <a:off x="6636969" y="4342473"/>
+            <a:ext cx="1223844" cy="338554"/>
+          </a:xfrm>
+          <a:prstGeom prst="rect">
+            <a:avLst/>
+          </a:prstGeom>
+          <a:noFill/>
+        </p:spPr>
+        <p:txBody>
+          <a:bodyPr wrap="square" rtlCol="0">
+            <a:spAutoFit/>
+          </a:bodyPr>
+          <a:lstStyle/>
+          <a:p>
+            <a:r>
+              <a:rPr lang="en-CN" sz="1600" dirty="0"/>
+              <a:t>Train Text g</a:t>
+            </a:r>
+          </a:p>
+        </p:txBody>
+      </p:sp>
+      <p:sp>
+        <p:nvSpPr>
+          <p:cNvPr id="70" name="Rectangle 69">
+            <a:extLst>
+              <a:ext uri="{FF2B5EF4-FFF2-40B4-BE49-F238E27FC236}">
+                <a16:creationId xmlns:a16="http://schemas.microsoft.com/office/drawing/2014/main" id="{0D0A7F9F-D8F2-68EF-33D6-549AEF2968C2}"/>
+              </a:ext>
+            </a:extLst>
+          </p:cNvPr>
+          <p:cNvSpPr/>
+          <p:nvPr/>
+        </p:nvSpPr>
+        <p:spPr>
+          <a:xfrm>
+            <a:off x="7169403" y="3973142"/>
+            <a:ext cx="289367" cy="313441"/>
+          </a:xfrm>
+          <a:prstGeom prst="rect">
+            <a:avLst/>
+          </a:prstGeom>
+          <a:noFill/>
+          <a:ln>
+            <a:solidFill>
+              <a:schemeClr val="tx1"/>
+            </a:solidFill>
+          </a:ln>
+        </p:spPr>
+        <p:style>
+          <a:lnRef idx="2">
+            <a:schemeClr val="accent1">
+              <a:shade val="50000"/>
+            </a:schemeClr>
+          </a:lnRef>
+          <a:fillRef idx="1">
+            <a:schemeClr val="accent1"/>
+          </a:fillRef>
+          <a:effectRef idx="0">
+            <a:schemeClr val="accent1"/>
+          </a:effectRef>
+          <a:fontRef idx="minor">
+            <a:schemeClr val="lt1"/>
+          </a:fontRef>
+        </p:style>
+        <p:txBody>
+          <a:bodyPr rtlCol="0" anchor="ctr"/>
+          <a:lstStyle/>
+          <a:p>
+            <a:pPr algn="ctr"/>
+            <a:r>
+              <a:rPr lang="en-CN" sz="1400" b="1" dirty="0">
+                <a:ln>
+                  <a:solidFill>
+                    <a:schemeClr val="tx1"/>
+                  </a:solidFill>
+                </a:ln>
+                <a:solidFill>
+                  <a:sysClr val="windowText" lastClr="000000"/>
+                </a:solidFill>
+              </a:rPr>
+              <a:t>0</a:t>
+            </a:r>
+          </a:p>
+        </p:txBody>
+      </p:sp>
+      <p:pic>
+        <p:nvPicPr>
+          <p:cNvPr id="71" name="图片 6">
+            <a:extLst>
+              <a:ext uri="{FF2B5EF4-FFF2-40B4-BE49-F238E27FC236}">
+                <a16:creationId xmlns:a16="http://schemas.microsoft.com/office/drawing/2014/main" id="{F3B4D7FB-FDB9-0EB6-A2B3-E3A4CCDF0540}"/>
+              </a:ext>
+            </a:extLst>
+          </p:cNvPr>
+          <p:cNvPicPr>
+            <a:picLocks noChangeAspect="1"/>
+          </p:cNvPicPr>
+          <p:nvPr/>
+        </p:nvPicPr>
+        <p:blipFill>
+          <a:blip r:embed="rId4"/>
+          <a:stretch>
+            <a:fillRect/>
+          </a:stretch>
+        </p:blipFill>
+        <p:spPr>
+          <a:xfrm>
+            <a:off x="10764822" y="3621107"/>
+            <a:ext cx="1059947" cy="1496747"/>
+          </a:xfrm>
+          <a:prstGeom prst="rect">
+            <a:avLst/>
+          </a:prstGeom>
+        </p:spPr>
+      </p:pic>
+      <p:cxnSp>
+        <p:nvCxnSpPr>
+          <p:cNvPr id="72" name="Straight Arrow Connector 71">
+            <a:extLst>
+              <a:ext uri="{FF2B5EF4-FFF2-40B4-BE49-F238E27FC236}">
+                <a16:creationId xmlns:a16="http://schemas.microsoft.com/office/drawing/2014/main" id="{7D86E36C-C381-2AC6-3988-9031E69F0BC4}"/>
+              </a:ext>
+            </a:extLst>
+          </p:cNvPr>
+          <p:cNvCxnSpPr>
+            <a:cxnSpLocks/>
+          </p:cNvCxnSpPr>
+          <p:nvPr/>
+        </p:nvCxnSpPr>
+        <p:spPr>
+          <a:xfrm>
+            <a:off x="8130774" y="3446039"/>
+            <a:ext cx="664480" cy="405220"/>
+          </a:xfrm>
+          <a:prstGeom prst="straightConnector1">
+            <a:avLst/>
+          </a:prstGeom>
+          <a:ln>
+            <a:solidFill>
+              <a:schemeClr val="tx1"/>
+            </a:solidFill>
+            <a:tailEnd type="triangle"/>
+          </a:ln>
+        </p:spPr>
+        <p:style>
+          <a:lnRef idx="1">
+            <a:schemeClr val="accent1"/>
+          </a:lnRef>
+          <a:fillRef idx="0">
+            <a:schemeClr val="accent1"/>
+          </a:fillRef>
+          <a:effectRef idx="0">
+            <a:schemeClr val="accent1"/>
+          </a:effectRef>
+          <a:fontRef idx="minor">
+            <a:schemeClr val="tx1"/>
+          </a:fontRef>
+        </p:style>
+      </p:cxnSp>
+      <p:cxnSp>
+        <p:nvCxnSpPr>
+          <p:cNvPr id="73" name="Straight Arrow Connector 72">
+            <a:extLst>
+              <a:ext uri="{FF2B5EF4-FFF2-40B4-BE49-F238E27FC236}">
+                <a16:creationId xmlns:a16="http://schemas.microsoft.com/office/drawing/2014/main" id="{CB83E0DE-1938-C07B-87A6-C8288498293D}"/>
+              </a:ext>
+            </a:extLst>
+          </p:cNvPr>
+          <p:cNvCxnSpPr>
+            <a:cxnSpLocks/>
+          </p:cNvCxnSpPr>
+          <p:nvPr/>
+        </p:nvCxnSpPr>
+        <p:spPr>
+          <a:xfrm>
+            <a:off x="8079043" y="4440361"/>
+            <a:ext cx="716211" cy="27945"/>
+          </a:xfrm>
+          <a:prstGeom prst="straightConnector1">
+            <a:avLst/>
+          </a:prstGeom>
+          <a:ln>
+            <a:solidFill>
+              <a:schemeClr val="tx1"/>
+            </a:solidFill>
+            <a:tailEnd type="triangle"/>
+          </a:ln>
+        </p:spPr>
+        <p:style>
+          <a:lnRef idx="1">
+            <a:schemeClr val="accent1"/>
+          </a:lnRef>
+          <a:fillRef idx="0">
+            <a:schemeClr val="accent1"/>
+          </a:fillRef>
+          <a:effectRef idx="0">
+            <a:schemeClr val="accent1"/>
+          </a:effectRef>
+          <a:fontRef idx="minor">
+            <a:schemeClr val="tx1"/>
+          </a:fontRef>
+        </p:style>
+      </p:cxnSp>
+      <p:pic>
+        <p:nvPicPr>
+          <p:cNvPr id="74" name="图片 6">
+            <a:extLst>
+              <a:ext uri="{FF2B5EF4-FFF2-40B4-BE49-F238E27FC236}">
+                <a16:creationId xmlns:a16="http://schemas.microsoft.com/office/drawing/2014/main" id="{8E5F7C52-A904-7605-D8CD-D6908E7DE448}"/>
+              </a:ext>
+            </a:extLst>
+          </p:cNvPr>
+          <p:cNvPicPr>
+            <a:picLocks noChangeAspect="1"/>
+          </p:cNvPicPr>
+          <p:nvPr/>
+        </p:nvPicPr>
+        <p:blipFill>
+          <a:blip r:embed="rId2">
+            <a:extLst>
+              <a:ext uri="{BEBA8EAE-BF5A-486C-A8C5-ECC9F3942E4B}">
+                <a14:imgProps xmlns:a14="http://schemas.microsoft.com/office/drawing/2010/main">
+                  <a14:imgLayer r:embed="rId6">
+                    <a14:imgEffect>
+                      <a14:saturation sat="0"/>
+                    </a14:imgEffect>
+                  </a14:imgLayer>
+                </a14:imgProps>
+              </a:ext>
+            </a:extLst>
+          </a:blip>
+          <a:stretch>
+            <a:fillRect/>
+          </a:stretch>
+        </p:blipFill>
+        <p:spPr>
+          <a:xfrm>
+            <a:off x="8912583" y="3638495"/>
+            <a:ext cx="1059947" cy="1496747"/>
+          </a:xfrm>
+          <a:prstGeom prst="rect">
+            <a:avLst/>
+          </a:prstGeom>
+        </p:spPr>
+      </p:pic>
+      <p:cxnSp>
+        <p:nvCxnSpPr>
+          <p:cNvPr id="75" name="Straight Arrow Connector 74">
+            <a:extLst>
+              <a:ext uri="{FF2B5EF4-FFF2-40B4-BE49-F238E27FC236}">
+                <a16:creationId xmlns:a16="http://schemas.microsoft.com/office/drawing/2014/main" id="{FB5709FB-2878-D3F9-7241-84DB0C52C690}"/>
+              </a:ext>
+            </a:extLst>
+          </p:cNvPr>
+          <p:cNvCxnSpPr>
+            <a:cxnSpLocks/>
+          </p:cNvCxnSpPr>
+          <p:nvPr/>
+        </p:nvCxnSpPr>
+        <p:spPr>
+          <a:xfrm>
+            <a:off x="10081914" y="4359304"/>
+            <a:ext cx="636607" cy="0"/>
+          </a:xfrm>
+          <a:prstGeom prst="straightConnector1">
+            <a:avLst/>
+          </a:prstGeom>
+          <a:ln>
+            <a:solidFill>
+              <a:schemeClr val="tx1"/>
+            </a:solidFill>
+            <a:tailEnd type="triangle"/>
+          </a:ln>
+        </p:spPr>
+        <p:style>
+          <a:lnRef idx="1">
+            <a:schemeClr val="accent1"/>
+          </a:lnRef>
+          <a:fillRef idx="0">
+            <a:schemeClr val="accent1"/>
+          </a:fillRef>
+          <a:effectRef idx="0">
+            <a:schemeClr val="accent1"/>
+          </a:effectRef>
+          <a:fontRef idx="minor">
+            <a:schemeClr val="tx1"/>
+          </a:fontRef>
+        </p:style>
+      </p:cxnSp>
+      <p:sp>
+        <p:nvSpPr>
+          <p:cNvPr id="76" name="Cube 75">
+            <a:extLst>
+              <a:ext uri="{FF2B5EF4-FFF2-40B4-BE49-F238E27FC236}">
+                <a16:creationId xmlns:a16="http://schemas.microsoft.com/office/drawing/2014/main" id="{829D2AB9-AD82-5B0A-565F-FF62339263E3}"/>
+              </a:ext>
+            </a:extLst>
+          </p:cNvPr>
+          <p:cNvSpPr/>
+          <p:nvPr/>
+        </p:nvSpPr>
+        <p:spPr>
+          <a:xfrm>
+            <a:off x="10596610" y="2811089"/>
+            <a:ext cx="1354238" cy="369331"/>
+          </a:xfrm>
+          <a:prstGeom prst="cube">
+            <a:avLst/>
+          </a:prstGeom>
+          <a:noFill/>
+          <a:ln>
+            <a:solidFill>
+              <a:schemeClr val="tx1"/>
+            </a:solidFill>
+          </a:ln>
+        </p:spPr>
+        <p:style>
+          <a:lnRef idx="2">
+            <a:schemeClr val="accent1">
+              <a:shade val="50000"/>
+            </a:schemeClr>
+          </a:lnRef>
+          <a:fillRef idx="1">
+            <a:schemeClr val="accent1"/>
+          </a:fillRef>
+          <a:effectRef idx="0">
+            <a:schemeClr val="accent1"/>
+          </a:effectRef>
+          <a:fontRef idx="minor">
+            <a:schemeClr val="lt1"/>
+          </a:fontRef>
+        </p:style>
+        <p:txBody>
+          <a:bodyPr rtlCol="0" anchor="ctr"/>
+          <a:lstStyle/>
+          <a:p>
+            <a:pPr algn="ctr"/>
+            <a:endParaRPr lang="en-CN"/>
+          </a:p>
+        </p:txBody>
+      </p:sp>
+      <p:sp>
+        <p:nvSpPr>
+          <p:cNvPr id="77" name="TextBox 76">
+            <a:extLst>
+              <a:ext uri="{FF2B5EF4-FFF2-40B4-BE49-F238E27FC236}">
+                <a16:creationId xmlns:a16="http://schemas.microsoft.com/office/drawing/2014/main" id="{4EBE0A7C-6DF2-3240-B735-6E04826B822A}"/>
+              </a:ext>
+            </a:extLst>
+          </p:cNvPr>
+          <p:cNvSpPr txBox="1"/>
+          <p:nvPr/>
+        </p:nvSpPr>
+        <p:spPr>
+          <a:xfrm>
+            <a:off x="10596610" y="2866979"/>
+            <a:ext cx="1141877" cy="338554"/>
+          </a:xfrm>
+          <a:prstGeom prst="rect">
+            <a:avLst/>
+          </a:prstGeom>
+          <a:noFill/>
+        </p:spPr>
+        <p:txBody>
+          <a:bodyPr wrap="square" rtlCol="0">
+            <a:spAutoFit/>
+          </a:bodyPr>
+          <a:lstStyle/>
+          <a:p>
+            <a:r>
+              <a:rPr lang="en-CN" sz="1600" dirty="0"/>
+              <a:t>Test Text e</a:t>
+            </a:r>
+          </a:p>
+        </p:txBody>
+      </p:sp>
+      <p:sp>
+        <p:nvSpPr>
+          <p:cNvPr id="78" name="Rectangle 77">
+            <a:extLst>
+              <a:ext uri="{FF2B5EF4-FFF2-40B4-BE49-F238E27FC236}">
+                <a16:creationId xmlns:a16="http://schemas.microsoft.com/office/drawing/2014/main" id="{290DDFC7-5153-3D2C-9743-73D6E498B1D6}"/>
+              </a:ext>
+            </a:extLst>
+          </p:cNvPr>
+          <p:cNvSpPr/>
+          <p:nvPr/>
+        </p:nvSpPr>
+        <p:spPr>
+          <a:xfrm>
+            <a:off x="11129044" y="2497648"/>
+            <a:ext cx="289367" cy="313441"/>
+          </a:xfrm>
+          <a:prstGeom prst="rect">
+            <a:avLst/>
+          </a:prstGeom>
+          <a:noFill/>
+          <a:ln>
+            <a:solidFill>
+              <a:schemeClr val="tx1"/>
+            </a:solidFill>
+          </a:ln>
+        </p:spPr>
+        <p:style>
+          <a:lnRef idx="2">
+            <a:schemeClr val="accent1">
+              <a:shade val="50000"/>
+            </a:schemeClr>
+          </a:lnRef>
+          <a:fillRef idx="1">
+            <a:schemeClr val="accent1"/>
+          </a:fillRef>
+          <a:effectRef idx="0">
+            <a:schemeClr val="accent1"/>
+          </a:effectRef>
+          <a:fontRef idx="minor">
+            <a:schemeClr val="lt1"/>
+          </a:fontRef>
+        </p:style>
+        <p:txBody>
+          <a:bodyPr rtlCol="0" anchor="ctr"/>
+          <a:lstStyle/>
+          <a:p>
+            <a:pPr algn="ctr"/>
+            <a:r>
+              <a:rPr lang="en-CN" sz="1400" b="1" dirty="0">
+                <a:ln>
+                  <a:solidFill>
+                    <a:schemeClr val="tx1"/>
+                  </a:solidFill>
+                </a:ln>
+                <a:solidFill>
+                  <a:sysClr val="windowText" lastClr="000000"/>
+                </a:solidFill>
+              </a:rPr>
+              <a:t>0</a:t>
+            </a:r>
+          </a:p>
+        </p:txBody>
+      </p:sp>
+      <p:sp>
+        <p:nvSpPr>
+          <p:cNvPr id="79" name="Rectangle 78">
+            <a:extLst>
+              <a:ext uri="{FF2B5EF4-FFF2-40B4-BE49-F238E27FC236}">
+                <a16:creationId xmlns:a16="http://schemas.microsoft.com/office/drawing/2014/main" id="{3B65E0D8-E89D-1CC1-4F9C-5A23D21D332A}"/>
+              </a:ext>
+            </a:extLst>
+          </p:cNvPr>
+          <p:cNvSpPr/>
+          <p:nvPr/>
+        </p:nvSpPr>
+        <p:spPr>
+          <a:xfrm>
+            <a:off x="11109674" y="5584223"/>
+            <a:ext cx="289367" cy="313441"/>
+          </a:xfrm>
+          <a:prstGeom prst="rect">
+            <a:avLst/>
+          </a:prstGeom>
+          <a:solidFill>
+            <a:srgbClr val="FFC000"/>
+          </a:solidFill>
+          <a:ln>
+            <a:solidFill>
+              <a:schemeClr val="tx1"/>
+            </a:solidFill>
+          </a:ln>
+        </p:spPr>
+        <p:style>
+          <a:lnRef idx="2">
+            <a:schemeClr val="accent1">
+              <a:shade val="50000"/>
+            </a:schemeClr>
+          </a:lnRef>
+          <a:fillRef idx="1">
+            <a:schemeClr val="accent1"/>
+          </a:fillRef>
+          <a:effectRef idx="0">
+            <a:schemeClr val="accent1"/>
+          </a:effectRef>
+          <a:fontRef idx="minor">
+            <a:schemeClr val="lt1"/>
+          </a:fontRef>
+        </p:style>
+        <p:txBody>
+          <a:bodyPr rtlCol="0" anchor="ctr"/>
+          <a:lstStyle/>
+          <a:p>
+            <a:pPr algn="ctr"/>
+            <a:r>
+              <a:rPr lang="en-CN" sz="1400" b="1" dirty="0">
+                <a:ln>
+                  <a:solidFill>
+                    <a:schemeClr val="tx1"/>
+                  </a:solidFill>
+                </a:ln>
+                <a:solidFill>
+                  <a:sysClr val="windowText" lastClr="000000"/>
+                </a:solidFill>
+              </a:rPr>
+              <a:t>1</a:t>
+            </a:r>
+          </a:p>
+        </p:txBody>
+      </p:sp>
+      <p:cxnSp>
+        <p:nvCxnSpPr>
+          <p:cNvPr id="80" name="Straight Arrow Connector 79">
+            <a:extLst>
+              <a:ext uri="{FF2B5EF4-FFF2-40B4-BE49-F238E27FC236}">
+                <a16:creationId xmlns:a16="http://schemas.microsoft.com/office/drawing/2014/main" id="{3798AFCF-E123-B6BD-6FB1-CBB115F4C1FC}"/>
+              </a:ext>
+            </a:extLst>
+          </p:cNvPr>
+          <p:cNvCxnSpPr>
+            <a:cxnSpLocks/>
+          </p:cNvCxnSpPr>
+          <p:nvPr/>
+        </p:nvCxnSpPr>
+        <p:spPr>
+          <a:xfrm>
+            <a:off x="11277665" y="3261161"/>
+            <a:ext cx="0" cy="357090"/>
+          </a:xfrm>
+          <a:prstGeom prst="straightConnector1">
+            <a:avLst/>
+          </a:prstGeom>
+          <a:ln>
+            <a:solidFill>
+              <a:schemeClr val="tx1"/>
+            </a:solidFill>
+            <a:tailEnd type="triangle"/>
+          </a:ln>
+        </p:spPr>
+        <p:style>
+          <a:lnRef idx="1">
+            <a:schemeClr val="accent1"/>
+          </a:lnRef>
+          <a:fillRef idx="0">
+            <a:schemeClr val="accent1"/>
+          </a:fillRef>
+          <a:effectRef idx="0">
+            <a:schemeClr val="accent1"/>
+          </a:effectRef>
+          <a:fontRef idx="minor">
+            <a:schemeClr val="tx1"/>
+          </a:fontRef>
+        </p:style>
+      </p:cxnSp>
+      <p:cxnSp>
+        <p:nvCxnSpPr>
+          <p:cNvPr id="81" name="Straight Arrow Connector 80">
+            <a:extLst>
+              <a:ext uri="{FF2B5EF4-FFF2-40B4-BE49-F238E27FC236}">
+                <a16:creationId xmlns:a16="http://schemas.microsoft.com/office/drawing/2014/main" id="{EB444452-5A3D-691C-AF30-6CCB858C4E23}"/>
+              </a:ext>
+            </a:extLst>
+          </p:cNvPr>
+          <p:cNvCxnSpPr>
+            <a:cxnSpLocks/>
+          </p:cNvCxnSpPr>
+          <p:nvPr/>
+        </p:nvCxnSpPr>
+        <p:spPr>
+          <a:xfrm>
+            <a:off x="11254358" y="5117854"/>
+            <a:ext cx="0" cy="357090"/>
+          </a:xfrm>
+          <a:prstGeom prst="straightConnector1">
+            <a:avLst/>
+          </a:prstGeom>
+          <a:ln>
+            <a:solidFill>
+              <a:schemeClr val="tx1"/>
+            </a:solidFill>
+            <a:tailEnd type="triangle"/>
+          </a:ln>
+        </p:spPr>
+        <p:style>
+          <a:lnRef idx="1">
+            <a:schemeClr val="accent1"/>
+          </a:lnRef>
+          <a:fillRef idx="0">
+            <a:schemeClr val="accent1"/>
+          </a:fillRef>
+          <a:effectRef idx="0">
+            <a:schemeClr val="accent1"/>
+          </a:effectRef>
+          <a:fontRef idx="minor">
+            <a:schemeClr val="tx1"/>
+          </a:fontRef>
+        </p:style>
+      </p:cxnSp>
+      <p:sp>
+        <p:nvSpPr>
+          <p:cNvPr id="82" name="TextBox 81">
+            <a:extLst>
+              <a:ext uri="{FF2B5EF4-FFF2-40B4-BE49-F238E27FC236}">
+                <a16:creationId xmlns:a16="http://schemas.microsoft.com/office/drawing/2014/main" id="{8A5823A9-38F5-556A-1AC1-1CED71D84A70}"/>
+              </a:ext>
+            </a:extLst>
+          </p:cNvPr>
+          <p:cNvSpPr txBox="1"/>
+          <p:nvPr/>
+        </p:nvSpPr>
+        <p:spPr>
+          <a:xfrm>
+            <a:off x="6580216" y="3418243"/>
+            <a:ext cx="1652034" cy="276999"/>
+          </a:xfrm>
+          <a:prstGeom prst="rect">
+            <a:avLst/>
+          </a:prstGeom>
+          <a:noFill/>
+        </p:spPr>
+        <p:txBody>
+          <a:bodyPr wrap="square" rtlCol="0">
+            <a:spAutoFit/>
+          </a:bodyPr>
+          <a:lstStyle/>
+          <a:p>
+            <a:r>
+              <a:rPr lang="en-CN" sz="1200" dirty="0"/>
+              <a:t>Similar sentence</a:t>
+            </a:r>
+          </a:p>
+        </p:txBody>
+      </p:sp>
+      <p:sp>
+        <p:nvSpPr>
+          <p:cNvPr id="83" name="TextBox 82">
+            <a:extLst>
+              <a:ext uri="{FF2B5EF4-FFF2-40B4-BE49-F238E27FC236}">
+                <a16:creationId xmlns:a16="http://schemas.microsoft.com/office/drawing/2014/main" id="{E46E9AF3-75BE-93CC-0E7D-119732AB7C62}"/>
+              </a:ext>
+            </a:extLst>
+          </p:cNvPr>
+          <p:cNvSpPr txBox="1"/>
+          <p:nvPr/>
+        </p:nvSpPr>
+        <p:spPr>
+          <a:xfrm>
+            <a:off x="6675510" y="4628888"/>
+            <a:ext cx="1652034" cy="276999"/>
+          </a:xfrm>
+          <a:prstGeom prst="rect">
+            <a:avLst/>
+          </a:prstGeom>
+          <a:noFill/>
+        </p:spPr>
+        <p:txBody>
+          <a:bodyPr wrap="square" rtlCol="0">
+            <a:spAutoFit/>
+          </a:bodyPr>
+          <a:lstStyle/>
+          <a:p>
+            <a:r>
+              <a:rPr lang="en-CN" sz="1200" dirty="0"/>
+              <a:t>Similar sentence</a:t>
+            </a:r>
+          </a:p>
+        </p:txBody>
+      </p:sp>
+      <p:sp>
+        <p:nvSpPr>
+          <p:cNvPr id="90" name="TextBox 89">
+            <a:extLst>
+              <a:ext uri="{FF2B5EF4-FFF2-40B4-BE49-F238E27FC236}">
+                <a16:creationId xmlns:a16="http://schemas.microsoft.com/office/drawing/2014/main" id="{118C5724-2674-4544-B1EF-A1229076AE1F}"/>
+              </a:ext>
+            </a:extLst>
+          </p:cNvPr>
+          <p:cNvSpPr txBox="1"/>
+          <p:nvPr/>
+        </p:nvSpPr>
+        <p:spPr>
+          <a:xfrm>
+            <a:off x="8789470" y="5943404"/>
+            <a:ext cx="2483834" cy="369332"/>
+          </a:xfrm>
+          <a:prstGeom prst="rect">
+            <a:avLst/>
+          </a:prstGeom>
+          <a:noFill/>
+        </p:spPr>
+        <p:txBody>
+          <a:bodyPr wrap="square" rtlCol="0">
+            <a:spAutoFit/>
+          </a:bodyPr>
+          <a:lstStyle/>
+          <a:p>
+            <a:r>
+              <a:rPr lang="en-CN" dirty="0">
+                <a:solidFill>
+                  <a:srgbClr val="FF0000"/>
+                </a:solidFill>
+              </a:rPr>
+              <a:t>1      &lt;      2</a:t>
+            </a:r>
+          </a:p>
+        </p:txBody>
+      </p:sp>
+      <p:sp>
+        <p:nvSpPr>
+          <p:cNvPr id="91" name="TextBox 90">
+            <a:extLst>
+              <a:ext uri="{FF2B5EF4-FFF2-40B4-BE49-F238E27FC236}">
+                <a16:creationId xmlns:a16="http://schemas.microsoft.com/office/drawing/2014/main" id="{4D58799A-366A-9344-3306-1D60FE1EB2EE}"/>
+              </a:ext>
+            </a:extLst>
+          </p:cNvPr>
+          <p:cNvSpPr txBox="1"/>
+          <p:nvPr/>
+        </p:nvSpPr>
+        <p:spPr>
+          <a:xfrm>
+            <a:off x="8603689" y="5724344"/>
+            <a:ext cx="1892661" cy="276999"/>
+          </a:xfrm>
+          <a:prstGeom prst="rect">
+            <a:avLst/>
+          </a:prstGeom>
+          <a:noFill/>
+        </p:spPr>
+        <p:txBody>
+          <a:bodyPr wrap="square" rtlCol="0">
+            <a:spAutoFit/>
+          </a:bodyPr>
+          <a:lstStyle/>
+          <a:p>
+            <a:r>
+              <a:rPr lang="en-US" sz="1200" dirty="0"/>
+              <a:t>L</a:t>
+            </a:r>
+            <a:r>
+              <a:rPr lang="en-CN" sz="1200" dirty="0"/>
+              <a:t>abel 1              label 0</a:t>
+            </a:r>
+          </a:p>
+        </p:txBody>
+      </p:sp>
+      <p:sp>
+        <p:nvSpPr>
+          <p:cNvPr id="94" name="Rounded Rectangle 93">
+            <a:extLst>
+              <a:ext uri="{FF2B5EF4-FFF2-40B4-BE49-F238E27FC236}">
+                <a16:creationId xmlns:a16="http://schemas.microsoft.com/office/drawing/2014/main" id="{AF8288FF-431E-81F1-872C-6CC8F83514E9}"/>
+              </a:ext>
+            </a:extLst>
+          </p:cNvPr>
+          <p:cNvSpPr/>
+          <p:nvPr/>
+        </p:nvSpPr>
+        <p:spPr>
+          <a:xfrm>
+            <a:off x="180290" y="2355472"/>
+            <a:ext cx="5521485" cy="4281567"/>
+          </a:xfrm>
+          <a:prstGeom prst="roundRect">
+            <a:avLst/>
+          </a:prstGeom>
+          <a:noFill/>
+          <a:ln>
+            <a:solidFill>
+              <a:schemeClr val="tx1"/>
+            </a:solidFill>
+          </a:ln>
+        </p:spPr>
+        <p:style>
+          <a:lnRef idx="2">
+            <a:schemeClr val="accent6"/>
+          </a:lnRef>
+          <a:fillRef idx="1">
+            <a:schemeClr val="lt1"/>
+          </a:fillRef>
+          <a:effectRef idx="0">
+            <a:schemeClr val="accent6"/>
+          </a:effectRef>
+          <a:fontRef idx="minor">
+            <a:schemeClr val="dk1"/>
+          </a:fontRef>
+        </p:style>
+        <p:txBody>
+          <a:bodyPr rtlCol="0" anchor="ctr"/>
+          <a:lstStyle/>
+          <a:p>
+            <a:pPr algn="ctr"/>
+            <a:endParaRPr lang="en-CN"/>
+          </a:p>
+        </p:txBody>
+      </p:sp>
+      <p:sp>
+        <p:nvSpPr>
+          <p:cNvPr id="95" name="TextBox 94">
+            <a:extLst>
+              <a:ext uri="{FF2B5EF4-FFF2-40B4-BE49-F238E27FC236}">
+                <a16:creationId xmlns:a16="http://schemas.microsoft.com/office/drawing/2014/main" id="{57A40B2C-058F-50F6-9172-DD5812E3A1FB}"/>
+              </a:ext>
+            </a:extLst>
+          </p:cNvPr>
+          <p:cNvSpPr txBox="1"/>
+          <p:nvPr/>
+        </p:nvSpPr>
+        <p:spPr>
+          <a:xfrm>
+            <a:off x="2576425" y="561495"/>
+            <a:ext cx="1652034" cy="261610"/>
+          </a:xfrm>
+          <a:prstGeom prst="rect">
+            <a:avLst/>
+          </a:prstGeom>
+          <a:noFill/>
+        </p:spPr>
+        <p:txBody>
+          <a:bodyPr wrap="square" rtlCol="0">
+            <a:spAutoFit/>
+          </a:bodyPr>
+          <a:lstStyle/>
+          <a:p>
+            <a:r>
+              <a:rPr lang="en-CN" sz="1100" b="1" dirty="0"/>
+              <a:t>Pretrain BERT</a:t>
+            </a:r>
+          </a:p>
+        </p:txBody>
+      </p:sp>
+      <p:sp>
+        <p:nvSpPr>
+          <p:cNvPr id="96" name="TextBox 95">
+            <a:extLst>
+              <a:ext uri="{FF2B5EF4-FFF2-40B4-BE49-F238E27FC236}">
+                <a16:creationId xmlns:a16="http://schemas.microsoft.com/office/drawing/2014/main" id="{BFC58FD9-A893-3A23-D624-26E6BD92291B}"/>
+              </a:ext>
+            </a:extLst>
+          </p:cNvPr>
+          <p:cNvSpPr txBox="1"/>
+          <p:nvPr/>
+        </p:nvSpPr>
+        <p:spPr>
+          <a:xfrm>
+            <a:off x="8944576" y="3767469"/>
+            <a:ext cx="1652034" cy="261610"/>
+          </a:xfrm>
+          <a:prstGeom prst="rect">
+            <a:avLst/>
+          </a:prstGeom>
+          <a:noFill/>
+        </p:spPr>
+        <p:txBody>
+          <a:bodyPr wrap="square" rtlCol="0">
+            <a:spAutoFit/>
+          </a:bodyPr>
+          <a:lstStyle/>
+          <a:p>
+            <a:r>
+              <a:rPr lang="en-CN" sz="1100" b="1" dirty="0"/>
+              <a:t>Pretrain BERT</a:t>
+            </a:r>
+          </a:p>
+        </p:txBody>
+      </p:sp>
+      <p:sp>
+        <p:nvSpPr>
+          <p:cNvPr id="97" name="TextBox 96">
+            <a:extLst>
+              <a:ext uri="{FF2B5EF4-FFF2-40B4-BE49-F238E27FC236}">
+                <a16:creationId xmlns:a16="http://schemas.microsoft.com/office/drawing/2014/main" id="{617E5227-1B8F-AC67-4D8C-D2BBB32B3488}"/>
+              </a:ext>
+            </a:extLst>
+          </p:cNvPr>
+          <p:cNvSpPr txBox="1"/>
+          <p:nvPr/>
+        </p:nvSpPr>
+        <p:spPr>
+          <a:xfrm>
+            <a:off x="10793467" y="3787168"/>
+            <a:ext cx="1652034" cy="261610"/>
+          </a:xfrm>
+          <a:prstGeom prst="rect">
+            <a:avLst/>
+          </a:prstGeom>
+          <a:noFill/>
+        </p:spPr>
+        <p:txBody>
+          <a:bodyPr wrap="square" rtlCol="0">
+            <a:spAutoFit/>
+          </a:bodyPr>
+          <a:lstStyle/>
+          <a:p>
+            <a:r>
+              <a:rPr lang="en-CN" sz="1100" b="1" dirty="0"/>
+              <a:t>Trained BERT</a:t>
+            </a:r>
+          </a:p>
+        </p:txBody>
+      </p:sp>
+      <p:sp>
+        <p:nvSpPr>
+          <p:cNvPr id="99" name="TextBox 98">
+            <a:extLst>
+              <a:ext uri="{FF2B5EF4-FFF2-40B4-BE49-F238E27FC236}">
+                <a16:creationId xmlns:a16="http://schemas.microsoft.com/office/drawing/2014/main" id="{C30CE75A-25DB-126C-BBAA-53981DBBC7A4}"/>
+              </a:ext>
+            </a:extLst>
+          </p:cNvPr>
+          <p:cNvSpPr txBox="1"/>
+          <p:nvPr/>
+        </p:nvSpPr>
+        <p:spPr>
+          <a:xfrm>
+            <a:off x="126478" y="110168"/>
+            <a:ext cx="4855241" cy="307777"/>
+          </a:xfrm>
+          <a:prstGeom prst="rect">
+            <a:avLst/>
+          </a:prstGeom>
+          <a:noFill/>
+        </p:spPr>
+        <p:txBody>
+          <a:bodyPr wrap="square" rtlCol="0">
+            <a:spAutoFit/>
+          </a:bodyPr>
+          <a:lstStyle/>
+          <a:p>
+            <a:r>
+              <a:rPr lang="en-CN" sz="1400" b="1" u="sng" dirty="0"/>
+              <a:t>Situation 2:  Wrong classification on Pretrain BERT</a:t>
+            </a:r>
+          </a:p>
+        </p:txBody>
+      </p:sp>
+      <p:sp>
+        <p:nvSpPr>
+          <p:cNvPr id="100" name="TextBox 99">
+            <a:extLst>
+              <a:ext uri="{FF2B5EF4-FFF2-40B4-BE49-F238E27FC236}">
+                <a16:creationId xmlns:a16="http://schemas.microsoft.com/office/drawing/2014/main" id="{586CBF07-8A73-761A-6D38-2135FF6A9C1E}"/>
+              </a:ext>
+            </a:extLst>
+          </p:cNvPr>
+          <p:cNvSpPr txBox="1"/>
+          <p:nvPr/>
+        </p:nvSpPr>
+        <p:spPr>
+          <a:xfrm>
+            <a:off x="1846150" y="2169447"/>
+            <a:ext cx="2165702" cy="307777"/>
+          </a:xfrm>
+          <a:prstGeom prst="rect">
+            <a:avLst/>
+          </a:prstGeom>
+          <a:solidFill>
+            <a:schemeClr val="bg1"/>
+          </a:solidFill>
+        </p:spPr>
+        <p:txBody>
+          <a:bodyPr wrap="square" rtlCol="0">
+            <a:spAutoFit/>
+          </a:bodyPr>
+          <a:lstStyle/>
+          <a:p>
+            <a:r>
+              <a:rPr lang="en-CN" sz="1400" b="1" dirty="0"/>
+              <a:t>Train, then evaluation</a:t>
+            </a:r>
+          </a:p>
+        </p:txBody>
+      </p:sp>
+      <p:sp>
+        <p:nvSpPr>
+          <p:cNvPr id="101" name="Rounded Rectangle 100">
+            <a:extLst>
+              <a:ext uri="{FF2B5EF4-FFF2-40B4-BE49-F238E27FC236}">
+                <a16:creationId xmlns:a16="http://schemas.microsoft.com/office/drawing/2014/main" id="{A7F272A7-6D1E-A713-7064-1C0071C21280}"/>
+              </a:ext>
+            </a:extLst>
+          </p:cNvPr>
+          <p:cNvSpPr/>
+          <p:nvPr/>
+        </p:nvSpPr>
+        <p:spPr>
+          <a:xfrm>
+            <a:off x="6450312" y="2295421"/>
+            <a:ext cx="5656437" cy="4341623"/>
+          </a:xfrm>
+          <a:prstGeom prst="roundRect">
+            <a:avLst/>
+          </a:prstGeom>
+          <a:noFill/>
+          <a:ln>
+            <a:solidFill>
+              <a:schemeClr val="tx1"/>
+            </a:solidFill>
+          </a:ln>
+        </p:spPr>
+        <p:style>
+          <a:lnRef idx="2">
+            <a:schemeClr val="accent6"/>
+          </a:lnRef>
+          <a:fillRef idx="1">
+            <a:schemeClr val="lt1"/>
+          </a:fillRef>
+          <a:effectRef idx="0">
+            <a:schemeClr val="accent6"/>
+          </a:effectRef>
+          <a:fontRef idx="minor">
+            <a:schemeClr val="dk1"/>
+          </a:fontRef>
+        </p:style>
+        <p:txBody>
+          <a:bodyPr rtlCol="0" anchor="ctr"/>
+          <a:lstStyle/>
+          <a:p>
+            <a:pPr algn="ctr"/>
+            <a:endParaRPr lang="en-CN"/>
+          </a:p>
+        </p:txBody>
+      </p:sp>
+      <p:sp>
+        <p:nvSpPr>
+          <p:cNvPr id="102" name="TextBox 101">
+            <a:extLst>
+              <a:ext uri="{FF2B5EF4-FFF2-40B4-BE49-F238E27FC236}">
+                <a16:creationId xmlns:a16="http://schemas.microsoft.com/office/drawing/2014/main" id="{1BD9F5F7-676B-8873-55A7-8B54E4DC0180}"/>
+              </a:ext>
+            </a:extLst>
+          </p:cNvPr>
+          <p:cNvSpPr txBox="1"/>
+          <p:nvPr/>
+        </p:nvSpPr>
+        <p:spPr>
+          <a:xfrm>
+            <a:off x="7575201" y="2099231"/>
+            <a:ext cx="3843210" cy="307777"/>
+          </a:xfrm>
+          <a:prstGeom prst="rect">
+            <a:avLst/>
+          </a:prstGeom>
+          <a:solidFill>
+            <a:schemeClr val="bg1"/>
+          </a:solidFill>
+        </p:spPr>
+        <p:txBody>
+          <a:bodyPr wrap="square" rtlCol="0">
+            <a:spAutoFit/>
+          </a:bodyPr>
+          <a:lstStyle/>
+          <a:p>
+            <a:r>
+              <a:rPr lang="en-CN" sz="1400" b="1" dirty="0"/>
+              <a:t>Remove one record, train, then evaluation</a:t>
+            </a:r>
+          </a:p>
+        </p:txBody>
+      </p:sp>
+      <p:sp>
+        <p:nvSpPr>
+          <p:cNvPr id="2" name="Oval Callout 1">
+            <a:extLst>
+              <a:ext uri="{FF2B5EF4-FFF2-40B4-BE49-F238E27FC236}">
+                <a16:creationId xmlns:a16="http://schemas.microsoft.com/office/drawing/2014/main" id="{F14F44DE-1682-13C3-B7EA-E3ECC61ADD06}"/>
+              </a:ext>
+            </a:extLst>
+          </p:cNvPr>
+          <p:cNvSpPr/>
+          <p:nvPr/>
+        </p:nvSpPr>
+        <p:spPr>
+          <a:xfrm>
+            <a:off x="7620009" y="3648006"/>
+            <a:ext cx="891691" cy="369330"/>
+          </a:xfrm>
+          <a:prstGeom prst="wedgeEllipseCallout">
+            <a:avLst>
+              <a:gd name="adj1" fmla="val -61501"/>
+              <a:gd name="adj2" fmla="val 82517"/>
+            </a:avLst>
+          </a:prstGeom>
+        </p:spPr>
+        <p:style>
+          <a:lnRef idx="2">
+            <a:schemeClr val="accent1">
+              <a:shade val="50000"/>
+            </a:schemeClr>
+          </a:lnRef>
+          <a:fillRef idx="1">
+            <a:schemeClr val="accent1"/>
+          </a:fillRef>
+          <a:effectRef idx="0">
+            <a:schemeClr val="accent1"/>
+          </a:effectRef>
+          <a:fontRef idx="minor">
+            <a:schemeClr val="lt1"/>
+          </a:fontRef>
+        </p:style>
+        <p:txBody>
+          <a:bodyPr rtlCol="0" anchor="ctr"/>
+          <a:lstStyle/>
+          <a:p>
+            <a:pPr algn="ctr"/>
+            <a:r>
+              <a:rPr lang="en-CN" sz="1000" dirty="0"/>
+              <a:t>Change</a:t>
+            </a:r>
+          </a:p>
+        </p:txBody>
+      </p:sp>
+    </p:spTree>
+    <p:extLst>
+      <p:ext uri="{BB962C8B-B14F-4D97-AF65-F5344CB8AC3E}">
+        <p14:creationId xmlns:p14="http://schemas.microsoft.com/office/powerpoint/2010/main" val="1325673595"/>
+      </p:ext>
+    </p:extLst>
+  </p:cSld>
+  <p:clrMapOvr>
+    <a:masterClrMapping/>
+  </p:clrMapOvr>
+</p:sld>
+</file>
+
+<file path=ppt/slides/slide6.xml><?xml version="1.0" encoding="utf-8"?>
+<p:sld xmlns:a="http://schemas.openxmlformats.org/drawingml/2006/main" xmlns:r="http://schemas.openxmlformats.org/officeDocument/2006/relationships" xmlns:p="http://schemas.openxmlformats.org/presentationml/2006/main">
+  <p:cSld>
+    <p:spTree>
+      <p:nvGrpSpPr>
+        <p:cNvPr id="1" name=""/>
+        <p:cNvGrpSpPr/>
+        <p:nvPr/>
+      </p:nvGrpSpPr>
+      <p:grpSpPr>
+        <a:xfrm>
+          <a:off x="0" y="0"/>
+          <a:ext cx="0" cy="0"/>
+          <a:chOff x="0" y="0"/>
+          <a:chExt cx="0" cy="0"/>
+        </a:xfrm>
+      </p:grpSpPr>
+    </p:spTree>
+    <p:extLst>
+      <p:ext uri="{BB962C8B-B14F-4D97-AF65-F5344CB8AC3E}">
+        <p14:creationId xmlns:p14="http://schemas.microsoft.com/office/powerpoint/2010/main" val="2334326339"/>
+      </p:ext>
+    </p:extLst>
+  </p:cSld>
+  <p:clrMapOvr>
+    <a:masterClrMapping/>
+  </p:clrMapOvr>
+</p:sld>
+</file>
+
+<file path=ppt/slides/slide7.xml><?xml version="1.0" encoding="utf-8"?>
+<p:sld xmlns:a="http://schemas.openxmlformats.org/drawingml/2006/main" xmlns:r="http://schemas.openxmlformats.org/officeDocument/2006/relationships" xmlns:p="http://schemas.openxmlformats.org/presentationml/2006/main">
+  <p:cSld>
+    <p:spTree>
+      <p:nvGrpSpPr>
+        <p:cNvPr id="1" name=""/>
+        <p:cNvGrpSpPr/>
+        <p:nvPr/>
+      </p:nvGrpSpPr>
+      <p:grpSpPr>
+        <a:xfrm>
+          <a:off x="0" y="0"/>
+          <a:ext cx="0" cy="0"/>
+          <a:chOff x="0" y="0"/>
+          <a:chExt cx="0" cy="0"/>
+        </a:xfrm>
+      </p:grpSpPr>
+    </p:spTree>
+    <p:extLst>
+      <p:ext uri="{BB962C8B-B14F-4D97-AF65-F5344CB8AC3E}">
+        <p14:creationId xmlns:p14="http://schemas.microsoft.com/office/powerpoint/2010/main" val="2515427604"/>
+      </p:ext>
+    </p:extLst>
+  </p:cSld>
+  <p:clrMapOvr>
+    <a:masterClrMapping/>
+  </p:clrMapOvr>
+</p:sld>
+</file>
+
 <file path=ppt/theme/theme1.xml><?xml version="1.0" encoding="utf-8"?>
 <a:theme xmlns:a="http://schemas.openxmlformats.org/drawingml/2006/main" name="Office 主题​​">
   <a:themeElements>

--- a/tmp/Figures in report_20221023.pptx
+++ b/tmp/Figures in report_20221023.pptx
@@ -9,9 +9,11 @@
     <p:sldId id="257" r:id="rId3"/>
     <p:sldId id="258" r:id="rId4"/>
     <p:sldId id="262" r:id="rId5"/>
-    <p:sldId id="263" r:id="rId6"/>
-    <p:sldId id="260" r:id="rId7"/>
-    <p:sldId id="261" r:id="rId8"/>
+    <p:sldId id="260" r:id="rId6"/>
+    <p:sldId id="264" r:id="rId7"/>
+    <p:sldId id="263" r:id="rId8"/>
+    <p:sldId id="265" r:id="rId9"/>
+    <p:sldId id="261" r:id="rId10"/>
   </p:sldIdLst>
   <p:sldSz cx="12192000" cy="6858000"/>
   <p:notesSz cx="6858000" cy="9144000"/>
@@ -265,7 +267,7 @@
           <a:p>
             <a:fld id="{ED263EF7-CA97-4F95-9C1E-8A5FA0797FEE}" type="datetimeFigureOut">
               <a:rPr lang="zh-CN" altLang="en-US" smtClean="0"/>
-              <a:t>2022/10/24</a:t>
+              <a:t>2022/10/25</a:t>
             </a:fld>
             <a:endParaRPr lang="zh-CN" altLang="en-US"/>
           </a:p>
@@ -463,7 +465,7 @@
           <a:p>
             <a:fld id="{ED263EF7-CA97-4F95-9C1E-8A5FA0797FEE}" type="datetimeFigureOut">
               <a:rPr lang="zh-CN" altLang="en-US" smtClean="0"/>
-              <a:t>2022/10/24</a:t>
+              <a:t>2022/10/25</a:t>
             </a:fld>
             <a:endParaRPr lang="zh-CN" altLang="en-US"/>
           </a:p>
@@ -671,7 +673,7 @@
           <a:p>
             <a:fld id="{ED263EF7-CA97-4F95-9C1E-8A5FA0797FEE}" type="datetimeFigureOut">
               <a:rPr lang="zh-CN" altLang="en-US" smtClean="0"/>
-              <a:t>2022/10/24</a:t>
+              <a:t>2022/10/25</a:t>
             </a:fld>
             <a:endParaRPr lang="zh-CN" altLang="en-US"/>
           </a:p>
@@ -869,7 +871,7 @@
           <a:p>
             <a:fld id="{ED263EF7-CA97-4F95-9C1E-8A5FA0797FEE}" type="datetimeFigureOut">
               <a:rPr lang="zh-CN" altLang="en-US" smtClean="0"/>
-              <a:t>2022/10/24</a:t>
+              <a:t>2022/10/25</a:t>
             </a:fld>
             <a:endParaRPr lang="zh-CN" altLang="en-US"/>
           </a:p>
@@ -1144,7 +1146,7 @@
           <a:p>
             <a:fld id="{ED263EF7-CA97-4F95-9C1E-8A5FA0797FEE}" type="datetimeFigureOut">
               <a:rPr lang="zh-CN" altLang="en-US" smtClean="0"/>
-              <a:t>2022/10/24</a:t>
+              <a:t>2022/10/25</a:t>
             </a:fld>
             <a:endParaRPr lang="zh-CN" altLang="en-US"/>
           </a:p>
@@ -1409,7 +1411,7 @@
           <a:p>
             <a:fld id="{ED263EF7-CA97-4F95-9C1E-8A5FA0797FEE}" type="datetimeFigureOut">
               <a:rPr lang="zh-CN" altLang="en-US" smtClean="0"/>
-              <a:t>2022/10/24</a:t>
+              <a:t>2022/10/25</a:t>
             </a:fld>
             <a:endParaRPr lang="zh-CN" altLang="en-US"/>
           </a:p>
@@ -1821,7 +1823,7 @@
           <a:p>
             <a:fld id="{ED263EF7-CA97-4F95-9C1E-8A5FA0797FEE}" type="datetimeFigureOut">
               <a:rPr lang="zh-CN" altLang="en-US" smtClean="0"/>
-              <a:t>2022/10/24</a:t>
+              <a:t>2022/10/25</a:t>
             </a:fld>
             <a:endParaRPr lang="zh-CN" altLang="en-US"/>
           </a:p>
@@ -1962,7 +1964,7 @@
           <a:p>
             <a:fld id="{ED263EF7-CA97-4F95-9C1E-8A5FA0797FEE}" type="datetimeFigureOut">
               <a:rPr lang="zh-CN" altLang="en-US" smtClean="0"/>
-              <a:t>2022/10/24</a:t>
+              <a:t>2022/10/25</a:t>
             </a:fld>
             <a:endParaRPr lang="zh-CN" altLang="en-US"/>
           </a:p>
@@ -2075,7 +2077,7 @@
           <a:p>
             <a:fld id="{ED263EF7-CA97-4F95-9C1E-8A5FA0797FEE}" type="datetimeFigureOut">
               <a:rPr lang="zh-CN" altLang="en-US" smtClean="0"/>
-              <a:t>2022/10/24</a:t>
+              <a:t>2022/10/25</a:t>
             </a:fld>
             <a:endParaRPr lang="zh-CN" altLang="en-US"/>
           </a:p>
@@ -2386,7 +2388,7 @@
           <a:p>
             <a:fld id="{ED263EF7-CA97-4F95-9C1E-8A5FA0797FEE}" type="datetimeFigureOut">
               <a:rPr lang="zh-CN" altLang="en-US" smtClean="0"/>
-              <a:t>2022/10/24</a:t>
+              <a:t>2022/10/25</a:t>
             </a:fld>
             <a:endParaRPr lang="zh-CN" altLang="en-US"/>
           </a:p>
@@ -2674,7 +2676,7 @@
           <a:p>
             <a:fld id="{ED263EF7-CA97-4F95-9C1E-8A5FA0797FEE}" type="datetimeFigureOut">
               <a:rPr lang="zh-CN" altLang="en-US" smtClean="0"/>
-              <a:t>2022/10/24</a:t>
+              <a:t>2022/10/25</a:t>
             </a:fld>
             <a:endParaRPr lang="zh-CN" altLang="en-US"/>
           </a:p>
@@ -2915,7 +2917,7 @@
           <a:p>
             <a:fld id="{ED263EF7-CA97-4F95-9C1E-8A5FA0797FEE}" type="datetimeFigureOut">
               <a:rPr lang="zh-CN" altLang="en-US" smtClean="0"/>
-              <a:t>2022/10/24</a:t>
+              <a:t>2022/10/25</a:t>
             </a:fld>
             <a:endParaRPr lang="zh-CN" altLang="en-US"/>
           </a:p>
@@ -7931,12 +7933,72 @@
           <a:chExt cx="0" cy="0"/>
         </a:xfrm>
       </p:grpSpPr>
-      <p:sp>
-        <p:nvSpPr>
-          <p:cNvPr id="4" name="Cube 3">
-            <a:extLst>
-              <a:ext uri="{FF2B5EF4-FFF2-40B4-BE49-F238E27FC236}">
-                <a16:creationId xmlns:a16="http://schemas.microsoft.com/office/drawing/2014/main" id="{003AFD37-9FD5-4663-0309-0370B0D3CA9F}"/>
+      <p:pic>
+        <p:nvPicPr>
+          <p:cNvPr id="5" name="图片 4">
+            <a:extLst>
+              <a:ext uri="{FF2B5EF4-FFF2-40B4-BE49-F238E27FC236}">
+                <a16:creationId xmlns:a16="http://schemas.microsoft.com/office/drawing/2014/main" id="{9F65863E-91CD-CC9E-7EEA-C864DB2D7B72}"/>
+              </a:ext>
+            </a:extLst>
+          </p:cNvPr>
+          <p:cNvPicPr>
+            <a:picLocks noChangeAspect="1"/>
+          </p:cNvPicPr>
+          <p:nvPr/>
+        </p:nvPicPr>
+        <p:blipFill>
+          <a:blip r:embed="rId2"/>
+          <a:stretch>
+            <a:fillRect/>
+          </a:stretch>
+        </p:blipFill>
+        <p:spPr>
+          <a:xfrm>
+            <a:off x="820188" y="963220"/>
+            <a:ext cx="4483330" cy="533427"/>
+          </a:xfrm>
+          <a:prstGeom prst="rect">
+            <a:avLst/>
+          </a:prstGeom>
+        </p:spPr>
+      </p:pic>
+      <p:pic>
+        <p:nvPicPr>
+          <p:cNvPr id="7" name="图片 6">
+            <a:extLst>
+              <a:ext uri="{FF2B5EF4-FFF2-40B4-BE49-F238E27FC236}">
+                <a16:creationId xmlns:a16="http://schemas.microsoft.com/office/drawing/2014/main" id="{B6D30EF3-7B8C-3737-D645-363A0A2F1345}"/>
+              </a:ext>
+            </a:extLst>
+          </p:cNvPr>
+          <p:cNvPicPr>
+            <a:picLocks noChangeAspect="1"/>
+          </p:cNvPicPr>
+          <p:nvPr/>
+        </p:nvPicPr>
+        <p:blipFill>
+          <a:blip r:embed="rId3"/>
+          <a:stretch>
+            <a:fillRect/>
+          </a:stretch>
+        </p:blipFill>
+        <p:spPr>
+          <a:xfrm>
+            <a:off x="942499" y="3016210"/>
+            <a:ext cx="3683189" cy="1587582"/>
+          </a:xfrm>
+          <a:prstGeom prst="rect">
+            <a:avLst/>
+          </a:prstGeom>
+        </p:spPr>
+      </p:pic>
+      <p:sp>
+        <p:nvSpPr>
+          <p:cNvPr id="9" name="对话气泡: 圆角矩形 8">
+            <a:extLst>
+              <a:ext uri="{FF2B5EF4-FFF2-40B4-BE49-F238E27FC236}">
+                <a16:creationId xmlns:a16="http://schemas.microsoft.com/office/drawing/2014/main" id="{3197AD8B-9222-C6C9-2624-3800036634F2}"/>
               </a:ext>
             </a:extLst>
           </p:cNvPr>
@@ -7945,13 +8007,19 @@
         </p:nvSpPr>
         <p:spPr>
           <a:xfrm>
-            <a:off x="331760" y="1109640"/>
-            <a:ext cx="1354238" cy="369331"/>
-          </a:xfrm>
-          <a:prstGeom prst="cube">
-            <a:avLst/>
-          </a:prstGeom>
-          <a:noFill/>
+            <a:off x="4121726" y="623783"/>
+            <a:ext cx="910936" cy="290946"/>
+          </a:xfrm>
+          <a:prstGeom prst="wedgeRoundRectCallout">
+            <a:avLst>
+              <a:gd name="adj1" fmla="val -35119"/>
+              <a:gd name="adj2" fmla="val 81547"/>
+              <a:gd name="adj3" fmla="val 16667"/>
+            </a:avLst>
+          </a:prstGeom>
+          <a:solidFill>
+            <a:schemeClr val="bg1"/>
+          </a:solidFill>
           <a:ln>
             <a:solidFill>
               <a:schemeClr val="tx1"/>
@@ -7979,51 +8047,28 @@
           <a:lstStyle/>
           <a:p>
             <a:pPr algn="ctr"/>
-            <a:endParaRPr lang="en-CN"/>
-          </a:p>
-        </p:txBody>
-      </p:sp>
-      <p:sp>
-        <p:nvSpPr>
-          <p:cNvPr id="5" name="TextBox 4">
-            <a:extLst>
-              <a:ext uri="{FF2B5EF4-FFF2-40B4-BE49-F238E27FC236}">
-                <a16:creationId xmlns:a16="http://schemas.microsoft.com/office/drawing/2014/main" id="{3DB23CEF-A950-7034-ACE3-7646D0D61881}"/>
-              </a:ext>
-            </a:extLst>
-          </p:cNvPr>
-          <p:cNvSpPr txBox="1"/>
-          <p:nvPr/>
-        </p:nvSpPr>
-        <p:spPr>
-          <a:xfrm>
-            <a:off x="331760" y="1165530"/>
-            <a:ext cx="1141877" cy="338554"/>
-          </a:xfrm>
-          <a:prstGeom prst="rect">
-            <a:avLst/>
-          </a:prstGeom>
-          <a:noFill/>
-        </p:spPr>
-        <p:txBody>
-          <a:bodyPr wrap="square" rtlCol="0">
-            <a:spAutoFit/>
-          </a:bodyPr>
-          <a:lstStyle/>
-          <a:p>
-            <a:r>
-              <a:rPr lang="en-CN" sz="1600" dirty="0"/>
-              <a:t>Test Text e</a:t>
-            </a:r>
-          </a:p>
-        </p:txBody>
-      </p:sp>
-      <p:sp>
-        <p:nvSpPr>
-          <p:cNvPr id="7" name="Rectangle 6">
-            <a:extLst>
-              <a:ext uri="{FF2B5EF4-FFF2-40B4-BE49-F238E27FC236}">
-                <a16:creationId xmlns:a16="http://schemas.microsoft.com/office/drawing/2014/main" id="{D38CF9D6-8C8C-ECA9-05D5-467604465DFD}"/>
+            <a:r>
+              <a:rPr lang="en-US" altLang="zh-CN" sz="800" dirty="0">
+                <a:solidFill>
+                  <a:schemeClr val="tx1"/>
+                </a:solidFill>
+              </a:rPr>
+              <a:t>Prediction by Pretrain model</a:t>
+            </a:r>
+            <a:endParaRPr lang="zh-CN" altLang="en-US" sz="800" dirty="0">
+              <a:solidFill>
+                <a:schemeClr val="tx1"/>
+              </a:solidFill>
+            </a:endParaRPr>
+          </a:p>
+        </p:txBody>
+      </p:sp>
+      <p:sp>
+        <p:nvSpPr>
+          <p:cNvPr id="10" name="对话气泡: 圆角矩形 9">
+            <a:extLst>
+              <a:ext uri="{FF2B5EF4-FFF2-40B4-BE49-F238E27FC236}">
+                <a16:creationId xmlns:a16="http://schemas.microsoft.com/office/drawing/2014/main" id="{5AFA35D0-AB87-2DF4-A5E7-381D16F2489B}"/>
               </a:ext>
             </a:extLst>
           </p:cNvPr>
@@ -8032,13 +8077,19 @@
         </p:nvSpPr>
         <p:spPr>
           <a:xfrm>
-            <a:off x="864194" y="796199"/>
-            <a:ext cx="289367" cy="313441"/>
-          </a:xfrm>
-          <a:prstGeom prst="rect">
-            <a:avLst/>
-          </a:prstGeom>
-          <a:noFill/>
+            <a:off x="4686990" y="1663768"/>
+            <a:ext cx="1055717" cy="440186"/>
+          </a:xfrm>
+          <a:prstGeom prst="wedgeRoundRectCallout">
+            <a:avLst>
+              <a:gd name="adj1" fmla="val -4887"/>
+              <a:gd name="adj2" fmla="val -89033"/>
+              <a:gd name="adj3" fmla="val 16667"/>
+            </a:avLst>
+          </a:prstGeom>
+          <a:solidFill>
+            <a:schemeClr val="bg1"/>
+          </a:solidFill>
           <a:ln>
             <a:solidFill>
               <a:schemeClr val="tx1"/>
@@ -8067,113 +8118,27 @@
           <a:p>
             <a:pPr algn="ctr"/>
             <a:r>
-              <a:rPr lang="en-CN" sz="1400" b="1" dirty="0">
-                <a:ln>
-                  <a:solidFill>
-                    <a:schemeClr val="tx1"/>
-                  </a:solidFill>
-                </a:ln>
+              <a:rPr lang="en-US" altLang="zh-CN" sz="800" dirty="0">
                 <a:solidFill>
-                  <a:sysClr val="windowText" lastClr="000000"/>
+                  <a:schemeClr val="tx1"/>
                 </a:solidFill>
               </a:rPr>
-              <a:t>0</a:t>
-            </a:r>
-          </a:p>
-        </p:txBody>
-      </p:sp>
-      <p:pic>
-        <p:nvPicPr>
-          <p:cNvPr id="8" name="图片 6">
-            <a:extLst>
-              <a:ext uri="{FF2B5EF4-FFF2-40B4-BE49-F238E27FC236}">
-                <a16:creationId xmlns:a16="http://schemas.microsoft.com/office/drawing/2014/main" id="{12F6B374-C122-B233-0840-CBB41024E834}"/>
-              </a:ext>
-            </a:extLst>
-          </p:cNvPr>
-          <p:cNvPicPr>
-            <a:picLocks noChangeAspect="1"/>
-          </p:cNvPicPr>
-          <p:nvPr/>
-        </p:nvPicPr>
-        <p:blipFill>
-          <a:blip r:embed="rId2">
-            <a:extLst>
-              <a:ext uri="{BEBA8EAE-BF5A-486C-A8C5-ECC9F3942E4B}">
-                <a14:imgProps xmlns:a14="http://schemas.microsoft.com/office/drawing/2010/main">
-                  <a14:imgLayer r:embed="rId3">
-                    <a14:imgEffect>
-                      <a14:saturation sat="0"/>
-                    </a14:imgEffect>
-                  </a14:imgLayer>
-                </a14:imgProps>
-              </a:ext>
-            </a:extLst>
-          </a:blip>
-          <a:stretch>
-            <a:fillRect/>
-          </a:stretch>
-        </p:blipFill>
-        <p:spPr>
-          <a:xfrm>
-            <a:off x="2554099" y="426015"/>
-            <a:ext cx="1059947" cy="1496747"/>
-          </a:xfrm>
-          <a:prstGeom prst="rect">
-            <a:avLst/>
-          </a:prstGeom>
-        </p:spPr>
-      </p:pic>
-      <p:cxnSp>
-        <p:nvCxnSpPr>
-          <p:cNvPr id="10" name="Straight Arrow Connector 9">
-            <a:extLst>
-              <a:ext uri="{FF2B5EF4-FFF2-40B4-BE49-F238E27FC236}">
-                <a16:creationId xmlns:a16="http://schemas.microsoft.com/office/drawing/2014/main" id="{418470D8-849A-8F13-A905-F69750181B3D}"/>
-              </a:ext>
-            </a:extLst>
-          </p:cNvPr>
-          <p:cNvCxnSpPr>
-            <a:cxnSpLocks/>
-          </p:cNvCxnSpPr>
-          <p:nvPr/>
-        </p:nvCxnSpPr>
-        <p:spPr>
-          <a:xfrm>
-            <a:off x="1801745" y="1258127"/>
-            <a:ext cx="636607" cy="0"/>
-          </a:xfrm>
-          <a:prstGeom prst="straightConnector1">
-            <a:avLst/>
-          </a:prstGeom>
-          <a:ln>
-            <a:solidFill>
-              <a:schemeClr val="tx1"/>
-            </a:solidFill>
-            <a:tailEnd type="triangle"/>
-          </a:ln>
-        </p:spPr>
-        <p:style>
-          <a:lnRef idx="1">
-            <a:schemeClr val="accent1"/>
-          </a:lnRef>
-          <a:fillRef idx="0">
-            <a:schemeClr val="accent1"/>
-          </a:fillRef>
-          <a:effectRef idx="0">
-            <a:schemeClr val="accent1"/>
-          </a:effectRef>
-          <a:fontRef idx="minor">
-            <a:schemeClr val="tx1"/>
-          </a:fontRef>
-        </p:style>
-      </p:cxnSp>
-      <p:sp>
-        <p:nvSpPr>
-          <p:cNvPr id="12" name="Rectangle 11">
-            <a:extLst>
-              <a:ext uri="{FF2B5EF4-FFF2-40B4-BE49-F238E27FC236}">
-                <a16:creationId xmlns:a16="http://schemas.microsoft.com/office/drawing/2014/main" id="{ABF67571-1935-C34C-60A0-B3EEC261B156}"/>
+              <a:t>Prediction by Fine tuning without preprocessing</a:t>
+            </a:r>
+            <a:endParaRPr lang="zh-CN" altLang="en-US" sz="800" dirty="0">
+              <a:solidFill>
+                <a:schemeClr val="tx1"/>
+              </a:solidFill>
+            </a:endParaRPr>
+          </a:p>
+        </p:txBody>
+      </p:sp>
+      <p:sp>
+        <p:nvSpPr>
+          <p:cNvPr id="11" name="对话气泡: 圆角矩形 10">
+            <a:extLst>
+              <a:ext uri="{FF2B5EF4-FFF2-40B4-BE49-F238E27FC236}">
+                <a16:creationId xmlns:a16="http://schemas.microsoft.com/office/drawing/2014/main" id="{A40F507E-B2FD-E5EF-B554-E18D031338F6}"/>
               </a:ext>
             </a:extLst>
           </p:cNvPr>
@@ -8182,14 +8147,18 @@
         </p:nvSpPr>
         <p:spPr>
           <a:xfrm>
-            <a:off x="4444741" y="1112612"/>
-            <a:ext cx="289367" cy="313441"/>
-          </a:xfrm>
-          <a:prstGeom prst="rect">
-            <a:avLst/>
+            <a:off x="3210790" y="1702568"/>
+            <a:ext cx="910936" cy="290946"/>
+          </a:xfrm>
+          <a:prstGeom prst="wedgeRoundRectCallout">
+            <a:avLst>
+              <a:gd name="adj1" fmla="val -899"/>
+              <a:gd name="adj2" fmla="val -116072"/>
+              <a:gd name="adj3" fmla="val 16667"/>
+            </a:avLst>
           </a:prstGeom>
           <a:solidFill>
-            <a:srgbClr val="FF0000"/>
+            <a:schemeClr val="bg1"/>
           </a:solidFill>
           <a:ln>
             <a:solidFill>
@@ -8219,66 +8188,27 @@
           <a:p>
             <a:pPr algn="ctr"/>
             <a:r>
-              <a:rPr lang="en-CN" sz="1400" b="1" dirty="0">
+              <a:rPr lang="en-US" altLang="zh-CN" sz="800" dirty="0">
                 <a:solidFill>
-                  <a:schemeClr val="bg1"/>
+                  <a:schemeClr val="tx1"/>
                 </a:solidFill>
               </a:rPr>
-              <a:t>1</a:t>
-            </a:r>
-          </a:p>
-        </p:txBody>
-      </p:sp>
-      <p:cxnSp>
-        <p:nvCxnSpPr>
-          <p:cNvPr id="13" name="Straight Arrow Connector 12">
-            <a:extLst>
-              <a:ext uri="{FF2B5EF4-FFF2-40B4-BE49-F238E27FC236}">
-                <a16:creationId xmlns:a16="http://schemas.microsoft.com/office/drawing/2014/main" id="{013F52F6-6E07-9C6A-2ECD-76F986A75D35}"/>
-              </a:ext>
-            </a:extLst>
-          </p:cNvPr>
-          <p:cNvCxnSpPr>
-            <a:cxnSpLocks/>
-          </p:cNvCxnSpPr>
-          <p:nvPr/>
-        </p:nvCxnSpPr>
-        <p:spPr>
-          <a:xfrm>
-            <a:off x="3713497" y="1294305"/>
-            <a:ext cx="636607" cy="0"/>
-          </a:xfrm>
-          <a:prstGeom prst="straightConnector1">
-            <a:avLst/>
-          </a:prstGeom>
-          <a:ln>
-            <a:solidFill>
-              <a:schemeClr val="tx1"/>
-            </a:solidFill>
-            <a:tailEnd type="triangle"/>
-          </a:ln>
-        </p:spPr>
-        <p:style>
-          <a:lnRef idx="1">
-            <a:schemeClr val="accent1"/>
-          </a:lnRef>
-          <a:fillRef idx="0">
-            <a:schemeClr val="accent1"/>
-          </a:fillRef>
-          <a:effectRef idx="0">
-            <a:schemeClr val="accent1"/>
-          </a:effectRef>
-          <a:fontRef idx="minor">
-            <a:schemeClr val="tx1"/>
-          </a:fontRef>
-        </p:style>
-      </p:cxnSp>
-      <p:sp>
-        <p:nvSpPr>
-          <p:cNvPr id="14" name="Cube 13">
-            <a:extLst>
-              <a:ext uri="{FF2B5EF4-FFF2-40B4-BE49-F238E27FC236}">
-                <a16:creationId xmlns:a16="http://schemas.microsoft.com/office/drawing/2014/main" id="{985C488F-D7B4-57F7-48BF-6180F624D217}"/>
+              <a:t>Ground Truth</a:t>
+            </a:r>
+            <a:endParaRPr lang="zh-CN" altLang="en-US" sz="800" dirty="0">
+              <a:solidFill>
+                <a:schemeClr val="tx1"/>
+              </a:solidFill>
+            </a:endParaRPr>
+          </a:p>
+        </p:txBody>
+      </p:sp>
+      <p:sp>
+        <p:nvSpPr>
+          <p:cNvPr id="13" name="对话气泡: 圆角矩形 12">
+            <a:extLst>
+              <a:ext uri="{FF2B5EF4-FFF2-40B4-BE49-F238E27FC236}">
+                <a16:creationId xmlns:a16="http://schemas.microsoft.com/office/drawing/2014/main" id="{712124E3-6079-6DB5-6AA4-A96E0EFAC17E}"/>
               </a:ext>
             </a:extLst>
           </p:cNvPr>
@@ -8287,13 +8217,19 @@
         </p:nvSpPr>
         <p:spPr>
           <a:xfrm>
-            <a:off x="266243" y="3207557"/>
-            <a:ext cx="1354238" cy="369331"/>
-          </a:xfrm>
-          <a:prstGeom prst="cube">
-            <a:avLst/>
-          </a:prstGeom>
-          <a:noFill/>
+            <a:off x="4247800" y="2480504"/>
+            <a:ext cx="1055717" cy="440186"/>
+          </a:xfrm>
+          <a:prstGeom prst="wedgeRoundRectCallout">
+            <a:avLst>
+              <a:gd name="adj1" fmla="val -21948"/>
+              <a:gd name="adj2" fmla="val 88797"/>
+              <a:gd name="adj3" fmla="val 16667"/>
+            </a:avLst>
+          </a:prstGeom>
+          <a:solidFill>
+            <a:schemeClr val="bg1"/>
+          </a:solidFill>
           <a:ln>
             <a:solidFill>
               <a:schemeClr val="tx1"/>
@@ -8321,51 +8257,28 @@
           <a:lstStyle/>
           <a:p>
             <a:pPr algn="ctr"/>
-            <a:endParaRPr lang="en-CN"/>
-          </a:p>
-        </p:txBody>
-      </p:sp>
-      <p:sp>
-        <p:nvSpPr>
-          <p:cNvPr id="15" name="TextBox 14">
-            <a:extLst>
-              <a:ext uri="{FF2B5EF4-FFF2-40B4-BE49-F238E27FC236}">
-                <a16:creationId xmlns:a16="http://schemas.microsoft.com/office/drawing/2014/main" id="{54405624-C349-C08A-701E-9C245988BCCF}"/>
-              </a:ext>
-            </a:extLst>
-          </p:cNvPr>
-          <p:cNvSpPr txBox="1"/>
-          <p:nvPr/>
-        </p:nvSpPr>
-        <p:spPr>
-          <a:xfrm>
-            <a:off x="266243" y="3263447"/>
-            <a:ext cx="1319278" cy="338554"/>
-          </a:xfrm>
-          <a:prstGeom prst="rect">
-            <a:avLst/>
-          </a:prstGeom>
-          <a:noFill/>
-        </p:spPr>
-        <p:txBody>
-          <a:bodyPr wrap="square" rtlCol="0">
-            <a:spAutoFit/>
-          </a:bodyPr>
-          <a:lstStyle/>
-          <a:p>
-            <a:r>
-              <a:rPr lang="en-CN" sz="1600" dirty="0"/>
-              <a:t>Train Text f</a:t>
-            </a:r>
-          </a:p>
-        </p:txBody>
-      </p:sp>
-      <p:sp>
-        <p:nvSpPr>
-          <p:cNvPr id="16" name="Rectangle 15">
-            <a:extLst>
-              <a:ext uri="{FF2B5EF4-FFF2-40B4-BE49-F238E27FC236}">
-                <a16:creationId xmlns:a16="http://schemas.microsoft.com/office/drawing/2014/main" id="{9C9476D3-FD96-2F12-4AD2-2DEB2A1F9555}"/>
+            <a:r>
+              <a:rPr lang="en-US" altLang="zh-CN" sz="800" dirty="0">
+                <a:solidFill>
+                  <a:schemeClr val="tx1"/>
+                </a:solidFill>
+              </a:rPr>
+              <a:t>Similarity score in cosine.</a:t>
+            </a:r>
+            <a:endParaRPr lang="zh-CN" altLang="en-US" sz="800" dirty="0">
+              <a:solidFill>
+                <a:schemeClr val="tx1"/>
+              </a:solidFill>
+            </a:endParaRPr>
+          </a:p>
+        </p:txBody>
+      </p:sp>
+      <p:sp>
+        <p:nvSpPr>
+          <p:cNvPr id="14" name="椭圆 13">
+            <a:extLst>
+              <a:ext uri="{FF2B5EF4-FFF2-40B4-BE49-F238E27FC236}">
+                <a16:creationId xmlns:a16="http://schemas.microsoft.com/office/drawing/2014/main" id="{F4D7F8E1-FA03-CCC7-AEFD-A21330703E9D}"/>
               </a:ext>
             </a:extLst>
           </p:cNvPr>
@@ -8374,10 +8287,10 @@
         </p:nvSpPr>
         <p:spPr>
           <a:xfrm>
-            <a:off x="798677" y="2894116"/>
-            <a:ext cx="289367" cy="313441"/>
-          </a:xfrm>
-          <a:prstGeom prst="rect">
+            <a:off x="1065824" y="3350283"/>
+            <a:ext cx="2728958" cy="1870364"/>
+          </a:xfrm>
+          <a:prstGeom prst="ellipse">
             <a:avLst/>
           </a:prstGeom>
           <a:noFill/>
@@ -8408,28 +8321,16 @@
           <a:lstStyle/>
           <a:p>
             <a:pPr algn="ctr"/>
-            <a:r>
-              <a:rPr lang="en-CN" sz="1400" b="1" dirty="0">
-                <a:ln>
-                  <a:solidFill>
-                    <a:schemeClr val="tx1"/>
-                  </a:solidFill>
-                </a:ln>
-                <a:solidFill>
-                  <a:sysClr val="windowText" lastClr="000000"/>
-                </a:solidFill>
-              </a:rPr>
-              <a:t>0</a:t>
-            </a:r>
-          </a:p>
-        </p:txBody>
-      </p:sp>
-      <p:sp>
-        <p:nvSpPr>
-          <p:cNvPr id="17" name="Cube 16">
-            <a:extLst>
-              <a:ext uri="{FF2B5EF4-FFF2-40B4-BE49-F238E27FC236}">
-                <a16:creationId xmlns:a16="http://schemas.microsoft.com/office/drawing/2014/main" id="{DA8199F8-9E85-22A3-AAF7-F7CAEB299D89}"/>
+            <a:endParaRPr lang="zh-CN" altLang="en-US"/>
+          </a:p>
+        </p:txBody>
+      </p:sp>
+      <p:sp>
+        <p:nvSpPr>
+          <p:cNvPr id="15" name="对话气泡: 圆角矩形 14">
+            <a:extLst>
+              <a:ext uri="{FF2B5EF4-FFF2-40B4-BE49-F238E27FC236}">
+                <a16:creationId xmlns:a16="http://schemas.microsoft.com/office/drawing/2014/main" id="{FF7429EE-751B-3202-19AE-5CF2D54206DA}"/>
               </a:ext>
             </a:extLst>
           </p:cNvPr>
@@ -8438,13 +8339,19 @@
         </p:nvSpPr>
         <p:spPr>
           <a:xfrm>
-            <a:off x="278485" y="4418886"/>
-            <a:ext cx="1354238" cy="369331"/>
-          </a:xfrm>
-          <a:prstGeom prst="cube">
-            <a:avLst/>
-          </a:prstGeom>
-          <a:noFill/>
+            <a:off x="3110347" y="5365972"/>
+            <a:ext cx="1055717" cy="440186"/>
+          </a:xfrm>
+          <a:prstGeom prst="wedgeRoundRectCallout">
+            <a:avLst>
+              <a:gd name="adj1" fmla="val -58693"/>
+              <a:gd name="adj2" fmla="val -82738"/>
+              <a:gd name="adj3" fmla="val 16667"/>
+            </a:avLst>
+          </a:prstGeom>
+          <a:solidFill>
+            <a:schemeClr val="bg1"/>
+          </a:solidFill>
           <a:ln>
             <a:solidFill>
               <a:schemeClr val="tx1"/>
@@ -8472,51 +8379,28 @@
           <a:lstStyle/>
           <a:p>
             <a:pPr algn="ctr"/>
-            <a:endParaRPr lang="en-CN"/>
-          </a:p>
-        </p:txBody>
-      </p:sp>
-      <p:sp>
-        <p:nvSpPr>
-          <p:cNvPr id="18" name="TextBox 17">
-            <a:extLst>
-              <a:ext uri="{FF2B5EF4-FFF2-40B4-BE49-F238E27FC236}">
-                <a16:creationId xmlns:a16="http://schemas.microsoft.com/office/drawing/2014/main" id="{9FCBC2F1-F8AB-01B4-D174-4EACCBB2895A}"/>
-              </a:ext>
-            </a:extLst>
-          </p:cNvPr>
-          <p:cNvSpPr txBox="1"/>
-          <p:nvPr/>
-        </p:nvSpPr>
-        <p:spPr>
-          <a:xfrm>
-            <a:off x="278485" y="4474776"/>
-            <a:ext cx="1223844" cy="338554"/>
-          </a:xfrm>
-          <a:prstGeom prst="rect">
-            <a:avLst/>
-          </a:prstGeom>
-          <a:noFill/>
-        </p:spPr>
-        <p:txBody>
-          <a:bodyPr wrap="square" rtlCol="0">
-            <a:spAutoFit/>
-          </a:bodyPr>
-          <a:lstStyle/>
-          <a:p>
-            <a:r>
-              <a:rPr lang="en-CN" sz="1600" dirty="0"/>
-              <a:t>Train Text g</a:t>
-            </a:r>
-          </a:p>
-        </p:txBody>
-      </p:sp>
-      <p:sp>
-        <p:nvSpPr>
-          <p:cNvPr id="19" name="Rectangle 18">
-            <a:extLst>
-              <a:ext uri="{FF2B5EF4-FFF2-40B4-BE49-F238E27FC236}">
-                <a16:creationId xmlns:a16="http://schemas.microsoft.com/office/drawing/2014/main" id="{EDB38A8F-2800-63D2-90B8-A2CA76A72544}"/>
+            <a:r>
+              <a:rPr lang="en-US" altLang="zh-CN" sz="800" dirty="0">
+                <a:solidFill>
+                  <a:schemeClr val="tx1"/>
+                </a:solidFill>
+              </a:rPr>
+              <a:t>Similar sentences</a:t>
+            </a:r>
+            <a:endParaRPr lang="zh-CN" altLang="en-US" sz="800" dirty="0">
+              <a:solidFill>
+                <a:schemeClr val="tx1"/>
+              </a:solidFill>
+            </a:endParaRPr>
+          </a:p>
+        </p:txBody>
+      </p:sp>
+      <p:sp>
+        <p:nvSpPr>
+          <p:cNvPr id="16" name="对话气泡: 圆角矩形 15">
+            <a:extLst>
+              <a:ext uri="{FF2B5EF4-FFF2-40B4-BE49-F238E27FC236}">
+                <a16:creationId xmlns:a16="http://schemas.microsoft.com/office/drawing/2014/main" id="{09229BF2-1BFD-6A5A-7788-31845A407B2C}"/>
               </a:ext>
             </a:extLst>
           </p:cNvPr>
@@ -8525,13 +8409,19 @@
         </p:nvSpPr>
         <p:spPr>
           <a:xfrm>
-            <a:off x="810919" y="4105445"/>
-            <a:ext cx="289367" cy="313441"/>
-          </a:xfrm>
-          <a:prstGeom prst="rect">
-            <a:avLst/>
-          </a:prstGeom>
-          <a:noFill/>
+            <a:off x="3110347" y="2630324"/>
+            <a:ext cx="910936" cy="290946"/>
+          </a:xfrm>
+          <a:prstGeom prst="wedgeRoundRectCallout">
+            <a:avLst>
+              <a:gd name="adj1" fmla="val 28759"/>
+              <a:gd name="adj2" fmla="val 122023"/>
+              <a:gd name="adj3" fmla="val 16667"/>
+            </a:avLst>
+          </a:prstGeom>
+          <a:solidFill>
+            <a:schemeClr val="bg1"/>
+          </a:solidFill>
           <a:ln>
             <a:solidFill>
               <a:schemeClr val="tx1"/>
@@ -8560,283 +8450,115 @@
           <a:p>
             <a:pPr algn="ctr"/>
             <a:r>
-              <a:rPr lang="en-CN" sz="1400" b="1" dirty="0">
-                <a:ln>
-                  <a:solidFill>
-                    <a:schemeClr val="tx1"/>
-                  </a:solidFill>
-                </a:ln>
+              <a:rPr lang="en-US" altLang="zh-CN" sz="800" dirty="0">
                 <a:solidFill>
-                  <a:sysClr val="windowText" lastClr="000000"/>
+                  <a:schemeClr val="tx1"/>
                 </a:solidFill>
               </a:rPr>
-              <a:t>1</a:t>
-            </a:r>
-          </a:p>
-        </p:txBody>
-      </p:sp>
-      <p:pic>
-        <p:nvPicPr>
-          <p:cNvPr id="20" name="图片 6">
-            <a:extLst>
-              <a:ext uri="{FF2B5EF4-FFF2-40B4-BE49-F238E27FC236}">
-                <a16:creationId xmlns:a16="http://schemas.microsoft.com/office/drawing/2014/main" id="{AFF8FB12-B114-FA7F-B1BD-DB1E178CAD90}"/>
-              </a:ext>
-            </a:extLst>
-          </p:cNvPr>
-          <p:cNvPicPr>
-            <a:picLocks noChangeAspect="1"/>
-          </p:cNvPicPr>
-          <p:nvPr/>
-        </p:nvPicPr>
-        <p:blipFill>
-          <a:blip r:embed="rId4"/>
-          <a:stretch>
-            <a:fillRect/>
-          </a:stretch>
-        </p:blipFill>
-        <p:spPr>
-          <a:xfrm>
-            <a:off x="4406338" y="3753410"/>
-            <a:ext cx="1059947" cy="1496747"/>
+              <a:t>Ground Truth</a:t>
+            </a:r>
+            <a:endParaRPr lang="zh-CN" altLang="en-US" sz="800" dirty="0">
+              <a:solidFill>
+                <a:schemeClr val="tx1"/>
+              </a:solidFill>
+            </a:endParaRPr>
+          </a:p>
+        </p:txBody>
+      </p:sp>
+      <p:sp>
+        <p:nvSpPr>
+          <p:cNvPr id="18" name="文本框 17">
+            <a:extLst>
+              <a:ext uri="{FF2B5EF4-FFF2-40B4-BE49-F238E27FC236}">
+                <a16:creationId xmlns:a16="http://schemas.microsoft.com/office/drawing/2014/main" id="{58064B3E-6B8F-41F1-FFD4-60B47BA7A8D3}"/>
+              </a:ext>
+            </a:extLst>
+          </p:cNvPr>
+          <p:cNvSpPr txBox="1"/>
+          <p:nvPr/>
+        </p:nvSpPr>
+        <p:spPr>
+          <a:xfrm>
+            <a:off x="737063" y="602886"/>
+            <a:ext cx="6096000" cy="369332"/>
           </a:xfrm>
           <a:prstGeom prst="rect">
             <a:avLst/>
           </a:prstGeom>
-        </p:spPr>
-      </p:pic>
-      <p:cxnSp>
-        <p:nvCxnSpPr>
-          <p:cNvPr id="21" name="Straight Arrow Connector 20">
-            <a:extLst>
-              <a:ext uri="{FF2B5EF4-FFF2-40B4-BE49-F238E27FC236}">
-                <a16:creationId xmlns:a16="http://schemas.microsoft.com/office/drawing/2014/main" id="{5A2A38F2-5023-FDA6-DCF1-6F34AA28A542}"/>
-              </a:ext>
-            </a:extLst>
-          </p:cNvPr>
-          <p:cNvCxnSpPr>
-            <a:cxnSpLocks/>
-          </p:cNvCxnSpPr>
-          <p:nvPr/>
-        </p:nvCxnSpPr>
-        <p:spPr>
-          <a:xfrm>
-            <a:off x="1772290" y="3578342"/>
-            <a:ext cx="664480" cy="405220"/>
-          </a:xfrm>
-          <a:prstGeom prst="straightConnector1">
-            <a:avLst/>
-          </a:prstGeom>
-          <a:ln>
-            <a:solidFill>
-              <a:schemeClr val="tx1"/>
-            </a:solidFill>
-            <a:tailEnd type="triangle"/>
-          </a:ln>
-        </p:spPr>
-        <p:style>
-          <a:lnRef idx="1">
-            <a:schemeClr val="accent1"/>
-          </a:lnRef>
-          <a:fillRef idx="0">
-            <a:schemeClr val="accent1"/>
-          </a:fillRef>
-          <a:effectRef idx="0">
-            <a:schemeClr val="accent1"/>
-          </a:effectRef>
-          <a:fontRef idx="minor">
-            <a:schemeClr val="tx1"/>
-          </a:fontRef>
-        </p:style>
-      </p:cxnSp>
-      <p:cxnSp>
-        <p:nvCxnSpPr>
-          <p:cNvPr id="23" name="Straight Arrow Connector 22">
-            <a:extLst>
-              <a:ext uri="{FF2B5EF4-FFF2-40B4-BE49-F238E27FC236}">
-                <a16:creationId xmlns:a16="http://schemas.microsoft.com/office/drawing/2014/main" id="{CAFAF05D-0979-BE9A-CAF3-1194B527A3C5}"/>
-              </a:ext>
-            </a:extLst>
-          </p:cNvPr>
-          <p:cNvCxnSpPr>
-            <a:cxnSpLocks/>
-          </p:cNvCxnSpPr>
-          <p:nvPr/>
-        </p:nvCxnSpPr>
-        <p:spPr>
-          <a:xfrm>
-            <a:off x="1720559" y="4572664"/>
-            <a:ext cx="716211" cy="27945"/>
-          </a:xfrm>
-          <a:prstGeom prst="straightConnector1">
-            <a:avLst/>
-          </a:prstGeom>
-          <a:ln>
-            <a:solidFill>
-              <a:schemeClr val="tx1"/>
-            </a:solidFill>
-            <a:tailEnd type="triangle"/>
-          </a:ln>
-        </p:spPr>
-        <p:style>
-          <a:lnRef idx="1">
-            <a:schemeClr val="accent1"/>
-          </a:lnRef>
-          <a:fillRef idx="0">
-            <a:schemeClr val="accent1"/>
-          </a:fillRef>
-          <a:effectRef idx="0">
-            <a:schemeClr val="accent1"/>
-          </a:effectRef>
-          <a:fontRef idx="minor">
-            <a:schemeClr val="tx1"/>
-          </a:fontRef>
-        </p:style>
-      </p:cxnSp>
-      <p:pic>
-        <p:nvPicPr>
-          <p:cNvPr id="26" name="图片 6">
-            <a:extLst>
-              <a:ext uri="{FF2B5EF4-FFF2-40B4-BE49-F238E27FC236}">
-                <a16:creationId xmlns:a16="http://schemas.microsoft.com/office/drawing/2014/main" id="{1823D685-F117-1B83-BFDA-676DB2C70015}"/>
-              </a:ext>
-            </a:extLst>
-          </p:cNvPr>
-          <p:cNvPicPr>
-            <a:picLocks noChangeAspect="1"/>
-          </p:cNvPicPr>
-          <p:nvPr/>
-        </p:nvPicPr>
-        <p:blipFill>
-          <a:blip r:embed="rId2">
-            <a:extLst>
-              <a:ext uri="{BEBA8EAE-BF5A-486C-A8C5-ECC9F3942E4B}">
-                <a14:imgProps xmlns:a14="http://schemas.microsoft.com/office/drawing/2010/main">
-                  <a14:imgLayer r:embed="rId5">
-                    <a14:imgEffect>
-                      <a14:saturation sat="0"/>
-                    </a14:imgEffect>
-                  </a14:imgLayer>
-                </a14:imgProps>
-              </a:ext>
-            </a:extLst>
-          </a:blip>
-          <a:stretch>
-            <a:fillRect/>
-          </a:stretch>
-        </p:blipFill>
-        <p:spPr>
-          <a:xfrm>
-            <a:off x="2554099" y="3770798"/>
-            <a:ext cx="1059947" cy="1496747"/>
+          <a:noFill/>
+        </p:spPr>
+        <p:txBody>
+          <a:bodyPr wrap="square">
+            <a:spAutoFit/>
+          </a:bodyPr>
+          <a:lstStyle/>
+          <a:p>
+            <a:r>
+              <a:rPr lang="en-CN" altLang="zh-CN" sz="1800" dirty="0"/>
+              <a:t>Test </a:t>
+            </a:r>
+            <a:r>
+              <a:rPr lang="en-US" altLang="zh-CN" dirty="0"/>
+              <a:t>Sentence</a:t>
+            </a:r>
+            <a:endParaRPr lang="en-CN" altLang="zh-CN" sz="1800" dirty="0"/>
+          </a:p>
+        </p:txBody>
+      </p:sp>
+      <p:sp>
+        <p:nvSpPr>
+          <p:cNvPr id="19" name="文本框 18">
+            <a:extLst>
+              <a:ext uri="{FF2B5EF4-FFF2-40B4-BE49-F238E27FC236}">
+                <a16:creationId xmlns:a16="http://schemas.microsoft.com/office/drawing/2014/main" id="{127D3A16-0C3E-46DF-810E-7D1DDA3B79C5}"/>
+              </a:ext>
+            </a:extLst>
+          </p:cNvPr>
+          <p:cNvSpPr txBox="1"/>
+          <p:nvPr/>
+        </p:nvSpPr>
+        <p:spPr>
+          <a:xfrm>
+            <a:off x="737063" y="2835626"/>
+            <a:ext cx="6096000" cy="369332"/>
           </a:xfrm>
           <a:prstGeom prst="rect">
             <a:avLst/>
           </a:prstGeom>
-        </p:spPr>
-      </p:pic>
-      <p:cxnSp>
-        <p:nvCxnSpPr>
-          <p:cNvPr id="27" name="Straight Arrow Connector 26">
-            <a:extLst>
-              <a:ext uri="{FF2B5EF4-FFF2-40B4-BE49-F238E27FC236}">
-                <a16:creationId xmlns:a16="http://schemas.microsoft.com/office/drawing/2014/main" id="{7A5DEBF8-C0CF-C99C-D442-D17DD96E11C1}"/>
-              </a:ext>
-            </a:extLst>
-          </p:cNvPr>
-          <p:cNvCxnSpPr>
-            <a:cxnSpLocks/>
-          </p:cNvCxnSpPr>
-          <p:nvPr/>
-        </p:nvCxnSpPr>
-        <p:spPr>
-          <a:xfrm>
-            <a:off x="3723430" y="4491607"/>
-            <a:ext cx="636607" cy="0"/>
-          </a:xfrm>
-          <a:prstGeom prst="straightConnector1">
-            <a:avLst/>
-          </a:prstGeom>
-          <a:ln>
-            <a:solidFill>
-              <a:schemeClr val="tx1"/>
-            </a:solidFill>
-            <a:tailEnd type="triangle"/>
-          </a:ln>
-        </p:spPr>
-        <p:style>
-          <a:lnRef idx="1">
-            <a:schemeClr val="accent1"/>
-          </a:lnRef>
-          <a:fillRef idx="0">
-            <a:schemeClr val="accent1"/>
-          </a:fillRef>
-          <a:effectRef idx="0">
-            <a:schemeClr val="accent1"/>
-          </a:effectRef>
-          <a:fontRef idx="minor">
-            <a:schemeClr val="tx1"/>
-          </a:fontRef>
-        </p:style>
-      </p:cxnSp>
-      <p:sp>
-        <p:nvSpPr>
-          <p:cNvPr id="29" name="Cube 28">
-            <a:extLst>
-              <a:ext uri="{FF2B5EF4-FFF2-40B4-BE49-F238E27FC236}">
-                <a16:creationId xmlns:a16="http://schemas.microsoft.com/office/drawing/2014/main" id="{4D06E518-385D-74E2-43F2-968CC681098C}"/>
-              </a:ext>
-            </a:extLst>
-          </p:cNvPr>
-          <p:cNvSpPr/>
-          <p:nvPr/>
-        </p:nvSpPr>
-        <p:spPr>
-          <a:xfrm>
-            <a:off x="4238126" y="2943392"/>
-            <a:ext cx="1354238" cy="369331"/>
-          </a:xfrm>
-          <a:prstGeom prst="cube">
-            <a:avLst/>
-          </a:prstGeom>
           <a:noFill/>
-          <a:ln>
-            <a:solidFill>
-              <a:schemeClr val="tx1"/>
-            </a:solidFill>
-          </a:ln>
-        </p:spPr>
-        <p:style>
-          <a:lnRef idx="2">
-            <a:schemeClr val="accent1">
-              <a:shade val="50000"/>
-            </a:schemeClr>
-          </a:lnRef>
-          <a:fillRef idx="1">
-            <a:schemeClr val="accent1"/>
-          </a:fillRef>
-          <a:effectRef idx="0">
-            <a:schemeClr val="accent1"/>
-          </a:effectRef>
-          <a:fontRef idx="minor">
-            <a:schemeClr val="lt1"/>
-          </a:fontRef>
-        </p:style>
-        <p:txBody>
-          <a:bodyPr rtlCol="0" anchor="ctr"/>
-          <a:lstStyle/>
-          <a:p>
-            <a:pPr algn="ctr"/>
-            <a:endParaRPr lang="en-CN"/>
-          </a:p>
-        </p:txBody>
-      </p:sp>
-      <p:sp>
-        <p:nvSpPr>
-          <p:cNvPr id="30" name="TextBox 29">
-            <a:extLst>
-              <a:ext uri="{FF2B5EF4-FFF2-40B4-BE49-F238E27FC236}">
-                <a16:creationId xmlns:a16="http://schemas.microsoft.com/office/drawing/2014/main" id="{57D3E3FF-0211-BD05-9247-232BA93E2865}"/>
+        </p:spPr>
+        <p:txBody>
+          <a:bodyPr wrap="square">
+            <a:spAutoFit/>
+          </a:bodyPr>
+          <a:lstStyle/>
+          <a:p>
+            <a:r>
+              <a:rPr lang="en-CN" altLang="zh-CN" sz="1800" dirty="0"/>
+              <a:t>T</a:t>
+            </a:r>
+            <a:r>
+              <a:rPr lang="en-US" altLang="zh-CN" sz="1800" dirty="0"/>
+              <a:t>raining</a:t>
+            </a:r>
+            <a:r>
+              <a:rPr lang="en-CN" altLang="zh-CN" sz="1800" dirty="0"/>
+              <a:t> </a:t>
+            </a:r>
+            <a:r>
+              <a:rPr lang="en-US" altLang="zh-CN" dirty="0"/>
+              <a:t>Sentences</a:t>
+            </a:r>
+            <a:endParaRPr lang="en-CN" altLang="zh-CN" sz="1800" dirty="0"/>
+          </a:p>
+        </p:txBody>
+      </p:sp>
+      <p:sp>
+        <p:nvSpPr>
+          <p:cNvPr id="20" name="TextBox 98">
+            <a:extLst>
+              <a:ext uri="{FF2B5EF4-FFF2-40B4-BE49-F238E27FC236}">
+                <a16:creationId xmlns:a16="http://schemas.microsoft.com/office/drawing/2014/main" id="{AE051876-F7BF-42F0-892A-14256C63EDD4}"/>
               </a:ext>
             </a:extLst>
           </p:cNvPr>
@@ -8845,8 +8567,8 @@
         </p:nvSpPr>
         <p:spPr>
           <a:xfrm>
-            <a:off x="4238126" y="2999282"/>
-            <a:ext cx="1141877" cy="338554"/>
+            <a:off x="271950" y="139842"/>
+            <a:ext cx="4855241" cy="307777"/>
           </a:xfrm>
           <a:prstGeom prst="rect">
             <a:avLst/>
@@ -8860,236 +8582,18 @@
           <a:lstStyle/>
           <a:p>
             <a:r>
-              <a:rPr lang="en-CN" sz="1600" dirty="0"/>
-              <a:t>Test Text e</a:t>
-            </a:r>
-          </a:p>
-        </p:txBody>
-      </p:sp>
-      <p:sp>
-        <p:nvSpPr>
-          <p:cNvPr id="31" name="Rectangle 30">
-            <a:extLst>
-              <a:ext uri="{FF2B5EF4-FFF2-40B4-BE49-F238E27FC236}">
-                <a16:creationId xmlns:a16="http://schemas.microsoft.com/office/drawing/2014/main" id="{BF45AFA3-BC26-B6FF-EE40-DA509750131C}"/>
-              </a:ext>
-            </a:extLst>
-          </p:cNvPr>
-          <p:cNvSpPr/>
-          <p:nvPr/>
-        </p:nvSpPr>
-        <p:spPr>
-          <a:xfrm>
-            <a:off x="4770560" y="2629951"/>
-            <a:ext cx="289367" cy="313441"/>
-          </a:xfrm>
-          <a:prstGeom prst="rect">
-            <a:avLst/>
-          </a:prstGeom>
-          <a:noFill/>
-          <a:ln>
-            <a:solidFill>
-              <a:schemeClr val="tx1"/>
-            </a:solidFill>
-          </a:ln>
-        </p:spPr>
-        <p:style>
-          <a:lnRef idx="2">
-            <a:schemeClr val="accent1">
-              <a:shade val="50000"/>
-            </a:schemeClr>
-          </a:lnRef>
-          <a:fillRef idx="1">
-            <a:schemeClr val="accent1"/>
-          </a:fillRef>
-          <a:effectRef idx="0">
-            <a:schemeClr val="accent1"/>
-          </a:effectRef>
-          <a:fontRef idx="minor">
-            <a:schemeClr val="lt1"/>
-          </a:fontRef>
-        </p:style>
-        <p:txBody>
-          <a:bodyPr rtlCol="0" anchor="ctr"/>
-          <a:lstStyle/>
-          <a:p>
-            <a:pPr algn="ctr"/>
-            <a:r>
-              <a:rPr lang="en-CN" sz="1400" b="1" dirty="0">
-                <a:ln>
-                  <a:solidFill>
-                    <a:schemeClr val="tx1"/>
-                  </a:solidFill>
-                </a:ln>
-                <a:solidFill>
-                  <a:sysClr val="windowText" lastClr="000000"/>
-                </a:solidFill>
-              </a:rPr>
-              <a:t>0</a:t>
-            </a:r>
-          </a:p>
-        </p:txBody>
-      </p:sp>
-      <p:sp>
-        <p:nvSpPr>
-          <p:cNvPr id="34" name="Rectangle 33">
-            <a:extLst>
-              <a:ext uri="{FF2B5EF4-FFF2-40B4-BE49-F238E27FC236}">
-                <a16:creationId xmlns:a16="http://schemas.microsoft.com/office/drawing/2014/main" id="{2F53BCBE-122C-EC57-A6AF-6C566B8CE509}"/>
-              </a:ext>
-            </a:extLst>
-          </p:cNvPr>
-          <p:cNvSpPr/>
-          <p:nvPr/>
-        </p:nvSpPr>
-        <p:spPr>
-          <a:xfrm>
-            <a:off x="4751190" y="5716526"/>
-            <a:ext cx="289367" cy="313441"/>
-          </a:xfrm>
-          <a:prstGeom prst="rect">
-            <a:avLst/>
-          </a:prstGeom>
-          <a:solidFill>
-            <a:srgbClr val="FFC000"/>
-          </a:solidFill>
-          <a:ln>
-            <a:solidFill>
-              <a:schemeClr val="tx1"/>
-            </a:solidFill>
-          </a:ln>
-        </p:spPr>
-        <p:style>
-          <a:lnRef idx="2">
-            <a:schemeClr val="accent1">
-              <a:shade val="50000"/>
-            </a:schemeClr>
-          </a:lnRef>
-          <a:fillRef idx="1">
-            <a:schemeClr val="accent1"/>
-          </a:fillRef>
-          <a:effectRef idx="0">
-            <a:schemeClr val="accent1"/>
-          </a:effectRef>
-          <a:fontRef idx="minor">
-            <a:schemeClr val="lt1"/>
-          </a:fontRef>
-        </p:style>
-        <p:txBody>
-          <a:bodyPr rtlCol="0" anchor="ctr"/>
-          <a:lstStyle/>
-          <a:p>
-            <a:pPr algn="ctr"/>
-            <a:r>
-              <a:rPr lang="en-CN" sz="1400" b="1" dirty="0">
-                <a:ln>
-                  <a:solidFill>
-                    <a:schemeClr val="tx1"/>
-                  </a:solidFill>
-                </a:ln>
-                <a:solidFill>
-                  <a:sysClr val="windowText" lastClr="000000"/>
-                </a:solidFill>
-              </a:rPr>
-              <a:t>1</a:t>
-            </a:r>
-          </a:p>
-        </p:txBody>
-      </p:sp>
-      <p:cxnSp>
-        <p:nvCxnSpPr>
-          <p:cNvPr id="37" name="Straight Arrow Connector 36">
-            <a:extLst>
-              <a:ext uri="{FF2B5EF4-FFF2-40B4-BE49-F238E27FC236}">
-                <a16:creationId xmlns:a16="http://schemas.microsoft.com/office/drawing/2014/main" id="{C6736D0D-6D58-6A6F-C928-8B7EF2DB12BC}"/>
-              </a:ext>
-            </a:extLst>
-          </p:cNvPr>
-          <p:cNvCxnSpPr>
-            <a:cxnSpLocks/>
-          </p:cNvCxnSpPr>
-          <p:nvPr/>
-        </p:nvCxnSpPr>
-        <p:spPr>
-          <a:xfrm>
-            <a:off x="4919181" y="3393464"/>
-            <a:ext cx="0" cy="357090"/>
-          </a:xfrm>
-          <a:prstGeom prst="straightConnector1">
-            <a:avLst/>
-          </a:prstGeom>
-          <a:ln>
-            <a:solidFill>
-              <a:schemeClr val="tx1"/>
-            </a:solidFill>
-            <a:tailEnd type="triangle"/>
-          </a:ln>
-        </p:spPr>
-        <p:style>
-          <a:lnRef idx="1">
-            <a:schemeClr val="accent1"/>
-          </a:lnRef>
-          <a:fillRef idx="0">
-            <a:schemeClr val="accent1"/>
-          </a:fillRef>
-          <a:effectRef idx="0">
-            <a:schemeClr val="accent1"/>
-          </a:effectRef>
-          <a:fontRef idx="minor">
-            <a:schemeClr val="tx1"/>
-          </a:fontRef>
-        </p:style>
-      </p:cxnSp>
-      <p:cxnSp>
-        <p:nvCxnSpPr>
-          <p:cNvPr id="39" name="Straight Arrow Connector 38">
-            <a:extLst>
-              <a:ext uri="{FF2B5EF4-FFF2-40B4-BE49-F238E27FC236}">
-                <a16:creationId xmlns:a16="http://schemas.microsoft.com/office/drawing/2014/main" id="{21800371-5157-8613-27E0-837A69490787}"/>
-              </a:ext>
-            </a:extLst>
-          </p:cNvPr>
-          <p:cNvCxnSpPr>
-            <a:cxnSpLocks/>
-          </p:cNvCxnSpPr>
-          <p:nvPr/>
-        </p:nvCxnSpPr>
-        <p:spPr>
-          <a:xfrm>
-            <a:off x="4895874" y="5250157"/>
-            <a:ext cx="0" cy="357090"/>
-          </a:xfrm>
-          <a:prstGeom prst="straightConnector1">
-            <a:avLst/>
-          </a:prstGeom>
-          <a:ln>
-            <a:solidFill>
-              <a:schemeClr val="tx1"/>
-            </a:solidFill>
-            <a:tailEnd type="triangle"/>
-          </a:ln>
-        </p:spPr>
-        <p:style>
-          <a:lnRef idx="1">
-            <a:schemeClr val="accent1"/>
-          </a:lnRef>
-          <a:fillRef idx="0">
-            <a:schemeClr val="accent1"/>
-          </a:fillRef>
-          <a:effectRef idx="0">
-            <a:schemeClr val="accent1"/>
-          </a:effectRef>
-          <a:fontRef idx="minor">
-            <a:schemeClr val="tx1"/>
-          </a:fontRef>
-        </p:style>
-      </p:cxnSp>
-      <p:sp>
-        <p:nvSpPr>
-          <p:cNvPr id="40" name="TextBox 39">
-            <a:extLst>
-              <a:ext uri="{FF2B5EF4-FFF2-40B4-BE49-F238E27FC236}">
-                <a16:creationId xmlns:a16="http://schemas.microsoft.com/office/drawing/2014/main" id="{430A1FDC-57D2-BEBE-7539-44C6A7A7A4B9}"/>
+              <a:rPr lang="en-CN" sz="1400" b="1" u="sng" dirty="0"/>
+              <a:t>Situation 1:  Correct classification on Pretrain BERT</a:t>
+            </a:r>
+          </a:p>
+        </p:txBody>
+      </p:sp>
+      <p:sp>
+        <p:nvSpPr>
+          <p:cNvPr id="21" name="TextBox 52">
+            <a:extLst>
+              <a:ext uri="{FF2B5EF4-FFF2-40B4-BE49-F238E27FC236}">
+                <a16:creationId xmlns:a16="http://schemas.microsoft.com/office/drawing/2014/main" id="{3E9FC609-F3D5-B2ED-5DF2-CE22FF2FA540}"/>
               </a:ext>
             </a:extLst>
           </p:cNvPr>
@@ -9098,8 +8602,8 @@
         </p:nvSpPr>
         <p:spPr>
           <a:xfrm>
-            <a:off x="221732" y="3550546"/>
-            <a:ext cx="1652034" cy="276999"/>
+            <a:off x="5430207" y="4187757"/>
+            <a:ext cx="2483834" cy="369332"/>
           </a:xfrm>
           <a:prstGeom prst="rect">
             <a:avLst/>
@@ -9113,127 +8617,30 @@
           <a:lstStyle/>
           <a:p>
             <a:r>
-              <a:rPr lang="en-CN" sz="1200" dirty="0"/>
-              <a:t>Similar sentence</a:t>
-            </a:r>
-          </a:p>
-        </p:txBody>
-      </p:sp>
-      <p:sp>
-        <p:nvSpPr>
-          <p:cNvPr id="41" name="TextBox 40">
-            <a:extLst>
-              <a:ext uri="{FF2B5EF4-FFF2-40B4-BE49-F238E27FC236}">
-                <a16:creationId xmlns:a16="http://schemas.microsoft.com/office/drawing/2014/main" id="{D8F63027-9022-F2E4-927A-69A92831D106}"/>
-              </a:ext>
-            </a:extLst>
-          </p:cNvPr>
-          <p:cNvSpPr txBox="1"/>
-          <p:nvPr/>
-        </p:nvSpPr>
-        <p:spPr>
-          <a:xfrm>
-            <a:off x="317026" y="4761191"/>
-            <a:ext cx="1652034" cy="276999"/>
-          </a:xfrm>
-          <a:prstGeom prst="rect">
-            <a:avLst/>
-          </a:prstGeom>
-          <a:noFill/>
-        </p:spPr>
-        <p:txBody>
-          <a:bodyPr wrap="square" rtlCol="0">
-            <a:spAutoFit/>
-          </a:bodyPr>
-          <a:lstStyle/>
-          <a:p>
-            <a:r>
-              <a:rPr lang="en-CN" sz="1200" dirty="0"/>
-              <a:t>Similar sentence</a:t>
-            </a:r>
-          </a:p>
-        </p:txBody>
-      </p:sp>
-      <p:sp>
-        <p:nvSpPr>
-          <p:cNvPr id="52" name="TextBox 51">
-            <a:extLst>
-              <a:ext uri="{FF2B5EF4-FFF2-40B4-BE49-F238E27FC236}">
-                <a16:creationId xmlns:a16="http://schemas.microsoft.com/office/drawing/2014/main" id="{8CCCBF69-F107-0B96-7827-5F151DB7F48F}"/>
-              </a:ext>
-            </a:extLst>
-          </p:cNvPr>
-          <p:cNvSpPr txBox="1"/>
-          <p:nvPr/>
-        </p:nvSpPr>
-        <p:spPr>
-          <a:xfrm>
-            <a:off x="4440049" y="3904518"/>
-            <a:ext cx="1652034" cy="261610"/>
-          </a:xfrm>
-          <a:prstGeom prst="rect">
-            <a:avLst/>
-          </a:prstGeom>
-          <a:noFill/>
-        </p:spPr>
-        <p:txBody>
-          <a:bodyPr wrap="square" rtlCol="0">
-            <a:spAutoFit/>
-          </a:bodyPr>
-          <a:lstStyle/>
-          <a:p>
-            <a:r>
-              <a:rPr lang="en-CN" sz="1100" b="1" dirty="0"/>
-              <a:t>Trained BERT</a:t>
-            </a:r>
-          </a:p>
-        </p:txBody>
-      </p:sp>
-      <p:sp>
-        <p:nvSpPr>
-          <p:cNvPr id="53" name="TextBox 52">
-            <a:extLst>
-              <a:ext uri="{FF2B5EF4-FFF2-40B4-BE49-F238E27FC236}">
-                <a16:creationId xmlns:a16="http://schemas.microsoft.com/office/drawing/2014/main" id="{697C3808-F9C1-B0C9-12D5-2B074EB3345C}"/>
-              </a:ext>
-            </a:extLst>
-          </p:cNvPr>
-          <p:cNvSpPr txBox="1"/>
-          <p:nvPr/>
-        </p:nvSpPr>
-        <p:spPr>
-          <a:xfrm>
-            <a:off x="2329713" y="5852816"/>
-            <a:ext cx="2483834" cy="369332"/>
-          </a:xfrm>
-          <a:prstGeom prst="rect">
-            <a:avLst/>
-          </a:prstGeom>
-          <a:noFill/>
-        </p:spPr>
-        <p:txBody>
-          <a:bodyPr wrap="square" rtlCol="0">
-            <a:spAutoFit/>
-          </a:bodyPr>
-          <a:lstStyle/>
-          <a:p>
+              <a:rPr lang="en-US" dirty="0">
+                <a:solidFill>
+                  <a:srgbClr val="FF0000"/>
+                </a:solidFill>
+              </a:rPr>
+              <a:t>4</a:t>
+            </a:r>
             <a:r>
               <a:rPr lang="en-CN" dirty="0">
                 <a:solidFill>
                   <a:srgbClr val="FF0000"/>
                 </a:solidFill>
               </a:rPr>
-              <a:t>1      =      1</a:t>
-            </a:r>
-          </a:p>
-        </p:txBody>
-      </p:sp>
-      <p:sp>
-        <p:nvSpPr>
-          <p:cNvPr id="54" name="TextBox 53">
-            <a:extLst>
-              <a:ext uri="{FF2B5EF4-FFF2-40B4-BE49-F238E27FC236}">
-                <a16:creationId xmlns:a16="http://schemas.microsoft.com/office/drawing/2014/main" id="{A2CDB8D0-9463-A06B-A430-D1DD1E2B96D2}"/>
+              <a:t>      &gt;      1</a:t>
+            </a:r>
+          </a:p>
+        </p:txBody>
+      </p:sp>
+      <p:sp>
+        <p:nvSpPr>
+          <p:cNvPr id="22" name="TextBox 53">
+            <a:extLst>
+              <a:ext uri="{FF2B5EF4-FFF2-40B4-BE49-F238E27FC236}">
+                <a16:creationId xmlns:a16="http://schemas.microsoft.com/office/drawing/2014/main" id="{52F97049-25BB-C9B5-432E-E77DBBAFEAED}"/>
               </a:ext>
             </a:extLst>
           </p:cNvPr>
@@ -9242,7 +8649,7 @@
         </p:nvSpPr>
         <p:spPr>
           <a:xfrm>
-            <a:off x="2170544" y="5649295"/>
+            <a:off x="5303517" y="3996716"/>
             <a:ext cx="1892661" cy="276999"/>
           </a:xfrm>
           <a:prstGeom prst="rect">
@@ -9267,1416 +8674,10 @@
           </a:p>
         </p:txBody>
       </p:sp>
-      <p:sp>
-        <p:nvSpPr>
-          <p:cNvPr id="55" name="TextBox 54">
-            <a:extLst>
-              <a:ext uri="{FF2B5EF4-FFF2-40B4-BE49-F238E27FC236}">
-                <a16:creationId xmlns:a16="http://schemas.microsoft.com/office/drawing/2014/main" id="{C8B0C253-4CDB-4B0D-9F11-2747C9CBB1F7}"/>
-              </a:ext>
-            </a:extLst>
-          </p:cNvPr>
-          <p:cNvSpPr txBox="1"/>
-          <p:nvPr/>
-        </p:nvSpPr>
-        <p:spPr>
-          <a:xfrm>
-            <a:off x="2554099" y="3886644"/>
-            <a:ext cx="1652034" cy="261610"/>
-          </a:xfrm>
-          <a:prstGeom prst="rect">
-            <a:avLst/>
-          </a:prstGeom>
-          <a:noFill/>
-        </p:spPr>
-        <p:txBody>
-          <a:bodyPr wrap="square" rtlCol="0">
-            <a:spAutoFit/>
-          </a:bodyPr>
-          <a:lstStyle/>
-          <a:p>
-            <a:r>
-              <a:rPr lang="en-CN" sz="1100" b="1" dirty="0"/>
-              <a:t>Pretrain BERT</a:t>
-            </a:r>
-          </a:p>
-        </p:txBody>
-      </p:sp>
-      <p:sp>
-        <p:nvSpPr>
-          <p:cNvPr id="57" name="Triangle 56">
-            <a:extLst>
-              <a:ext uri="{FF2B5EF4-FFF2-40B4-BE49-F238E27FC236}">
-                <a16:creationId xmlns:a16="http://schemas.microsoft.com/office/drawing/2014/main" id="{6854B092-298E-FF8F-D82F-5F0F1B0724CE}"/>
-              </a:ext>
-            </a:extLst>
-          </p:cNvPr>
-          <p:cNvSpPr/>
-          <p:nvPr/>
-        </p:nvSpPr>
-        <p:spPr>
-          <a:xfrm rot="5400000">
-            <a:off x="4709131" y="4511704"/>
-            <a:ext cx="2791937" cy="313441"/>
-          </a:xfrm>
-          <a:prstGeom prst="triangle">
-            <a:avLst/>
-          </a:prstGeom>
-        </p:spPr>
-        <p:style>
-          <a:lnRef idx="2">
-            <a:schemeClr val="accent1">
-              <a:shade val="50000"/>
-            </a:schemeClr>
-          </a:lnRef>
-          <a:fillRef idx="1">
-            <a:schemeClr val="accent1"/>
-          </a:fillRef>
-          <a:effectRef idx="0">
-            <a:schemeClr val="accent1"/>
-          </a:effectRef>
-          <a:fontRef idx="minor">
-            <a:schemeClr val="lt1"/>
-          </a:fontRef>
-        </p:style>
-        <p:txBody>
-          <a:bodyPr rtlCol="0" anchor="ctr"/>
-          <a:lstStyle/>
-          <a:p>
-            <a:pPr algn="ctr"/>
-            <a:endParaRPr lang="en-CN"/>
-          </a:p>
-        </p:txBody>
-      </p:sp>
-      <p:sp>
-        <p:nvSpPr>
-          <p:cNvPr id="65" name="Cube 64">
-            <a:extLst>
-              <a:ext uri="{FF2B5EF4-FFF2-40B4-BE49-F238E27FC236}">
-                <a16:creationId xmlns:a16="http://schemas.microsoft.com/office/drawing/2014/main" id="{20212843-8D3C-C1E9-5246-63E3633610A9}"/>
-              </a:ext>
-            </a:extLst>
-          </p:cNvPr>
-          <p:cNvSpPr/>
-          <p:nvPr/>
-        </p:nvSpPr>
-        <p:spPr>
-          <a:xfrm>
-            <a:off x="6624727" y="3075254"/>
-            <a:ext cx="1354238" cy="369331"/>
-          </a:xfrm>
-          <a:prstGeom prst="cube">
-            <a:avLst/>
-          </a:prstGeom>
-          <a:noFill/>
-          <a:ln>
-            <a:solidFill>
-              <a:schemeClr val="tx1"/>
-            </a:solidFill>
-          </a:ln>
-        </p:spPr>
-        <p:style>
-          <a:lnRef idx="2">
-            <a:schemeClr val="accent1">
-              <a:shade val="50000"/>
-            </a:schemeClr>
-          </a:lnRef>
-          <a:fillRef idx="1">
-            <a:schemeClr val="accent1"/>
-          </a:fillRef>
-          <a:effectRef idx="0">
-            <a:schemeClr val="accent1"/>
-          </a:effectRef>
-          <a:fontRef idx="minor">
-            <a:schemeClr val="lt1"/>
-          </a:fontRef>
-        </p:style>
-        <p:txBody>
-          <a:bodyPr rtlCol="0" anchor="ctr"/>
-          <a:lstStyle/>
-          <a:p>
-            <a:pPr algn="ctr"/>
-            <a:endParaRPr lang="en-CN"/>
-          </a:p>
-        </p:txBody>
-      </p:sp>
-      <p:sp>
-        <p:nvSpPr>
-          <p:cNvPr id="66" name="TextBox 65">
-            <a:extLst>
-              <a:ext uri="{FF2B5EF4-FFF2-40B4-BE49-F238E27FC236}">
-                <a16:creationId xmlns:a16="http://schemas.microsoft.com/office/drawing/2014/main" id="{AF0609C8-6750-1AA3-B4F5-873AC271B3EC}"/>
-              </a:ext>
-            </a:extLst>
-          </p:cNvPr>
-          <p:cNvSpPr txBox="1"/>
-          <p:nvPr/>
-        </p:nvSpPr>
-        <p:spPr>
-          <a:xfrm>
-            <a:off x="6624727" y="3131144"/>
-            <a:ext cx="1319278" cy="338554"/>
-          </a:xfrm>
-          <a:prstGeom prst="rect">
-            <a:avLst/>
-          </a:prstGeom>
-          <a:noFill/>
-        </p:spPr>
-        <p:txBody>
-          <a:bodyPr wrap="square" rtlCol="0">
-            <a:spAutoFit/>
-          </a:bodyPr>
-          <a:lstStyle/>
-          <a:p>
-            <a:r>
-              <a:rPr lang="en-CN" sz="1600" dirty="0"/>
-              <a:t>Train Text f</a:t>
-            </a:r>
-          </a:p>
-        </p:txBody>
-      </p:sp>
-      <p:sp>
-        <p:nvSpPr>
-          <p:cNvPr id="67" name="Rectangle 66">
-            <a:extLst>
-              <a:ext uri="{FF2B5EF4-FFF2-40B4-BE49-F238E27FC236}">
-                <a16:creationId xmlns:a16="http://schemas.microsoft.com/office/drawing/2014/main" id="{EE5162EA-09B0-E790-4331-51F4FD8C71F7}"/>
-              </a:ext>
-            </a:extLst>
-          </p:cNvPr>
-          <p:cNvSpPr/>
-          <p:nvPr/>
-        </p:nvSpPr>
-        <p:spPr>
-          <a:xfrm>
-            <a:off x="7157161" y="2761813"/>
-            <a:ext cx="289367" cy="313441"/>
-          </a:xfrm>
-          <a:prstGeom prst="rect">
-            <a:avLst/>
-          </a:prstGeom>
-          <a:noFill/>
-          <a:ln>
-            <a:solidFill>
-              <a:schemeClr val="tx1"/>
-            </a:solidFill>
-          </a:ln>
-        </p:spPr>
-        <p:style>
-          <a:lnRef idx="2">
-            <a:schemeClr val="accent1">
-              <a:shade val="50000"/>
-            </a:schemeClr>
-          </a:lnRef>
-          <a:fillRef idx="1">
-            <a:schemeClr val="accent1"/>
-          </a:fillRef>
-          <a:effectRef idx="0">
-            <a:schemeClr val="accent1"/>
-          </a:effectRef>
-          <a:fontRef idx="minor">
-            <a:schemeClr val="lt1"/>
-          </a:fontRef>
-        </p:style>
-        <p:txBody>
-          <a:bodyPr rtlCol="0" anchor="ctr"/>
-          <a:lstStyle/>
-          <a:p>
-            <a:pPr algn="ctr"/>
-            <a:r>
-              <a:rPr lang="en-CN" sz="1400" b="1" dirty="0">
-                <a:ln>
-                  <a:solidFill>
-                    <a:schemeClr val="tx1"/>
-                  </a:solidFill>
-                </a:ln>
-                <a:solidFill>
-                  <a:sysClr val="windowText" lastClr="000000"/>
-                </a:solidFill>
-              </a:rPr>
-              <a:t>0</a:t>
-            </a:r>
-          </a:p>
-        </p:txBody>
-      </p:sp>
-      <p:sp>
-        <p:nvSpPr>
-          <p:cNvPr id="68" name="Cube 67">
-            <a:extLst>
-              <a:ext uri="{FF2B5EF4-FFF2-40B4-BE49-F238E27FC236}">
-                <a16:creationId xmlns:a16="http://schemas.microsoft.com/office/drawing/2014/main" id="{96AD57F1-D947-2D12-0291-30F5C2ACB0CE}"/>
-              </a:ext>
-            </a:extLst>
-          </p:cNvPr>
-          <p:cNvSpPr/>
-          <p:nvPr/>
-        </p:nvSpPr>
-        <p:spPr>
-          <a:xfrm>
-            <a:off x="6636969" y="4286583"/>
-            <a:ext cx="1354238" cy="369331"/>
-          </a:xfrm>
-          <a:prstGeom prst="cube">
-            <a:avLst/>
-          </a:prstGeom>
-          <a:noFill/>
-          <a:ln>
-            <a:solidFill>
-              <a:schemeClr val="tx1"/>
-            </a:solidFill>
-          </a:ln>
-        </p:spPr>
-        <p:style>
-          <a:lnRef idx="2">
-            <a:schemeClr val="accent1">
-              <a:shade val="50000"/>
-            </a:schemeClr>
-          </a:lnRef>
-          <a:fillRef idx="1">
-            <a:schemeClr val="accent1"/>
-          </a:fillRef>
-          <a:effectRef idx="0">
-            <a:schemeClr val="accent1"/>
-          </a:effectRef>
-          <a:fontRef idx="minor">
-            <a:schemeClr val="lt1"/>
-          </a:fontRef>
-        </p:style>
-        <p:txBody>
-          <a:bodyPr rtlCol="0" anchor="ctr"/>
-          <a:lstStyle/>
-          <a:p>
-            <a:pPr algn="ctr"/>
-            <a:endParaRPr lang="en-CN"/>
-          </a:p>
-        </p:txBody>
-      </p:sp>
-      <p:sp>
-        <p:nvSpPr>
-          <p:cNvPr id="69" name="TextBox 68">
-            <a:extLst>
-              <a:ext uri="{FF2B5EF4-FFF2-40B4-BE49-F238E27FC236}">
-                <a16:creationId xmlns:a16="http://schemas.microsoft.com/office/drawing/2014/main" id="{4CAFBEC5-6E6B-9A39-D28C-97CFCBDA66B9}"/>
-              </a:ext>
-            </a:extLst>
-          </p:cNvPr>
-          <p:cNvSpPr txBox="1"/>
-          <p:nvPr/>
-        </p:nvSpPr>
-        <p:spPr>
-          <a:xfrm>
-            <a:off x="6636969" y="4342473"/>
-            <a:ext cx="1223844" cy="338554"/>
-          </a:xfrm>
-          <a:prstGeom prst="rect">
-            <a:avLst/>
-          </a:prstGeom>
-          <a:noFill/>
-        </p:spPr>
-        <p:txBody>
-          <a:bodyPr wrap="square" rtlCol="0">
-            <a:spAutoFit/>
-          </a:bodyPr>
-          <a:lstStyle/>
-          <a:p>
-            <a:r>
-              <a:rPr lang="en-CN" sz="1600" dirty="0"/>
-              <a:t>Train Text g</a:t>
-            </a:r>
-          </a:p>
-        </p:txBody>
-      </p:sp>
-      <p:sp>
-        <p:nvSpPr>
-          <p:cNvPr id="70" name="Rectangle 69">
-            <a:extLst>
-              <a:ext uri="{FF2B5EF4-FFF2-40B4-BE49-F238E27FC236}">
-                <a16:creationId xmlns:a16="http://schemas.microsoft.com/office/drawing/2014/main" id="{0D0A7F9F-D8F2-68EF-33D6-549AEF2968C2}"/>
-              </a:ext>
-            </a:extLst>
-          </p:cNvPr>
-          <p:cNvSpPr/>
-          <p:nvPr/>
-        </p:nvSpPr>
-        <p:spPr>
-          <a:xfrm>
-            <a:off x="7169403" y="3973142"/>
-            <a:ext cx="289367" cy="313441"/>
-          </a:xfrm>
-          <a:prstGeom prst="rect">
-            <a:avLst/>
-          </a:prstGeom>
-          <a:noFill/>
-          <a:ln>
-            <a:solidFill>
-              <a:schemeClr val="tx1"/>
-            </a:solidFill>
-          </a:ln>
-        </p:spPr>
-        <p:style>
-          <a:lnRef idx="2">
-            <a:schemeClr val="accent1">
-              <a:shade val="50000"/>
-            </a:schemeClr>
-          </a:lnRef>
-          <a:fillRef idx="1">
-            <a:schemeClr val="accent1"/>
-          </a:fillRef>
-          <a:effectRef idx="0">
-            <a:schemeClr val="accent1"/>
-          </a:effectRef>
-          <a:fontRef idx="minor">
-            <a:schemeClr val="lt1"/>
-          </a:fontRef>
-        </p:style>
-        <p:txBody>
-          <a:bodyPr rtlCol="0" anchor="ctr"/>
-          <a:lstStyle/>
-          <a:p>
-            <a:pPr algn="ctr"/>
-            <a:r>
-              <a:rPr lang="en-CN" sz="1400" b="1" dirty="0">
-                <a:ln>
-                  <a:solidFill>
-                    <a:schemeClr val="tx1"/>
-                  </a:solidFill>
-                </a:ln>
-                <a:solidFill>
-                  <a:sysClr val="windowText" lastClr="000000"/>
-                </a:solidFill>
-              </a:rPr>
-              <a:t>0</a:t>
-            </a:r>
-          </a:p>
-        </p:txBody>
-      </p:sp>
-      <p:pic>
-        <p:nvPicPr>
-          <p:cNvPr id="71" name="图片 6">
-            <a:extLst>
-              <a:ext uri="{FF2B5EF4-FFF2-40B4-BE49-F238E27FC236}">
-                <a16:creationId xmlns:a16="http://schemas.microsoft.com/office/drawing/2014/main" id="{F3B4D7FB-FDB9-0EB6-A2B3-E3A4CCDF0540}"/>
-              </a:ext>
-            </a:extLst>
-          </p:cNvPr>
-          <p:cNvPicPr>
-            <a:picLocks noChangeAspect="1"/>
-          </p:cNvPicPr>
-          <p:nvPr/>
-        </p:nvPicPr>
-        <p:blipFill>
-          <a:blip r:embed="rId4"/>
-          <a:stretch>
-            <a:fillRect/>
-          </a:stretch>
-        </p:blipFill>
-        <p:spPr>
-          <a:xfrm>
-            <a:off x="10764822" y="3621107"/>
-            <a:ext cx="1059947" cy="1496747"/>
-          </a:xfrm>
-          <a:prstGeom prst="rect">
-            <a:avLst/>
-          </a:prstGeom>
-        </p:spPr>
-      </p:pic>
-      <p:cxnSp>
-        <p:nvCxnSpPr>
-          <p:cNvPr id="72" name="Straight Arrow Connector 71">
-            <a:extLst>
-              <a:ext uri="{FF2B5EF4-FFF2-40B4-BE49-F238E27FC236}">
-                <a16:creationId xmlns:a16="http://schemas.microsoft.com/office/drawing/2014/main" id="{7D86E36C-C381-2AC6-3988-9031E69F0BC4}"/>
-              </a:ext>
-            </a:extLst>
-          </p:cNvPr>
-          <p:cNvCxnSpPr>
-            <a:cxnSpLocks/>
-          </p:cNvCxnSpPr>
-          <p:nvPr/>
-        </p:nvCxnSpPr>
-        <p:spPr>
-          <a:xfrm>
-            <a:off x="8130774" y="3446039"/>
-            <a:ext cx="664480" cy="405220"/>
-          </a:xfrm>
-          <a:prstGeom prst="straightConnector1">
-            <a:avLst/>
-          </a:prstGeom>
-          <a:ln>
-            <a:solidFill>
-              <a:schemeClr val="tx1"/>
-            </a:solidFill>
-            <a:tailEnd type="triangle"/>
-          </a:ln>
-        </p:spPr>
-        <p:style>
-          <a:lnRef idx="1">
-            <a:schemeClr val="accent1"/>
-          </a:lnRef>
-          <a:fillRef idx="0">
-            <a:schemeClr val="accent1"/>
-          </a:fillRef>
-          <a:effectRef idx="0">
-            <a:schemeClr val="accent1"/>
-          </a:effectRef>
-          <a:fontRef idx="minor">
-            <a:schemeClr val="tx1"/>
-          </a:fontRef>
-        </p:style>
-      </p:cxnSp>
-      <p:cxnSp>
-        <p:nvCxnSpPr>
-          <p:cNvPr id="73" name="Straight Arrow Connector 72">
-            <a:extLst>
-              <a:ext uri="{FF2B5EF4-FFF2-40B4-BE49-F238E27FC236}">
-                <a16:creationId xmlns:a16="http://schemas.microsoft.com/office/drawing/2014/main" id="{CB83E0DE-1938-C07B-87A6-C8288498293D}"/>
-              </a:ext>
-            </a:extLst>
-          </p:cNvPr>
-          <p:cNvCxnSpPr>
-            <a:cxnSpLocks/>
-          </p:cNvCxnSpPr>
-          <p:nvPr/>
-        </p:nvCxnSpPr>
-        <p:spPr>
-          <a:xfrm>
-            <a:off x="8079043" y="4440361"/>
-            <a:ext cx="716211" cy="27945"/>
-          </a:xfrm>
-          <a:prstGeom prst="straightConnector1">
-            <a:avLst/>
-          </a:prstGeom>
-          <a:ln>
-            <a:solidFill>
-              <a:schemeClr val="tx1"/>
-            </a:solidFill>
-            <a:tailEnd type="triangle"/>
-          </a:ln>
-        </p:spPr>
-        <p:style>
-          <a:lnRef idx="1">
-            <a:schemeClr val="accent1"/>
-          </a:lnRef>
-          <a:fillRef idx="0">
-            <a:schemeClr val="accent1"/>
-          </a:fillRef>
-          <a:effectRef idx="0">
-            <a:schemeClr val="accent1"/>
-          </a:effectRef>
-          <a:fontRef idx="minor">
-            <a:schemeClr val="tx1"/>
-          </a:fontRef>
-        </p:style>
-      </p:cxnSp>
-      <p:pic>
-        <p:nvPicPr>
-          <p:cNvPr id="74" name="图片 6">
-            <a:extLst>
-              <a:ext uri="{FF2B5EF4-FFF2-40B4-BE49-F238E27FC236}">
-                <a16:creationId xmlns:a16="http://schemas.microsoft.com/office/drawing/2014/main" id="{8E5F7C52-A904-7605-D8CD-D6908E7DE448}"/>
-              </a:ext>
-            </a:extLst>
-          </p:cNvPr>
-          <p:cNvPicPr>
-            <a:picLocks noChangeAspect="1"/>
-          </p:cNvPicPr>
-          <p:nvPr/>
-        </p:nvPicPr>
-        <p:blipFill>
-          <a:blip r:embed="rId2">
-            <a:extLst>
-              <a:ext uri="{BEBA8EAE-BF5A-486C-A8C5-ECC9F3942E4B}">
-                <a14:imgProps xmlns:a14="http://schemas.microsoft.com/office/drawing/2010/main">
-                  <a14:imgLayer r:embed="rId6">
-                    <a14:imgEffect>
-                      <a14:saturation sat="0"/>
-                    </a14:imgEffect>
-                  </a14:imgLayer>
-                </a14:imgProps>
-              </a:ext>
-            </a:extLst>
-          </a:blip>
-          <a:stretch>
-            <a:fillRect/>
-          </a:stretch>
-        </p:blipFill>
-        <p:spPr>
-          <a:xfrm>
-            <a:off x="8912583" y="3638495"/>
-            <a:ext cx="1059947" cy="1496747"/>
-          </a:xfrm>
-          <a:prstGeom prst="rect">
-            <a:avLst/>
-          </a:prstGeom>
-        </p:spPr>
-      </p:pic>
-      <p:cxnSp>
-        <p:nvCxnSpPr>
-          <p:cNvPr id="75" name="Straight Arrow Connector 74">
-            <a:extLst>
-              <a:ext uri="{FF2B5EF4-FFF2-40B4-BE49-F238E27FC236}">
-                <a16:creationId xmlns:a16="http://schemas.microsoft.com/office/drawing/2014/main" id="{FB5709FB-2878-D3F9-7241-84DB0C52C690}"/>
-              </a:ext>
-            </a:extLst>
-          </p:cNvPr>
-          <p:cNvCxnSpPr>
-            <a:cxnSpLocks/>
-          </p:cNvCxnSpPr>
-          <p:nvPr/>
-        </p:nvCxnSpPr>
-        <p:spPr>
-          <a:xfrm>
-            <a:off x="10081914" y="4359304"/>
-            <a:ext cx="636607" cy="0"/>
-          </a:xfrm>
-          <a:prstGeom prst="straightConnector1">
-            <a:avLst/>
-          </a:prstGeom>
-          <a:ln>
-            <a:solidFill>
-              <a:schemeClr val="tx1"/>
-            </a:solidFill>
-            <a:tailEnd type="triangle"/>
-          </a:ln>
-        </p:spPr>
-        <p:style>
-          <a:lnRef idx="1">
-            <a:schemeClr val="accent1"/>
-          </a:lnRef>
-          <a:fillRef idx="0">
-            <a:schemeClr val="accent1"/>
-          </a:fillRef>
-          <a:effectRef idx="0">
-            <a:schemeClr val="accent1"/>
-          </a:effectRef>
-          <a:fontRef idx="minor">
-            <a:schemeClr val="tx1"/>
-          </a:fontRef>
-        </p:style>
-      </p:cxnSp>
-      <p:sp>
-        <p:nvSpPr>
-          <p:cNvPr id="76" name="Cube 75">
-            <a:extLst>
-              <a:ext uri="{FF2B5EF4-FFF2-40B4-BE49-F238E27FC236}">
-                <a16:creationId xmlns:a16="http://schemas.microsoft.com/office/drawing/2014/main" id="{829D2AB9-AD82-5B0A-565F-FF62339263E3}"/>
-              </a:ext>
-            </a:extLst>
-          </p:cNvPr>
-          <p:cNvSpPr/>
-          <p:nvPr/>
-        </p:nvSpPr>
-        <p:spPr>
-          <a:xfrm>
-            <a:off x="10596610" y="2811089"/>
-            <a:ext cx="1354238" cy="369331"/>
-          </a:xfrm>
-          <a:prstGeom prst="cube">
-            <a:avLst/>
-          </a:prstGeom>
-          <a:noFill/>
-          <a:ln>
-            <a:solidFill>
-              <a:schemeClr val="tx1"/>
-            </a:solidFill>
-          </a:ln>
-        </p:spPr>
-        <p:style>
-          <a:lnRef idx="2">
-            <a:schemeClr val="accent1">
-              <a:shade val="50000"/>
-            </a:schemeClr>
-          </a:lnRef>
-          <a:fillRef idx="1">
-            <a:schemeClr val="accent1"/>
-          </a:fillRef>
-          <a:effectRef idx="0">
-            <a:schemeClr val="accent1"/>
-          </a:effectRef>
-          <a:fontRef idx="minor">
-            <a:schemeClr val="lt1"/>
-          </a:fontRef>
-        </p:style>
-        <p:txBody>
-          <a:bodyPr rtlCol="0" anchor="ctr"/>
-          <a:lstStyle/>
-          <a:p>
-            <a:pPr algn="ctr"/>
-            <a:endParaRPr lang="en-CN"/>
-          </a:p>
-        </p:txBody>
-      </p:sp>
-      <p:sp>
-        <p:nvSpPr>
-          <p:cNvPr id="77" name="TextBox 76">
-            <a:extLst>
-              <a:ext uri="{FF2B5EF4-FFF2-40B4-BE49-F238E27FC236}">
-                <a16:creationId xmlns:a16="http://schemas.microsoft.com/office/drawing/2014/main" id="{4EBE0A7C-6DF2-3240-B735-6E04826B822A}"/>
-              </a:ext>
-            </a:extLst>
-          </p:cNvPr>
-          <p:cNvSpPr txBox="1"/>
-          <p:nvPr/>
-        </p:nvSpPr>
-        <p:spPr>
-          <a:xfrm>
-            <a:off x="10596610" y="2866979"/>
-            <a:ext cx="1141877" cy="338554"/>
-          </a:xfrm>
-          <a:prstGeom prst="rect">
-            <a:avLst/>
-          </a:prstGeom>
-          <a:noFill/>
-        </p:spPr>
-        <p:txBody>
-          <a:bodyPr wrap="square" rtlCol="0">
-            <a:spAutoFit/>
-          </a:bodyPr>
-          <a:lstStyle/>
-          <a:p>
-            <a:r>
-              <a:rPr lang="en-CN" sz="1600" dirty="0"/>
-              <a:t>Test Text e</a:t>
-            </a:r>
-          </a:p>
-        </p:txBody>
-      </p:sp>
-      <p:sp>
-        <p:nvSpPr>
-          <p:cNvPr id="78" name="Rectangle 77">
-            <a:extLst>
-              <a:ext uri="{FF2B5EF4-FFF2-40B4-BE49-F238E27FC236}">
-                <a16:creationId xmlns:a16="http://schemas.microsoft.com/office/drawing/2014/main" id="{290DDFC7-5153-3D2C-9743-73D6E498B1D6}"/>
-              </a:ext>
-            </a:extLst>
-          </p:cNvPr>
-          <p:cNvSpPr/>
-          <p:nvPr/>
-        </p:nvSpPr>
-        <p:spPr>
-          <a:xfrm>
-            <a:off x="11129044" y="2497648"/>
-            <a:ext cx="289367" cy="313441"/>
-          </a:xfrm>
-          <a:prstGeom prst="rect">
-            <a:avLst/>
-          </a:prstGeom>
-          <a:noFill/>
-          <a:ln>
-            <a:solidFill>
-              <a:schemeClr val="tx1"/>
-            </a:solidFill>
-          </a:ln>
-        </p:spPr>
-        <p:style>
-          <a:lnRef idx="2">
-            <a:schemeClr val="accent1">
-              <a:shade val="50000"/>
-            </a:schemeClr>
-          </a:lnRef>
-          <a:fillRef idx="1">
-            <a:schemeClr val="accent1"/>
-          </a:fillRef>
-          <a:effectRef idx="0">
-            <a:schemeClr val="accent1"/>
-          </a:effectRef>
-          <a:fontRef idx="minor">
-            <a:schemeClr val="lt1"/>
-          </a:fontRef>
-        </p:style>
-        <p:txBody>
-          <a:bodyPr rtlCol="0" anchor="ctr"/>
-          <a:lstStyle/>
-          <a:p>
-            <a:pPr algn="ctr"/>
-            <a:r>
-              <a:rPr lang="en-CN" sz="1400" b="1" dirty="0">
-                <a:ln>
-                  <a:solidFill>
-                    <a:schemeClr val="tx1"/>
-                  </a:solidFill>
-                </a:ln>
-                <a:solidFill>
-                  <a:sysClr val="windowText" lastClr="000000"/>
-                </a:solidFill>
-              </a:rPr>
-              <a:t>0</a:t>
-            </a:r>
-          </a:p>
-        </p:txBody>
-      </p:sp>
-      <p:sp>
-        <p:nvSpPr>
-          <p:cNvPr id="79" name="Rectangle 78">
-            <a:extLst>
-              <a:ext uri="{FF2B5EF4-FFF2-40B4-BE49-F238E27FC236}">
-                <a16:creationId xmlns:a16="http://schemas.microsoft.com/office/drawing/2014/main" id="{3B65E0D8-E89D-1CC1-4F9C-5A23D21D332A}"/>
-              </a:ext>
-            </a:extLst>
-          </p:cNvPr>
-          <p:cNvSpPr/>
-          <p:nvPr/>
-        </p:nvSpPr>
-        <p:spPr>
-          <a:xfrm>
-            <a:off x="11109674" y="5584223"/>
-            <a:ext cx="289367" cy="313441"/>
-          </a:xfrm>
-          <a:prstGeom prst="rect">
-            <a:avLst/>
-          </a:prstGeom>
-          <a:solidFill>
-            <a:srgbClr val="FFC000"/>
-          </a:solidFill>
-          <a:ln>
-            <a:solidFill>
-              <a:schemeClr val="tx1"/>
-            </a:solidFill>
-          </a:ln>
-        </p:spPr>
-        <p:style>
-          <a:lnRef idx="2">
-            <a:schemeClr val="accent1">
-              <a:shade val="50000"/>
-            </a:schemeClr>
-          </a:lnRef>
-          <a:fillRef idx="1">
-            <a:schemeClr val="accent1"/>
-          </a:fillRef>
-          <a:effectRef idx="0">
-            <a:schemeClr val="accent1"/>
-          </a:effectRef>
-          <a:fontRef idx="minor">
-            <a:schemeClr val="lt1"/>
-          </a:fontRef>
-        </p:style>
-        <p:txBody>
-          <a:bodyPr rtlCol="0" anchor="ctr"/>
-          <a:lstStyle/>
-          <a:p>
-            <a:pPr algn="ctr"/>
-            <a:r>
-              <a:rPr lang="en-CN" sz="1400" b="1" dirty="0">
-                <a:ln>
-                  <a:solidFill>
-                    <a:schemeClr val="tx1"/>
-                  </a:solidFill>
-                </a:ln>
-                <a:solidFill>
-                  <a:sysClr val="windowText" lastClr="000000"/>
-                </a:solidFill>
-              </a:rPr>
-              <a:t>1</a:t>
-            </a:r>
-          </a:p>
-        </p:txBody>
-      </p:sp>
-      <p:cxnSp>
-        <p:nvCxnSpPr>
-          <p:cNvPr id="80" name="Straight Arrow Connector 79">
-            <a:extLst>
-              <a:ext uri="{FF2B5EF4-FFF2-40B4-BE49-F238E27FC236}">
-                <a16:creationId xmlns:a16="http://schemas.microsoft.com/office/drawing/2014/main" id="{3798AFCF-E123-B6BD-6FB1-CBB115F4C1FC}"/>
-              </a:ext>
-            </a:extLst>
-          </p:cNvPr>
-          <p:cNvCxnSpPr>
-            <a:cxnSpLocks/>
-          </p:cNvCxnSpPr>
-          <p:nvPr/>
-        </p:nvCxnSpPr>
-        <p:spPr>
-          <a:xfrm>
-            <a:off x="11277665" y="3261161"/>
-            <a:ext cx="0" cy="357090"/>
-          </a:xfrm>
-          <a:prstGeom prst="straightConnector1">
-            <a:avLst/>
-          </a:prstGeom>
-          <a:ln>
-            <a:solidFill>
-              <a:schemeClr val="tx1"/>
-            </a:solidFill>
-            <a:tailEnd type="triangle"/>
-          </a:ln>
-        </p:spPr>
-        <p:style>
-          <a:lnRef idx="1">
-            <a:schemeClr val="accent1"/>
-          </a:lnRef>
-          <a:fillRef idx="0">
-            <a:schemeClr val="accent1"/>
-          </a:fillRef>
-          <a:effectRef idx="0">
-            <a:schemeClr val="accent1"/>
-          </a:effectRef>
-          <a:fontRef idx="minor">
-            <a:schemeClr val="tx1"/>
-          </a:fontRef>
-        </p:style>
-      </p:cxnSp>
-      <p:cxnSp>
-        <p:nvCxnSpPr>
-          <p:cNvPr id="81" name="Straight Arrow Connector 80">
-            <a:extLst>
-              <a:ext uri="{FF2B5EF4-FFF2-40B4-BE49-F238E27FC236}">
-                <a16:creationId xmlns:a16="http://schemas.microsoft.com/office/drawing/2014/main" id="{EB444452-5A3D-691C-AF30-6CCB858C4E23}"/>
-              </a:ext>
-            </a:extLst>
-          </p:cNvPr>
-          <p:cNvCxnSpPr>
-            <a:cxnSpLocks/>
-          </p:cNvCxnSpPr>
-          <p:nvPr/>
-        </p:nvCxnSpPr>
-        <p:spPr>
-          <a:xfrm>
-            <a:off x="11254358" y="5117854"/>
-            <a:ext cx="0" cy="357090"/>
-          </a:xfrm>
-          <a:prstGeom prst="straightConnector1">
-            <a:avLst/>
-          </a:prstGeom>
-          <a:ln>
-            <a:solidFill>
-              <a:schemeClr val="tx1"/>
-            </a:solidFill>
-            <a:tailEnd type="triangle"/>
-          </a:ln>
-        </p:spPr>
-        <p:style>
-          <a:lnRef idx="1">
-            <a:schemeClr val="accent1"/>
-          </a:lnRef>
-          <a:fillRef idx="0">
-            <a:schemeClr val="accent1"/>
-          </a:fillRef>
-          <a:effectRef idx="0">
-            <a:schemeClr val="accent1"/>
-          </a:effectRef>
-          <a:fontRef idx="minor">
-            <a:schemeClr val="tx1"/>
-          </a:fontRef>
-        </p:style>
-      </p:cxnSp>
-      <p:sp>
-        <p:nvSpPr>
-          <p:cNvPr id="82" name="TextBox 81">
-            <a:extLst>
-              <a:ext uri="{FF2B5EF4-FFF2-40B4-BE49-F238E27FC236}">
-                <a16:creationId xmlns:a16="http://schemas.microsoft.com/office/drawing/2014/main" id="{8A5823A9-38F5-556A-1AC1-1CED71D84A70}"/>
-              </a:ext>
-            </a:extLst>
-          </p:cNvPr>
-          <p:cNvSpPr txBox="1"/>
-          <p:nvPr/>
-        </p:nvSpPr>
-        <p:spPr>
-          <a:xfrm>
-            <a:off x="6580216" y="3418243"/>
-            <a:ext cx="1652034" cy="276999"/>
-          </a:xfrm>
-          <a:prstGeom prst="rect">
-            <a:avLst/>
-          </a:prstGeom>
-          <a:noFill/>
-        </p:spPr>
-        <p:txBody>
-          <a:bodyPr wrap="square" rtlCol="0">
-            <a:spAutoFit/>
-          </a:bodyPr>
-          <a:lstStyle/>
-          <a:p>
-            <a:r>
-              <a:rPr lang="en-CN" sz="1200" dirty="0"/>
-              <a:t>Similar sentence</a:t>
-            </a:r>
-          </a:p>
-        </p:txBody>
-      </p:sp>
-      <p:sp>
-        <p:nvSpPr>
-          <p:cNvPr id="83" name="TextBox 82">
-            <a:extLst>
-              <a:ext uri="{FF2B5EF4-FFF2-40B4-BE49-F238E27FC236}">
-                <a16:creationId xmlns:a16="http://schemas.microsoft.com/office/drawing/2014/main" id="{E46E9AF3-75BE-93CC-0E7D-119732AB7C62}"/>
-              </a:ext>
-            </a:extLst>
-          </p:cNvPr>
-          <p:cNvSpPr txBox="1"/>
-          <p:nvPr/>
-        </p:nvSpPr>
-        <p:spPr>
-          <a:xfrm>
-            <a:off x="6675510" y="4628888"/>
-            <a:ext cx="1652034" cy="276999"/>
-          </a:xfrm>
-          <a:prstGeom prst="rect">
-            <a:avLst/>
-          </a:prstGeom>
-          <a:noFill/>
-        </p:spPr>
-        <p:txBody>
-          <a:bodyPr wrap="square" rtlCol="0">
-            <a:spAutoFit/>
-          </a:bodyPr>
-          <a:lstStyle/>
-          <a:p>
-            <a:r>
-              <a:rPr lang="en-CN" sz="1200" dirty="0"/>
-              <a:t>Similar sentence</a:t>
-            </a:r>
-          </a:p>
-        </p:txBody>
-      </p:sp>
-      <p:sp>
-        <p:nvSpPr>
-          <p:cNvPr id="90" name="TextBox 89">
-            <a:extLst>
-              <a:ext uri="{FF2B5EF4-FFF2-40B4-BE49-F238E27FC236}">
-                <a16:creationId xmlns:a16="http://schemas.microsoft.com/office/drawing/2014/main" id="{118C5724-2674-4544-B1EF-A1229076AE1F}"/>
-              </a:ext>
-            </a:extLst>
-          </p:cNvPr>
-          <p:cNvSpPr txBox="1"/>
-          <p:nvPr/>
-        </p:nvSpPr>
-        <p:spPr>
-          <a:xfrm>
-            <a:off x="8789470" y="5943404"/>
-            <a:ext cx="2483834" cy="369332"/>
-          </a:xfrm>
-          <a:prstGeom prst="rect">
-            <a:avLst/>
-          </a:prstGeom>
-          <a:noFill/>
-        </p:spPr>
-        <p:txBody>
-          <a:bodyPr wrap="square" rtlCol="0">
-            <a:spAutoFit/>
-          </a:bodyPr>
-          <a:lstStyle/>
-          <a:p>
-            <a:r>
-              <a:rPr lang="en-CN" dirty="0">
-                <a:solidFill>
-                  <a:srgbClr val="FF0000"/>
-                </a:solidFill>
-              </a:rPr>
-              <a:t>1      &lt;      2</a:t>
-            </a:r>
-          </a:p>
-        </p:txBody>
-      </p:sp>
-      <p:sp>
-        <p:nvSpPr>
-          <p:cNvPr id="91" name="TextBox 90">
-            <a:extLst>
-              <a:ext uri="{FF2B5EF4-FFF2-40B4-BE49-F238E27FC236}">
-                <a16:creationId xmlns:a16="http://schemas.microsoft.com/office/drawing/2014/main" id="{4D58799A-366A-9344-3306-1D60FE1EB2EE}"/>
-              </a:ext>
-            </a:extLst>
-          </p:cNvPr>
-          <p:cNvSpPr txBox="1"/>
-          <p:nvPr/>
-        </p:nvSpPr>
-        <p:spPr>
-          <a:xfrm>
-            <a:off x="8603689" y="5724344"/>
-            <a:ext cx="1892661" cy="276999"/>
-          </a:xfrm>
-          <a:prstGeom prst="rect">
-            <a:avLst/>
-          </a:prstGeom>
-          <a:noFill/>
-        </p:spPr>
-        <p:txBody>
-          <a:bodyPr wrap="square" rtlCol="0">
-            <a:spAutoFit/>
-          </a:bodyPr>
-          <a:lstStyle/>
-          <a:p>
-            <a:r>
-              <a:rPr lang="en-US" sz="1200" dirty="0"/>
-              <a:t>L</a:t>
-            </a:r>
-            <a:r>
-              <a:rPr lang="en-CN" sz="1200" dirty="0"/>
-              <a:t>abel 1              label 0</a:t>
-            </a:r>
-          </a:p>
-        </p:txBody>
-      </p:sp>
-      <p:sp>
-        <p:nvSpPr>
-          <p:cNvPr id="94" name="Rounded Rectangle 93">
-            <a:extLst>
-              <a:ext uri="{FF2B5EF4-FFF2-40B4-BE49-F238E27FC236}">
-                <a16:creationId xmlns:a16="http://schemas.microsoft.com/office/drawing/2014/main" id="{AF8288FF-431E-81F1-872C-6CC8F83514E9}"/>
-              </a:ext>
-            </a:extLst>
-          </p:cNvPr>
-          <p:cNvSpPr/>
-          <p:nvPr/>
-        </p:nvSpPr>
-        <p:spPr>
-          <a:xfrm>
-            <a:off x="180290" y="2355472"/>
-            <a:ext cx="5521485" cy="4281567"/>
-          </a:xfrm>
-          <a:prstGeom prst="roundRect">
-            <a:avLst/>
-          </a:prstGeom>
-          <a:noFill/>
-          <a:ln>
-            <a:solidFill>
-              <a:schemeClr val="tx1"/>
-            </a:solidFill>
-          </a:ln>
-        </p:spPr>
-        <p:style>
-          <a:lnRef idx="2">
-            <a:schemeClr val="accent6"/>
-          </a:lnRef>
-          <a:fillRef idx="1">
-            <a:schemeClr val="lt1"/>
-          </a:fillRef>
-          <a:effectRef idx="0">
-            <a:schemeClr val="accent6"/>
-          </a:effectRef>
-          <a:fontRef idx="minor">
-            <a:schemeClr val="dk1"/>
-          </a:fontRef>
-        </p:style>
-        <p:txBody>
-          <a:bodyPr rtlCol="0" anchor="ctr"/>
-          <a:lstStyle/>
-          <a:p>
-            <a:pPr algn="ctr"/>
-            <a:endParaRPr lang="en-CN"/>
-          </a:p>
-        </p:txBody>
-      </p:sp>
-      <p:sp>
-        <p:nvSpPr>
-          <p:cNvPr id="95" name="TextBox 94">
-            <a:extLst>
-              <a:ext uri="{FF2B5EF4-FFF2-40B4-BE49-F238E27FC236}">
-                <a16:creationId xmlns:a16="http://schemas.microsoft.com/office/drawing/2014/main" id="{57A40B2C-058F-50F6-9172-DD5812E3A1FB}"/>
-              </a:ext>
-            </a:extLst>
-          </p:cNvPr>
-          <p:cNvSpPr txBox="1"/>
-          <p:nvPr/>
-        </p:nvSpPr>
-        <p:spPr>
-          <a:xfrm>
-            <a:off x="2576425" y="561495"/>
-            <a:ext cx="1652034" cy="261610"/>
-          </a:xfrm>
-          <a:prstGeom prst="rect">
-            <a:avLst/>
-          </a:prstGeom>
-          <a:noFill/>
-        </p:spPr>
-        <p:txBody>
-          <a:bodyPr wrap="square" rtlCol="0">
-            <a:spAutoFit/>
-          </a:bodyPr>
-          <a:lstStyle/>
-          <a:p>
-            <a:r>
-              <a:rPr lang="en-CN" sz="1100" b="1" dirty="0"/>
-              <a:t>Pretrain BERT</a:t>
-            </a:r>
-          </a:p>
-        </p:txBody>
-      </p:sp>
-      <p:sp>
-        <p:nvSpPr>
-          <p:cNvPr id="96" name="TextBox 95">
-            <a:extLst>
-              <a:ext uri="{FF2B5EF4-FFF2-40B4-BE49-F238E27FC236}">
-                <a16:creationId xmlns:a16="http://schemas.microsoft.com/office/drawing/2014/main" id="{BFC58FD9-A893-3A23-D624-26E6BD92291B}"/>
-              </a:ext>
-            </a:extLst>
-          </p:cNvPr>
-          <p:cNvSpPr txBox="1"/>
-          <p:nvPr/>
-        </p:nvSpPr>
-        <p:spPr>
-          <a:xfrm>
-            <a:off x="8944576" y="3767469"/>
-            <a:ext cx="1652034" cy="261610"/>
-          </a:xfrm>
-          <a:prstGeom prst="rect">
-            <a:avLst/>
-          </a:prstGeom>
-          <a:noFill/>
-        </p:spPr>
-        <p:txBody>
-          <a:bodyPr wrap="square" rtlCol="0">
-            <a:spAutoFit/>
-          </a:bodyPr>
-          <a:lstStyle/>
-          <a:p>
-            <a:r>
-              <a:rPr lang="en-CN" sz="1100" b="1" dirty="0"/>
-              <a:t>Pretrain BERT</a:t>
-            </a:r>
-          </a:p>
-        </p:txBody>
-      </p:sp>
-      <p:sp>
-        <p:nvSpPr>
-          <p:cNvPr id="97" name="TextBox 96">
-            <a:extLst>
-              <a:ext uri="{FF2B5EF4-FFF2-40B4-BE49-F238E27FC236}">
-                <a16:creationId xmlns:a16="http://schemas.microsoft.com/office/drawing/2014/main" id="{617E5227-1B8F-AC67-4D8C-D2BBB32B3488}"/>
-              </a:ext>
-            </a:extLst>
-          </p:cNvPr>
-          <p:cNvSpPr txBox="1"/>
-          <p:nvPr/>
-        </p:nvSpPr>
-        <p:spPr>
-          <a:xfrm>
-            <a:off x="10793467" y="3787168"/>
-            <a:ext cx="1652034" cy="261610"/>
-          </a:xfrm>
-          <a:prstGeom prst="rect">
-            <a:avLst/>
-          </a:prstGeom>
-          <a:noFill/>
-        </p:spPr>
-        <p:txBody>
-          <a:bodyPr wrap="square" rtlCol="0">
-            <a:spAutoFit/>
-          </a:bodyPr>
-          <a:lstStyle/>
-          <a:p>
-            <a:r>
-              <a:rPr lang="en-CN" sz="1100" b="1" dirty="0"/>
-              <a:t>Trained BERT</a:t>
-            </a:r>
-          </a:p>
-        </p:txBody>
-      </p:sp>
-      <p:sp>
-        <p:nvSpPr>
-          <p:cNvPr id="99" name="TextBox 98">
-            <a:extLst>
-              <a:ext uri="{FF2B5EF4-FFF2-40B4-BE49-F238E27FC236}">
-                <a16:creationId xmlns:a16="http://schemas.microsoft.com/office/drawing/2014/main" id="{C30CE75A-25DB-126C-BBAA-53981DBBC7A4}"/>
-              </a:ext>
-            </a:extLst>
-          </p:cNvPr>
-          <p:cNvSpPr txBox="1"/>
-          <p:nvPr/>
-        </p:nvSpPr>
-        <p:spPr>
-          <a:xfrm>
-            <a:off x="126478" y="110168"/>
-            <a:ext cx="4855241" cy="307777"/>
-          </a:xfrm>
-          <a:prstGeom prst="rect">
-            <a:avLst/>
-          </a:prstGeom>
-          <a:noFill/>
-        </p:spPr>
-        <p:txBody>
-          <a:bodyPr wrap="square" rtlCol="0">
-            <a:spAutoFit/>
-          </a:bodyPr>
-          <a:lstStyle/>
-          <a:p>
-            <a:r>
-              <a:rPr lang="en-CN" sz="1400" b="1" u="sng" dirty="0"/>
-              <a:t>Situation 2:  Wrong classification on Pretrain BERT</a:t>
-            </a:r>
-          </a:p>
-        </p:txBody>
-      </p:sp>
-      <p:sp>
-        <p:nvSpPr>
-          <p:cNvPr id="100" name="TextBox 99">
-            <a:extLst>
-              <a:ext uri="{FF2B5EF4-FFF2-40B4-BE49-F238E27FC236}">
-                <a16:creationId xmlns:a16="http://schemas.microsoft.com/office/drawing/2014/main" id="{586CBF07-8A73-761A-6D38-2135FF6A9C1E}"/>
-              </a:ext>
-            </a:extLst>
-          </p:cNvPr>
-          <p:cNvSpPr txBox="1"/>
-          <p:nvPr/>
-        </p:nvSpPr>
-        <p:spPr>
-          <a:xfrm>
-            <a:off x="1846150" y="2169447"/>
-            <a:ext cx="2165702" cy="307777"/>
-          </a:xfrm>
-          <a:prstGeom prst="rect">
-            <a:avLst/>
-          </a:prstGeom>
-          <a:solidFill>
-            <a:schemeClr val="bg1"/>
-          </a:solidFill>
-        </p:spPr>
-        <p:txBody>
-          <a:bodyPr wrap="square" rtlCol="0">
-            <a:spAutoFit/>
-          </a:bodyPr>
-          <a:lstStyle/>
-          <a:p>
-            <a:r>
-              <a:rPr lang="en-CN" sz="1400" b="1" dirty="0"/>
-              <a:t>Train, then evaluation</a:t>
-            </a:r>
-          </a:p>
-        </p:txBody>
-      </p:sp>
-      <p:sp>
-        <p:nvSpPr>
-          <p:cNvPr id="101" name="Rounded Rectangle 100">
-            <a:extLst>
-              <a:ext uri="{FF2B5EF4-FFF2-40B4-BE49-F238E27FC236}">
-                <a16:creationId xmlns:a16="http://schemas.microsoft.com/office/drawing/2014/main" id="{A7F272A7-6D1E-A713-7064-1C0071C21280}"/>
-              </a:ext>
-            </a:extLst>
-          </p:cNvPr>
-          <p:cNvSpPr/>
-          <p:nvPr/>
-        </p:nvSpPr>
-        <p:spPr>
-          <a:xfrm>
-            <a:off x="6450312" y="2295421"/>
-            <a:ext cx="5656437" cy="4341623"/>
-          </a:xfrm>
-          <a:prstGeom prst="roundRect">
-            <a:avLst/>
-          </a:prstGeom>
-          <a:noFill/>
-          <a:ln>
-            <a:solidFill>
-              <a:schemeClr val="tx1"/>
-            </a:solidFill>
-          </a:ln>
-        </p:spPr>
-        <p:style>
-          <a:lnRef idx="2">
-            <a:schemeClr val="accent6"/>
-          </a:lnRef>
-          <a:fillRef idx="1">
-            <a:schemeClr val="lt1"/>
-          </a:fillRef>
-          <a:effectRef idx="0">
-            <a:schemeClr val="accent6"/>
-          </a:effectRef>
-          <a:fontRef idx="minor">
-            <a:schemeClr val="dk1"/>
-          </a:fontRef>
-        </p:style>
-        <p:txBody>
-          <a:bodyPr rtlCol="0" anchor="ctr"/>
-          <a:lstStyle/>
-          <a:p>
-            <a:pPr algn="ctr"/>
-            <a:endParaRPr lang="en-CN"/>
-          </a:p>
-        </p:txBody>
-      </p:sp>
-      <p:sp>
-        <p:nvSpPr>
-          <p:cNvPr id="102" name="TextBox 101">
-            <a:extLst>
-              <a:ext uri="{FF2B5EF4-FFF2-40B4-BE49-F238E27FC236}">
-                <a16:creationId xmlns:a16="http://schemas.microsoft.com/office/drawing/2014/main" id="{1BD9F5F7-676B-8873-55A7-8B54E4DC0180}"/>
-              </a:ext>
-            </a:extLst>
-          </p:cNvPr>
-          <p:cNvSpPr txBox="1"/>
-          <p:nvPr/>
-        </p:nvSpPr>
-        <p:spPr>
-          <a:xfrm>
-            <a:off x="7575201" y="2099231"/>
-            <a:ext cx="3843210" cy="307777"/>
-          </a:xfrm>
-          <a:prstGeom prst="rect">
-            <a:avLst/>
-          </a:prstGeom>
-          <a:solidFill>
-            <a:schemeClr val="bg1"/>
-          </a:solidFill>
-        </p:spPr>
-        <p:txBody>
-          <a:bodyPr wrap="square" rtlCol="0">
-            <a:spAutoFit/>
-          </a:bodyPr>
-          <a:lstStyle/>
-          <a:p>
-            <a:r>
-              <a:rPr lang="en-CN" sz="1400" b="1" dirty="0"/>
-              <a:t>Remove one record, train, then evaluation</a:t>
-            </a:r>
-          </a:p>
-        </p:txBody>
-      </p:sp>
-      <p:sp>
-        <p:nvSpPr>
-          <p:cNvPr id="2" name="Oval Callout 1">
-            <a:extLst>
-              <a:ext uri="{FF2B5EF4-FFF2-40B4-BE49-F238E27FC236}">
-                <a16:creationId xmlns:a16="http://schemas.microsoft.com/office/drawing/2014/main" id="{F14F44DE-1682-13C3-B7EA-E3ECC61ADD06}"/>
-              </a:ext>
-            </a:extLst>
-          </p:cNvPr>
-          <p:cNvSpPr/>
-          <p:nvPr/>
-        </p:nvSpPr>
-        <p:spPr>
-          <a:xfrm>
-            <a:off x="7620009" y="3648006"/>
-            <a:ext cx="891691" cy="369330"/>
-          </a:xfrm>
-          <a:prstGeom prst="wedgeEllipseCallout">
-            <a:avLst>
-              <a:gd name="adj1" fmla="val -61501"/>
-              <a:gd name="adj2" fmla="val 82517"/>
-            </a:avLst>
-          </a:prstGeom>
-        </p:spPr>
-        <p:style>
-          <a:lnRef idx="2">
-            <a:schemeClr val="accent1">
-              <a:shade val="50000"/>
-            </a:schemeClr>
-          </a:lnRef>
-          <a:fillRef idx="1">
-            <a:schemeClr val="accent1"/>
-          </a:fillRef>
-          <a:effectRef idx="0">
-            <a:schemeClr val="accent1"/>
-          </a:effectRef>
-          <a:fontRef idx="minor">
-            <a:schemeClr val="lt1"/>
-          </a:fontRef>
-        </p:style>
-        <p:txBody>
-          <a:bodyPr rtlCol="0" anchor="ctr"/>
-          <a:lstStyle/>
-          <a:p>
-            <a:pPr algn="ctr"/>
-            <a:r>
-              <a:rPr lang="en-CN" sz="1000" dirty="0"/>
-              <a:t>Change</a:t>
-            </a:r>
-          </a:p>
-        </p:txBody>
-      </p:sp>
     </p:spTree>
     <p:extLst>
       <p:ext uri="{BB962C8B-B14F-4D97-AF65-F5344CB8AC3E}">
-        <p14:creationId xmlns:p14="http://schemas.microsoft.com/office/powerpoint/2010/main" val="1325673595"/>
+        <p14:creationId xmlns:p14="http://schemas.microsoft.com/office/powerpoint/2010/main" val="2334326339"/>
       </p:ext>
     </p:extLst>
   </p:cSld>
@@ -10706,7 +8707,7 @@
     </p:spTree>
     <p:extLst>
       <p:ext uri="{BB962C8B-B14F-4D97-AF65-F5344CB8AC3E}">
-        <p14:creationId xmlns:p14="http://schemas.microsoft.com/office/powerpoint/2010/main" val="2334326339"/>
+        <p14:creationId xmlns:p14="http://schemas.microsoft.com/office/powerpoint/2010/main" val="373770967"/>
       </p:ext>
     </p:extLst>
   </p:cSld>
@@ -10717,6 +8718,3267 @@
 </file>
 
 <file path=ppt/slides/slide7.xml><?xml version="1.0" encoding="utf-8"?>
+<p:sld xmlns:a="http://schemas.openxmlformats.org/drawingml/2006/main" xmlns:r="http://schemas.openxmlformats.org/officeDocument/2006/relationships" xmlns:p="http://schemas.openxmlformats.org/presentationml/2006/main">
+  <p:cSld>
+    <p:spTree>
+      <p:nvGrpSpPr>
+        <p:cNvPr id="1" name=""/>
+        <p:cNvGrpSpPr/>
+        <p:nvPr/>
+      </p:nvGrpSpPr>
+      <p:grpSpPr>
+        <a:xfrm>
+          <a:off x="0" y="0"/>
+          <a:ext cx="0" cy="0"/>
+          <a:chOff x="0" y="0"/>
+          <a:chExt cx="0" cy="0"/>
+        </a:xfrm>
+      </p:grpSpPr>
+      <p:sp>
+        <p:nvSpPr>
+          <p:cNvPr id="4" name="Cube 3">
+            <a:extLst>
+              <a:ext uri="{FF2B5EF4-FFF2-40B4-BE49-F238E27FC236}">
+                <a16:creationId xmlns:a16="http://schemas.microsoft.com/office/drawing/2014/main" id="{003AFD37-9FD5-4663-0309-0370B0D3CA9F}"/>
+              </a:ext>
+            </a:extLst>
+          </p:cNvPr>
+          <p:cNvSpPr/>
+          <p:nvPr/>
+        </p:nvSpPr>
+        <p:spPr>
+          <a:xfrm>
+            <a:off x="331760" y="1109640"/>
+            <a:ext cx="1354238" cy="369331"/>
+          </a:xfrm>
+          <a:prstGeom prst="cube">
+            <a:avLst/>
+          </a:prstGeom>
+          <a:noFill/>
+          <a:ln>
+            <a:solidFill>
+              <a:schemeClr val="tx1"/>
+            </a:solidFill>
+          </a:ln>
+        </p:spPr>
+        <p:style>
+          <a:lnRef idx="2">
+            <a:schemeClr val="accent1">
+              <a:shade val="50000"/>
+            </a:schemeClr>
+          </a:lnRef>
+          <a:fillRef idx="1">
+            <a:schemeClr val="accent1"/>
+          </a:fillRef>
+          <a:effectRef idx="0">
+            <a:schemeClr val="accent1"/>
+          </a:effectRef>
+          <a:fontRef idx="minor">
+            <a:schemeClr val="lt1"/>
+          </a:fontRef>
+        </p:style>
+        <p:txBody>
+          <a:bodyPr rtlCol="0" anchor="ctr"/>
+          <a:lstStyle/>
+          <a:p>
+            <a:pPr algn="ctr"/>
+            <a:endParaRPr lang="en-CN"/>
+          </a:p>
+        </p:txBody>
+      </p:sp>
+      <p:sp>
+        <p:nvSpPr>
+          <p:cNvPr id="5" name="TextBox 4">
+            <a:extLst>
+              <a:ext uri="{FF2B5EF4-FFF2-40B4-BE49-F238E27FC236}">
+                <a16:creationId xmlns:a16="http://schemas.microsoft.com/office/drawing/2014/main" id="{3DB23CEF-A950-7034-ACE3-7646D0D61881}"/>
+              </a:ext>
+            </a:extLst>
+          </p:cNvPr>
+          <p:cNvSpPr txBox="1"/>
+          <p:nvPr/>
+        </p:nvSpPr>
+        <p:spPr>
+          <a:xfrm>
+            <a:off x="331760" y="1165530"/>
+            <a:ext cx="1141877" cy="338554"/>
+          </a:xfrm>
+          <a:prstGeom prst="rect">
+            <a:avLst/>
+          </a:prstGeom>
+          <a:noFill/>
+        </p:spPr>
+        <p:txBody>
+          <a:bodyPr wrap="square" rtlCol="0">
+            <a:spAutoFit/>
+          </a:bodyPr>
+          <a:lstStyle/>
+          <a:p>
+            <a:r>
+              <a:rPr lang="en-CN" sz="1600" dirty="0"/>
+              <a:t>Test Text e</a:t>
+            </a:r>
+          </a:p>
+        </p:txBody>
+      </p:sp>
+      <p:sp>
+        <p:nvSpPr>
+          <p:cNvPr id="7" name="Rectangle 6">
+            <a:extLst>
+              <a:ext uri="{FF2B5EF4-FFF2-40B4-BE49-F238E27FC236}">
+                <a16:creationId xmlns:a16="http://schemas.microsoft.com/office/drawing/2014/main" id="{D38CF9D6-8C8C-ECA9-05D5-467604465DFD}"/>
+              </a:ext>
+            </a:extLst>
+          </p:cNvPr>
+          <p:cNvSpPr/>
+          <p:nvPr/>
+        </p:nvSpPr>
+        <p:spPr>
+          <a:xfrm>
+            <a:off x="864194" y="796199"/>
+            <a:ext cx="289367" cy="313441"/>
+          </a:xfrm>
+          <a:prstGeom prst="rect">
+            <a:avLst/>
+          </a:prstGeom>
+          <a:noFill/>
+          <a:ln>
+            <a:solidFill>
+              <a:schemeClr val="tx1"/>
+            </a:solidFill>
+          </a:ln>
+        </p:spPr>
+        <p:style>
+          <a:lnRef idx="2">
+            <a:schemeClr val="accent1">
+              <a:shade val="50000"/>
+            </a:schemeClr>
+          </a:lnRef>
+          <a:fillRef idx="1">
+            <a:schemeClr val="accent1"/>
+          </a:fillRef>
+          <a:effectRef idx="0">
+            <a:schemeClr val="accent1"/>
+          </a:effectRef>
+          <a:fontRef idx="minor">
+            <a:schemeClr val="lt1"/>
+          </a:fontRef>
+        </p:style>
+        <p:txBody>
+          <a:bodyPr rtlCol="0" anchor="ctr"/>
+          <a:lstStyle/>
+          <a:p>
+            <a:pPr algn="ctr"/>
+            <a:r>
+              <a:rPr lang="en-CN" sz="1400" b="1" dirty="0">
+                <a:ln>
+                  <a:solidFill>
+                    <a:schemeClr val="tx1"/>
+                  </a:solidFill>
+                </a:ln>
+                <a:solidFill>
+                  <a:sysClr val="windowText" lastClr="000000"/>
+                </a:solidFill>
+              </a:rPr>
+              <a:t>0</a:t>
+            </a:r>
+          </a:p>
+        </p:txBody>
+      </p:sp>
+      <p:pic>
+        <p:nvPicPr>
+          <p:cNvPr id="8" name="图片 6">
+            <a:extLst>
+              <a:ext uri="{FF2B5EF4-FFF2-40B4-BE49-F238E27FC236}">
+                <a16:creationId xmlns:a16="http://schemas.microsoft.com/office/drawing/2014/main" id="{12F6B374-C122-B233-0840-CBB41024E834}"/>
+              </a:ext>
+            </a:extLst>
+          </p:cNvPr>
+          <p:cNvPicPr>
+            <a:picLocks noChangeAspect="1"/>
+          </p:cNvPicPr>
+          <p:nvPr/>
+        </p:nvPicPr>
+        <p:blipFill>
+          <a:blip r:embed="rId2">
+            <a:extLst>
+              <a:ext uri="{BEBA8EAE-BF5A-486C-A8C5-ECC9F3942E4B}">
+                <a14:imgProps xmlns:a14="http://schemas.microsoft.com/office/drawing/2010/main">
+                  <a14:imgLayer r:embed="rId3">
+                    <a14:imgEffect>
+                      <a14:saturation sat="0"/>
+                    </a14:imgEffect>
+                  </a14:imgLayer>
+                </a14:imgProps>
+              </a:ext>
+            </a:extLst>
+          </a:blip>
+          <a:stretch>
+            <a:fillRect/>
+          </a:stretch>
+        </p:blipFill>
+        <p:spPr>
+          <a:xfrm>
+            <a:off x="2554099" y="426015"/>
+            <a:ext cx="1059947" cy="1496747"/>
+          </a:xfrm>
+          <a:prstGeom prst="rect">
+            <a:avLst/>
+          </a:prstGeom>
+        </p:spPr>
+      </p:pic>
+      <p:cxnSp>
+        <p:nvCxnSpPr>
+          <p:cNvPr id="10" name="Straight Arrow Connector 9">
+            <a:extLst>
+              <a:ext uri="{FF2B5EF4-FFF2-40B4-BE49-F238E27FC236}">
+                <a16:creationId xmlns:a16="http://schemas.microsoft.com/office/drawing/2014/main" id="{418470D8-849A-8F13-A905-F69750181B3D}"/>
+              </a:ext>
+            </a:extLst>
+          </p:cNvPr>
+          <p:cNvCxnSpPr>
+            <a:cxnSpLocks/>
+          </p:cNvCxnSpPr>
+          <p:nvPr/>
+        </p:nvCxnSpPr>
+        <p:spPr>
+          <a:xfrm>
+            <a:off x="1801745" y="1258127"/>
+            <a:ext cx="636607" cy="0"/>
+          </a:xfrm>
+          <a:prstGeom prst="straightConnector1">
+            <a:avLst/>
+          </a:prstGeom>
+          <a:ln>
+            <a:solidFill>
+              <a:schemeClr val="tx1"/>
+            </a:solidFill>
+            <a:tailEnd type="triangle"/>
+          </a:ln>
+        </p:spPr>
+        <p:style>
+          <a:lnRef idx="1">
+            <a:schemeClr val="accent1"/>
+          </a:lnRef>
+          <a:fillRef idx="0">
+            <a:schemeClr val="accent1"/>
+          </a:fillRef>
+          <a:effectRef idx="0">
+            <a:schemeClr val="accent1"/>
+          </a:effectRef>
+          <a:fontRef idx="minor">
+            <a:schemeClr val="tx1"/>
+          </a:fontRef>
+        </p:style>
+      </p:cxnSp>
+      <p:sp>
+        <p:nvSpPr>
+          <p:cNvPr id="12" name="Rectangle 11">
+            <a:extLst>
+              <a:ext uri="{FF2B5EF4-FFF2-40B4-BE49-F238E27FC236}">
+                <a16:creationId xmlns:a16="http://schemas.microsoft.com/office/drawing/2014/main" id="{ABF67571-1935-C34C-60A0-B3EEC261B156}"/>
+              </a:ext>
+            </a:extLst>
+          </p:cNvPr>
+          <p:cNvSpPr/>
+          <p:nvPr/>
+        </p:nvSpPr>
+        <p:spPr>
+          <a:xfrm>
+            <a:off x="4444741" y="1112612"/>
+            <a:ext cx="289367" cy="313441"/>
+          </a:xfrm>
+          <a:prstGeom prst="rect">
+            <a:avLst/>
+          </a:prstGeom>
+          <a:solidFill>
+            <a:srgbClr val="FF0000"/>
+          </a:solidFill>
+          <a:ln>
+            <a:solidFill>
+              <a:schemeClr val="tx1"/>
+            </a:solidFill>
+          </a:ln>
+        </p:spPr>
+        <p:style>
+          <a:lnRef idx="2">
+            <a:schemeClr val="accent1">
+              <a:shade val="50000"/>
+            </a:schemeClr>
+          </a:lnRef>
+          <a:fillRef idx="1">
+            <a:schemeClr val="accent1"/>
+          </a:fillRef>
+          <a:effectRef idx="0">
+            <a:schemeClr val="accent1"/>
+          </a:effectRef>
+          <a:fontRef idx="minor">
+            <a:schemeClr val="lt1"/>
+          </a:fontRef>
+        </p:style>
+        <p:txBody>
+          <a:bodyPr rtlCol="0" anchor="ctr"/>
+          <a:lstStyle/>
+          <a:p>
+            <a:pPr algn="ctr"/>
+            <a:r>
+              <a:rPr lang="en-CN" sz="1400" b="1" dirty="0">
+                <a:solidFill>
+                  <a:schemeClr val="bg1"/>
+                </a:solidFill>
+              </a:rPr>
+              <a:t>1</a:t>
+            </a:r>
+          </a:p>
+        </p:txBody>
+      </p:sp>
+      <p:cxnSp>
+        <p:nvCxnSpPr>
+          <p:cNvPr id="13" name="Straight Arrow Connector 12">
+            <a:extLst>
+              <a:ext uri="{FF2B5EF4-FFF2-40B4-BE49-F238E27FC236}">
+                <a16:creationId xmlns:a16="http://schemas.microsoft.com/office/drawing/2014/main" id="{013F52F6-6E07-9C6A-2ECD-76F986A75D35}"/>
+              </a:ext>
+            </a:extLst>
+          </p:cNvPr>
+          <p:cNvCxnSpPr>
+            <a:cxnSpLocks/>
+          </p:cNvCxnSpPr>
+          <p:nvPr/>
+        </p:nvCxnSpPr>
+        <p:spPr>
+          <a:xfrm>
+            <a:off x="3713497" y="1294305"/>
+            <a:ext cx="636607" cy="0"/>
+          </a:xfrm>
+          <a:prstGeom prst="straightConnector1">
+            <a:avLst/>
+          </a:prstGeom>
+          <a:ln>
+            <a:solidFill>
+              <a:schemeClr val="tx1"/>
+            </a:solidFill>
+            <a:tailEnd type="triangle"/>
+          </a:ln>
+        </p:spPr>
+        <p:style>
+          <a:lnRef idx="1">
+            <a:schemeClr val="accent1"/>
+          </a:lnRef>
+          <a:fillRef idx="0">
+            <a:schemeClr val="accent1"/>
+          </a:fillRef>
+          <a:effectRef idx="0">
+            <a:schemeClr val="accent1"/>
+          </a:effectRef>
+          <a:fontRef idx="minor">
+            <a:schemeClr val="tx1"/>
+          </a:fontRef>
+        </p:style>
+      </p:cxnSp>
+      <p:sp>
+        <p:nvSpPr>
+          <p:cNvPr id="14" name="Cube 13">
+            <a:extLst>
+              <a:ext uri="{FF2B5EF4-FFF2-40B4-BE49-F238E27FC236}">
+                <a16:creationId xmlns:a16="http://schemas.microsoft.com/office/drawing/2014/main" id="{985C488F-D7B4-57F7-48BF-6180F624D217}"/>
+              </a:ext>
+            </a:extLst>
+          </p:cNvPr>
+          <p:cNvSpPr/>
+          <p:nvPr/>
+        </p:nvSpPr>
+        <p:spPr>
+          <a:xfrm>
+            <a:off x="266243" y="3207557"/>
+            <a:ext cx="1354238" cy="369331"/>
+          </a:xfrm>
+          <a:prstGeom prst="cube">
+            <a:avLst/>
+          </a:prstGeom>
+          <a:noFill/>
+          <a:ln>
+            <a:solidFill>
+              <a:schemeClr val="tx1"/>
+            </a:solidFill>
+          </a:ln>
+        </p:spPr>
+        <p:style>
+          <a:lnRef idx="2">
+            <a:schemeClr val="accent1">
+              <a:shade val="50000"/>
+            </a:schemeClr>
+          </a:lnRef>
+          <a:fillRef idx="1">
+            <a:schemeClr val="accent1"/>
+          </a:fillRef>
+          <a:effectRef idx="0">
+            <a:schemeClr val="accent1"/>
+          </a:effectRef>
+          <a:fontRef idx="minor">
+            <a:schemeClr val="lt1"/>
+          </a:fontRef>
+        </p:style>
+        <p:txBody>
+          <a:bodyPr rtlCol="0" anchor="ctr"/>
+          <a:lstStyle/>
+          <a:p>
+            <a:pPr algn="ctr"/>
+            <a:endParaRPr lang="en-CN"/>
+          </a:p>
+        </p:txBody>
+      </p:sp>
+      <p:sp>
+        <p:nvSpPr>
+          <p:cNvPr id="15" name="TextBox 14">
+            <a:extLst>
+              <a:ext uri="{FF2B5EF4-FFF2-40B4-BE49-F238E27FC236}">
+                <a16:creationId xmlns:a16="http://schemas.microsoft.com/office/drawing/2014/main" id="{54405624-C349-C08A-701E-9C245988BCCF}"/>
+              </a:ext>
+            </a:extLst>
+          </p:cNvPr>
+          <p:cNvSpPr txBox="1"/>
+          <p:nvPr/>
+        </p:nvSpPr>
+        <p:spPr>
+          <a:xfrm>
+            <a:off x="266243" y="3263447"/>
+            <a:ext cx="1319278" cy="338554"/>
+          </a:xfrm>
+          <a:prstGeom prst="rect">
+            <a:avLst/>
+          </a:prstGeom>
+          <a:noFill/>
+        </p:spPr>
+        <p:txBody>
+          <a:bodyPr wrap="square" rtlCol="0">
+            <a:spAutoFit/>
+          </a:bodyPr>
+          <a:lstStyle/>
+          <a:p>
+            <a:r>
+              <a:rPr lang="en-CN" sz="1600" dirty="0"/>
+              <a:t>Train Text f</a:t>
+            </a:r>
+          </a:p>
+        </p:txBody>
+      </p:sp>
+      <p:sp>
+        <p:nvSpPr>
+          <p:cNvPr id="16" name="Rectangle 15">
+            <a:extLst>
+              <a:ext uri="{FF2B5EF4-FFF2-40B4-BE49-F238E27FC236}">
+                <a16:creationId xmlns:a16="http://schemas.microsoft.com/office/drawing/2014/main" id="{9C9476D3-FD96-2F12-4AD2-2DEB2A1F9555}"/>
+              </a:ext>
+            </a:extLst>
+          </p:cNvPr>
+          <p:cNvSpPr/>
+          <p:nvPr/>
+        </p:nvSpPr>
+        <p:spPr>
+          <a:xfrm>
+            <a:off x="798677" y="2894116"/>
+            <a:ext cx="289367" cy="313441"/>
+          </a:xfrm>
+          <a:prstGeom prst="rect">
+            <a:avLst/>
+          </a:prstGeom>
+          <a:noFill/>
+          <a:ln>
+            <a:solidFill>
+              <a:schemeClr val="tx1"/>
+            </a:solidFill>
+          </a:ln>
+        </p:spPr>
+        <p:style>
+          <a:lnRef idx="2">
+            <a:schemeClr val="accent1">
+              <a:shade val="50000"/>
+            </a:schemeClr>
+          </a:lnRef>
+          <a:fillRef idx="1">
+            <a:schemeClr val="accent1"/>
+          </a:fillRef>
+          <a:effectRef idx="0">
+            <a:schemeClr val="accent1"/>
+          </a:effectRef>
+          <a:fontRef idx="minor">
+            <a:schemeClr val="lt1"/>
+          </a:fontRef>
+        </p:style>
+        <p:txBody>
+          <a:bodyPr rtlCol="0" anchor="ctr"/>
+          <a:lstStyle/>
+          <a:p>
+            <a:pPr algn="ctr"/>
+            <a:r>
+              <a:rPr lang="en-CN" sz="1400" b="1" dirty="0">
+                <a:ln>
+                  <a:solidFill>
+                    <a:schemeClr val="tx1"/>
+                  </a:solidFill>
+                </a:ln>
+                <a:solidFill>
+                  <a:sysClr val="windowText" lastClr="000000"/>
+                </a:solidFill>
+              </a:rPr>
+              <a:t>0</a:t>
+            </a:r>
+          </a:p>
+        </p:txBody>
+      </p:sp>
+      <p:sp>
+        <p:nvSpPr>
+          <p:cNvPr id="17" name="Cube 16">
+            <a:extLst>
+              <a:ext uri="{FF2B5EF4-FFF2-40B4-BE49-F238E27FC236}">
+                <a16:creationId xmlns:a16="http://schemas.microsoft.com/office/drawing/2014/main" id="{DA8199F8-9E85-22A3-AAF7-F7CAEB299D89}"/>
+              </a:ext>
+            </a:extLst>
+          </p:cNvPr>
+          <p:cNvSpPr/>
+          <p:nvPr/>
+        </p:nvSpPr>
+        <p:spPr>
+          <a:xfrm>
+            <a:off x="278485" y="4418886"/>
+            <a:ext cx="1354238" cy="369331"/>
+          </a:xfrm>
+          <a:prstGeom prst="cube">
+            <a:avLst/>
+          </a:prstGeom>
+          <a:noFill/>
+          <a:ln>
+            <a:solidFill>
+              <a:schemeClr val="tx1"/>
+            </a:solidFill>
+          </a:ln>
+        </p:spPr>
+        <p:style>
+          <a:lnRef idx="2">
+            <a:schemeClr val="accent1">
+              <a:shade val="50000"/>
+            </a:schemeClr>
+          </a:lnRef>
+          <a:fillRef idx="1">
+            <a:schemeClr val="accent1"/>
+          </a:fillRef>
+          <a:effectRef idx="0">
+            <a:schemeClr val="accent1"/>
+          </a:effectRef>
+          <a:fontRef idx="minor">
+            <a:schemeClr val="lt1"/>
+          </a:fontRef>
+        </p:style>
+        <p:txBody>
+          <a:bodyPr rtlCol="0" anchor="ctr"/>
+          <a:lstStyle/>
+          <a:p>
+            <a:pPr algn="ctr"/>
+            <a:endParaRPr lang="en-CN"/>
+          </a:p>
+        </p:txBody>
+      </p:sp>
+      <p:sp>
+        <p:nvSpPr>
+          <p:cNvPr id="18" name="TextBox 17">
+            <a:extLst>
+              <a:ext uri="{FF2B5EF4-FFF2-40B4-BE49-F238E27FC236}">
+                <a16:creationId xmlns:a16="http://schemas.microsoft.com/office/drawing/2014/main" id="{9FCBC2F1-F8AB-01B4-D174-4EACCBB2895A}"/>
+              </a:ext>
+            </a:extLst>
+          </p:cNvPr>
+          <p:cNvSpPr txBox="1"/>
+          <p:nvPr/>
+        </p:nvSpPr>
+        <p:spPr>
+          <a:xfrm>
+            <a:off x="278485" y="4474776"/>
+            <a:ext cx="1223844" cy="338554"/>
+          </a:xfrm>
+          <a:prstGeom prst="rect">
+            <a:avLst/>
+          </a:prstGeom>
+          <a:noFill/>
+        </p:spPr>
+        <p:txBody>
+          <a:bodyPr wrap="square" rtlCol="0">
+            <a:spAutoFit/>
+          </a:bodyPr>
+          <a:lstStyle/>
+          <a:p>
+            <a:r>
+              <a:rPr lang="en-CN" sz="1600" dirty="0"/>
+              <a:t>Train Text g</a:t>
+            </a:r>
+          </a:p>
+        </p:txBody>
+      </p:sp>
+      <p:sp>
+        <p:nvSpPr>
+          <p:cNvPr id="19" name="Rectangle 18">
+            <a:extLst>
+              <a:ext uri="{FF2B5EF4-FFF2-40B4-BE49-F238E27FC236}">
+                <a16:creationId xmlns:a16="http://schemas.microsoft.com/office/drawing/2014/main" id="{EDB38A8F-2800-63D2-90B8-A2CA76A72544}"/>
+              </a:ext>
+            </a:extLst>
+          </p:cNvPr>
+          <p:cNvSpPr/>
+          <p:nvPr/>
+        </p:nvSpPr>
+        <p:spPr>
+          <a:xfrm>
+            <a:off x="810919" y="4105445"/>
+            <a:ext cx="289367" cy="313441"/>
+          </a:xfrm>
+          <a:prstGeom prst="rect">
+            <a:avLst/>
+          </a:prstGeom>
+          <a:noFill/>
+          <a:ln>
+            <a:solidFill>
+              <a:schemeClr val="tx1"/>
+            </a:solidFill>
+          </a:ln>
+        </p:spPr>
+        <p:style>
+          <a:lnRef idx="2">
+            <a:schemeClr val="accent1">
+              <a:shade val="50000"/>
+            </a:schemeClr>
+          </a:lnRef>
+          <a:fillRef idx="1">
+            <a:schemeClr val="accent1"/>
+          </a:fillRef>
+          <a:effectRef idx="0">
+            <a:schemeClr val="accent1"/>
+          </a:effectRef>
+          <a:fontRef idx="minor">
+            <a:schemeClr val="lt1"/>
+          </a:fontRef>
+        </p:style>
+        <p:txBody>
+          <a:bodyPr rtlCol="0" anchor="ctr"/>
+          <a:lstStyle/>
+          <a:p>
+            <a:pPr algn="ctr"/>
+            <a:r>
+              <a:rPr lang="en-CN" sz="1400" b="1" dirty="0">
+                <a:ln>
+                  <a:solidFill>
+                    <a:schemeClr val="tx1"/>
+                  </a:solidFill>
+                </a:ln>
+                <a:solidFill>
+                  <a:sysClr val="windowText" lastClr="000000"/>
+                </a:solidFill>
+              </a:rPr>
+              <a:t>1</a:t>
+            </a:r>
+          </a:p>
+        </p:txBody>
+      </p:sp>
+      <p:pic>
+        <p:nvPicPr>
+          <p:cNvPr id="20" name="图片 6">
+            <a:extLst>
+              <a:ext uri="{FF2B5EF4-FFF2-40B4-BE49-F238E27FC236}">
+                <a16:creationId xmlns:a16="http://schemas.microsoft.com/office/drawing/2014/main" id="{AFF8FB12-B114-FA7F-B1BD-DB1E178CAD90}"/>
+              </a:ext>
+            </a:extLst>
+          </p:cNvPr>
+          <p:cNvPicPr>
+            <a:picLocks noChangeAspect="1"/>
+          </p:cNvPicPr>
+          <p:nvPr/>
+        </p:nvPicPr>
+        <p:blipFill>
+          <a:blip r:embed="rId4"/>
+          <a:stretch>
+            <a:fillRect/>
+          </a:stretch>
+        </p:blipFill>
+        <p:spPr>
+          <a:xfrm>
+            <a:off x="4406338" y="3753410"/>
+            <a:ext cx="1059947" cy="1496747"/>
+          </a:xfrm>
+          <a:prstGeom prst="rect">
+            <a:avLst/>
+          </a:prstGeom>
+        </p:spPr>
+      </p:pic>
+      <p:cxnSp>
+        <p:nvCxnSpPr>
+          <p:cNvPr id="21" name="Straight Arrow Connector 20">
+            <a:extLst>
+              <a:ext uri="{FF2B5EF4-FFF2-40B4-BE49-F238E27FC236}">
+                <a16:creationId xmlns:a16="http://schemas.microsoft.com/office/drawing/2014/main" id="{5A2A38F2-5023-FDA6-DCF1-6F34AA28A542}"/>
+              </a:ext>
+            </a:extLst>
+          </p:cNvPr>
+          <p:cNvCxnSpPr>
+            <a:cxnSpLocks/>
+          </p:cNvCxnSpPr>
+          <p:nvPr/>
+        </p:nvCxnSpPr>
+        <p:spPr>
+          <a:xfrm>
+            <a:off x="1772290" y="3578342"/>
+            <a:ext cx="664480" cy="405220"/>
+          </a:xfrm>
+          <a:prstGeom prst="straightConnector1">
+            <a:avLst/>
+          </a:prstGeom>
+          <a:ln>
+            <a:solidFill>
+              <a:schemeClr val="tx1"/>
+            </a:solidFill>
+            <a:tailEnd type="triangle"/>
+          </a:ln>
+        </p:spPr>
+        <p:style>
+          <a:lnRef idx="1">
+            <a:schemeClr val="accent1"/>
+          </a:lnRef>
+          <a:fillRef idx="0">
+            <a:schemeClr val="accent1"/>
+          </a:fillRef>
+          <a:effectRef idx="0">
+            <a:schemeClr val="accent1"/>
+          </a:effectRef>
+          <a:fontRef idx="minor">
+            <a:schemeClr val="tx1"/>
+          </a:fontRef>
+        </p:style>
+      </p:cxnSp>
+      <p:cxnSp>
+        <p:nvCxnSpPr>
+          <p:cNvPr id="23" name="Straight Arrow Connector 22">
+            <a:extLst>
+              <a:ext uri="{FF2B5EF4-FFF2-40B4-BE49-F238E27FC236}">
+                <a16:creationId xmlns:a16="http://schemas.microsoft.com/office/drawing/2014/main" id="{CAFAF05D-0979-BE9A-CAF3-1194B527A3C5}"/>
+              </a:ext>
+            </a:extLst>
+          </p:cNvPr>
+          <p:cNvCxnSpPr>
+            <a:cxnSpLocks/>
+          </p:cNvCxnSpPr>
+          <p:nvPr/>
+        </p:nvCxnSpPr>
+        <p:spPr>
+          <a:xfrm>
+            <a:off x="1720559" y="4572664"/>
+            <a:ext cx="716211" cy="27945"/>
+          </a:xfrm>
+          <a:prstGeom prst="straightConnector1">
+            <a:avLst/>
+          </a:prstGeom>
+          <a:ln>
+            <a:solidFill>
+              <a:schemeClr val="tx1"/>
+            </a:solidFill>
+            <a:tailEnd type="triangle"/>
+          </a:ln>
+        </p:spPr>
+        <p:style>
+          <a:lnRef idx="1">
+            <a:schemeClr val="accent1"/>
+          </a:lnRef>
+          <a:fillRef idx="0">
+            <a:schemeClr val="accent1"/>
+          </a:fillRef>
+          <a:effectRef idx="0">
+            <a:schemeClr val="accent1"/>
+          </a:effectRef>
+          <a:fontRef idx="minor">
+            <a:schemeClr val="tx1"/>
+          </a:fontRef>
+        </p:style>
+      </p:cxnSp>
+      <p:pic>
+        <p:nvPicPr>
+          <p:cNvPr id="26" name="图片 6">
+            <a:extLst>
+              <a:ext uri="{FF2B5EF4-FFF2-40B4-BE49-F238E27FC236}">
+                <a16:creationId xmlns:a16="http://schemas.microsoft.com/office/drawing/2014/main" id="{1823D685-F117-1B83-BFDA-676DB2C70015}"/>
+              </a:ext>
+            </a:extLst>
+          </p:cNvPr>
+          <p:cNvPicPr>
+            <a:picLocks noChangeAspect="1"/>
+          </p:cNvPicPr>
+          <p:nvPr/>
+        </p:nvPicPr>
+        <p:blipFill>
+          <a:blip r:embed="rId2">
+            <a:extLst>
+              <a:ext uri="{BEBA8EAE-BF5A-486C-A8C5-ECC9F3942E4B}">
+                <a14:imgProps xmlns:a14="http://schemas.microsoft.com/office/drawing/2010/main">
+                  <a14:imgLayer r:embed="rId5">
+                    <a14:imgEffect>
+                      <a14:saturation sat="0"/>
+                    </a14:imgEffect>
+                  </a14:imgLayer>
+                </a14:imgProps>
+              </a:ext>
+            </a:extLst>
+          </a:blip>
+          <a:stretch>
+            <a:fillRect/>
+          </a:stretch>
+        </p:blipFill>
+        <p:spPr>
+          <a:xfrm>
+            <a:off x="2554099" y="3770798"/>
+            <a:ext cx="1059947" cy="1496747"/>
+          </a:xfrm>
+          <a:prstGeom prst="rect">
+            <a:avLst/>
+          </a:prstGeom>
+        </p:spPr>
+      </p:pic>
+      <p:cxnSp>
+        <p:nvCxnSpPr>
+          <p:cNvPr id="27" name="Straight Arrow Connector 26">
+            <a:extLst>
+              <a:ext uri="{FF2B5EF4-FFF2-40B4-BE49-F238E27FC236}">
+                <a16:creationId xmlns:a16="http://schemas.microsoft.com/office/drawing/2014/main" id="{7A5DEBF8-C0CF-C99C-D442-D17DD96E11C1}"/>
+              </a:ext>
+            </a:extLst>
+          </p:cNvPr>
+          <p:cNvCxnSpPr>
+            <a:cxnSpLocks/>
+          </p:cNvCxnSpPr>
+          <p:nvPr/>
+        </p:nvCxnSpPr>
+        <p:spPr>
+          <a:xfrm>
+            <a:off x="3723430" y="4491607"/>
+            <a:ext cx="636607" cy="0"/>
+          </a:xfrm>
+          <a:prstGeom prst="straightConnector1">
+            <a:avLst/>
+          </a:prstGeom>
+          <a:ln>
+            <a:solidFill>
+              <a:schemeClr val="tx1"/>
+            </a:solidFill>
+            <a:tailEnd type="triangle"/>
+          </a:ln>
+        </p:spPr>
+        <p:style>
+          <a:lnRef idx="1">
+            <a:schemeClr val="accent1"/>
+          </a:lnRef>
+          <a:fillRef idx="0">
+            <a:schemeClr val="accent1"/>
+          </a:fillRef>
+          <a:effectRef idx="0">
+            <a:schemeClr val="accent1"/>
+          </a:effectRef>
+          <a:fontRef idx="minor">
+            <a:schemeClr val="tx1"/>
+          </a:fontRef>
+        </p:style>
+      </p:cxnSp>
+      <p:sp>
+        <p:nvSpPr>
+          <p:cNvPr id="29" name="Cube 28">
+            <a:extLst>
+              <a:ext uri="{FF2B5EF4-FFF2-40B4-BE49-F238E27FC236}">
+                <a16:creationId xmlns:a16="http://schemas.microsoft.com/office/drawing/2014/main" id="{4D06E518-385D-74E2-43F2-968CC681098C}"/>
+              </a:ext>
+            </a:extLst>
+          </p:cNvPr>
+          <p:cNvSpPr/>
+          <p:nvPr/>
+        </p:nvSpPr>
+        <p:spPr>
+          <a:xfrm>
+            <a:off x="4238126" y="2943392"/>
+            <a:ext cx="1354238" cy="369331"/>
+          </a:xfrm>
+          <a:prstGeom prst="cube">
+            <a:avLst/>
+          </a:prstGeom>
+          <a:noFill/>
+          <a:ln>
+            <a:solidFill>
+              <a:schemeClr val="tx1"/>
+            </a:solidFill>
+          </a:ln>
+        </p:spPr>
+        <p:style>
+          <a:lnRef idx="2">
+            <a:schemeClr val="accent1">
+              <a:shade val="50000"/>
+            </a:schemeClr>
+          </a:lnRef>
+          <a:fillRef idx="1">
+            <a:schemeClr val="accent1"/>
+          </a:fillRef>
+          <a:effectRef idx="0">
+            <a:schemeClr val="accent1"/>
+          </a:effectRef>
+          <a:fontRef idx="minor">
+            <a:schemeClr val="lt1"/>
+          </a:fontRef>
+        </p:style>
+        <p:txBody>
+          <a:bodyPr rtlCol="0" anchor="ctr"/>
+          <a:lstStyle/>
+          <a:p>
+            <a:pPr algn="ctr"/>
+            <a:endParaRPr lang="en-CN"/>
+          </a:p>
+        </p:txBody>
+      </p:sp>
+      <p:sp>
+        <p:nvSpPr>
+          <p:cNvPr id="30" name="TextBox 29">
+            <a:extLst>
+              <a:ext uri="{FF2B5EF4-FFF2-40B4-BE49-F238E27FC236}">
+                <a16:creationId xmlns:a16="http://schemas.microsoft.com/office/drawing/2014/main" id="{57D3E3FF-0211-BD05-9247-232BA93E2865}"/>
+              </a:ext>
+            </a:extLst>
+          </p:cNvPr>
+          <p:cNvSpPr txBox="1"/>
+          <p:nvPr/>
+        </p:nvSpPr>
+        <p:spPr>
+          <a:xfrm>
+            <a:off x="4238126" y="2999282"/>
+            <a:ext cx="1141877" cy="338554"/>
+          </a:xfrm>
+          <a:prstGeom prst="rect">
+            <a:avLst/>
+          </a:prstGeom>
+          <a:noFill/>
+        </p:spPr>
+        <p:txBody>
+          <a:bodyPr wrap="square" rtlCol="0">
+            <a:spAutoFit/>
+          </a:bodyPr>
+          <a:lstStyle/>
+          <a:p>
+            <a:r>
+              <a:rPr lang="en-CN" sz="1600" dirty="0"/>
+              <a:t>Test Text e</a:t>
+            </a:r>
+          </a:p>
+        </p:txBody>
+      </p:sp>
+      <p:sp>
+        <p:nvSpPr>
+          <p:cNvPr id="31" name="Rectangle 30">
+            <a:extLst>
+              <a:ext uri="{FF2B5EF4-FFF2-40B4-BE49-F238E27FC236}">
+                <a16:creationId xmlns:a16="http://schemas.microsoft.com/office/drawing/2014/main" id="{BF45AFA3-BC26-B6FF-EE40-DA509750131C}"/>
+              </a:ext>
+            </a:extLst>
+          </p:cNvPr>
+          <p:cNvSpPr/>
+          <p:nvPr/>
+        </p:nvSpPr>
+        <p:spPr>
+          <a:xfrm>
+            <a:off x="4770560" y="2629951"/>
+            <a:ext cx="289367" cy="313441"/>
+          </a:xfrm>
+          <a:prstGeom prst="rect">
+            <a:avLst/>
+          </a:prstGeom>
+          <a:noFill/>
+          <a:ln>
+            <a:solidFill>
+              <a:schemeClr val="tx1"/>
+            </a:solidFill>
+          </a:ln>
+        </p:spPr>
+        <p:style>
+          <a:lnRef idx="2">
+            <a:schemeClr val="accent1">
+              <a:shade val="50000"/>
+            </a:schemeClr>
+          </a:lnRef>
+          <a:fillRef idx="1">
+            <a:schemeClr val="accent1"/>
+          </a:fillRef>
+          <a:effectRef idx="0">
+            <a:schemeClr val="accent1"/>
+          </a:effectRef>
+          <a:fontRef idx="minor">
+            <a:schemeClr val="lt1"/>
+          </a:fontRef>
+        </p:style>
+        <p:txBody>
+          <a:bodyPr rtlCol="0" anchor="ctr"/>
+          <a:lstStyle/>
+          <a:p>
+            <a:pPr algn="ctr"/>
+            <a:r>
+              <a:rPr lang="en-CN" sz="1400" b="1" dirty="0">
+                <a:ln>
+                  <a:solidFill>
+                    <a:schemeClr val="tx1"/>
+                  </a:solidFill>
+                </a:ln>
+                <a:solidFill>
+                  <a:sysClr val="windowText" lastClr="000000"/>
+                </a:solidFill>
+              </a:rPr>
+              <a:t>0</a:t>
+            </a:r>
+          </a:p>
+        </p:txBody>
+      </p:sp>
+      <p:sp>
+        <p:nvSpPr>
+          <p:cNvPr id="34" name="Rectangle 33">
+            <a:extLst>
+              <a:ext uri="{FF2B5EF4-FFF2-40B4-BE49-F238E27FC236}">
+                <a16:creationId xmlns:a16="http://schemas.microsoft.com/office/drawing/2014/main" id="{2F53BCBE-122C-EC57-A6AF-6C566B8CE509}"/>
+              </a:ext>
+            </a:extLst>
+          </p:cNvPr>
+          <p:cNvSpPr/>
+          <p:nvPr/>
+        </p:nvSpPr>
+        <p:spPr>
+          <a:xfrm>
+            <a:off x="4751190" y="5716526"/>
+            <a:ext cx="289367" cy="313441"/>
+          </a:xfrm>
+          <a:prstGeom prst="rect">
+            <a:avLst/>
+          </a:prstGeom>
+          <a:solidFill>
+            <a:srgbClr val="FFC000"/>
+          </a:solidFill>
+          <a:ln>
+            <a:solidFill>
+              <a:schemeClr val="tx1"/>
+            </a:solidFill>
+          </a:ln>
+        </p:spPr>
+        <p:style>
+          <a:lnRef idx="2">
+            <a:schemeClr val="accent1">
+              <a:shade val="50000"/>
+            </a:schemeClr>
+          </a:lnRef>
+          <a:fillRef idx="1">
+            <a:schemeClr val="accent1"/>
+          </a:fillRef>
+          <a:effectRef idx="0">
+            <a:schemeClr val="accent1"/>
+          </a:effectRef>
+          <a:fontRef idx="minor">
+            <a:schemeClr val="lt1"/>
+          </a:fontRef>
+        </p:style>
+        <p:txBody>
+          <a:bodyPr rtlCol="0" anchor="ctr"/>
+          <a:lstStyle/>
+          <a:p>
+            <a:pPr algn="ctr"/>
+            <a:r>
+              <a:rPr lang="en-CN" sz="1400" b="1" dirty="0">
+                <a:ln>
+                  <a:solidFill>
+                    <a:schemeClr val="tx1"/>
+                  </a:solidFill>
+                </a:ln>
+                <a:solidFill>
+                  <a:sysClr val="windowText" lastClr="000000"/>
+                </a:solidFill>
+              </a:rPr>
+              <a:t>1</a:t>
+            </a:r>
+          </a:p>
+        </p:txBody>
+      </p:sp>
+      <p:cxnSp>
+        <p:nvCxnSpPr>
+          <p:cNvPr id="37" name="Straight Arrow Connector 36">
+            <a:extLst>
+              <a:ext uri="{FF2B5EF4-FFF2-40B4-BE49-F238E27FC236}">
+                <a16:creationId xmlns:a16="http://schemas.microsoft.com/office/drawing/2014/main" id="{C6736D0D-6D58-6A6F-C928-8B7EF2DB12BC}"/>
+              </a:ext>
+            </a:extLst>
+          </p:cNvPr>
+          <p:cNvCxnSpPr>
+            <a:cxnSpLocks/>
+          </p:cNvCxnSpPr>
+          <p:nvPr/>
+        </p:nvCxnSpPr>
+        <p:spPr>
+          <a:xfrm>
+            <a:off x="4919181" y="3393464"/>
+            <a:ext cx="0" cy="357090"/>
+          </a:xfrm>
+          <a:prstGeom prst="straightConnector1">
+            <a:avLst/>
+          </a:prstGeom>
+          <a:ln>
+            <a:solidFill>
+              <a:schemeClr val="tx1"/>
+            </a:solidFill>
+            <a:tailEnd type="triangle"/>
+          </a:ln>
+        </p:spPr>
+        <p:style>
+          <a:lnRef idx="1">
+            <a:schemeClr val="accent1"/>
+          </a:lnRef>
+          <a:fillRef idx="0">
+            <a:schemeClr val="accent1"/>
+          </a:fillRef>
+          <a:effectRef idx="0">
+            <a:schemeClr val="accent1"/>
+          </a:effectRef>
+          <a:fontRef idx="minor">
+            <a:schemeClr val="tx1"/>
+          </a:fontRef>
+        </p:style>
+      </p:cxnSp>
+      <p:cxnSp>
+        <p:nvCxnSpPr>
+          <p:cNvPr id="39" name="Straight Arrow Connector 38">
+            <a:extLst>
+              <a:ext uri="{FF2B5EF4-FFF2-40B4-BE49-F238E27FC236}">
+                <a16:creationId xmlns:a16="http://schemas.microsoft.com/office/drawing/2014/main" id="{21800371-5157-8613-27E0-837A69490787}"/>
+              </a:ext>
+            </a:extLst>
+          </p:cNvPr>
+          <p:cNvCxnSpPr>
+            <a:cxnSpLocks/>
+          </p:cNvCxnSpPr>
+          <p:nvPr/>
+        </p:nvCxnSpPr>
+        <p:spPr>
+          <a:xfrm>
+            <a:off x="4895874" y="5250157"/>
+            <a:ext cx="0" cy="357090"/>
+          </a:xfrm>
+          <a:prstGeom prst="straightConnector1">
+            <a:avLst/>
+          </a:prstGeom>
+          <a:ln>
+            <a:solidFill>
+              <a:schemeClr val="tx1"/>
+            </a:solidFill>
+            <a:tailEnd type="triangle"/>
+          </a:ln>
+        </p:spPr>
+        <p:style>
+          <a:lnRef idx="1">
+            <a:schemeClr val="accent1"/>
+          </a:lnRef>
+          <a:fillRef idx="0">
+            <a:schemeClr val="accent1"/>
+          </a:fillRef>
+          <a:effectRef idx="0">
+            <a:schemeClr val="accent1"/>
+          </a:effectRef>
+          <a:fontRef idx="minor">
+            <a:schemeClr val="tx1"/>
+          </a:fontRef>
+        </p:style>
+      </p:cxnSp>
+      <p:sp>
+        <p:nvSpPr>
+          <p:cNvPr id="40" name="TextBox 39">
+            <a:extLst>
+              <a:ext uri="{FF2B5EF4-FFF2-40B4-BE49-F238E27FC236}">
+                <a16:creationId xmlns:a16="http://schemas.microsoft.com/office/drawing/2014/main" id="{430A1FDC-57D2-BEBE-7539-44C6A7A7A4B9}"/>
+              </a:ext>
+            </a:extLst>
+          </p:cNvPr>
+          <p:cNvSpPr txBox="1"/>
+          <p:nvPr/>
+        </p:nvSpPr>
+        <p:spPr>
+          <a:xfrm>
+            <a:off x="221732" y="3550546"/>
+            <a:ext cx="1652034" cy="276999"/>
+          </a:xfrm>
+          <a:prstGeom prst="rect">
+            <a:avLst/>
+          </a:prstGeom>
+          <a:noFill/>
+        </p:spPr>
+        <p:txBody>
+          <a:bodyPr wrap="square" rtlCol="0">
+            <a:spAutoFit/>
+          </a:bodyPr>
+          <a:lstStyle/>
+          <a:p>
+            <a:r>
+              <a:rPr lang="en-CN" sz="1200" dirty="0"/>
+              <a:t>Similar sentence</a:t>
+            </a:r>
+          </a:p>
+        </p:txBody>
+      </p:sp>
+      <p:sp>
+        <p:nvSpPr>
+          <p:cNvPr id="41" name="TextBox 40">
+            <a:extLst>
+              <a:ext uri="{FF2B5EF4-FFF2-40B4-BE49-F238E27FC236}">
+                <a16:creationId xmlns:a16="http://schemas.microsoft.com/office/drawing/2014/main" id="{D8F63027-9022-F2E4-927A-69A92831D106}"/>
+              </a:ext>
+            </a:extLst>
+          </p:cNvPr>
+          <p:cNvSpPr txBox="1"/>
+          <p:nvPr/>
+        </p:nvSpPr>
+        <p:spPr>
+          <a:xfrm>
+            <a:off x="317026" y="4761191"/>
+            <a:ext cx="1652034" cy="276999"/>
+          </a:xfrm>
+          <a:prstGeom prst="rect">
+            <a:avLst/>
+          </a:prstGeom>
+          <a:noFill/>
+        </p:spPr>
+        <p:txBody>
+          <a:bodyPr wrap="square" rtlCol="0">
+            <a:spAutoFit/>
+          </a:bodyPr>
+          <a:lstStyle/>
+          <a:p>
+            <a:r>
+              <a:rPr lang="en-CN" sz="1200" dirty="0"/>
+              <a:t>Similar sentence</a:t>
+            </a:r>
+          </a:p>
+        </p:txBody>
+      </p:sp>
+      <p:sp>
+        <p:nvSpPr>
+          <p:cNvPr id="52" name="TextBox 51">
+            <a:extLst>
+              <a:ext uri="{FF2B5EF4-FFF2-40B4-BE49-F238E27FC236}">
+                <a16:creationId xmlns:a16="http://schemas.microsoft.com/office/drawing/2014/main" id="{8CCCBF69-F107-0B96-7827-5F151DB7F48F}"/>
+              </a:ext>
+            </a:extLst>
+          </p:cNvPr>
+          <p:cNvSpPr txBox="1"/>
+          <p:nvPr/>
+        </p:nvSpPr>
+        <p:spPr>
+          <a:xfrm>
+            <a:off x="4440049" y="3904518"/>
+            <a:ext cx="1652034" cy="261610"/>
+          </a:xfrm>
+          <a:prstGeom prst="rect">
+            <a:avLst/>
+          </a:prstGeom>
+          <a:noFill/>
+        </p:spPr>
+        <p:txBody>
+          <a:bodyPr wrap="square" rtlCol="0">
+            <a:spAutoFit/>
+          </a:bodyPr>
+          <a:lstStyle/>
+          <a:p>
+            <a:r>
+              <a:rPr lang="en-CN" sz="1100" b="1" dirty="0"/>
+              <a:t>Trained BERT</a:t>
+            </a:r>
+          </a:p>
+        </p:txBody>
+      </p:sp>
+      <p:sp>
+        <p:nvSpPr>
+          <p:cNvPr id="53" name="TextBox 52">
+            <a:extLst>
+              <a:ext uri="{FF2B5EF4-FFF2-40B4-BE49-F238E27FC236}">
+                <a16:creationId xmlns:a16="http://schemas.microsoft.com/office/drawing/2014/main" id="{697C3808-F9C1-B0C9-12D5-2B074EB3345C}"/>
+              </a:ext>
+            </a:extLst>
+          </p:cNvPr>
+          <p:cNvSpPr txBox="1"/>
+          <p:nvPr/>
+        </p:nvSpPr>
+        <p:spPr>
+          <a:xfrm>
+            <a:off x="2329713" y="5852816"/>
+            <a:ext cx="2483834" cy="369332"/>
+          </a:xfrm>
+          <a:prstGeom prst="rect">
+            <a:avLst/>
+          </a:prstGeom>
+          <a:noFill/>
+        </p:spPr>
+        <p:txBody>
+          <a:bodyPr wrap="square" rtlCol="0">
+            <a:spAutoFit/>
+          </a:bodyPr>
+          <a:lstStyle/>
+          <a:p>
+            <a:r>
+              <a:rPr lang="en-CN" dirty="0">
+                <a:solidFill>
+                  <a:srgbClr val="FF0000"/>
+                </a:solidFill>
+              </a:rPr>
+              <a:t>1      =      1</a:t>
+            </a:r>
+          </a:p>
+        </p:txBody>
+      </p:sp>
+      <p:sp>
+        <p:nvSpPr>
+          <p:cNvPr id="54" name="TextBox 53">
+            <a:extLst>
+              <a:ext uri="{FF2B5EF4-FFF2-40B4-BE49-F238E27FC236}">
+                <a16:creationId xmlns:a16="http://schemas.microsoft.com/office/drawing/2014/main" id="{A2CDB8D0-9463-A06B-A430-D1DD1E2B96D2}"/>
+              </a:ext>
+            </a:extLst>
+          </p:cNvPr>
+          <p:cNvSpPr txBox="1"/>
+          <p:nvPr/>
+        </p:nvSpPr>
+        <p:spPr>
+          <a:xfrm>
+            <a:off x="2170544" y="5649295"/>
+            <a:ext cx="1892661" cy="276999"/>
+          </a:xfrm>
+          <a:prstGeom prst="rect">
+            <a:avLst/>
+          </a:prstGeom>
+          <a:noFill/>
+        </p:spPr>
+        <p:txBody>
+          <a:bodyPr wrap="square" rtlCol="0">
+            <a:spAutoFit/>
+          </a:bodyPr>
+          <a:lstStyle/>
+          <a:p>
+            <a:r>
+              <a:rPr lang="en-US" sz="1200" dirty="0"/>
+              <a:t>L</a:t>
+            </a:r>
+            <a:r>
+              <a:rPr lang="en-CN" sz="1200" dirty="0"/>
+              <a:t>abel 1              label 0</a:t>
+            </a:r>
+          </a:p>
+        </p:txBody>
+      </p:sp>
+      <p:sp>
+        <p:nvSpPr>
+          <p:cNvPr id="55" name="TextBox 54">
+            <a:extLst>
+              <a:ext uri="{FF2B5EF4-FFF2-40B4-BE49-F238E27FC236}">
+                <a16:creationId xmlns:a16="http://schemas.microsoft.com/office/drawing/2014/main" id="{C8B0C253-4CDB-4B0D-9F11-2747C9CBB1F7}"/>
+              </a:ext>
+            </a:extLst>
+          </p:cNvPr>
+          <p:cNvSpPr txBox="1"/>
+          <p:nvPr/>
+        </p:nvSpPr>
+        <p:spPr>
+          <a:xfrm>
+            <a:off x="2554099" y="3886644"/>
+            <a:ext cx="1652034" cy="261610"/>
+          </a:xfrm>
+          <a:prstGeom prst="rect">
+            <a:avLst/>
+          </a:prstGeom>
+          <a:noFill/>
+        </p:spPr>
+        <p:txBody>
+          <a:bodyPr wrap="square" rtlCol="0">
+            <a:spAutoFit/>
+          </a:bodyPr>
+          <a:lstStyle/>
+          <a:p>
+            <a:r>
+              <a:rPr lang="en-CN" sz="1100" b="1" dirty="0"/>
+              <a:t>Pretrain BERT</a:t>
+            </a:r>
+          </a:p>
+        </p:txBody>
+      </p:sp>
+      <p:sp>
+        <p:nvSpPr>
+          <p:cNvPr id="57" name="Triangle 56">
+            <a:extLst>
+              <a:ext uri="{FF2B5EF4-FFF2-40B4-BE49-F238E27FC236}">
+                <a16:creationId xmlns:a16="http://schemas.microsoft.com/office/drawing/2014/main" id="{6854B092-298E-FF8F-D82F-5F0F1B0724CE}"/>
+              </a:ext>
+            </a:extLst>
+          </p:cNvPr>
+          <p:cNvSpPr/>
+          <p:nvPr/>
+        </p:nvSpPr>
+        <p:spPr>
+          <a:xfrm rot="5400000">
+            <a:off x="4709131" y="4511704"/>
+            <a:ext cx="2791937" cy="313441"/>
+          </a:xfrm>
+          <a:prstGeom prst="triangle">
+            <a:avLst/>
+          </a:prstGeom>
+        </p:spPr>
+        <p:style>
+          <a:lnRef idx="2">
+            <a:schemeClr val="accent1">
+              <a:shade val="50000"/>
+            </a:schemeClr>
+          </a:lnRef>
+          <a:fillRef idx="1">
+            <a:schemeClr val="accent1"/>
+          </a:fillRef>
+          <a:effectRef idx="0">
+            <a:schemeClr val="accent1"/>
+          </a:effectRef>
+          <a:fontRef idx="minor">
+            <a:schemeClr val="lt1"/>
+          </a:fontRef>
+        </p:style>
+        <p:txBody>
+          <a:bodyPr rtlCol="0" anchor="ctr"/>
+          <a:lstStyle/>
+          <a:p>
+            <a:pPr algn="ctr"/>
+            <a:endParaRPr lang="en-CN"/>
+          </a:p>
+        </p:txBody>
+      </p:sp>
+      <p:sp>
+        <p:nvSpPr>
+          <p:cNvPr id="65" name="Cube 64">
+            <a:extLst>
+              <a:ext uri="{FF2B5EF4-FFF2-40B4-BE49-F238E27FC236}">
+                <a16:creationId xmlns:a16="http://schemas.microsoft.com/office/drawing/2014/main" id="{20212843-8D3C-C1E9-5246-63E3633610A9}"/>
+              </a:ext>
+            </a:extLst>
+          </p:cNvPr>
+          <p:cNvSpPr/>
+          <p:nvPr/>
+        </p:nvSpPr>
+        <p:spPr>
+          <a:xfrm>
+            <a:off x="6624727" y="3075254"/>
+            <a:ext cx="1354238" cy="369331"/>
+          </a:xfrm>
+          <a:prstGeom prst="cube">
+            <a:avLst/>
+          </a:prstGeom>
+          <a:noFill/>
+          <a:ln>
+            <a:solidFill>
+              <a:schemeClr val="tx1"/>
+            </a:solidFill>
+          </a:ln>
+        </p:spPr>
+        <p:style>
+          <a:lnRef idx="2">
+            <a:schemeClr val="accent1">
+              <a:shade val="50000"/>
+            </a:schemeClr>
+          </a:lnRef>
+          <a:fillRef idx="1">
+            <a:schemeClr val="accent1"/>
+          </a:fillRef>
+          <a:effectRef idx="0">
+            <a:schemeClr val="accent1"/>
+          </a:effectRef>
+          <a:fontRef idx="minor">
+            <a:schemeClr val="lt1"/>
+          </a:fontRef>
+        </p:style>
+        <p:txBody>
+          <a:bodyPr rtlCol="0" anchor="ctr"/>
+          <a:lstStyle/>
+          <a:p>
+            <a:pPr algn="ctr"/>
+            <a:endParaRPr lang="en-CN"/>
+          </a:p>
+        </p:txBody>
+      </p:sp>
+      <p:sp>
+        <p:nvSpPr>
+          <p:cNvPr id="66" name="TextBox 65">
+            <a:extLst>
+              <a:ext uri="{FF2B5EF4-FFF2-40B4-BE49-F238E27FC236}">
+                <a16:creationId xmlns:a16="http://schemas.microsoft.com/office/drawing/2014/main" id="{AF0609C8-6750-1AA3-B4F5-873AC271B3EC}"/>
+              </a:ext>
+            </a:extLst>
+          </p:cNvPr>
+          <p:cNvSpPr txBox="1"/>
+          <p:nvPr/>
+        </p:nvSpPr>
+        <p:spPr>
+          <a:xfrm>
+            <a:off x="6624727" y="3131144"/>
+            <a:ext cx="1319278" cy="338554"/>
+          </a:xfrm>
+          <a:prstGeom prst="rect">
+            <a:avLst/>
+          </a:prstGeom>
+          <a:noFill/>
+        </p:spPr>
+        <p:txBody>
+          <a:bodyPr wrap="square" rtlCol="0">
+            <a:spAutoFit/>
+          </a:bodyPr>
+          <a:lstStyle/>
+          <a:p>
+            <a:r>
+              <a:rPr lang="en-CN" sz="1600" dirty="0"/>
+              <a:t>Train Text f</a:t>
+            </a:r>
+          </a:p>
+        </p:txBody>
+      </p:sp>
+      <p:sp>
+        <p:nvSpPr>
+          <p:cNvPr id="67" name="Rectangle 66">
+            <a:extLst>
+              <a:ext uri="{FF2B5EF4-FFF2-40B4-BE49-F238E27FC236}">
+                <a16:creationId xmlns:a16="http://schemas.microsoft.com/office/drawing/2014/main" id="{EE5162EA-09B0-E790-4331-51F4FD8C71F7}"/>
+              </a:ext>
+            </a:extLst>
+          </p:cNvPr>
+          <p:cNvSpPr/>
+          <p:nvPr/>
+        </p:nvSpPr>
+        <p:spPr>
+          <a:xfrm>
+            <a:off x="7157161" y="2761813"/>
+            <a:ext cx="289367" cy="313441"/>
+          </a:xfrm>
+          <a:prstGeom prst="rect">
+            <a:avLst/>
+          </a:prstGeom>
+          <a:noFill/>
+          <a:ln>
+            <a:solidFill>
+              <a:schemeClr val="tx1"/>
+            </a:solidFill>
+          </a:ln>
+        </p:spPr>
+        <p:style>
+          <a:lnRef idx="2">
+            <a:schemeClr val="accent1">
+              <a:shade val="50000"/>
+            </a:schemeClr>
+          </a:lnRef>
+          <a:fillRef idx="1">
+            <a:schemeClr val="accent1"/>
+          </a:fillRef>
+          <a:effectRef idx="0">
+            <a:schemeClr val="accent1"/>
+          </a:effectRef>
+          <a:fontRef idx="minor">
+            <a:schemeClr val="lt1"/>
+          </a:fontRef>
+        </p:style>
+        <p:txBody>
+          <a:bodyPr rtlCol="0" anchor="ctr"/>
+          <a:lstStyle/>
+          <a:p>
+            <a:pPr algn="ctr"/>
+            <a:r>
+              <a:rPr lang="en-CN" sz="1400" b="1" dirty="0">
+                <a:ln>
+                  <a:solidFill>
+                    <a:schemeClr val="tx1"/>
+                  </a:solidFill>
+                </a:ln>
+                <a:solidFill>
+                  <a:sysClr val="windowText" lastClr="000000"/>
+                </a:solidFill>
+              </a:rPr>
+              <a:t>0</a:t>
+            </a:r>
+          </a:p>
+        </p:txBody>
+      </p:sp>
+      <p:sp>
+        <p:nvSpPr>
+          <p:cNvPr id="68" name="Cube 67">
+            <a:extLst>
+              <a:ext uri="{FF2B5EF4-FFF2-40B4-BE49-F238E27FC236}">
+                <a16:creationId xmlns:a16="http://schemas.microsoft.com/office/drawing/2014/main" id="{96AD57F1-D947-2D12-0291-30F5C2ACB0CE}"/>
+              </a:ext>
+            </a:extLst>
+          </p:cNvPr>
+          <p:cNvSpPr/>
+          <p:nvPr/>
+        </p:nvSpPr>
+        <p:spPr>
+          <a:xfrm>
+            <a:off x="6636969" y="4286583"/>
+            <a:ext cx="1354238" cy="369331"/>
+          </a:xfrm>
+          <a:prstGeom prst="cube">
+            <a:avLst/>
+          </a:prstGeom>
+          <a:noFill/>
+          <a:ln>
+            <a:solidFill>
+              <a:schemeClr val="tx1"/>
+            </a:solidFill>
+          </a:ln>
+        </p:spPr>
+        <p:style>
+          <a:lnRef idx="2">
+            <a:schemeClr val="accent1">
+              <a:shade val="50000"/>
+            </a:schemeClr>
+          </a:lnRef>
+          <a:fillRef idx="1">
+            <a:schemeClr val="accent1"/>
+          </a:fillRef>
+          <a:effectRef idx="0">
+            <a:schemeClr val="accent1"/>
+          </a:effectRef>
+          <a:fontRef idx="minor">
+            <a:schemeClr val="lt1"/>
+          </a:fontRef>
+        </p:style>
+        <p:txBody>
+          <a:bodyPr rtlCol="0" anchor="ctr"/>
+          <a:lstStyle/>
+          <a:p>
+            <a:pPr algn="ctr"/>
+            <a:endParaRPr lang="en-CN"/>
+          </a:p>
+        </p:txBody>
+      </p:sp>
+      <p:sp>
+        <p:nvSpPr>
+          <p:cNvPr id="69" name="TextBox 68">
+            <a:extLst>
+              <a:ext uri="{FF2B5EF4-FFF2-40B4-BE49-F238E27FC236}">
+                <a16:creationId xmlns:a16="http://schemas.microsoft.com/office/drawing/2014/main" id="{4CAFBEC5-6E6B-9A39-D28C-97CFCBDA66B9}"/>
+              </a:ext>
+            </a:extLst>
+          </p:cNvPr>
+          <p:cNvSpPr txBox="1"/>
+          <p:nvPr/>
+        </p:nvSpPr>
+        <p:spPr>
+          <a:xfrm>
+            <a:off x="6636969" y="4342473"/>
+            <a:ext cx="1223844" cy="338554"/>
+          </a:xfrm>
+          <a:prstGeom prst="rect">
+            <a:avLst/>
+          </a:prstGeom>
+          <a:noFill/>
+        </p:spPr>
+        <p:txBody>
+          <a:bodyPr wrap="square" rtlCol="0">
+            <a:spAutoFit/>
+          </a:bodyPr>
+          <a:lstStyle/>
+          <a:p>
+            <a:r>
+              <a:rPr lang="en-CN" sz="1600" dirty="0"/>
+              <a:t>Train Text g</a:t>
+            </a:r>
+          </a:p>
+        </p:txBody>
+      </p:sp>
+      <p:sp>
+        <p:nvSpPr>
+          <p:cNvPr id="70" name="Rectangle 69">
+            <a:extLst>
+              <a:ext uri="{FF2B5EF4-FFF2-40B4-BE49-F238E27FC236}">
+                <a16:creationId xmlns:a16="http://schemas.microsoft.com/office/drawing/2014/main" id="{0D0A7F9F-D8F2-68EF-33D6-549AEF2968C2}"/>
+              </a:ext>
+            </a:extLst>
+          </p:cNvPr>
+          <p:cNvSpPr/>
+          <p:nvPr/>
+        </p:nvSpPr>
+        <p:spPr>
+          <a:xfrm>
+            <a:off x="7169403" y="3973142"/>
+            <a:ext cx="289367" cy="313441"/>
+          </a:xfrm>
+          <a:prstGeom prst="rect">
+            <a:avLst/>
+          </a:prstGeom>
+          <a:noFill/>
+          <a:ln>
+            <a:solidFill>
+              <a:schemeClr val="tx1"/>
+            </a:solidFill>
+          </a:ln>
+        </p:spPr>
+        <p:style>
+          <a:lnRef idx="2">
+            <a:schemeClr val="accent1">
+              <a:shade val="50000"/>
+            </a:schemeClr>
+          </a:lnRef>
+          <a:fillRef idx="1">
+            <a:schemeClr val="accent1"/>
+          </a:fillRef>
+          <a:effectRef idx="0">
+            <a:schemeClr val="accent1"/>
+          </a:effectRef>
+          <a:fontRef idx="minor">
+            <a:schemeClr val="lt1"/>
+          </a:fontRef>
+        </p:style>
+        <p:txBody>
+          <a:bodyPr rtlCol="0" anchor="ctr"/>
+          <a:lstStyle/>
+          <a:p>
+            <a:pPr algn="ctr"/>
+            <a:r>
+              <a:rPr lang="en-CN" sz="1400" b="1" dirty="0">
+                <a:ln>
+                  <a:solidFill>
+                    <a:schemeClr val="tx1"/>
+                  </a:solidFill>
+                </a:ln>
+                <a:solidFill>
+                  <a:sysClr val="windowText" lastClr="000000"/>
+                </a:solidFill>
+              </a:rPr>
+              <a:t>0</a:t>
+            </a:r>
+          </a:p>
+        </p:txBody>
+      </p:sp>
+      <p:pic>
+        <p:nvPicPr>
+          <p:cNvPr id="71" name="图片 6">
+            <a:extLst>
+              <a:ext uri="{FF2B5EF4-FFF2-40B4-BE49-F238E27FC236}">
+                <a16:creationId xmlns:a16="http://schemas.microsoft.com/office/drawing/2014/main" id="{F3B4D7FB-FDB9-0EB6-A2B3-E3A4CCDF0540}"/>
+              </a:ext>
+            </a:extLst>
+          </p:cNvPr>
+          <p:cNvPicPr>
+            <a:picLocks noChangeAspect="1"/>
+          </p:cNvPicPr>
+          <p:nvPr/>
+        </p:nvPicPr>
+        <p:blipFill>
+          <a:blip r:embed="rId4"/>
+          <a:stretch>
+            <a:fillRect/>
+          </a:stretch>
+        </p:blipFill>
+        <p:spPr>
+          <a:xfrm>
+            <a:off x="10764822" y="3621107"/>
+            <a:ext cx="1059947" cy="1496747"/>
+          </a:xfrm>
+          <a:prstGeom prst="rect">
+            <a:avLst/>
+          </a:prstGeom>
+        </p:spPr>
+      </p:pic>
+      <p:cxnSp>
+        <p:nvCxnSpPr>
+          <p:cNvPr id="72" name="Straight Arrow Connector 71">
+            <a:extLst>
+              <a:ext uri="{FF2B5EF4-FFF2-40B4-BE49-F238E27FC236}">
+                <a16:creationId xmlns:a16="http://schemas.microsoft.com/office/drawing/2014/main" id="{7D86E36C-C381-2AC6-3988-9031E69F0BC4}"/>
+              </a:ext>
+            </a:extLst>
+          </p:cNvPr>
+          <p:cNvCxnSpPr>
+            <a:cxnSpLocks/>
+          </p:cNvCxnSpPr>
+          <p:nvPr/>
+        </p:nvCxnSpPr>
+        <p:spPr>
+          <a:xfrm>
+            <a:off x="8130774" y="3446039"/>
+            <a:ext cx="664480" cy="405220"/>
+          </a:xfrm>
+          <a:prstGeom prst="straightConnector1">
+            <a:avLst/>
+          </a:prstGeom>
+          <a:ln>
+            <a:solidFill>
+              <a:schemeClr val="tx1"/>
+            </a:solidFill>
+            <a:tailEnd type="triangle"/>
+          </a:ln>
+        </p:spPr>
+        <p:style>
+          <a:lnRef idx="1">
+            <a:schemeClr val="accent1"/>
+          </a:lnRef>
+          <a:fillRef idx="0">
+            <a:schemeClr val="accent1"/>
+          </a:fillRef>
+          <a:effectRef idx="0">
+            <a:schemeClr val="accent1"/>
+          </a:effectRef>
+          <a:fontRef idx="minor">
+            <a:schemeClr val="tx1"/>
+          </a:fontRef>
+        </p:style>
+      </p:cxnSp>
+      <p:cxnSp>
+        <p:nvCxnSpPr>
+          <p:cNvPr id="73" name="Straight Arrow Connector 72">
+            <a:extLst>
+              <a:ext uri="{FF2B5EF4-FFF2-40B4-BE49-F238E27FC236}">
+                <a16:creationId xmlns:a16="http://schemas.microsoft.com/office/drawing/2014/main" id="{CB83E0DE-1938-C07B-87A6-C8288498293D}"/>
+              </a:ext>
+            </a:extLst>
+          </p:cNvPr>
+          <p:cNvCxnSpPr>
+            <a:cxnSpLocks/>
+          </p:cNvCxnSpPr>
+          <p:nvPr/>
+        </p:nvCxnSpPr>
+        <p:spPr>
+          <a:xfrm>
+            <a:off x="8079043" y="4440361"/>
+            <a:ext cx="716211" cy="27945"/>
+          </a:xfrm>
+          <a:prstGeom prst="straightConnector1">
+            <a:avLst/>
+          </a:prstGeom>
+          <a:ln>
+            <a:solidFill>
+              <a:schemeClr val="tx1"/>
+            </a:solidFill>
+            <a:tailEnd type="triangle"/>
+          </a:ln>
+        </p:spPr>
+        <p:style>
+          <a:lnRef idx="1">
+            <a:schemeClr val="accent1"/>
+          </a:lnRef>
+          <a:fillRef idx="0">
+            <a:schemeClr val="accent1"/>
+          </a:fillRef>
+          <a:effectRef idx="0">
+            <a:schemeClr val="accent1"/>
+          </a:effectRef>
+          <a:fontRef idx="minor">
+            <a:schemeClr val="tx1"/>
+          </a:fontRef>
+        </p:style>
+      </p:cxnSp>
+      <p:pic>
+        <p:nvPicPr>
+          <p:cNvPr id="74" name="图片 6">
+            <a:extLst>
+              <a:ext uri="{FF2B5EF4-FFF2-40B4-BE49-F238E27FC236}">
+                <a16:creationId xmlns:a16="http://schemas.microsoft.com/office/drawing/2014/main" id="{8E5F7C52-A904-7605-D8CD-D6908E7DE448}"/>
+              </a:ext>
+            </a:extLst>
+          </p:cNvPr>
+          <p:cNvPicPr>
+            <a:picLocks noChangeAspect="1"/>
+          </p:cNvPicPr>
+          <p:nvPr/>
+        </p:nvPicPr>
+        <p:blipFill>
+          <a:blip r:embed="rId2">
+            <a:extLst>
+              <a:ext uri="{BEBA8EAE-BF5A-486C-A8C5-ECC9F3942E4B}">
+                <a14:imgProps xmlns:a14="http://schemas.microsoft.com/office/drawing/2010/main">
+                  <a14:imgLayer r:embed="rId6">
+                    <a14:imgEffect>
+                      <a14:saturation sat="0"/>
+                    </a14:imgEffect>
+                  </a14:imgLayer>
+                </a14:imgProps>
+              </a:ext>
+            </a:extLst>
+          </a:blip>
+          <a:stretch>
+            <a:fillRect/>
+          </a:stretch>
+        </p:blipFill>
+        <p:spPr>
+          <a:xfrm>
+            <a:off x="8912583" y="3638495"/>
+            <a:ext cx="1059947" cy="1496747"/>
+          </a:xfrm>
+          <a:prstGeom prst="rect">
+            <a:avLst/>
+          </a:prstGeom>
+        </p:spPr>
+      </p:pic>
+      <p:cxnSp>
+        <p:nvCxnSpPr>
+          <p:cNvPr id="75" name="Straight Arrow Connector 74">
+            <a:extLst>
+              <a:ext uri="{FF2B5EF4-FFF2-40B4-BE49-F238E27FC236}">
+                <a16:creationId xmlns:a16="http://schemas.microsoft.com/office/drawing/2014/main" id="{FB5709FB-2878-D3F9-7241-84DB0C52C690}"/>
+              </a:ext>
+            </a:extLst>
+          </p:cNvPr>
+          <p:cNvCxnSpPr>
+            <a:cxnSpLocks/>
+          </p:cNvCxnSpPr>
+          <p:nvPr/>
+        </p:nvCxnSpPr>
+        <p:spPr>
+          <a:xfrm>
+            <a:off x="10081914" y="4359304"/>
+            <a:ext cx="636607" cy="0"/>
+          </a:xfrm>
+          <a:prstGeom prst="straightConnector1">
+            <a:avLst/>
+          </a:prstGeom>
+          <a:ln>
+            <a:solidFill>
+              <a:schemeClr val="tx1"/>
+            </a:solidFill>
+            <a:tailEnd type="triangle"/>
+          </a:ln>
+        </p:spPr>
+        <p:style>
+          <a:lnRef idx="1">
+            <a:schemeClr val="accent1"/>
+          </a:lnRef>
+          <a:fillRef idx="0">
+            <a:schemeClr val="accent1"/>
+          </a:fillRef>
+          <a:effectRef idx="0">
+            <a:schemeClr val="accent1"/>
+          </a:effectRef>
+          <a:fontRef idx="minor">
+            <a:schemeClr val="tx1"/>
+          </a:fontRef>
+        </p:style>
+      </p:cxnSp>
+      <p:sp>
+        <p:nvSpPr>
+          <p:cNvPr id="76" name="Cube 75">
+            <a:extLst>
+              <a:ext uri="{FF2B5EF4-FFF2-40B4-BE49-F238E27FC236}">
+                <a16:creationId xmlns:a16="http://schemas.microsoft.com/office/drawing/2014/main" id="{829D2AB9-AD82-5B0A-565F-FF62339263E3}"/>
+              </a:ext>
+            </a:extLst>
+          </p:cNvPr>
+          <p:cNvSpPr/>
+          <p:nvPr/>
+        </p:nvSpPr>
+        <p:spPr>
+          <a:xfrm>
+            <a:off x="10596610" y="2811089"/>
+            <a:ext cx="1354238" cy="369331"/>
+          </a:xfrm>
+          <a:prstGeom prst="cube">
+            <a:avLst/>
+          </a:prstGeom>
+          <a:noFill/>
+          <a:ln>
+            <a:solidFill>
+              <a:schemeClr val="tx1"/>
+            </a:solidFill>
+          </a:ln>
+        </p:spPr>
+        <p:style>
+          <a:lnRef idx="2">
+            <a:schemeClr val="accent1">
+              <a:shade val="50000"/>
+            </a:schemeClr>
+          </a:lnRef>
+          <a:fillRef idx="1">
+            <a:schemeClr val="accent1"/>
+          </a:fillRef>
+          <a:effectRef idx="0">
+            <a:schemeClr val="accent1"/>
+          </a:effectRef>
+          <a:fontRef idx="minor">
+            <a:schemeClr val="lt1"/>
+          </a:fontRef>
+        </p:style>
+        <p:txBody>
+          <a:bodyPr rtlCol="0" anchor="ctr"/>
+          <a:lstStyle/>
+          <a:p>
+            <a:pPr algn="ctr"/>
+            <a:endParaRPr lang="en-CN"/>
+          </a:p>
+        </p:txBody>
+      </p:sp>
+      <p:sp>
+        <p:nvSpPr>
+          <p:cNvPr id="77" name="TextBox 76">
+            <a:extLst>
+              <a:ext uri="{FF2B5EF4-FFF2-40B4-BE49-F238E27FC236}">
+                <a16:creationId xmlns:a16="http://schemas.microsoft.com/office/drawing/2014/main" id="{4EBE0A7C-6DF2-3240-B735-6E04826B822A}"/>
+              </a:ext>
+            </a:extLst>
+          </p:cNvPr>
+          <p:cNvSpPr txBox="1"/>
+          <p:nvPr/>
+        </p:nvSpPr>
+        <p:spPr>
+          <a:xfrm>
+            <a:off x="10596610" y="2866979"/>
+            <a:ext cx="1141877" cy="338554"/>
+          </a:xfrm>
+          <a:prstGeom prst="rect">
+            <a:avLst/>
+          </a:prstGeom>
+          <a:noFill/>
+        </p:spPr>
+        <p:txBody>
+          <a:bodyPr wrap="square" rtlCol="0">
+            <a:spAutoFit/>
+          </a:bodyPr>
+          <a:lstStyle/>
+          <a:p>
+            <a:r>
+              <a:rPr lang="en-CN" sz="1600" dirty="0"/>
+              <a:t>Test Text e</a:t>
+            </a:r>
+          </a:p>
+        </p:txBody>
+      </p:sp>
+      <p:sp>
+        <p:nvSpPr>
+          <p:cNvPr id="78" name="Rectangle 77">
+            <a:extLst>
+              <a:ext uri="{FF2B5EF4-FFF2-40B4-BE49-F238E27FC236}">
+                <a16:creationId xmlns:a16="http://schemas.microsoft.com/office/drawing/2014/main" id="{290DDFC7-5153-3D2C-9743-73D6E498B1D6}"/>
+              </a:ext>
+            </a:extLst>
+          </p:cNvPr>
+          <p:cNvSpPr/>
+          <p:nvPr/>
+        </p:nvSpPr>
+        <p:spPr>
+          <a:xfrm>
+            <a:off x="11129044" y="2497648"/>
+            <a:ext cx="289367" cy="313441"/>
+          </a:xfrm>
+          <a:prstGeom prst="rect">
+            <a:avLst/>
+          </a:prstGeom>
+          <a:noFill/>
+          <a:ln>
+            <a:solidFill>
+              <a:schemeClr val="tx1"/>
+            </a:solidFill>
+          </a:ln>
+        </p:spPr>
+        <p:style>
+          <a:lnRef idx="2">
+            <a:schemeClr val="accent1">
+              <a:shade val="50000"/>
+            </a:schemeClr>
+          </a:lnRef>
+          <a:fillRef idx="1">
+            <a:schemeClr val="accent1"/>
+          </a:fillRef>
+          <a:effectRef idx="0">
+            <a:schemeClr val="accent1"/>
+          </a:effectRef>
+          <a:fontRef idx="minor">
+            <a:schemeClr val="lt1"/>
+          </a:fontRef>
+        </p:style>
+        <p:txBody>
+          <a:bodyPr rtlCol="0" anchor="ctr"/>
+          <a:lstStyle/>
+          <a:p>
+            <a:pPr algn="ctr"/>
+            <a:r>
+              <a:rPr lang="en-CN" sz="1400" b="1" dirty="0">
+                <a:ln>
+                  <a:solidFill>
+                    <a:schemeClr val="tx1"/>
+                  </a:solidFill>
+                </a:ln>
+                <a:solidFill>
+                  <a:sysClr val="windowText" lastClr="000000"/>
+                </a:solidFill>
+              </a:rPr>
+              <a:t>0</a:t>
+            </a:r>
+          </a:p>
+        </p:txBody>
+      </p:sp>
+      <p:sp>
+        <p:nvSpPr>
+          <p:cNvPr id="79" name="Rectangle 78">
+            <a:extLst>
+              <a:ext uri="{FF2B5EF4-FFF2-40B4-BE49-F238E27FC236}">
+                <a16:creationId xmlns:a16="http://schemas.microsoft.com/office/drawing/2014/main" id="{3B65E0D8-E89D-1CC1-4F9C-5A23D21D332A}"/>
+              </a:ext>
+            </a:extLst>
+          </p:cNvPr>
+          <p:cNvSpPr/>
+          <p:nvPr/>
+        </p:nvSpPr>
+        <p:spPr>
+          <a:xfrm>
+            <a:off x="11109674" y="5584223"/>
+            <a:ext cx="289367" cy="313441"/>
+          </a:xfrm>
+          <a:prstGeom prst="rect">
+            <a:avLst/>
+          </a:prstGeom>
+          <a:solidFill>
+            <a:srgbClr val="FFC000"/>
+          </a:solidFill>
+          <a:ln>
+            <a:solidFill>
+              <a:schemeClr val="tx1"/>
+            </a:solidFill>
+          </a:ln>
+        </p:spPr>
+        <p:style>
+          <a:lnRef idx="2">
+            <a:schemeClr val="accent1">
+              <a:shade val="50000"/>
+            </a:schemeClr>
+          </a:lnRef>
+          <a:fillRef idx="1">
+            <a:schemeClr val="accent1"/>
+          </a:fillRef>
+          <a:effectRef idx="0">
+            <a:schemeClr val="accent1"/>
+          </a:effectRef>
+          <a:fontRef idx="minor">
+            <a:schemeClr val="lt1"/>
+          </a:fontRef>
+        </p:style>
+        <p:txBody>
+          <a:bodyPr rtlCol="0" anchor="ctr"/>
+          <a:lstStyle/>
+          <a:p>
+            <a:pPr algn="ctr"/>
+            <a:r>
+              <a:rPr lang="en-CN" sz="1400" b="1" dirty="0">
+                <a:ln>
+                  <a:solidFill>
+                    <a:schemeClr val="tx1"/>
+                  </a:solidFill>
+                </a:ln>
+                <a:solidFill>
+                  <a:sysClr val="windowText" lastClr="000000"/>
+                </a:solidFill>
+              </a:rPr>
+              <a:t>1</a:t>
+            </a:r>
+          </a:p>
+        </p:txBody>
+      </p:sp>
+      <p:cxnSp>
+        <p:nvCxnSpPr>
+          <p:cNvPr id="80" name="Straight Arrow Connector 79">
+            <a:extLst>
+              <a:ext uri="{FF2B5EF4-FFF2-40B4-BE49-F238E27FC236}">
+                <a16:creationId xmlns:a16="http://schemas.microsoft.com/office/drawing/2014/main" id="{3798AFCF-E123-B6BD-6FB1-CBB115F4C1FC}"/>
+              </a:ext>
+            </a:extLst>
+          </p:cNvPr>
+          <p:cNvCxnSpPr>
+            <a:cxnSpLocks/>
+          </p:cNvCxnSpPr>
+          <p:nvPr/>
+        </p:nvCxnSpPr>
+        <p:spPr>
+          <a:xfrm>
+            <a:off x="11277665" y="3261161"/>
+            <a:ext cx="0" cy="357090"/>
+          </a:xfrm>
+          <a:prstGeom prst="straightConnector1">
+            <a:avLst/>
+          </a:prstGeom>
+          <a:ln>
+            <a:solidFill>
+              <a:schemeClr val="tx1"/>
+            </a:solidFill>
+            <a:tailEnd type="triangle"/>
+          </a:ln>
+        </p:spPr>
+        <p:style>
+          <a:lnRef idx="1">
+            <a:schemeClr val="accent1"/>
+          </a:lnRef>
+          <a:fillRef idx="0">
+            <a:schemeClr val="accent1"/>
+          </a:fillRef>
+          <a:effectRef idx="0">
+            <a:schemeClr val="accent1"/>
+          </a:effectRef>
+          <a:fontRef idx="minor">
+            <a:schemeClr val="tx1"/>
+          </a:fontRef>
+        </p:style>
+      </p:cxnSp>
+      <p:cxnSp>
+        <p:nvCxnSpPr>
+          <p:cNvPr id="81" name="Straight Arrow Connector 80">
+            <a:extLst>
+              <a:ext uri="{FF2B5EF4-FFF2-40B4-BE49-F238E27FC236}">
+                <a16:creationId xmlns:a16="http://schemas.microsoft.com/office/drawing/2014/main" id="{EB444452-5A3D-691C-AF30-6CCB858C4E23}"/>
+              </a:ext>
+            </a:extLst>
+          </p:cNvPr>
+          <p:cNvCxnSpPr>
+            <a:cxnSpLocks/>
+          </p:cNvCxnSpPr>
+          <p:nvPr/>
+        </p:nvCxnSpPr>
+        <p:spPr>
+          <a:xfrm>
+            <a:off x="11254358" y="5117854"/>
+            <a:ext cx="0" cy="357090"/>
+          </a:xfrm>
+          <a:prstGeom prst="straightConnector1">
+            <a:avLst/>
+          </a:prstGeom>
+          <a:ln>
+            <a:solidFill>
+              <a:schemeClr val="tx1"/>
+            </a:solidFill>
+            <a:tailEnd type="triangle"/>
+          </a:ln>
+        </p:spPr>
+        <p:style>
+          <a:lnRef idx="1">
+            <a:schemeClr val="accent1"/>
+          </a:lnRef>
+          <a:fillRef idx="0">
+            <a:schemeClr val="accent1"/>
+          </a:fillRef>
+          <a:effectRef idx="0">
+            <a:schemeClr val="accent1"/>
+          </a:effectRef>
+          <a:fontRef idx="minor">
+            <a:schemeClr val="tx1"/>
+          </a:fontRef>
+        </p:style>
+      </p:cxnSp>
+      <p:sp>
+        <p:nvSpPr>
+          <p:cNvPr id="82" name="TextBox 81">
+            <a:extLst>
+              <a:ext uri="{FF2B5EF4-FFF2-40B4-BE49-F238E27FC236}">
+                <a16:creationId xmlns:a16="http://schemas.microsoft.com/office/drawing/2014/main" id="{8A5823A9-38F5-556A-1AC1-1CED71D84A70}"/>
+              </a:ext>
+            </a:extLst>
+          </p:cNvPr>
+          <p:cNvSpPr txBox="1"/>
+          <p:nvPr/>
+        </p:nvSpPr>
+        <p:spPr>
+          <a:xfrm>
+            <a:off x="6580216" y="3418243"/>
+            <a:ext cx="1652034" cy="276999"/>
+          </a:xfrm>
+          <a:prstGeom prst="rect">
+            <a:avLst/>
+          </a:prstGeom>
+          <a:noFill/>
+        </p:spPr>
+        <p:txBody>
+          <a:bodyPr wrap="square" rtlCol="0">
+            <a:spAutoFit/>
+          </a:bodyPr>
+          <a:lstStyle/>
+          <a:p>
+            <a:r>
+              <a:rPr lang="en-CN" sz="1200" dirty="0"/>
+              <a:t>Similar sentence</a:t>
+            </a:r>
+          </a:p>
+        </p:txBody>
+      </p:sp>
+      <p:sp>
+        <p:nvSpPr>
+          <p:cNvPr id="83" name="TextBox 82">
+            <a:extLst>
+              <a:ext uri="{FF2B5EF4-FFF2-40B4-BE49-F238E27FC236}">
+                <a16:creationId xmlns:a16="http://schemas.microsoft.com/office/drawing/2014/main" id="{E46E9AF3-75BE-93CC-0E7D-119732AB7C62}"/>
+              </a:ext>
+            </a:extLst>
+          </p:cNvPr>
+          <p:cNvSpPr txBox="1"/>
+          <p:nvPr/>
+        </p:nvSpPr>
+        <p:spPr>
+          <a:xfrm>
+            <a:off x="6675510" y="4628888"/>
+            <a:ext cx="1652034" cy="276999"/>
+          </a:xfrm>
+          <a:prstGeom prst="rect">
+            <a:avLst/>
+          </a:prstGeom>
+          <a:noFill/>
+        </p:spPr>
+        <p:txBody>
+          <a:bodyPr wrap="square" rtlCol="0">
+            <a:spAutoFit/>
+          </a:bodyPr>
+          <a:lstStyle/>
+          <a:p>
+            <a:r>
+              <a:rPr lang="en-CN" sz="1200" dirty="0"/>
+              <a:t>Similar sentence</a:t>
+            </a:r>
+          </a:p>
+        </p:txBody>
+      </p:sp>
+      <p:sp>
+        <p:nvSpPr>
+          <p:cNvPr id="90" name="TextBox 89">
+            <a:extLst>
+              <a:ext uri="{FF2B5EF4-FFF2-40B4-BE49-F238E27FC236}">
+                <a16:creationId xmlns:a16="http://schemas.microsoft.com/office/drawing/2014/main" id="{118C5724-2674-4544-B1EF-A1229076AE1F}"/>
+              </a:ext>
+            </a:extLst>
+          </p:cNvPr>
+          <p:cNvSpPr txBox="1"/>
+          <p:nvPr/>
+        </p:nvSpPr>
+        <p:spPr>
+          <a:xfrm>
+            <a:off x="8789470" y="5943404"/>
+            <a:ext cx="2483834" cy="369332"/>
+          </a:xfrm>
+          <a:prstGeom prst="rect">
+            <a:avLst/>
+          </a:prstGeom>
+          <a:noFill/>
+        </p:spPr>
+        <p:txBody>
+          <a:bodyPr wrap="square" rtlCol="0">
+            <a:spAutoFit/>
+          </a:bodyPr>
+          <a:lstStyle/>
+          <a:p>
+            <a:r>
+              <a:rPr lang="en-CN" dirty="0">
+                <a:solidFill>
+                  <a:srgbClr val="FF0000"/>
+                </a:solidFill>
+              </a:rPr>
+              <a:t>1      &lt;      2</a:t>
+            </a:r>
+          </a:p>
+        </p:txBody>
+      </p:sp>
+      <p:sp>
+        <p:nvSpPr>
+          <p:cNvPr id="91" name="TextBox 90">
+            <a:extLst>
+              <a:ext uri="{FF2B5EF4-FFF2-40B4-BE49-F238E27FC236}">
+                <a16:creationId xmlns:a16="http://schemas.microsoft.com/office/drawing/2014/main" id="{4D58799A-366A-9344-3306-1D60FE1EB2EE}"/>
+              </a:ext>
+            </a:extLst>
+          </p:cNvPr>
+          <p:cNvSpPr txBox="1"/>
+          <p:nvPr/>
+        </p:nvSpPr>
+        <p:spPr>
+          <a:xfrm>
+            <a:off x="8603689" y="5724344"/>
+            <a:ext cx="1892661" cy="276999"/>
+          </a:xfrm>
+          <a:prstGeom prst="rect">
+            <a:avLst/>
+          </a:prstGeom>
+          <a:noFill/>
+        </p:spPr>
+        <p:txBody>
+          <a:bodyPr wrap="square" rtlCol="0">
+            <a:spAutoFit/>
+          </a:bodyPr>
+          <a:lstStyle/>
+          <a:p>
+            <a:r>
+              <a:rPr lang="en-US" sz="1200" dirty="0"/>
+              <a:t>L</a:t>
+            </a:r>
+            <a:r>
+              <a:rPr lang="en-CN" sz="1200" dirty="0"/>
+              <a:t>abel 1              label 0</a:t>
+            </a:r>
+          </a:p>
+        </p:txBody>
+      </p:sp>
+      <p:sp>
+        <p:nvSpPr>
+          <p:cNvPr id="94" name="Rounded Rectangle 93">
+            <a:extLst>
+              <a:ext uri="{FF2B5EF4-FFF2-40B4-BE49-F238E27FC236}">
+                <a16:creationId xmlns:a16="http://schemas.microsoft.com/office/drawing/2014/main" id="{AF8288FF-431E-81F1-872C-6CC8F83514E9}"/>
+              </a:ext>
+            </a:extLst>
+          </p:cNvPr>
+          <p:cNvSpPr/>
+          <p:nvPr/>
+        </p:nvSpPr>
+        <p:spPr>
+          <a:xfrm>
+            <a:off x="180290" y="2355472"/>
+            <a:ext cx="5521485" cy="4281567"/>
+          </a:xfrm>
+          <a:prstGeom prst="roundRect">
+            <a:avLst/>
+          </a:prstGeom>
+          <a:noFill/>
+          <a:ln>
+            <a:solidFill>
+              <a:schemeClr val="tx1"/>
+            </a:solidFill>
+          </a:ln>
+        </p:spPr>
+        <p:style>
+          <a:lnRef idx="2">
+            <a:schemeClr val="accent6"/>
+          </a:lnRef>
+          <a:fillRef idx="1">
+            <a:schemeClr val="lt1"/>
+          </a:fillRef>
+          <a:effectRef idx="0">
+            <a:schemeClr val="accent6"/>
+          </a:effectRef>
+          <a:fontRef idx="minor">
+            <a:schemeClr val="dk1"/>
+          </a:fontRef>
+        </p:style>
+        <p:txBody>
+          <a:bodyPr rtlCol="0" anchor="ctr"/>
+          <a:lstStyle/>
+          <a:p>
+            <a:pPr algn="ctr"/>
+            <a:endParaRPr lang="en-CN"/>
+          </a:p>
+        </p:txBody>
+      </p:sp>
+      <p:sp>
+        <p:nvSpPr>
+          <p:cNvPr id="95" name="TextBox 94">
+            <a:extLst>
+              <a:ext uri="{FF2B5EF4-FFF2-40B4-BE49-F238E27FC236}">
+                <a16:creationId xmlns:a16="http://schemas.microsoft.com/office/drawing/2014/main" id="{57A40B2C-058F-50F6-9172-DD5812E3A1FB}"/>
+              </a:ext>
+            </a:extLst>
+          </p:cNvPr>
+          <p:cNvSpPr txBox="1"/>
+          <p:nvPr/>
+        </p:nvSpPr>
+        <p:spPr>
+          <a:xfrm>
+            <a:off x="2576425" y="561495"/>
+            <a:ext cx="1652034" cy="261610"/>
+          </a:xfrm>
+          <a:prstGeom prst="rect">
+            <a:avLst/>
+          </a:prstGeom>
+          <a:noFill/>
+        </p:spPr>
+        <p:txBody>
+          <a:bodyPr wrap="square" rtlCol="0">
+            <a:spAutoFit/>
+          </a:bodyPr>
+          <a:lstStyle/>
+          <a:p>
+            <a:r>
+              <a:rPr lang="en-CN" sz="1100" b="1" dirty="0"/>
+              <a:t>Pretrain BERT</a:t>
+            </a:r>
+          </a:p>
+        </p:txBody>
+      </p:sp>
+      <p:sp>
+        <p:nvSpPr>
+          <p:cNvPr id="96" name="TextBox 95">
+            <a:extLst>
+              <a:ext uri="{FF2B5EF4-FFF2-40B4-BE49-F238E27FC236}">
+                <a16:creationId xmlns:a16="http://schemas.microsoft.com/office/drawing/2014/main" id="{BFC58FD9-A893-3A23-D624-26E6BD92291B}"/>
+              </a:ext>
+            </a:extLst>
+          </p:cNvPr>
+          <p:cNvSpPr txBox="1"/>
+          <p:nvPr/>
+        </p:nvSpPr>
+        <p:spPr>
+          <a:xfrm>
+            <a:off x="8944576" y="3767469"/>
+            <a:ext cx="1652034" cy="261610"/>
+          </a:xfrm>
+          <a:prstGeom prst="rect">
+            <a:avLst/>
+          </a:prstGeom>
+          <a:noFill/>
+        </p:spPr>
+        <p:txBody>
+          <a:bodyPr wrap="square" rtlCol="0">
+            <a:spAutoFit/>
+          </a:bodyPr>
+          <a:lstStyle/>
+          <a:p>
+            <a:r>
+              <a:rPr lang="en-CN" sz="1100" b="1" dirty="0"/>
+              <a:t>Pretrain BERT</a:t>
+            </a:r>
+          </a:p>
+        </p:txBody>
+      </p:sp>
+      <p:sp>
+        <p:nvSpPr>
+          <p:cNvPr id="97" name="TextBox 96">
+            <a:extLst>
+              <a:ext uri="{FF2B5EF4-FFF2-40B4-BE49-F238E27FC236}">
+                <a16:creationId xmlns:a16="http://schemas.microsoft.com/office/drawing/2014/main" id="{617E5227-1B8F-AC67-4D8C-D2BBB32B3488}"/>
+              </a:ext>
+            </a:extLst>
+          </p:cNvPr>
+          <p:cNvSpPr txBox="1"/>
+          <p:nvPr/>
+        </p:nvSpPr>
+        <p:spPr>
+          <a:xfrm>
+            <a:off x="10793467" y="3787168"/>
+            <a:ext cx="1652034" cy="261610"/>
+          </a:xfrm>
+          <a:prstGeom prst="rect">
+            <a:avLst/>
+          </a:prstGeom>
+          <a:noFill/>
+        </p:spPr>
+        <p:txBody>
+          <a:bodyPr wrap="square" rtlCol="0">
+            <a:spAutoFit/>
+          </a:bodyPr>
+          <a:lstStyle/>
+          <a:p>
+            <a:r>
+              <a:rPr lang="en-CN" sz="1100" b="1" dirty="0"/>
+              <a:t>Trained BERT</a:t>
+            </a:r>
+          </a:p>
+        </p:txBody>
+      </p:sp>
+      <p:sp>
+        <p:nvSpPr>
+          <p:cNvPr id="99" name="TextBox 98">
+            <a:extLst>
+              <a:ext uri="{FF2B5EF4-FFF2-40B4-BE49-F238E27FC236}">
+                <a16:creationId xmlns:a16="http://schemas.microsoft.com/office/drawing/2014/main" id="{C30CE75A-25DB-126C-BBAA-53981DBBC7A4}"/>
+              </a:ext>
+            </a:extLst>
+          </p:cNvPr>
+          <p:cNvSpPr txBox="1"/>
+          <p:nvPr/>
+        </p:nvSpPr>
+        <p:spPr>
+          <a:xfrm>
+            <a:off x="126478" y="110168"/>
+            <a:ext cx="4855241" cy="307777"/>
+          </a:xfrm>
+          <a:prstGeom prst="rect">
+            <a:avLst/>
+          </a:prstGeom>
+          <a:noFill/>
+        </p:spPr>
+        <p:txBody>
+          <a:bodyPr wrap="square" rtlCol="0">
+            <a:spAutoFit/>
+          </a:bodyPr>
+          <a:lstStyle/>
+          <a:p>
+            <a:r>
+              <a:rPr lang="en-CN" sz="1400" b="1" u="sng" dirty="0"/>
+              <a:t>Situation 2:  Wrong classification on Pretrain BERT</a:t>
+            </a:r>
+          </a:p>
+        </p:txBody>
+      </p:sp>
+      <p:sp>
+        <p:nvSpPr>
+          <p:cNvPr id="100" name="TextBox 99">
+            <a:extLst>
+              <a:ext uri="{FF2B5EF4-FFF2-40B4-BE49-F238E27FC236}">
+                <a16:creationId xmlns:a16="http://schemas.microsoft.com/office/drawing/2014/main" id="{586CBF07-8A73-761A-6D38-2135FF6A9C1E}"/>
+              </a:ext>
+            </a:extLst>
+          </p:cNvPr>
+          <p:cNvSpPr txBox="1"/>
+          <p:nvPr/>
+        </p:nvSpPr>
+        <p:spPr>
+          <a:xfrm>
+            <a:off x="1846150" y="2169447"/>
+            <a:ext cx="2165702" cy="307777"/>
+          </a:xfrm>
+          <a:prstGeom prst="rect">
+            <a:avLst/>
+          </a:prstGeom>
+          <a:solidFill>
+            <a:schemeClr val="bg1"/>
+          </a:solidFill>
+        </p:spPr>
+        <p:txBody>
+          <a:bodyPr wrap="square" rtlCol="0">
+            <a:spAutoFit/>
+          </a:bodyPr>
+          <a:lstStyle/>
+          <a:p>
+            <a:r>
+              <a:rPr lang="en-CN" sz="1400" b="1" dirty="0"/>
+              <a:t>Train, then evaluation</a:t>
+            </a:r>
+          </a:p>
+        </p:txBody>
+      </p:sp>
+      <p:sp>
+        <p:nvSpPr>
+          <p:cNvPr id="101" name="Rounded Rectangle 100">
+            <a:extLst>
+              <a:ext uri="{FF2B5EF4-FFF2-40B4-BE49-F238E27FC236}">
+                <a16:creationId xmlns:a16="http://schemas.microsoft.com/office/drawing/2014/main" id="{A7F272A7-6D1E-A713-7064-1C0071C21280}"/>
+              </a:ext>
+            </a:extLst>
+          </p:cNvPr>
+          <p:cNvSpPr/>
+          <p:nvPr/>
+        </p:nvSpPr>
+        <p:spPr>
+          <a:xfrm>
+            <a:off x="6450312" y="2295421"/>
+            <a:ext cx="5656437" cy="4341623"/>
+          </a:xfrm>
+          <a:prstGeom prst="roundRect">
+            <a:avLst/>
+          </a:prstGeom>
+          <a:noFill/>
+          <a:ln>
+            <a:solidFill>
+              <a:schemeClr val="tx1"/>
+            </a:solidFill>
+          </a:ln>
+        </p:spPr>
+        <p:style>
+          <a:lnRef idx="2">
+            <a:schemeClr val="accent6"/>
+          </a:lnRef>
+          <a:fillRef idx="1">
+            <a:schemeClr val="lt1"/>
+          </a:fillRef>
+          <a:effectRef idx="0">
+            <a:schemeClr val="accent6"/>
+          </a:effectRef>
+          <a:fontRef idx="minor">
+            <a:schemeClr val="dk1"/>
+          </a:fontRef>
+        </p:style>
+        <p:txBody>
+          <a:bodyPr rtlCol="0" anchor="ctr"/>
+          <a:lstStyle/>
+          <a:p>
+            <a:pPr algn="ctr"/>
+            <a:endParaRPr lang="en-CN"/>
+          </a:p>
+        </p:txBody>
+      </p:sp>
+      <p:sp>
+        <p:nvSpPr>
+          <p:cNvPr id="102" name="TextBox 101">
+            <a:extLst>
+              <a:ext uri="{FF2B5EF4-FFF2-40B4-BE49-F238E27FC236}">
+                <a16:creationId xmlns:a16="http://schemas.microsoft.com/office/drawing/2014/main" id="{1BD9F5F7-676B-8873-55A7-8B54E4DC0180}"/>
+              </a:ext>
+            </a:extLst>
+          </p:cNvPr>
+          <p:cNvSpPr txBox="1"/>
+          <p:nvPr/>
+        </p:nvSpPr>
+        <p:spPr>
+          <a:xfrm>
+            <a:off x="7575201" y="2099231"/>
+            <a:ext cx="3843210" cy="307777"/>
+          </a:xfrm>
+          <a:prstGeom prst="rect">
+            <a:avLst/>
+          </a:prstGeom>
+          <a:solidFill>
+            <a:schemeClr val="bg1"/>
+          </a:solidFill>
+        </p:spPr>
+        <p:txBody>
+          <a:bodyPr wrap="square" rtlCol="0">
+            <a:spAutoFit/>
+          </a:bodyPr>
+          <a:lstStyle/>
+          <a:p>
+            <a:r>
+              <a:rPr lang="en-CN" sz="1400" b="1" dirty="0"/>
+              <a:t>Remove one record, train, then evaluation</a:t>
+            </a:r>
+          </a:p>
+        </p:txBody>
+      </p:sp>
+      <p:sp>
+        <p:nvSpPr>
+          <p:cNvPr id="2" name="Oval Callout 1">
+            <a:extLst>
+              <a:ext uri="{FF2B5EF4-FFF2-40B4-BE49-F238E27FC236}">
+                <a16:creationId xmlns:a16="http://schemas.microsoft.com/office/drawing/2014/main" id="{F14F44DE-1682-13C3-B7EA-E3ECC61ADD06}"/>
+              </a:ext>
+            </a:extLst>
+          </p:cNvPr>
+          <p:cNvSpPr/>
+          <p:nvPr/>
+        </p:nvSpPr>
+        <p:spPr>
+          <a:xfrm>
+            <a:off x="7620009" y="3648006"/>
+            <a:ext cx="891691" cy="369330"/>
+          </a:xfrm>
+          <a:prstGeom prst="wedgeEllipseCallout">
+            <a:avLst>
+              <a:gd name="adj1" fmla="val -61501"/>
+              <a:gd name="adj2" fmla="val 82517"/>
+            </a:avLst>
+          </a:prstGeom>
+        </p:spPr>
+        <p:style>
+          <a:lnRef idx="2">
+            <a:schemeClr val="accent1">
+              <a:shade val="50000"/>
+            </a:schemeClr>
+          </a:lnRef>
+          <a:fillRef idx="1">
+            <a:schemeClr val="accent1"/>
+          </a:fillRef>
+          <a:effectRef idx="0">
+            <a:schemeClr val="accent1"/>
+          </a:effectRef>
+          <a:fontRef idx="minor">
+            <a:schemeClr val="lt1"/>
+          </a:fontRef>
+        </p:style>
+        <p:txBody>
+          <a:bodyPr rtlCol="0" anchor="ctr"/>
+          <a:lstStyle/>
+          <a:p>
+            <a:pPr algn="ctr"/>
+            <a:r>
+              <a:rPr lang="en-CN" sz="1000" dirty="0"/>
+              <a:t>Change</a:t>
+            </a:r>
+          </a:p>
+        </p:txBody>
+      </p:sp>
+    </p:spTree>
+    <p:extLst>
+      <p:ext uri="{BB962C8B-B14F-4D97-AF65-F5344CB8AC3E}">
+        <p14:creationId xmlns:p14="http://schemas.microsoft.com/office/powerpoint/2010/main" val="1325673595"/>
+      </p:ext>
+    </p:extLst>
+  </p:cSld>
+  <p:clrMapOvr>
+    <a:masterClrMapping/>
+  </p:clrMapOvr>
+</p:sld>
+</file>
+
+<file path=ppt/slides/slide8.xml><?xml version="1.0" encoding="utf-8"?>
+<p:sld xmlns:a="http://schemas.openxmlformats.org/drawingml/2006/main" xmlns:r="http://schemas.openxmlformats.org/officeDocument/2006/relationships" xmlns:p="http://schemas.openxmlformats.org/presentationml/2006/main">
+  <p:cSld>
+    <p:spTree>
+      <p:nvGrpSpPr>
+        <p:cNvPr id="1" name=""/>
+        <p:cNvGrpSpPr/>
+        <p:nvPr/>
+      </p:nvGrpSpPr>
+      <p:grpSpPr>
+        <a:xfrm>
+          <a:off x="0" y="0"/>
+          <a:ext cx="0" cy="0"/>
+          <a:chOff x="0" y="0"/>
+          <a:chExt cx="0" cy="0"/>
+        </a:xfrm>
+      </p:grpSpPr>
+      <p:pic>
+        <p:nvPicPr>
+          <p:cNvPr id="3" name="图片 2">
+            <a:extLst>
+              <a:ext uri="{FF2B5EF4-FFF2-40B4-BE49-F238E27FC236}">
+                <a16:creationId xmlns:a16="http://schemas.microsoft.com/office/drawing/2014/main" id="{AB77359E-839B-E49A-3EB5-234D0EBF9A02}"/>
+              </a:ext>
+            </a:extLst>
+          </p:cNvPr>
+          <p:cNvPicPr>
+            <a:picLocks noChangeAspect="1"/>
+          </p:cNvPicPr>
+          <p:nvPr/>
+        </p:nvPicPr>
+        <p:blipFill>
+          <a:blip r:embed="rId2"/>
+          <a:stretch>
+            <a:fillRect/>
+          </a:stretch>
+        </p:blipFill>
+        <p:spPr>
+          <a:xfrm>
+            <a:off x="850513" y="3202398"/>
+            <a:ext cx="3854648" cy="882695"/>
+          </a:xfrm>
+          <a:prstGeom prst="rect">
+            <a:avLst/>
+          </a:prstGeom>
+        </p:spPr>
+      </p:pic>
+      <p:pic>
+        <p:nvPicPr>
+          <p:cNvPr id="5" name="图片 4">
+            <a:extLst>
+              <a:ext uri="{FF2B5EF4-FFF2-40B4-BE49-F238E27FC236}">
+                <a16:creationId xmlns:a16="http://schemas.microsoft.com/office/drawing/2014/main" id="{81CE21AF-0E16-E3A7-D50D-9BFB5C6BE45C}"/>
+              </a:ext>
+            </a:extLst>
+          </p:cNvPr>
+          <p:cNvPicPr>
+            <a:picLocks noChangeAspect="1"/>
+          </p:cNvPicPr>
+          <p:nvPr/>
+        </p:nvPicPr>
+        <p:blipFill>
+          <a:blip r:embed="rId3"/>
+          <a:stretch>
+            <a:fillRect/>
+          </a:stretch>
+        </p:blipFill>
+        <p:spPr>
+          <a:xfrm>
+            <a:off x="850513" y="1132019"/>
+            <a:ext cx="4559534" cy="520727"/>
+          </a:xfrm>
+          <a:prstGeom prst="rect">
+            <a:avLst/>
+          </a:prstGeom>
+        </p:spPr>
+      </p:pic>
+      <p:sp>
+        <p:nvSpPr>
+          <p:cNvPr id="6" name="TextBox 98">
+            <a:extLst>
+              <a:ext uri="{FF2B5EF4-FFF2-40B4-BE49-F238E27FC236}">
+                <a16:creationId xmlns:a16="http://schemas.microsoft.com/office/drawing/2014/main" id="{5966B187-62E0-B04B-B614-F130A7357DE5}"/>
+              </a:ext>
+            </a:extLst>
+          </p:cNvPr>
+          <p:cNvSpPr txBox="1"/>
+          <p:nvPr/>
+        </p:nvSpPr>
+        <p:spPr>
+          <a:xfrm>
+            <a:off x="126478" y="110168"/>
+            <a:ext cx="4855241" cy="307777"/>
+          </a:xfrm>
+          <a:prstGeom prst="rect">
+            <a:avLst/>
+          </a:prstGeom>
+          <a:noFill/>
+        </p:spPr>
+        <p:txBody>
+          <a:bodyPr wrap="square" rtlCol="0">
+            <a:spAutoFit/>
+          </a:bodyPr>
+          <a:lstStyle/>
+          <a:p>
+            <a:r>
+              <a:rPr lang="en-CN" sz="1400" b="1" u="sng" dirty="0"/>
+              <a:t>Situation 2:  Wrong classification on Pretrain BERT</a:t>
+            </a:r>
+          </a:p>
+        </p:txBody>
+      </p:sp>
+      <p:sp>
+        <p:nvSpPr>
+          <p:cNvPr id="7" name="椭圆 6">
+            <a:extLst>
+              <a:ext uri="{FF2B5EF4-FFF2-40B4-BE49-F238E27FC236}">
+                <a16:creationId xmlns:a16="http://schemas.microsoft.com/office/drawing/2014/main" id="{4D5F5687-7EA5-267E-73AB-581565507E16}"/>
+              </a:ext>
+            </a:extLst>
+          </p:cNvPr>
+          <p:cNvSpPr/>
+          <p:nvPr/>
+        </p:nvSpPr>
+        <p:spPr>
+          <a:xfrm>
+            <a:off x="3455733" y="1132018"/>
+            <a:ext cx="575940" cy="682927"/>
+          </a:xfrm>
+          <a:prstGeom prst="ellipse">
+            <a:avLst/>
+          </a:prstGeom>
+          <a:noFill/>
+          <a:ln>
+            <a:solidFill>
+              <a:schemeClr val="tx1"/>
+            </a:solidFill>
+          </a:ln>
+        </p:spPr>
+        <p:style>
+          <a:lnRef idx="2">
+            <a:schemeClr val="accent1">
+              <a:shade val="50000"/>
+            </a:schemeClr>
+          </a:lnRef>
+          <a:fillRef idx="1">
+            <a:schemeClr val="accent1"/>
+          </a:fillRef>
+          <a:effectRef idx="0">
+            <a:schemeClr val="accent1"/>
+          </a:effectRef>
+          <a:fontRef idx="minor">
+            <a:schemeClr val="lt1"/>
+          </a:fontRef>
+        </p:style>
+        <p:txBody>
+          <a:bodyPr rtlCol="0" anchor="ctr"/>
+          <a:lstStyle/>
+          <a:p>
+            <a:pPr algn="ctr"/>
+            <a:endParaRPr lang="zh-CN" altLang="en-US"/>
+          </a:p>
+        </p:txBody>
+      </p:sp>
+      <p:sp>
+        <p:nvSpPr>
+          <p:cNvPr id="8" name="椭圆 7">
+            <a:extLst>
+              <a:ext uri="{FF2B5EF4-FFF2-40B4-BE49-F238E27FC236}">
+                <a16:creationId xmlns:a16="http://schemas.microsoft.com/office/drawing/2014/main" id="{6C1D0842-EE03-760C-CF0E-0BCDDB47AB6F}"/>
+              </a:ext>
+            </a:extLst>
+          </p:cNvPr>
+          <p:cNvSpPr/>
+          <p:nvPr/>
+        </p:nvSpPr>
+        <p:spPr>
+          <a:xfrm>
+            <a:off x="4207262" y="1050918"/>
+            <a:ext cx="1279137" cy="682927"/>
+          </a:xfrm>
+          <a:prstGeom prst="ellipse">
+            <a:avLst/>
+          </a:prstGeom>
+          <a:noFill/>
+          <a:ln>
+            <a:solidFill>
+              <a:schemeClr val="tx1"/>
+            </a:solidFill>
+          </a:ln>
+        </p:spPr>
+        <p:style>
+          <a:lnRef idx="2">
+            <a:schemeClr val="accent1">
+              <a:shade val="50000"/>
+            </a:schemeClr>
+          </a:lnRef>
+          <a:fillRef idx="1">
+            <a:schemeClr val="accent1"/>
+          </a:fillRef>
+          <a:effectRef idx="0">
+            <a:schemeClr val="accent1"/>
+          </a:effectRef>
+          <a:fontRef idx="minor">
+            <a:schemeClr val="lt1"/>
+          </a:fontRef>
+        </p:style>
+        <p:txBody>
+          <a:bodyPr rtlCol="0" anchor="ctr"/>
+          <a:lstStyle/>
+          <a:p>
+            <a:pPr algn="ctr"/>
+            <a:endParaRPr lang="zh-CN" altLang="en-US"/>
+          </a:p>
+        </p:txBody>
+      </p:sp>
+      <p:sp>
+        <p:nvSpPr>
+          <p:cNvPr id="9" name="对话气泡: 圆角矩形 8">
+            <a:extLst>
+              <a:ext uri="{FF2B5EF4-FFF2-40B4-BE49-F238E27FC236}">
+                <a16:creationId xmlns:a16="http://schemas.microsoft.com/office/drawing/2014/main" id="{9757EB44-56FE-0F89-8F64-05509F7AB0B1}"/>
+              </a:ext>
+            </a:extLst>
+          </p:cNvPr>
+          <p:cNvSpPr/>
+          <p:nvPr/>
+        </p:nvSpPr>
+        <p:spPr>
+          <a:xfrm>
+            <a:off x="4177302" y="2007733"/>
+            <a:ext cx="1475353" cy="440186"/>
+          </a:xfrm>
+          <a:prstGeom prst="wedgeRoundRectCallout">
+            <a:avLst>
+              <a:gd name="adj1" fmla="val -4887"/>
+              <a:gd name="adj2" fmla="val -89033"/>
+              <a:gd name="adj3" fmla="val 16667"/>
+            </a:avLst>
+          </a:prstGeom>
+          <a:solidFill>
+            <a:schemeClr val="bg1"/>
+          </a:solidFill>
+          <a:ln>
+            <a:solidFill>
+              <a:schemeClr val="tx1"/>
+            </a:solidFill>
+          </a:ln>
+        </p:spPr>
+        <p:style>
+          <a:lnRef idx="2">
+            <a:schemeClr val="accent1">
+              <a:shade val="50000"/>
+            </a:schemeClr>
+          </a:lnRef>
+          <a:fillRef idx="1">
+            <a:schemeClr val="accent1"/>
+          </a:fillRef>
+          <a:effectRef idx="0">
+            <a:schemeClr val="accent1"/>
+          </a:effectRef>
+          <a:fontRef idx="minor">
+            <a:schemeClr val="lt1"/>
+          </a:fontRef>
+        </p:style>
+        <p:txBody>
+          <a:bodyPr rtlCol="0" anchor="ctr"/>
+          <a:lstStyle/>
+          <a:p>
+            <a:pPr algn="ctr"/>
+            <a:r>
+              <a:rPr lang="en-US" altLang="zh-CN" sz="800" dirty="0">
+                <a:solidFill>
+                  <a:schemeClr val="tx1"/>
+                </a:solidFill>
+              </a:rPr>
+              <a:t>Both prediction are wrong.</a:t>
+            </a:r>
+            <a:endParaRPr lang="zh-CN" altLang="en-US" sz="800" dirty="0">
+              <a:solidFill>
+                <a:schemeClr val="tx1"/>
+              </a:solidFill>
+            </a:endParaRPr>
+          </a:p>
+        </p:txBody>
+      </p:sp>
+      <p:sp>
+        <p:nvSpPr>
+          <p:cNvPr id="10" name="文本框 9">
+            <a:extLst>
+              <a:ext uri="{FF2B5EF4-FFF2-40B4-BE49-F238E27FC236}">
+                <a16:creationId xmlns:a16="http://schemas.microsoft.com/office/drawing/2014/main" id="{82A8265B-C05F-69DB-F7F6-0A8102B0EE9D}"/>
+              </a:ext>
+            </a:extLst>
+          </p:cNvPr>
+          <p:cNvSpPr txBox="1"/>
+          <p:nvPr/>
+        </p:nvSpPr>
+        <p:spPr>
+          <a:xfrm>
+            <a:off x="737063" y="602886"/>
+            <a:ext cx="6096000" cy="369332"/>
+          </a:xfrm>
+          <a:prstGeom prst="rect">
+            <a:avLst/>
+          </a:prstGeom>
+          <a:noFill/>
+        </p:spPr>
+        <p:txBody>
+          <a:bodyPr wrap="square">
+            <a:spAutoFit/>
+          </a:bodyPr>
+          <a:lstStyle/>
+          <a:p>
+            <a:r>
+              <a:rPr lang="en-CN" altLang="zh-CN" sz="1800" dirty="0"/>
+              <a:t>Test </a:t>
+            </a:r>
+            <a:r>
+              <a:rPr lang="en-US" altLang="zh-CN" dirty="0"/>
+              <a:t>Sentence</a:t>
+            </a:r>
+            <a:endParaRPr lang="en-CN" altLang="zh-CN" sz="1800" dirty="0"/>
+          </a:p>
+        </p:txBody>
+      </p:sp>
+      <p:sp>
+        <p:nvSpPr>
+          <p:cNvPr id="11" name="文本框 10">
+            <a:extLst>
+              <a:ext uri="{FF2B5EF4-FFF2-40B4-BE49-F238E27FC236}">
+                <a16:creationId xmlns:a16="http://schemas.microsoft.com/office/drawing/2014/main" id="{37CD1B4A-7BC8-B671-DEA5-1DB12ECDE11D}"/>
+              </a:ext>
+            </a:extLst>
+          </p:cNvPr>
+          <p:cNvSpPr txBox="1"/>
+          <p:nvPr/>
+        </p:nvSpPr>
+        <p:spPr>
+          <a:xfrm>
+            <a:off x="737063" y="2835626"/>
+            <a:ext cx="6096000" cy="369332"/>
+          </a:xfrm>
+          <a:prstGeom prst="rect">
+            <a:avLst/>
+          </a:prstGeom>
+          <a:noFill/>
+        </p:spPr>
+        <p:txBody>
+          <a:bodyPr wrap="square">
+            <a:spAutoFit/>
+          </a:bodyPr>
+          <a:lstStyle/>
+          <a:p>
+            <a:r>
+              <a:rPr lang="en-CN" altLang="zh-CN" sz="1800" dirty="0"/>
+              <a:t>T</a:t>
+            </a:r>
+            <a:r>
+              <a:rPr lang="en-US" altLang="zh-CN" sz="1800" dirty="0"/>
+              <a:t>raining</a:t>
+            </a:r>
+            <a:r>
+              <a:rPr lang="en-CN" altLang="zh-CN" sz="1800" dirty="0"/>
+              <a:t> </a:t>
+            </a:r>
+            <a:r>
+              <a:rPr lang="en-US" altLang="zh-CN" dirty="0"/>
+              <a:t>Sentences</a:t>
+            </a:r>
+            <a:endParaRPr lang="en-CN" altLang="zh-CN" sz="1800" dirty="0"/>
+          </a:p>
+        </p:txBody>
+      </p:sp>
+      <p:sp>
+        <p:nvSpPr>
+          <p:cNvPr id="12" name="TextBox 52">
+            <a:extLst>
+              <a:ext uri="{FF2B5EF4-FFF2-40B4-BE49-F238E27FC236}">
+                <a16:creationId xmlns:a16="http://schemas.microsoft.com/office/drawing/2014/main" id="{8D95C1F1-21C3-A685-8324-89BA29A6BBB5}"/>
+              </a:ext>
+            </a:extLst>
+          </p:cNvPr>
+          <p:cNvSpPr txBox="1"/>
+          <p:nvPr/>
+        </p:nvSpPr>
+        <p:spPr>
+          <a:xfrm>
+            <a:off x="5521342" y="3516154"/>
+            <a:ext cx="2483834" cy="369332"/>
+          </a:xfrm>
+          <a:prstGeom prst="rect">
+            <a:avLst/>
+          </a:prstGeom>
+          <a:noFill/>
+        </p:spPr>
+        <p:txBody>
+          <a:bodyPr wrap="square" rtlCol="0">
+            <a:spAutoFit/>
+          </a:bodyPr>
+          <a:lstStyle/>
+          <a:p>
+            <a:r>
+              <a:rPr lang="en-US" dirty="0">
+                <a:solidFill>
+                  <a:srgbClr val="FF0000"/>
+                </a:solidFill>
+              </a:rPr>
+              <a:t>1</a:t>
+            </a:r>
+            <a:r>
+              <a:rPr lang="en-CN" dirty="0">
+                <a:solidFill>
+                  <a:srgbClr val="FF0000"/>
+                </a:solidFill>
+              </a:rPr>
+              <a:t>      </a:t>
+            </a:r>
+            <a:r>
+              <a:rPr lang="en-US" dirty="0">
+                <a:solidFill>
+                  <a:srgbClr val="FF0000"/>
+                </a:solidFill>
+              </a:rPr>
+              <a:t>=</a:t>
+            </a:r>
+            <a:r>
+              <a:rPr lang="en-CN" dirty="0">
+                <a:solidFill>
+                  <a:srgbClr val="FF0000"/>
+                </a:solidFill>
+              </a:rPr>
+              <a:t>      1</a:t>
+            </a:r>
+          </a:p>
+        </p:txBody>
+      </p:sp>
+      <p:sp>
+        <p:nvSpPr>
+          <p:cNvPr id="13" name="TextBox 53">
+            <a:extLst>
+              <a:ext uri="{FF2B5EF4-FFF2-40B4-BE49-F238E27FC236}">
+                <a16:creationId xmlns:a16="http://schemas.microsoft.com/office/drawing/2014/main" id="{069CFC25-FEC4-3825-1E91-4A8037339A8B}"/>
+              </a:ext>
+            </a:extLst>
+          </p:cNvPr>
+          <p:cNvSpPr txBox="1"/>
+          <p:nvPr/>
+        </p:nvSpPr>
+        <p:spPr>
+          <a:xfrm>
+            <a:off x="5394652" y="3325113"/>
+            <a:ext cx="1892661" cy="276999"/>
+          </a:xfrm>
+          <a:prstGeom prst="rect">
+            <a:avLst/>
+          </a:prstGeom>
+          <a:noFill/>
+        </p:spPr>
+        <p:txBody>
+          <a:bodyPr wrap="square" rtlCol="0">
+            <a:spAutoFit/>
+          </a:bodyPr>
+          <a:lstStyle/>
+          <a:p>
+            <a:r>
+              <a:rPr lang="en-US" sz="1200" dirty="0"/>
+              <a:t>L</a:t>
+            </a:r>
+            <a:r>
+              <a:rPr lang="en-CN" sz="1200" dirty="0"/>
+              <a:t>abel 1              label 0</a:t>
+            </a:r>
+          </a:p>
+        </p:txBody>
+      </p:sp>
+    </p:spTree>
+    <p:extLst>
+      <p:ext uri="{BB962C8B-B14F-4D97-AF65-F5344CB8AC3E}">
+        <p14:creationId xmlns:p14="http://schemas.microsoft.com/office/powerpoint/2010/main" val="3134132001"/>
+      </p:ext>
+    </p:extLst>
+  </p:cSld>
+  <p:clrMapOvr>
+    <a:masterClrMapping/>
+  </p:clrMapOvr>
+</p:sld>
+</file>
+
+<file path=ppt/slides/slide9.xml><?xml version="1.0" encoding="utf-8"?>
 <p:sld xmlns:a="http://schemas.openxmlformats.org/drawingml/2006/main" xmlns:r="http://schemas.openxmlformats.org/officeDocument/2006/relationships" xmlns:p="http://schemas.openxmlformats.org/presentationml/2006/main">
   <p:cSld>
     <p:spTree>
